--- a/Document/算法汇报.pptx
+++ b/Document/算法汇报.pptx
@@ -4679,36 +4679,6 @@
           <a:lstStyle/>
           <a:p>
             <a:pPr algn="ctr"/>
-            <a:r>
-              <a:rPr lang="zh-CN" altLang="en-US" sz="1400">
-                <a:solidFill>
-                  <a:schemeClr val="bg1"/>
-                </a:solidFill>
-                <a:latin typeface="微软雅黑" panose="020B0503020204020204" charset="-122"/>
-                <a:ea typeface="微软雅黑" panose="020B0503020204020204" charset="-122"/>
-              </a:rPr>
-              <a:t>报告人：</a:t>
-            </a:r>
-            <a:r>
-              <a:rPr lang="en-US" altLang="zh-CN" sz="1400">
-                <a:solidFill>
-                  <a:schemeClr val="bg1"/>
-                </a:solidFill>
-                <a:latin typeface="微软雅黑" panose="020B0503020204020204" charset="-122"/>
-                <a:ea typeface="微软雅黑" panose="020B0503020204020204" charset="-122"/>
-              </a:rPr>
-              <a:t>PPT</a:t>
-            </a:r>
-            <a:r>
-              <a:rPr lang="zh-CN" altLang="en-US" sz="1400">
-                <a:solidFill>
-                  <a:schemeClr val="bg1"/>
-                </a:solidFill>
-                <a:latin typeface="微软雅黑" panose="020B0503020204020204" charset="-122"/>
-                <a:ea typeface="微软雅黑" panose="020B0503020204020204" charset="-122"/>
-              </a:rPr>
-              <a:t>爱好者    部门：设计部</a:t>
-            </a:r>
             <a:endParaRPr lang="zh-CN" altLang="en-US" sz="1400" dirty="0">
               <a:solidFill>
                 <a:schemeClr val="bg1"/>
@@ -5672,39 +5642,6 @@
       </p:sp>
       <p:sp>
         <p:nvSpPr>
-          <p:cNvPr id="5" name="文本框 24"/>
-          <p:cNvSpPr txBox="1"/>
-          <p:nvPr/>
-        </p:nvSpPr>
-        <p:spPr>
-          <a:xfrm>
-            <a:off x="108074" y="1944092"/>
-            <a:ext cx="5695116" cy="323165"/>
-          </a:xfrm>
-          <a:prstGeom prst="rect">
-            <a:avLst/>
-          </a:prstGeom>
-          <a:noFill/>
-        </p:spPr>
-        <p:txBody>
-          <a:bodyPr wrap="square" rtlCol="0">
-            <a:spAutoFit/>
-          </a:bodyPr>
-          <a:lstStyle/>
-          <a:p>
-            <a:pPr algn="ctr"/>
-            <a:endParaRPr lang="zh-CN" altLang="en-US" sz="1500" dirty="0">
-              <a:solidFill>
-                <a:srgbClr val="919DCB"/>
-              </a:solidFill>
-              <a:latin typeface="微软雅黑" panose="020B0503020204020204" charset="-122"/>
-              <a:ea typeface="微软雅黑" panose="020B0503020204020204" charset="-122"/>
-            </a:endParaRPr>
-          </a:p>
-        </p:txBody>
-      </p:sp>
-      <p:sp>
-        <p:nvSpPr>
           <p:cNvPr id="6" name="文本框 24"/>
           <p:cNvSpPr txBox="1"/>
           <p:nvPr/>
@@ -5866,101 +5803,14 @@
                             </p:stCondLst>
                             <p:childTnLst>
                               <p:par>
-                                <p:cTn id="10" presetID="2" presetClass="entr" presetSubtype="8" fill="hold" grpId="0" nodeType="afterEffect" nodePh="1">
-                                  <p:stCondLst>
-                                    <p:cond delay="0"/>
-                                  </p:stCondLst>
-                                  <p:endCondLst>
-                                    <p:cond evt="begin" delay="0">
-                                      <p:tn val="10"/>
-                                    </p:cond>
-                                  </p:endCondLst>
-                                  <p:childTnLst>
-                                    <p:set>
-                                      <p:cBhvr>
-                                        <p:cTn id="11" dur="1" fill="hold">
-                                          <p:stCondLst>
-                                            <p:cond delay="0"/>
-                                          </p:stCondLst>
-                                        </p:cTn>
-                                        <p:tgtEl>
-                                          <p:spTgt spid="5"/>
-                                        </p:tgtEl>
-                                        <p:attrNameLst>
-                                          <p:attrName>style.visibility</p:attrName>
-                                        </p:attrNameLst>
-                                      </p:cBhvr>
-                                      <p:to>
-                                        <p:strVal val="visible"/>
-                                      </p:to>
-                                    </p:set>
-                                    <p:anim calcmode="lin" valueType="num">
-                                      <p:cBhvr additive="base">
-                                        <p:cTn id="12" dur="500" fill="hold"/>
-                                        <p:tgtEl>
-                                          <p:spTgt spid="5"/>
-                                        </p:tgtEl>
-                                        <p:attrNameLst>
-                                          <p:attrName>ppt_x</p:attrName>
-                                        </p:attrNameLst>
-                                      </p:cBhvr>
-                                      <p:tavLst>
-                                        <p:tav tm="0">
-                                          <p:val>
-                                            <p:strVal val="0-#ppt_w/2"/>
-                                          </p:val>
-                                        </p:tav>
-                                        <p:tav tm="100000">
-                                          <p:val>
-                                            <p:strVal val="#ppt_x"/>
-                                          </p:val>
-                                        </p:tav>
-                                      </p:tavLst>
-                                    </p:anim>
-                                    <p:anim calcmode="lin" valueType="num">
-                                      <p:cBhvr additive="base">
-                                        <p:cTn id="13" dur="500" fill="hold"/>
-                                        <p:tgtEl>
-                                          <p:spTgt spid="5"/>
-                                        </p:tgtEl>
-                                        <p:attrNameLst>
-                                          <p:attrName>ppt_y</p:attrName>
-                                        </p:attrNameLst>
-                                      </p:cBhvr>
-                                      <p:tavLst>
-                                        <p:tav tm="0">
-                                          <p:val>
-                                            <p:strVal val="#ppt_y"/>
-                                          </p:val>
-                                        </p:tav>
-                                        <p:tav tm="100000">
-                                          <p:val>
-                                            <p:strVal val="#ppt_y"/>
-                                          </p:val>
-                                        </p:tav>
-                                      </p:tavLst>
-                                    </p:anim>
-                                  </p:childTnLst>
-                                </p:cTn>
-                              </p:par>
-                            </p:childTnLst>
-                          </p:cTn>
-                        </p:par>
-                        <p:par>
-                          <p:cTn id="14" fill="hold">
-                            <p:stCondLst>
-                              <p:cond delay="1000"/>
-                            </p:stCondLst>
-                            <p:childTnLst>
-                              <p:par>
-                                <p:cTn id="15" presetID="2" presetClass="entr" presetSubtype="4" fill="hold" grpId="0" nodeType="afterEffect">
+                                <p:cTn id="10" presetID="2" presetClass="entr" presetSubtype="4" fill="hold" grpId="0" nodeType="afterEffect">
                                   <p:stCondLst>
                                     <p:cond delay="0"/>
                                   </p:stCondLst>
                                   <p:childTnLst>
                                     <p:set>
                                       <p:cBhvr>
-                                        <p:cTn id="16" dur="1" fill="hold">
+                                        <p:cTn id="11" dur="1" fill="hold">
                                           <p:stCondLst>
                                             <p:cond delay="0"/>
                                           </p:stCondLst>
@@ -5978,7 +5828,7 @@
                                     </p:set>
                                     <p:anim calcmode="lin" valueType="num">
                                       <p:cBhvr additive="base">
-                                        <p:cTn id="17" dur="500" fill="hold"/>
+                                        <p:cTn id="12" dur="500" fill="hold"/>
                                         <p:tgtEl>
                                           <p:spTgt spid="6"/>
                                         </p:tgtEl>
@@ -6001,7 +5851,7 @@
                                     </p:anim>
                                     <p:anim calcmode="lin" valueType="num">
                                       <p:cBhvr additive="base">
-                                        <p:cTn id="18" dur="500" fill="hold"/>
+                                        <p:cTn id="13" dur="500" fill="hold"/>
                                         <p:tgtEl>
                                           <p:spTgt spid="6"/>
                                         </p:tgtEl>
@@ -6054,7 +5904,6 @@
     </p:tnLst>
     <p:bldLst>
       <p:bldP spid="4" grpId="0"/>
-      <p:bldP spid="5" grpId="0"/>
       <p:bldP spid="6" grpId="0" animBg="1"/>
     </p:bldLst>
   </p:timing>
@@ -7864,7 +7713,7 @@
         </p:blipFill>
         <p:spPr>
           <a:xfrm>
-            <a:off x="5364658" y="776402"/>
+            <a:off x="324099" y="679135"/>
             <a:ext cx="2088232" cy="3841315"/>
           </a:xfrm>
           <a:prstGeom prst="rect">
@@ -7882,13 +7731,13 @@
   <p:clrMapOvr>
     <a:masterClrMapping/>
   </p:clrMapOvr>
-  <mc:AlternateContent xmlns:mc="http://schemas.openxmlformats.org/markup-compatibility/2006">
-    <mc:Choice xmlns:p14="http://schemas.microsoft.com/office/powerpoint/2010/main" Requires="p14">
+  <mc:AlternateContent xmlns:mc="http://schemas.openxmlformats.org/markup-compatibility/2006" xmlns:p14="http://schemas.microsoft.com/office/powerpoint/2010/main">
+    <mc:Choice Requires="p14">
       <p:transition spd="med" p14:dur="700" advTm="2376">
         <p:fade/>
       </p:transition>
     </mc:Choice>
-    <mc:Fallback>
+    <mc:Fallback xmlns="">
       <p:transition spd="med" advTm="2376">
         <p:fade/>
       </p:transition>
@@ -8487,6 +8336,69 @@
           </a:p>
         </p:txBody>
       </p:sp>
+      <p:graphicFrame>
+        <p:nvGraphicFramePr>
+          <p:cNvPr id="2" name="对象 1">
+            <a:extLst>
+              <a:ext uri="{FF2B5EF4-FFF2-40B4-BE49-F238E27FC236}">
+                <a16:creationId xmlns:a16="http://schemas.microsoft.com/office/drawing/2014/main" id="{695DDC6D-0058-0DA6-21C2-4444E1795827}"/>
+              </a:ext>
+            </a:extLst>
+          </p:cNvPr>
+          <p:cNvGraphicFramePr>
+            <a:graphicFrameLocks noChangeAspect="1"/>
+          </p:cNvGraphicFramePr>
+          <p:nvPr>
+            <p:extLst>
+              <p:ext uri="{D42A27DB-BD31-4B8C-83A1-F6EECF244321}">
+                <p14:modId xmlns:p14="http://schemas.microsoft.com/office/powerpoint/2010/main" val="4099489749"/>
+              </p:ext>
+            </p:extLst>
+          </p:nvPr>
+        </p:nvGraphicFramePr>
+        <p:xfrm>
+          <a:off x="243974" y="900420"/>
+          <a:ext cx="1456392" cy="938014"/>
+        </p:xfrm>
+        <a:graphic>
+          <a:graphicData uri="http://schemas.openxmlformats.org/presentationml/2006/ole">
+            <mc:AlternateContent xmlns:mc="http://schemas.openxmlformats.org/markup-compatibility/2006">
+              <mc:Choice xmlns:v="urn:schemas-microsoft-com:vml" Requires="v">
+                <p:oleObj name="包装程序外壳对象" showAsIcon="1" r:id="rId4" imgW="561240" imgH="362160" progId="Package">
+                  <p:embed/>
+                </p:oleObj>
+              </mc:Choice>
+              <mc:Fallback>
+                <p:oleObj name="包装程序外壳对象" showAsIcon="1" r:id="rId4" imgW="561240" imgH="362160" progId="Package">
+                  <p:embed/>
+                  <p:pic>
+                    <p:nvPicPr>
+                      <p:cNvPr id="0" name=""/>
+                      <p:cNvPicPr/>
+                      <p:nvPr/>
+                    </p:nvPicPr>
+                    <p:blipFill>
+                      <a:blip r:embed="rId5"/>
+                      <a:stretch>
+                        <a:fillRect/>
+                      </a:stretch>
+                    </p:blipFill>
+                    <p:spPr>
+                      <a:xfrm>
+                        <a:off x="243974" y="900420"/>
+                        <a:ext cx="1456392" cy="938014"/>
+                      </a:xfrm>
+                      <a:prstGeom prst="rect">
+                        <a:avLst/>
+                      </a:prstGeom>
+                    </p:spPr>
+                  </p:pic>
+                </p:oleObj>
+              </mc:Fallback>
+            </mc:AlternateContent>
+          </a:graphicData>
+        </a:graphic>
+      </p:graphicFrame>
     </p:spTree>
     <p:extLst>
       <p:ext uri="{BB962C8B-B14F-4D97-AF65-F5344CB8AC3E}">

--- a/Document/算法汇报.pptx
+++ b/Document/算法汇报.pptx
@@ -1,36 +1,39 @@
 
 <file path=ppt/presentation.xml><?xml version="1.0" encoding="utf-8"?>
-<p:presentation xmlns:a="http://schemas.openxmlformats.org/drawingml/2006/main" xmlns:r="http://schemas.openxmlformats.org/officeDocument/2006/relationships" xmlns:p="http://schemas.openxmlformats.org/presentationml/2006/main" saveSubsetFonts="1">
+<p:presentation xmlns:a="http://schemas.openxmlformats.org/drawingml/2006/main" xmlns:r="http://schemas.openxmlformats.org/officeDocument/2006/relationships" xmlns:p="http://schemas.openxmlformats.org/presentationml/2006/main">
   <p:sldMasterIdLst>
     <p:sldMasterId id="2147483648" r:id="rId1"/>
   </p:sldMasterIdLst>
   <p:notesMasterIdLst>
-    <p:notesMasterId r:id="rId14"/>
+    <p:notesMasterId r:id="rId4"/>
   </p:notesMasterIdLst>
   <p:sldIdLst>
-    <p:sldId id="256" r:id="rId2"/>
-    <p:sldId id="257" r:id="rId3"/>
-    <p:sldId id="258" r:id="rId4"/>
-    <p:sldId id="259" r:id="rId5"/>
-    <p:sldId id="285" r:id="rId6"/>
-    <p:sldId id="281" r:id="rId7"/>
-    <p:sldId id="266" r:id="rId8"/>
-    <p:sldId id="282" r:id="rId9"/>
-    <p:sldId id="270" r:id="rId10"/>
-    <p:sldId id="283" r:id="rId11"/>
-    <p:sldId id="276" r:id="rId12"/>
-    <p:sldId id="284" r:id="rId13"/>
+    <p:sldId id="256" r:id="rId3"/>
+    <p:sldId id="257" r:id="rId5"/>
+    <p:sldId id="258" r:id="rId6"/>
+    <p:sldId id="259" r:id="rId7"/>
+    <p:sldId id="285" r:id="rId8"/>
+    <p:sldId id="293" r:id="rId9"/>
+    <p:sldId id="295" r:id="rId10"/>
+    <p:sldId id="281" r:id="rId11"/>
+    <p:sldId id="266" r:id="rId12"/>
+    <p:sldId id="282" r:id="rId13"/>
+    <p:sldId id="270" r:id="rId14"/>
+    <p:sldId id="283" r:id="rId15"/>
+    <p:sldId id="297" r:id="rId16"/>
+    <p:sldId id="298" r:id="rId17"/>
+    <p:sldId id="284" r:id="rId18"/>
   </p:sldIdLst>
-  <p:sldSz cx="9001125" cy="5040313"/>
+  <p:sldSz cx="9001125" cy="5039995"/>
   <p:notesSz cx="6858000" cy="9144000"/>
   <p:custDataLst>
-    <p:tags r:id="rId15"/>
+    <p:tags r:id="rId22"/>
   </p:custDataLst>
   <p:defaultTextStyle>
     <a:defPPr>
       <a:defRPr lang="zh-CN"/>
     </a:defPPr>
-    <a:lvl1pPr marL="0" algn="l" defTabSz="802295" rtl="0" eaLnBrk="1" latinLnBrk="0" hangingPunct="1">
+    <a:lvl1pPr marL="0" algn="l" defTabSz="802005" rtl="0" eaLnBrk="1" latinLnBrk="0" hangingPunct="1">
       <a:defRPr sz="1600" kern="1200">
         <a:solidFill>
           <a:schemeClr val="tx1"/>
@@ -40,7 +43,7 @@
         <a:cs typeface="+mn-cs"/>
       </a:defRPr>
     </a:lvl1pPr>
-    <a:lvl2pPr marL="401147" algn="l" defTabSz="802295" rtl="0" eaLnBrk="1" latinLnBrk="0" hangingPunct="1">
+    <a:lvl2pPr marL="401320" algn="l" defTabSz="802005" rtl="0" eaLnBrk="1" latinLnBrk="0" hangingPunct="1">
       <a:defRPr sz="1600" kern="1200">
         <a:solidFill>
           <a:schemeClr val="tx1"/>
@@ -50,7 +53,7 @@
         <a:cs typeface="+mn-cs"/>
       </a:defRPr>
     </a:lvl2pPr>
-    <a:lvl3pPr marL="802295" algn="l" defTabSz="802295" rtl="0" eaLnBrk="1" latinLnBrk="0" hangingPunct="1">
+    <a:lvl3pPr marL="802005" algn="l" defTabSz="802005" rtl="0" eaLnBrk="1" latinLnBrk="0" hangingPunct="1">
       <a:defRPr sz="1600" kern="1200">
         <a:solidFill>
           <a:schemeClr val="tx1"/>
@@ -60,7 +63,7 @@
         <a:cs typeface="+mn-cs"/>
       </a:defRPr>
     </a:lvl3pPr>
-    <a:lvl4pPr marL="1203442" algn="l" defTabSz="802295" rtl="0" eaLnBrk="1" latinLnBrk="0" hangingPunct="1">
+    <a:lvl4pPr marL="1203325" algn="l" defTabSz="802005" rtl="0" eaLnBrk="1" latinLnBrk="0" hangingPunct="1">
       <a:defRPr sz="1600" kern="1200">
         <a:solidFill>
           <a:schemeClr val="tx1"/>
@@ -70,7 +73,7 @@
         <a:cs typeface="+mn-cs"/>
       </a:defRPr>
     </a:lvl4pPr>
-    <a:lvl5pPr marL="1604589" algn="l" defTabSz="802295" rtl="0" eaLnBrk="1" latinLnBrk="0" hangingPunct="1">
+    <a:lvl5pPr marL="1604645" algn="l" defTabSz="802005" rtl="0" eaLnBrk="1" latinLnBrk="0" hangingPunct="1">
       <a:defRPr sz="1600" kern="1200">
         <a:solidFill>
           <a:schemeClr val="tx1"/>
@@ -80,7 +83,7 @@
         <a:cs typeface="+mn-cs"/>
       </a:defRPr>
     </a:lvl5pPr>
-    <a:lvl6pPr marL="2005736" algn="l" defTabSz="802295" rtl="0" eaLnBrk="1" latinLnBrk="0" hangingPunct="1">
+    <a:lvl6pPr marL="2005965" algn="l" defTabSz="802005" rtl="0" eaLnBrk="1" latinLnBrk="0" hangingPunct="1">
       <a:defRPr sz="1600" kern="1200">
         <a:solidFill>
           <a:schemeClr val="tx1"/>
@@ -90,7 +93,7 @@
         <a:cs typeface="+mn-cs"/>
       </a:defRPr>
     </a:lvl6pPr>
-    <a:lvl7pPr marL="2406884" algn="l" defTabSz="802295" rtl="0" eaLnBrk="1" latinLnBrk="0" hangingPunct="1">
+    <a:lvl7pPr marL="2406650" algn="l" defTabSz="802005" rtl="0" eaLnBrk="1" latinLnBrk="0" hangingPunct="1">
       <a:defRPr sz="1600" kern="1200">
         <a:solidFill>
           <a:schemeClr val="tx1"/>
@@ -100,7 +103,7 @@
         <a:cs typeface="+mn-cs"/>
       </a:defRPr>
     </a:lvl7pPr>
-    <a:lvl8pPr marL="2808031" algn="l" defTabSz="802295" rtl="0" eaLnBrk="1" latinLnBrk="0" hangingPunct="1">
+    <a:lvl8pPr marL="2807970" algn="l" defTabSz="802005" rtl="0" eaLnBrk="1" latinLnBrk="0" hangingPunct="1">
       <a:defRPr sz="1600" kern="1200">
         <a:solidFill>
           <a:schemeClr val="tx1"/>
@@ -110,7 +113,7 @@
         <a:cs typeface="+mn-cs"/>
       </a:defRPr>
     </a:lvl8pPr>
-    <a:lvl9pPr marL="3209178" algn="l" defTabSz="802295" rtl="0" eaLnBrk="1" latinLnBrk="0" hangingPunct="1">
+    <a:lvl9pPr marL="3209290" algn="l" defTabSz="802005" rtl="0" eaLnBrk="1" latinLnBrk="0" hangingPunct="1">
       <a:defRPr sz="1600" kern="1200">
         <a:solidFill>
           <a:schemeClr val="tx1"/>
@@ -121,22 +124,6 @@
       </a:defRPr>
     </a:lvl9pPr>
   </p:defaultTextStyle>
-  <p:extLst>
-    <p:ext uri="{EFAFB233-063F-42B5-8137-9DF3F51BA10A}">
-      <p15:sldGuideLst xmlns:p15="http://schemas.microsoft.com/office/powerpoint/2012/main">
-        <p15:guide id="1" orient="horz" pos="1588">
-          <p15:clr>
-            <a:srgbClr val="A4A3A4"/>
-          </p15:clr>
-        </p15:guide>
-        <p15:guide id="2" pos="2835">
-          <p15:clr>
-            <a:srgbClr val="A4A3A4"/>
-          </p15:clr>
-        </p15:guide>
-      </p15:sldGuideLst>
-    </p:ext>
-  </p:extLst>
 </p:presentation>
 </file>
 
@@ -222,7 +209,6 @@
           <a:p>
             <a:fld id="{BD1AB398-9F21-423B-B22B-1C9484A4DD86}" type="datetimeFigureOut">
               <a:rPr lang="zh-CN" altLang="en-US" smtClean="0"/>
-              <a:t>2022/11/21</a:t>
             </a:fld>
             <a:endParaRPr lang="zh-CN" altLang="en-US"/>
           </a:p>
@@ -289,6 +275,7 @@
               <a:rPr lang="zh-CN" altLang="en-US"/>
               <a:t>编辑母版文本样式</a:t>
             </a:r>
+            <a:endParaRPr lang="zh-CN" altLang="en-US"/>
           </a:p>
           <a:p>
             <a:pPr lvl="1"/>
@@ -296,6 +283,7 @@
               <a:rPr lang="zh-CN" altLang="en-US"/>
               <a:t>第二级</a:t>
             </a:r>
+            <a:endParaRPr lang="zh-CN" altLang="en-US"/>
           </a:p>
           <a:p>
             <a:pPr lvl="2"/>
@@ -303,6 +291,7 @@
               <a:rPr lang="zh-CN" altLang="en-US"/>
               <a:t>第三级</a:t>
             </a:r>
+            <a:endParaRPr lang="zh-CN" altLang="en-US"/>
           </a:p>
           <a:p>
             <a:pPr lvl="3"/>
@@ -310,6 +299,7 @@
               <a:rPr lang="zh-CN" altLang="en-US"/>
               <a:t>第四级</a:t>
             </a:r>
+            <a:endParaRPr lang="zh-CN" altLang="en-US"/>
           </a:p>
           <a:p>
             <a:pPr lvl="4"/>
@@ -317,6 +307,7 @@
               <a:rPr lang="zh-CN" altLang="en-US"/>
               <a:t>第五级</a:t>
             </a:r>
+            <a:endParaRPr lang="zh-CN" altLang="en-US"/>
           </a:p>
         </p:txBody>
       </p:sp>
@@ -380,18 +371,12 @@
           <a:p>
             <a:fld id="{44136873-609B-492A-87B1-54A93CD1BD9C}" type="slidenum">
               <a:rPr lang="zh-CN" altLang="en-US" smtClean="0"/>
-              <a:t>‹#›</a:t>
             </a:fld>
             <a:endParaRPr lang="zh-CN" altLang="en-US"/>
           </a:p>
         </p:txBody>
       </p:sp>
     </p:spTree>
-    <p:extLst>
-      <p:ext uri="{BB962C8B-B14F-4D97-AF65-F5344CB8AC3E}">
-        <p14:creationId xmlns:p14="http://schemas.microsoft.com/office/powerpoint/2010/main" val="1882272410"/>
-      </p:ext>
-    </p:extLst>
   </p:cSld>
   <p:clrMap bg1="lt1" tx1="dk1" bg2="lt2" tx2="dk2" accent1="accent1" accent2="accent2" accent3="accent3" accent4="accent4" accent5="accent5" accent6="accent6" hlink="hlink" folHlink="folHlink"/>
   <p:notesStyle>
@@ -561,11 +546,6 @@
         </p:txBody>
       </p:sp>
     </p:spTree>
-    <p:extLst>
-      <p:ext uri="{BB962C8B-B14F-4D97-AF65-F5344CB8AC3E}">
-        <p14:creationId xmlns:p14="http://schemas.microsoft.com/office/powerpoint/2010/main" val="1203670286"/>
-      </p:ext>
-    </p:extLst>
   </p:cSld>
   <p:clrMapOvr>
     <a:masterClrMapping/>
@@ -638,18 +618,13 @@
           <a:p>
             <a:r>
               <a:rPr lang="en-US" altLang="zh-CN"/>
-              <a:t>20</a:t>
+              <a:t>14</a:t>
             </a:r>
             <a:endParaRPr lang="zh-CN" altLang="en-US"/>
           </a:p>
         </p:txBody>
       </p:sp>
     </p:spTree>
-    <p:extLst>
-      <p:ext uri="{BB962C8B-B14F-4D97-AF65-F5344CB8AC3E}">
-        <p14:creationId xmlns:p14="http://schemas.microsoft.com/office/powerpoint/2010/main" val="3177297046"/>
-      </p:ext>
-    </p:extLst>
   </p:cSld>
   <p:clrMapOvr>
     <a:masterClrMapping/>
@@ -722,18 +697,13 @@
           <a:p>
             <a:r>
               <a:rPr lang="en-US" altLang="zh-CN"/>
-              <a:t>21</a:t>
+              <a:t>15</a:t>
             </a:r>
             <a:endParaRPr lang="zh-CN" altLang="en-US"/>
           </a:p>
         </p:txBody>
       </p:sp>
     </p:spTree>
-    <p:extLst>
-      <p:ext uri="{BB962C8B-B14F-4D97-AF65-F5344CB8AC3E}">
-        <p14:creationId xmlns:p14="http://schemas.microsoft.com/office/powerpoint/2010/main" val="1149299000"/>
-      </p:ext>
-    </p:extLst>
   </p:cSld>
   <p:clrMapOvr>
     <a:masterClrMapping/>
@@ -806,6 +776,243 @@
           <a:p>
             <a:r>
               <a:rPr lang="en-US" altLang="zh-CN"/>
+              <a:t>20</a:t>
+            </a:r>
+            <a:endParaRPr lang="zh-CN" altLang="en-US"/>
+          </a:p>
+        </p:txBody>
+      </p:sp>
+    </p:spTree>
+  </p:cSld>
+  <p:clrMapOvr>
+    <a:masterClrMapping/>
+  </p:clrMapOvr>
+</p:notes>
+</file>
+
+<file path=ppt/notesSlides/notesSlide13.xml><?xml version="1.0" encoding="utf-8"?>
+<p:notes xmlns:a="http://schemas.openxmlformats.org/drawingml/2006/main" xmlns:r="http://schemas.openxmlformats.org/officeDocument/2006/relationships" xmlns:p="http://schemas.openxmlformats.org/presentationml/2006/main">
+  <p:cSld>
+    <p:spTree>
+      <p:nvGrpSpPr>
+        <p:cNvPr id="1" name=""/>
+        <p:cNvGrpSpPr/>
+        <p:nvPr/>
+      </p:nvGrpSpPr>
+      <p:grpSpPr>
+        <a:xfrm>
+          <a:off x="0" y="0"/>
+          <a:ext cx="0" cy="0"/>
+          <a:chOff x="0" y="0"/>
+          <a:chExt cx="0" cy="0"/>
+        </a:xfrm>
+      </p:grpSpPr>
+      <p:sp>
+        <p:nvSpPr>
+          <p:cNvPr id="2" name="幻灯片图像占位符 1"/>
+          <p:cNvSpPr>
+            <a:spLocks noGrp="1" noRot="1" noChangeAspect="1"/>
+          </p:cNvSpPr>
+          <p:nvPr>
+            <p:ph type="sldImg"/>
+          </p:nvPr>
+        </p:nvSpPr>
+        <p:spPr/>
+      </p:sp>
+      <p:sp>
+        <p:nvSpPr>
+          <p:cNvPr id="3" name="备注占位符 2"/>
+          <p:cNvSpPr>
+            <a:spLocks noGrp="1"/>
+          </p:cNvSpPr>
+          <p:nvPr>
+            <p:ph type="body" idx="1"/>
+          </p:nvPr>
+        </p:nvSpPr>
+        <p:spPr/>
+        <p:txBody>
+          <a:bodyPr/>
+          <a:lstStyle/>
+          <a:p>
+            <a:endParaRPr lang="zh-CN" altLang="en-US"/>
+          </a:p>
+        </p:txBody>
+      </p:sp>
+      <p:sp>
+        <p:nvSpPr>
+          <p:cNvPr id="4" name="灯片编号占位符 3"/>
+          <p:cNvSpPr>
+            <a:spLocks noGrp="1"/>
+          </p:cNvSpPr>
+          <p:nvPr>
+            <p:ph type="sldNum" sz="quarter" idx="10"/>
+          </p:nvPr>
+        </p:nvSpPr>
+        <p:spPr/>
+        <p:txBody>
+          <a:bodyPr/>
+          <a:lstStyle/>
+          <a:p>
+            <a:r>
+              <a:rPr lang="en-US" altLang="zh-CN"/>
+              <a:t>21</a:t>
+            </a:r>
+            <a:endParaRPr lang="zh-CN" altLang="en-US"/>
+          </a:p>
+        </p:txBody>
+      </p:sp>
+    </p:spTree>
+  </p:cSld>
+  <p:clrMapOvr>
+    <a:masterClrMapping/>
+  </p:clrMapOvr>
+</p:notes>
+</file>
+
+<file path=ppt/notesSlides/notesSlide14.xml><?xml version="1.0" encoding="utf-8"?>
+<p:notes xmlns:a="http://schemas.openxmlformats.org/drawingml/2006/main" xmlns:r="http://schemas.openxmlformats.org/officeDocument/2006/relationships" xmlns:p="http://schemas.openxmlformats.org/presentationml/2006/main">
+  <p:cSld>
+    <p:spTree>
+      <p:nvGrpSpPr>
+        <p:cNvPr id="1" name=""/>
+        <p:cNvGrpSpPr/>
+        <p:nvPr/>
+      </p:nvGrpSpPr>
+      <p:grpSpPr>
+        <a:xfrm>
+          <a:off x="0" y="0"/>
+          <a:ext cx="0" cy="0"/>
+          <a:chOff x="0" y="0"/>
+          <a:chExt cx="0" cy="0"/>
+        </a:xfrm>
+      </p:grpSpPr>
+      <p:sp>
+        <p:nvSpPr>
+          <p:cNvPr id="2" name="幻灯片图像占位符 1"/>
+          <p:cNvSpPr>
+            <a:spLocks noGrp="1" noRot="1" noChangeAspect="1"/>
+          </p:cNvSpPr>
+          <p:nvPr>
+            <p:ph type="sldImg"/>
+          </p:nvPr>
+        </p:nvSpPr>
+        <p:spPr/>
+      </p:sp>
+      <p:sp>
+        <p:nvSpPr>
+          <p:cNvPr id="3" name="备注占位符 2"/>
+          <p:cNvSpPr>
+            <a:spLocks noGrp="1"/>
+          </p:cNvSpPr>
+          <p:nvPr>
+            <p:ph type="body" idx="1"/>
+          </p:nvPr>
+        </p:nvSpPr>
+        <p:spPr/>
+        <p:txBody>
+          <a:bodyPr/>
+          <a:lstStyle/>
+          <a:p>
+            <a:endParaRPr lang="zh-CN" altLang="en-US"/>
+          </a:p>
+        </p:txBody>
+      </p:sp>
+      <p:sp>
+        <p:nvSpPr>
+          <p:cNvPr id="4" name="灯片编号占位符 3"/>
+          <p:cNvSpPr>
+            <a:spLocks noGrp="1"/>
+          </p:cNvSpPr>
+          <p:nvPr>
+            <p:ph type="sldNum" sz="quarter" idx="10"/>
+          </p:nvPr>
+        </p:nvSpPr>
+        <p:spPr/>
+        <p:txBody>
+          <a:bodyPr/>
+          <a:lstStyle/>
+          <a:p>
+            <a:r>
+              <a:rPr lang="en-US" altLang="zh-CN"/>
+              <a:t>21</a:t>
+            </a:r>
+            <a:endParaRPr lang="zh-CN" altLang="en-US"/>
+          </a:p>
+        </p:txBody>
+      </p:sp>
+    </p:spTree>
+  </p:cSld>
+  <p:clrMapOvr>
+    <a:masterClrMapping/>
+  </p:clrMapOvr>
+</p:notes>
+</file>
+
+<file path=ppt/notesSlides/notesSlide15.xml><?xml version="1.0" encoding="utf-8"?>
+<p:notes xmlns:a="http://schemas.openxmlformats.org/drawingml/2006/main" xmlns:r="http://schemas.openxmlformats.org/officeDocument/2006/relationships" xmlns:p="http://schemas.openxmlformats.org/presentationml/2006/main">
+  <p:cSld>
+    <p:spTree>
+      <p:nvGrpSpPr>
+        <p:cNvPr id="1" name=""/>
+        <p:cNvGrpSpPr/>
+        <p:nvPr/>
+      </p:nvGrpSpPr>
+      <p:grpSpPr>
+        <a:xfrm>
+          <a:off x="0" y="0"/>
+          <a:ext cx="0" cy="0"/>
+          <a:chOff x="0" y="0"/>
+          <a:chExt cx="0" cy="0"/>
+        </a:xfrm>
+      </p:grpSpPr>
+      <p:sp>
+        <p:nvSpPr>
+          <p:cNvPr id="2" name="幻灯片图像占位符 1"/>
+          <p:cNvSpPr>
+            <a:spLocks noGrp="1" noRot="1" noChangeAspect="1"/>
+          </p:cNvSpPr>
+          <p:nvPr>
+            <p:ph type="sldImg"/>
+          </p:nvPr>
+        </p:nvSpPr>
+        <p:spPr/>
+      </p:sp>
+      <p:sp>
+        <p:nvSpPr>
+          <p:cNvPr id="3" name="备注占位符 2"/>
+          <p:cNvSpPr>
+            <a:spLocks noGrp="1"/>
+          </p:cNvSpPr>
+          <p:nvPr>
+            <p:ph type="body" idx="1"/>
+          </p:nvPr>
+        </p:nvSpPr>
+        <p:spPr/>
+        <p:txBody>
+          <a:bodyPr/>
+          <a:lstStyle/>
+          <a:p>
+            <a:endParaRPr lang="zh-CN" altLang="en-US"/>
+          </a:p>
+        </p:txBody>
+      </p:sp>
+      <p:sp>
+        <p:nvSpPr>
+          <p:cNvPr id="4" name="灯片编号占位符 3"/>
+          <p:cNvSpPr>
+            <a:spLocks noGrp="1"/>
+          </p:cNvSpPr>
+          <p:nvPr>
+            <p:ph type="sldNum" sz="quarter" idx="10"/>
+          </p:nvPr>
+        </p:nvSpPr>
+        <p:spPr/>
+        <p:txBody>
+          <a:bodyPr/>
+          <a:lstStyle/>
+          <a:p>
+            <a:r>
+              <a:rPr lang="en-US" altLang="zh-CN"/>
               <a:t>25</a:t>
             </a:r>
             <a:endParaRPr lang="zh-CN" altLang="en-US"/>
@@ -813,11 +1020,6 @@
         </p:txBody>
       </p:sp>
     </p:spTree>
-    <p:extLst>
-      <p:ext uri="{BB962C8B-B14F-4D97-AF65-F5344CB8AC3E}">
-        <p14:creationId xmlns:p14="http://schemas.microsoft.com/office/powerpoint/2010/main" val="2056641179"/>
-      </p:ext>
-    </p:extLst>
   </p:cSld>
   <p:clrMapOvr>
     <a:masterClrMapping/>
@@ -897,11 +1099,6 @@
         </p:txBody>
       </p:sp>
     </p:spTree>
-    <p:extLst>
-      <p:ext uri="{BB962C8B-B14F-4D97-AF65-F5344CB8AC3E}">
-        <p14:creationId xmlns:p14="http://schemas.microsoft.com/office/powerpoint/2010/main" val="9881520"/>
-      </p:ext>
-    </p:extLst>
   </p:cSld>
   <p:clrMapOvr>
     <a:masterClrMapping/>
@@ -981,11 +1178,6 @@
         </p:txBody>
       </p:sp>
     </p:spTree>
-    <p:extLst>
-      <p:ext uri="{BB962C8B-B14F-4D97-AF65-F5344CB8AC3E}">
-        <p14:creationId xmlns:p14="http://schemas.microsoft.com/office/powerpoint/2010/main" val="83373029"/>
-      </p:ext>
-    </p:extLst>
   </p:cSld>
   <p:clrMapOvr>
     <a:masterClrMapping/>
@@ -1065,11 +1257,6 @@
         </p:txBody>
       </p:sp>
     </p:spTree>
-    <p:extLst>
-      <p:ext uri="{BB962C8B-B14F-4D97-AF65-F5344CB8AC3E}">
-        <p14:creationId xmlns:p14="http://schemas.microsoft.com/office/powerpoint/2010/main" val="1607948821"/>
-      </p:ext>
-    </p:extLst>
   </p:cSld>
   <p:clrMapOvr>
     <a:masterClrMapping/>
@@ -1149,11 +1336,6 @@
         </p:txBody>
       </p:sp>
     </p:spTree>
-    <p:extLst>
-      <p:ext uri="{BB962C8B-B14F-4D97-AF65-F5344CB8AC3E}">
-        <p14:creationId xmlns:p14="http://schemas.microsoft.com/office/powerpoint/2010/main" val="95011096"/>
-      </p:ext>
-    </p:extLst>
   </p:cSld>
   <p:clrMapOvr>
     <a:masterClrMapping/>
@@ -1226,18 +1408,13 @@
           <a:p>
             <a:r>
               <a:rPr lang="en-US" altLang="zh-CN"/>
-              <a:t>9</a:t>
+              <a:t>4</a:t>
             </a:r>
             <a:endParaRPr lang="zh-CN" altLang="en-US"/>
           </a:p>
         </p:txBody>
       </p:sp>
     </p:spTree>
-    <p:extLst>
-      <p:ext uri="{BB962C8B-B14F-4D97-AF65-F5344CB8AC3E}">
-        <p14:creationId xmlns:p14="http://schemas.microsoft.com/office/powerpoint/2010/main" val="3971393805"/>
-      </p:ext>
-    </p:extLst>
   </p:cSld>
   <p:clrMapOvr>
     <a:masterClrMapping/>
@@ -1310,18 +1487,13 @@
           <a:p>
             <a:r>
               <a:rPr lang="en-US" altLang="zh-CN"/>
-              <a:t>10</a:t>
+              <a:t>4</a:t>
             </a:r>
             <a:endParaRPr lang="zh-CN" altLang="en-US"/>
           </a:p>
         </p:txBody>
       </p:sp>
     </p:spTree>
-    <p:extLst>
-      <p:ext uri="{BB962C8B-B14F-4D97-AF65-F5344CB8AC3E}">
-        <p14:creationId xmlns:p14="http://schemas.microsoft.com/office/powerpoint/2010/main" val="1811203783"/>
-      </p:ext>
-    </p:extLst>
   </p:cSld>
   <p:clrMapOvr>
     <a:masterClrMapping/>
@@ -1394,18 +1566,13 @@
           <a:p>
             <a:r>
               <a:rPr lang="en-US" altLang="zh-CN"/>
-              <a:t>14</a:t>
+              <a:t>9</a:t>
             </a:r>
             <a:endParaRPr lang="zh-CN" altLang="en-US"/>
           </a:p>
         </p:txBody>
       </p:sp>
     </p:spTree>
-    <p:extLst>
-      <p:ext uri="{BB962C8B-B14F-4D97-AF65-F5344CB8AC3E}">
-        <p14:creationId xmlns:p14="http://schemas.microsoft.com/office/powerpoint/2010/main" val="3065521394"/>
-      </p:ext>
-    </p:extLst>
   </p:cSld>
   <p:clrMapOvr>
     <a:masterClrMapping/>
@@ -1478,18 +1645,13 @@
           <a:p>
             <a:r>
               <a:rPr lang="en-US" altLang="zh-CN"/>
-              <a:t>15</a:t>
+              <a:t>10</a:t>
             </a:r>
             <a:endParaRPr lang="zh-CN" altLang="en-US"/>
           </a:p>
         </p:txBody>
       </p:sp>
     </p:spTree>
-    <p:extLst>
-      <p:ext uri="{BB962C8B-B14F-4D97-AF65-F5344CB8AC3E}">
-        <p14:creationId xmlns:p14="http://schemas.microsoft.com/office/powerpoint/2010/main" val="2942507568"/>
-      </p:ext>
-    </p:extLst>
   </p:cSld>
   <p:clrMapOvr>
     <a:masterClrMapping/>
@@ -1538,6 +1700,7 @@
               <a:rPr lang="zh-CN" altLang="en-US"/>
               <a:t>单击此处编辑母版标题样式</a:t>
             </a:r>
+            <a:endParaRPr lang="zh-CN" altLang="en-US"/>
           </a:p>
         </p:txBody>
       </p:sp>
@@ -1570,7 +1733,7 @@
                 </a:solidFill>
               </a:defRPr>
             </a:lvl1pPr>
-            <a:lvl2pPr marL="401147" indent="0" algn="ctr">
+            <a:lvl2pPr marL="401320" indent="0" algn="ctr">
               <a:buNone/>
               <a:defRPr>
                 <a:solidFill>
@@ -1580,7 +1743,7 @@
                 </a:solidFill>
               </a:defRPr>
             </a:lvl2pPr>
-            <a:lvl3pPr marL="802295" indent="0" algn="ctr">
+            <a:lvl3pPr marL="802005" indent="0" algn="ctr">
               <a:buNone/>
               <a:defRPr>
                 <a:solidFill>
@@ -1590,7 +1753,7 @@
                 </a:solidFill>
               </a:defRPr>
             </a:lvl3pPr>
-            <a:lvl4pPr marL="1203442" indent="0" algn="ctr">
+            <a:lvl4pPr marL="1203325" indent="0" algn="ctr">
               <a:buNone/>
               <a:defRPr>
                 <a:solidFill>
@@ -1600,7 +1763,7 @@
                 </a:solidFill>
               </a:defRPr>
             </a:lvl4pPr>
-            <a:lvl5pPr marL="1604589" indent="0" algn="ctr">
+            <a:lvl5pPr marL="1604645" indent="0" algn="ctr">
               <a:buNone/>
               <a:defRPr>
                 <a:solidFill>
@@ -1610,7 +1773,7 @@
                 </a:solidFill>
               </a:defRPr>
             </a:lvl5pPr>
-            <a:lvl6pPr marL="2005736" indent="0" algn="ctr">
+            <a:lvl6pPr marL="2005965" indent="0" algn="ctr">
               <a:buNone/>
               <a:defRPr>
                 <a:solidFill>
@@ -1620,7 +1783,7 @@
                 </a:solidFill>
               </a:defRPr>
             </a:lvl6pPr>
-            <a:lvl7pPr marL="2406884" indent="0" algn="ctr">
+            <a:lvl7pPr marL="2406650" indent="0" algn="ctr">
               <a:buNone/>
               <a:defRPr>
                 <a:solidFill>
@@ -1630,7 +1793,7 @@
                 </a:solidFill>
               </a:defRPr>
             </a:lvl7pPr>
-            <a:lvl8pPr marL="2808031" indent="0" algn="ctr">
+            <a:lvl8pPr marL="2807970" indent="0" algn="ctr">
               <a:buNone/>
               <a:defRPr>
                 <a:solidFill>
@@ -1640,7 +1803,7 @@
                 </a:solidFill>
               </a:defRPr>
             </a:lvl8pPr>
-            <a:lvl9pPr marL="3209178" indent="0" algn="ctr">
+            <a:lvl9pPr marL="3209290" indent="0" algn="ctr">
               <a:buNone/>
               <a:defRPr>
                 <a:solidFill>
@@ -1656,6 +1819,7 @@
               <a:rPr lang="zh-CN" altLang="en-US"/>
               <a:t>单击此处编辑母版副标题样式</a:t>
             </a:r>
+            <a:endParaRPr lang="zh-CN" altLang="en-US"/>
           </a:p>
         </p:txBody>
       </p:sp>
@@ -1676,7 +1840,6 @@
           <a:p>
             <a:fld id="{530820CF-B880-4189-942D-D702A7CBA730}" type="datetimeFigureOut">
               <a:rPr lang="zh-CN" altLang="en-US" smtClean="0"/>
-              <a:t>2022/11/21</a:t>
             </a:fld>
             <a:endParaRPr lang="zh-CN" altLang="en-US"/>
           </a:p>
@@ -1718,7 +1881,6 @@
           <a:p>
             <a:fld id="{0C913308-F349-4B6D-A68A-DD1791B4A57B}" type="slidenum">
               <a:rPr lang="zh-CN" altLang="en-US" smtClean="0"/>
-              <a:t>‹#›</a:t>
             </a:fld>
             <a:endParaRPr lang="zh-CN" altLang="en-US"/>
           </a:p>
@@ -1729,13 +1891,13 @@
   <p:clrMapOvr>
     <a:masterClrMapping/>
   </p:clrMapOvr>
-  <mc:AlternateContent xmlns:mc="http://schemas.openxmlformats.org/markup-compatibility/2006" xmlns:p14="http://schemas.microsoft.com/office/powerpoint/2010/main">
-    <mc:Choice Requires="p14">
+  <mc:AlternateContent xmlns:mc="http://schemas.openxmlformats.org/markup-compatibility/2006">
+    <mc:Choice xmlns:p14="http://schemas.microsoft.com/office/powerpoint/2010/main" Requires="p14">
       <p:transition spd="med" p14:dur="700" advTm="2376">
         <p:fade/>
       </p:transition>
     </mc:Choice>
-    <mc:Fallback xmlns="">
+    <mc:Fallback>
       <p:transition spd="med" advTm="2376">
         <p:fade/>
       </p:transition>
@@ -1780,6 +1942,7 @@
               <a:rPr lang="zh-CN" altLang="en-US"/>
               <a:t>单击此处编辑母版标题样式</a:t>
             </a:r>
+            <a:endParaRPr lang="zh-CN" altLang="en-US"/>
           </a:p>
         </p:txBody>
       </p:sp>
@@ -1803,6 +1966,7 @@
               <a:rPr lang="zh-CN" altLang="en-US"/>
               <a:t>单击此处编辑母版文本样式</a:t>
             </a:r>
+            <a:endParaRPr lang="zh-CN" altLang="en-US"/>
           </a:p>
           <a:p>
             <a:pPr lvl="1"/>
@@ -1810,6 +1974,7 @@
               <a:rPr lang="zh-CN" altLang="en-US"/>
               <a:t>第二级</a:t>
             </a:r>
+            <a:endParaRPr lang="zh-CN" altLang="en-US"/>
           </a:p>
           <a:p>
             <a:pPr lvl="2"/>
@@ -1817,6 +1982,7 @@
               <a:rPr lang="zh-CN" altLang="en-US"/>
               <a:t>第三级</a:t>
             </a:r>
+            <a:endParaRPr lang="zh-CN" altLang="en-US"/>
           </a:p>
           <a:p>
             <a:pPr lvl="3"/>
@@ -1824,6 +1990,7 @@
               <a:rPr lang="zh-CN" altLang="en-US"/>
               <a:t>第四级</a:t>
             </a:r>
+            <a:endParaRPr lang="zh-CN" altLang="en-US"/>
           </a:p>
           <a:p>
             <a:pPr lvl="4"/>
@@ -1831,6 +1998,7 @@
               <a:rPr lang="zh-CN" altLang="en-US"/>
               <a:t>第五级</a:t>
             </a:r>
+            <a:endParaRPr lang="zh-CN" altLang="en-US"/>
           </a:p>
         </p:txBody>
       </p:sp>
@@ -1851,7 +2019,6 @@
           <a:p>
             <a:fld id="{530820CF-B880-4189-942D-D702A7CBA730}" type="datetimeFigureOut">
               <a:rPr lang="zh-CN" altLang="en-US" smtClean="0"/>
-              <a:t>2022/11/21</a:t>
             </a:fld>
             <a:endParaRPr lang="zh-CN" altLang="en-US"/>
           </a:p>
@@ -1893,7 +2060,6 @@
           <a:p>
             <a:fld id="{0C913308-F349-4B6D-A68A-DD1791B4A57B}" type="slidenum">
               <a:rPr lang="zh-CN" altLang="en-US" smtClean="0"/>
-              <a:t>‹#›</a:t>
             </a:fld>
             <a:endParaRPr lang="zh-CN" altLang="en-US"/>
           </a:p>
@@ -1904,13 +2070,13 @@
   <p:clrMapOvr>
     <a:masterClrMapping/>
   </p:clrMapOvr>
-  <mc:AlternateContent xmlns:mc="http://schemas.openxmlformats.org/markup-compatibility/2006" xmlns:p14="http://schemas.microsoft.com/office/powerpoint/2010/main">
-    <mc:Choice Requires="p14">
+  <mc:AlternateContent xmlns:mc="http://schemas.openxmlformats.org/markup-compatibility/2006">
+    <mc:Choice xmlns:p14="http://schemas.microsoft.com/office/powerpoint/2010/main" Requires="p14">
       <p:transition spd="med" p14:dur="700" advTm="2376">
         <p:fade/>
       </p:transition>
     </mc:Choice>
-    <mc:Fallback xmlns="">
+    <mc:Fallback>
       <p:transition spd="med" advTm="2376">
         <p:fade/>
       </p:transition>
@@ -1960,6 +2126,7 @@
               <a:rPr lang="zh-CN" altLang="en-US"/>
               <a:t>单击此处编辑母版标题样式</a:t>
             </a:r>
+            <a:endParaRPr lang="zh-CN" altLang="en-US"/>
           </a:p>
         </p:txBody>
       </p:sp>
@@ -1988,6 +2155,7 @@
               <a:rPr lang="zh-CN" altLang="en-US"/>
               <a:t>单击此处编辑母版文本样式</a:t>
             </a:r>
+            <a:endParaRPr lang="zh-CN" altLang="en-US"/>
           </a:p>
           <a:p>
             <a:pPr lvl="1"/>
@@ -1995,6 +2163,7 @@
               <a:rPr lang="zh-CN" altLang="en-US"/>
               <a:t>第二级</a:t>
             </a:r>
+            <a:endParaRPr lang="zh-CN" altLang="en-US"/>
           </a:p>
           <a:p>
             <a:pPr lvl="2"/>
@@ -2002,6 +2171,7 @@
               <a:rPr lang="zh-CN" altLang="en-US"/>
               <a:t>第三级</a:t>
             </a:r>
+            <a:endParaRPr lang="zh-CN" altLang="en-US"/>
           </a:p>
           <a:p>
             <a:pPr lvl="3"/>
@@ -2009,6 +2179,7 @@
               <a:rPr lang="zh-CN" altLang="en-US"/>
               <a:t>第四级</a:t>
             </a:r>
+            <a:endParaRPr lang="zh-CN" altLang="en-US"/>
           </a:p>
           <a:p>
             <a:pPr lvl="4"/>
@@ -2016,6 +2187,7 @@
               <a:rPr lang="zh-CN" altLang="en-US"/>
               <a:t>第五级</a:t>
             </a:r>
+            <a:endParaRPr lang="zh-CN" altLang="en-US"/>
           </a:p>
         </p:txBody>
       </p:sp>
@@ -2036,7 +2208,6 @@
           <a:p>
             <a:fld id="{530820CF-B880-4189-942D-D702A7CBA730}" type="datetimeFigureOut">
               <a:rPr lang="zh-CN" altLang="en-US" smtClean="0"/>
-              <a:t>2022/11/21</a:t>
             </a:fld>
             <a:endParaRPr lang="zh-CN" altLang="en-US"/>
           </a:p>
@@ -2078,7 +2249,6 @@
           <a:p>
             <a:fld id="{0C913308-F349-4B6D-A68A-DD1791B4A57B}" type="slidenum">
               <a:rPr lang="zh-CN" altLang="en-US" smtClean="0"/>
-              <a:t>‹#›</a:t>
             </a:fld>
             <a:endParaRPr lang="zh-CN" altLang="en-US"/>
           </a:p>
@@ -2089,13 +2259,13 @@
   <p:clrMapOvr>
     <a:masterClrMapping/>
   </p:clrMapOvr>
-  <mc:AlternateContent xmlns:mc="http://schemas.openxmlformats.org/markup-compatibility/2006" xmlns:p14="http://schemas.microsoft.com/office/powerpoint/2010/main">
-    <mc:Choice Requires="p14">
+  <mc:AlternateContent xmlns:mc="http://schemas.openxmlformats.org/markup-compatibility/2006">
+    <mc:Choice xmlns:p14="http://schemas.microsoft.com/office/powerpoint/2010/main" Requires="p14">
       <p:transition spd="med" p14:dur="700" advTm="2376">
         <p:fade/>
       </p:transition>
     </mc:Choice>
-    <mc:Fallback xmlns="">
+    <mc:Fallback>
       <p:transition spd="med" advTm="2376">
         <p:fade/>
       </p:transition>
@@ -2140,6 +2310,7 @@
               <a:rPr lang="zh-CN" altLang="en-US"/>
               <a:t>单击此处编辑母版标题样式</a:t>
             </a:r>
+            <a:endParaRPr lang="zh-CN" altLang="en-US"/>
           </a:p>
         </p:txBody>
       </p:sp>
@@ -2163,6 +2334,7 @@
               <a:rPr lang="zh-CN" altLang="en-US"/>
               <a:t>单击此处编辑母版文本样式</a:t>
             </a:r>
+            <a:endParaRPr lang="zh-CN" altLang="en-US"/>
           </a:p>
           <a:p>
             <a:pPr lvl="1"/>
@@ -2170,6 +2342,7 @@
               <a:rPr lang="zh-CN" altLang="en-US"/>
               <a:t>第二级</a:t>
             </a:r>
+            <a:endParaRPr lang="zh-CN" altLang="en-US"/>
           </a:p>
           <a:p>
             <a:pPr lvl="2"/>
@@ -2177,6 +2350,7 @@
               <a:rPr lang="zh-CN" altLang="en-US"/>
               <a:t>第三级</a:t>
             </a:r>
+            <a:endParaRPr lang="zh-CN" altLang="en-US"/>
           </a:p>
           <a:p>
             <a:pPr lvl="3"/>
@@ -2184,6 +2358,7 @@
               <a:rPr lang="zh-CN" altLang="en-US"/>
               <a:t>第四级</a:t>
             </a:r>
+            <a:endParaRPr lang="zh-CN" altLang="en-US"/>
           </a:p>
           <a:p>
             <a:pPr lvl="4"/>
@@ -2191,6 +2366,7 @@
               <a:rPr lang="zh-CN" altLang="en-US"/>
               <a:t>第五级</a:t>
             </a:r>
+            <a:endParaRPr lang="zh-CN" altLang="en-US"/>
           </a:p>
         </p:txBody>
       </p:sp>
@@ -2211,7 +2387,6 @@
           <a:p>
             <a:fld id="{530820CF-B880-4189-942D-D702A7CBA730}" type="datetimeFigureOut">
               <a:rPr lang="zh-CN" altLang="en-US" smtClean="0"/>
-              <a:t>2022/11/21</a:t>
             </a:fld>
             <a:endParaRPr lang="zh-CN" altLang="en-US"/>
           </a:p>
@@ -2253,7 +2428,6 @@
           <a:p>
             <a:fld id="{0C913308-F349-4B6D-A68A-DD1791B4A57B}" type="slidenum">
               <a:rPr lang="zh-CN" altLang="en-US" smtClean="0"/>
-              <a:t>‹#›</a:t>
             </a:fld>
             <a:endParaRPr lang="zh-CN" altLang="en-US"/>
           </a:p>
@@ -2264,13 +2438,13 @@
   <p:clrMapOvr>
     <a:masterClrMapping/>
   </p:clrMapOvr>
-  <mc:AlternateContent xmlns:mc="http://schemas.openxmlformats.org/markup-compatibility/2006" xmlns:p14="http://schemas.microsoft.com/office/powerpoint/2010/main">
-    <mc:Choice Requires="p14">
+  <mc:AlternateContent xmlns:mc="http://schemas.openxmlformats.org/markup-compatibility/2006">
+    <mc:Choice xmlns:p14="http://schemas.microsoft.com/office/powerpoint/2010/main" Requires="p14">
       <p:transition spd="med" p14:dur="700" advTm="2376">
         <p:fade/>
       </p:transition>
     </mc:Choice>
-    <mc:Fallback xmlns="">
+    <mc:Fallback>
       <p:transition spd="med" advTm="2376">
         <p:fade/>
       </p:transition>
@@ -2324,6 +2498,7 @@
               <a:rPr lang="zh-CN" altLang="en-US"/>
               <a:t>单击此处编辑母版标题样式</a:t>
             </a:r>
+            <a:endParaRPr lang="zh-CN" altLang="en-US"/>
           </a:p>
         </p:txBody>
       </p:sp>
@@ -2356,7 +2531,7 @@
                 </a:solidFill>
               </a:defRPr>
             </a:lvl1pPr>
-            <a:lvl2pPr marL="401147" indent="0">
+            <a:lvl2pPr marL="401320" indent="0">
               <a:buNone/>
               <a:defRPr sz="1600">
                 <a:solidFill>
@@ -2366,7 +2541,7 @@
                 </a:solidFill>
               </a:defRPr>
             </a:lvl2pPr>
-            <a:lvl3pPr marL="802295" indent="0">
+            <a:lvl3pPr marL="802005" indent="0">
               <a:buNone/>
               <a:defRPr sz="1400">
                 <a:solidFill>
@@ -2376,7 +2551,7 @@
                 </a:solidFill>
               </a:defRPr>
             </a:lvl3pPr>
-            <a:lvl4pPr marL="1203442" indent="0">
+            <a:lvl4pPr marL="1203325" indent="0">
               <a:buNone/>
               <a:defRPr sz="1200">
                 <a:solidFill>
@@ -2386,7 +2561,7 @@
                 </a:solidFill>
               </a:defRPr>
             </a:lvl4pPr>
-            <a:lvl5pPr marL="1604589" indent="0">
+            <a:lvl5pPr marL="1604645" indent="0">
               <a:buNone/>
               <a:defRPr sz="1200">
                 <a:solidFill>
@@ -2396,7 +2571,7 @@
                 </a:solidFill>
               </a:defRPr>
             </a:lvl5pPr>
-            <a:lvl6pPr marL="2005736" indent="0">
+            <a:lvl6pPr marL="2005965" indent="0">
               <a:buNone/>
               <a:defRPr sz="1200">
                 <a:solidFill>
@@ -2406,7 +2581,7 @@
                 </a:solidFill>
               </a:defRPr>
             </a:lvl6pPr>
-            <a:lvl7pPr marL="2406884" indent="0">
+            <a:lvl7pPr marL="2406650" indent="0">
               <a:buNone/>
               <a:defRPr sz="1200">
                 <a:solidFill>
@@ -2416,7 +2591,7 @@
                 </a:solidFill>
               </a:defRPr>
             </a:lvl7pPr>
-            <a:lvl8pPr marL="2808031" indent="0">
+            <a:lvl8pPr marL="2807970" indent="0">
               <a:buNone/>
               <a:defRPr sz="1200">
                 <a:solidFill>
@@ -2426,7 +2601,7 @@
                 </a:solidFill>
               </a:defRPr>
             </a:lvl8pPr>
-            <a:lvl9pPr marL="3209178" indent="0">
+            <a:lvl9pPr marL="3209290" indent="0">
               <a:buNone/>
               <a:defRPr sz="1200">
                 <a:solidFill>
@@ -2443,6 +2618,7 @@
               <a:rPr lang="zh-CN" altLang="en-US"/>
               <a:t>单击此处编辑母版文本样式</a:t>
             </a:r>
+            <a:endParaRPr lang="zh-CN" altLang="en-US"/>
           </a:p>
         </p:txBody>
       </p:sp>
@@ -2463,7 +2639,6 @@
           <a:p>
             <a:fld id="{530820CF-B880-4189-942D-D702A7CBA730}" type="datetimeFigureOut">
               <a:rPr lang="zh-CN" altLang="en-US" smtClean="0"/>
-              <a:t>2022/11/21</a:t>
             </a:fld>
             <a:endParaRPr lang="zh-CN" altLang="en-US"/>
           </a:p>
@@ -2505,7 +2680,6 @@
           <a:p>
             <a:fld id="{0C913308-F349-4B6D-A68A-DD1791B4A57B}" type="slidenum">
               <a:rPr lang="zh-CN" altLang="en-US" smtClean="0"/>
-              <a:t>‹#›</a:t>
             </a:fld>
             <a:endParaRPr lang="zh-CN" altLang="en-US"/>
           </a:p>
@@ -2516,13 +2690,13 @@
   <p:clrMapOvr>
     <a:masterClrMapping/>
   </p:clrMapOvr>
-  <mc:AlternateContent xmlns:mc="http://schemas.openxmlformats.org/markup-compatibility/2006" xmlns:p14="http://schemas.microsoft.com/office/powerpoint/2010/main">
-    <mc:Choice Requires="p14">
+  <mc:AlternateContent xmlns:mc="http://schemas.openxmlformats.org/markup-compatibility/2006">
+    <mc:Choice xmlns:p14="http://schemas.microsoft.com/office/powerpoint/2010/main" Requires="p14">
       <p:transition spd="med" p14:dur="700" advTm="2376">
         <p:fade/>
       </p:transition>
     </mc:Choice>
-    <mc:Fallback xmlns="">
+    <mc:Fallback>
       <p:transition spd="med" advTm="2376">
         <p:fade/>
       </p:transition>
@@ -2567,6 +2741,7 @@
               <a:rPr lang="zh-CN" altLang="en-US"/>
               <a:t>单击此处编辑母版标题样式</a:t>
             </a:r>
+            <a:endParaRPr lang="zh-CN" altLang="en-US"/>
           </a:p>
         </p:txBody>
       </p:sp>
@@ -2623,6 +2798,7 @@
               <a:rPr lang="zh-CN" altLang="en-US"/>
               <a:t>单击此处编辑母版文本样式</a:t>
             </a:r>
+            <a:endParaRPr lang="zh-CN" altLang="en-US"/>
           </a:p>
           <a:p>
             <a:pPr lvl="1"/>
@@ -2630,6 +2806,7 @@
               <a:rPr lang="zh-CN" altLang="en-US"/>
               <a:t>第二级</a:t>
             </a:r>
+            <a:endParaRPr lang="zh-CN" altLang="en-US"/>
           </a:p>
           <a:p>
             <a:pPr lvl="2"/>
@@ -2637,6 +2814,7 @@
               <a:rPr lang="zh-CN" altLang="en-US"/>
               <a:t>第三级</a:t>
             </a:r>
+            <a:endParaRPr lang="zh-CN" altLang="en-US"/>
           </a:p>
           <a:p>
             <a:pPr lvl="3"/>
@@ -2644,6 +2822,7 @@
               <a:rPr lang="zh-CN" altLang="en-US"/>
               <a:t>第四级</a:t>
             </a:r>
+            <a:endParaRPr lang="zh-CN" altLang="en-US"/>
           </a:p>
           <a:p>
             <a:pPr lvl="4"/>
@@ -2651,6 +2830,7 @@
               <a:rPr lang="zh-CN" altLang="en-US"/>
               <a:t>第五级</a:t>
             </a:r>
+            <a:endParaRPr lang="zh-CN" altLang="en-US"/>
           </a:p>
         </p:txBody>
       </p:sp>
@@ -2707,6 +2887,7 @@
               <a:rPr lang="zh-CN" altLang="en-US"/>
               <a:t>单击此处编辑母版文本样式</a:t>
             </a:r>
+            <a:endParaRPr lang="zh-CN" altLang="en-US"/>
           </a:p>
           <a:p>
             <a:pPr lvl="1"/>
@@ -2714,6 +2895,7 @@
               <a:rPr lang="zh-CN" altLang="en-US"/>
               <a:t>第二级</a:t>
             </a:r>
+            <a:endParaRPr lang="zh-CN" altLang="en-US"/>
           </a:p>
           <a:p>
             <a:pPr lvl="2"/>
@@ -2721,6 +2903,7 @@
               <a:rPr lang="zh-CN" altLang="en-US"/>
               <a:t>第三级</a:t>
             </a:r>
+            <a:endParaRPr lang="zh-CN" altLang="en-US"/>
           </a:p>
           <a:p>
             <a:pPr lvl="3"/>
@@ -2728,6 +2911,7 @@
               <a:rPr lang="zh-CN" altLang="en-US"/>
               <a:t>第四级</a:t>
             </a:r>
+            <a:endParaRPr lang="zh-CN" altLang="en-US"/>
           </a:p>
           <a:p>
             <a:pPr lvl="4"/>
@@ -2735,6 +2919,7 @@
               <a:rPr lang="zh-CN" altLang="en-US"/>
               <a:t>第五级</a:t>
             </a:r>
+            <a:endParaRPr lang="zh-CN" altLang="en-US"/>
           </a:p>
         </p:txBody>
       </p:sp>
@@ -2755,7 +2940,6 @@
           <a:p>
             <a:fld id="{530820CF-B880-4189-942D-D702A7CBA730}" type="datetimeFigureOut">
               <a:rPr lang="zh-CN" altLang="en-US" smtClean="0"/>
-              <a:t>2022/11/21</a:t>
             </a:fld>
             <a:endParaRPr lang="zh-CN" altLang="en-US"/>
           </a:p>
@@ -2797,7 +2981,6 @@
           <a:p>
             <a:fld id="{0C913308-F349-4B6D-A68A-DD1791B4A57B}" type="slidenum">
               <a:rPr lang="zh-CN" altLang="en-US" smtClean="0"/>
-              <a:t>‹#›</a:t>
             </a:fld>
             <a:endParaRPr lang="zh-CN" altLang="en-US"/>
           </a:p>
@@ -2808,13 +2991,13 @@
   <p:clrMapOvr>
     <a:masterClrMapping/>
   </p:clrMapOvr>
-  <mc:AlternateContent xmlns:mc="http://schemas.openxmlformats.org/markup-compatibility/2006" xmlns:p14="http://schemas.microsoft.com/office/powerpoint/2010/main">
-    <mc:Choice Requires="p14">
+  <mc:AlternateContent xmlns:mc="http://schemas.openxmlformats.org/markup-compatibility/2006">
+    <mc:Choice xmlns:p14="http://schemas.microsoft.com/office/powerpoint/2010/main" Requires="p14">
       <p:transition spd="med" p14:dur="700" advTm="2376">
         <p:fade/>
       </p:transition>
     </mc:Choice>
-    <mc:Fallback xmlns="">
+    <mc:Fallback>
       <p:transition spd="med" advTm="2376">
         <p:fade/>
       </p:transition>
@@ -2863,6 +3046,7 @@
               <a:rPr lang="zh-CN" altLang="en-US"/>
               <a:t>单击此处编辑母版标题样式</a:t>
             </a:r>
+            <a:endParaRPr lang="zh-CN" altLang="en-US"/>
           </a:p>
         </p:txBody>
       </p:sp>
@@ -2889,35 +3073,35 @@
               <a:buNone/>
               <a:defRPr sz="2100" b="1"/>
             </a:lvl1pPr>
-            <a:lvl2pPr marL="401147" indent="0">
+            <a:lvl2pPr marL="401320" indent="0">
               <a:buNone/>
               <a:defRPr sz="1800" b="1"/>
             </a:lvl2pPr>
-            <a:lvl3pPr marL="802295" indent="0">
+            <a:lvl3pPr marL="802005" indent="0">
               <a:buNone/>
               <a:defRPr sz="1600" b="1"/>
             </a:lvl3pPr>
-            <a:lvl4pPr marL="1203442" indent="0">
+            <a:lvl4pPr marL="1203325" indent="0">
               <a:buNone/>
               <a:defRPr sz="1400" b="1"/>
             </a:lvl4pPr>
-            <a:lvl5pPr marL="1604589" indent="0">
+            <a:lvl5pPr marL="1604645" indent="0">
               <a:buNone/>
               <a:defRPr sz="1400" b="1"/>
             </a:lvl5pPr>
-            <a:lvl6pPr marL="2005736" indent="0">
+            <a:lvl6pPr marL="2005965" indent="0">
               <a:buNone/>
               <a:defRPr sz="1400" b="1"/>
             </a:lvl6pPr>
-            <a:lvl7pPr marL="2406884" indent="0">
+            <a:lvl7pPr marL="2406650" indent="0">
               <a:buNone/>
               <a:defRPr sz="1400" b="1"/>
             </a:lvl7pPr>
-            <a:lvl8pPr marL="2808031" indent="0">
+            <a:lvl8pPr marL="2807970" indent="0">
               <a:buNone/>
               <a:defRPr sz="1400" b="1"/>
             </a:lvl8pPr>
-            <a:lvl9pPr marL="3209178" indent="0">
+            <a:lvl9pPr marL="3209290" indent="0">
               <a:buNone/>
               <a:defRPr sz="1400" b="1"/>
             </a:lvl9pPr>
@@ -2928,6 +3112,7 @@
               <a:rPr lang="zh-CN" altLang="en-US"/>
               <a:t>单击此处编辑母版文本样式</a:t>
             </a:r>
+            <a:endParaRPr lang="zh-CN" altLang="en-US"/>
           </a:p>
         </p:txBody>
       </p:sp>
@@ -2984,6 +3169,7 @@
               <a:rPr lang="zh-CN" altLang="en-US"/>
               <a:t>单击此处编辑母版文本样式</a:t>
             </a:r>
+            <a:endParaRPr lang="zh-CN" altLang="en-US"/>
           </a:p>
           <a:p>
             <a:pPr lvl="1"/>
@@ -2991,6 +3177,7 @@
               <a:rPr lang="zh-CN" altLang="en-US"/>
               <a:t>第二级</a:t>
             </a:r>
+            <a:endParaRPr lang="zh-CN" altLang="en-US"/>
           </a:p>
           <a:p>
             <a:pPr lvl="2"/>
@@ -2998,6 +3185,7 @@
               <a:rPr lang="zh-CN" altLang="en-US"/>
               <a:t>第三级</a:t>
             </a:r>
+            <a:endParaRPr lang="zh-CN" altLang="en-US"/>
           </a:p>
           <a:p>
             <a:pPr lvl="3"/>
@@ -3005,6 +3193,7 @@
               <a:rPr lang="zh-CN" altLang="en-US"/>
               <a:t>第四级</a:t>
             </a:r>
+            <a:endParaRPr lang="zh-CN" altLang="en-US"/>
           </a:p>
           <a:p>
             <a:pPr lvl="4"/>
@@ -3012,6 +3201,7 @@
               <a:rPr lang="zh-CN" altLang="en-US"/>
               <a:t>第五级</a:t>
             </a:r>
+            <a:endParaRPr lang="zh-CN" altLang="en-US"/>
           </a:p>
         </p:txBody>
       </p:sp>
@@ -3038,35 +3228,35 @@
               <a:buNone/>
               <a:defRPr sz="2100" b="1"/>
             </a:lvl1pPr>
-            <a:lvl2pPr marL="401147" indent="0">
+            <a:lvl2pPr marL="401320" indent="0">
               <a:buNone/>
               <a:defRPr sz="1800" b="1"/>
             </a:lvl2pPr>
-            <a:lvl3pPr marL="802295" indent="0">
+            <a:lvl3pPr marL="802005" indent="0">
               <a:buNone/>
               <a:defRPr sz="1600" b="1"/>
             </a:lvl3pPr>
-            <a:lvl4pPr marL="1203442" indent="0">
+            <a:lvl4pPr marL="1203325" indent="0">
               <a:buNone/>
               <a:defRPr sz="1400" b="1"/>
             </a:lvl4pPr>
-            <a:lvl5pPr marL="1604589" indent="0">
+            <a:lvl5pPr marL="1604645" indent="0">
               <a:buNone/>
               <a:defRPr sz="1400" b="1"/>
             </a:lvl5pPr>
-            <a:lvl6pPr marL="2005736" indent="0">
+            <a:lvl6pPr marL="2005965" indent="0">
               <a:buNone/>
               <a:defRPr sz="1400" b="1"/>
             </a:lvl6pPr>
-            <a:lvl7pPr marL="2406884" indent="0">
+            <a:lvl7pPr marL="2406650" indent="0">
               <a:buNone/>
               <a:defRPr sz="1400" b="1"/>
             </a:lvl7pPr>
-            <a:lvl8pPr marL="2808031" indent="0">
+            <a:lvl8pPr marL="2807970" indent="0">
               <a:buNone/>
               <a:defRPr sz="1400" b="1"/>
             </a:lvl8pPr>
-            <a:lvl9pPr marL="3209178" indent="0">
+            <a:lvl9pPr marL="3209290" indent="0">
               <a:buNone/>
               <a:defRPr sz="1400" b="1"/>
             </a:lvl9pPr>
@@ -3077,6 +3267,7 @@
               <a:rPr lang="zh-CN" altLang="en-US"/>
               <a:t>单击此处编辑母版文本样式</a:t>
             </a:r>
+            <a:endParaRPr lang="zh-CN" altLang="en-US"/>
           </a:p>
         </p:txBody>
       </p:sp>
@@ -3133,6 +3324,7 @@
               <a:rPr lang="zh-CN" altLang="en-US"/>
               <a:t>单击此处编辑母版文本样式</a:t>
             </a:r>
+            <a:endParaRPr lang="zh-CN" altLang="en-US"/>
           </a:p>
           <a:p>
             <a:pPr lvl="1"/>
@@ -3140,6 +3332,7 @@
               <a:rPr lang="zh-CN" altLang="en-US"/>
               <a:t>第二级</a:t>
             </a:r>
+            <a:endParaRPr lang="zh-CN" altLang="en-US"/>
           </a:p>
           <a:p>
             <a:pPr lvl="2"/>
@@ -3147,6 +3340,7 @@
               <a:rPr lang="zh-CN" altLang="en-US"/>
               <a:t>第三级</a:t>
             </a:r>
+            <a:endParaRPr lang="zh-CN" altLang="en-US"/>
           </a:p>
           <a:p>
             <a:pPr lvl="3"/>
@@ -3154,6 +3348,7 @@
               <a:rPr lang="zh-CN" altLang="en-US"/>
               <a:t>第四级</a:t>
             </a:r>
+            <a:endParaRPr lang="zh-CN" altLang="en-US"/>
           </a:p>
           <a:p>
             <a:pPr lvl="4"/>
@@ -3161,6 +3356,7 @@
               <a:rPr lang="zh-CN" altLang="en-US"/>
               <a:t>第五级</a:t>
             </a:r>
+            <a:endParaRPr lang="zh-CN" altLang="en-US"/>
           </a:p>
         </p:txBody>
       </p:sp>
@@ -3181,7 +3377,6 @@
           <a:p>
             <a:fld id="{530820CF-B880-4189-942D-D702A7CBA730}" type="datetimeFigureOut">
               <a:rPr lang="zh-CN" altLang="en-US" smtClean="0"/>
-              <a:t>2022/11/21</a:t>
             </a:fld>
             <a:endParaRPr lang="zh-CN" altLang="en-US"/>
           </a:p>
@@ -3223,7 +3418,6 @@
           <a:p>
             <a:fld id="{0C913308-F349-4B6D-A68A-DD1791B4A57B}" type="slidenum">
               <a:rPr lang="zh-CN" altLang="en-US" smtClean="0"/>
-              <a:t>‹#›</a:t>
             </a:fld>
             <a:endParaRPr lang="zh-CN" altLang="en-US"/>
           </a:p>
@@ -3234,13 +3428,13 @@
   <p:clrMapOvr>
     <a:masterClrMapping/>
   </p:clrMapOvr>
-  <mc:AlternateContent xmlns:mc="http://schemas.openxmlformats.org/markup-compatibility/2006" xmlns:p14="http://schemas.microsoft.com/office/powerpoint/2010/main">
-    <mc:Choice Requires="p14">
+  <mc:AlternateContent xmlns:mc="http://schemas.openxmlformats.org/markup-compatibility/2006">
+    <mc:Choice xmlns:p14="http://schemas.microsoft.com/office/powerpoint/2010/main" Requires="p14">
       <p:transition spd="med" p14:dur="700" advTm="2376">
         <p:fade/>
       </p:transition>
     </mc:Choice>
-    <mc:Fallback xmlns="">
+    <mc:Fallback>
       <p:transition spd="med" advTm="2376">
         <p:fade/>
       </p:transition>
@@ -3285,6 +3479,7 @@
               <a:rPr lang="zh-CN" altLang="en-US"/>
               <a:t>单击此处编辑母版标题样式</a:t>
             </a:r>
+            <a:endParaRPr lang="zh-CN" altLang="en-US"/>
           </a:p>
         </p:txBody>
       </p:sp>
@@ -3305,7 +3500,6 @@
           <a:p>
             <a:fld id="{530820CF-B880-4189-942D-D702A7CBA730}" type="datetimeFigureOut">
               <a:rPr lang="zh-CN" altLang="en-US" smtClean="0"/>
-              <a:t>2022/11/21</a:t>
             </a:fld>
             <a:endParaRPr lang="zh-CN" altLang="en-US"/>
           </a:p>
@@ -3347,7 +3541,6 @@
           <a:p>
             <a:fld id="{0C913308-F349-4B6D-A68A-DD1791B4A57B}" type="slidenum">
               <a:rPr lang="zh-CN" altLang="en-US" smtClean="0"/>
-              <a:t>‹#›</a:t>
             </a:fld>
             <a:endParaRPr lang="zh-CN" altLang="en-US"/>
           </a:p>
@@ -3358,13 +3551,13 @@
   <p:clrMapOvr>
     <a:masterClrMapping/>
   </p:clrMapOvr>
-  <mc:AlternateContent xmlns:mc="http://schemas.openxmlformats.org/markup-compatibility/2006" xmlns:p14="http://schemas.microsoft.com/office/powerpoint/2010/main">
-    <mc:Choice Requires="p14">
+  <mc:AlternateContent xmlns:mc="http://schemas.openxmlformats.org/markup-compatibility/2006">
+    <mc:Choice xmlns:p14="http://schemas.microsoft.com/office/powerpoint/2010/main" Requires="p14">
       <p:transition spd="med" p14:dur="700" advTm="2376">
         <p:fade/>
       </p:transition>
     </mc:Choice>
-    <mc:Fallback xmlns="">
+    <mc:Fallback>
       <p:transition spd="med" advTm="2376">
         <p:fade/>
       </p:transition>
@@ -3407,7 +3600,6 @@
           <a:p>
             <a:fld id="{530820CF-B880-4189-942D-D702A7CBA730}" type="datetimeFigureOut">
               <a:rPr lang="zh-CN" altLang="en-US" smtClean="0"/>
-              <a:t>2022/11/21</a:t>
             </a:fld>
             <a:endParaRPr lang="zh-CN" altLang="en-US"/>
           </a:p>
@@ -3449,7 +3641,6 @@
           <a:p>
             <a:fld id="{0C913308-F349-4B6D-A68A-DD1791B4A57B}" type="slidenum">
               <a:rPr lang="zh-CN" altLang="en-US" smtClean="0"/>
-              <a:t>‹#›</a:t>
             </a:fld>
             <a:endParaRPr lang="zh-CN" altLang="en-US"/>
           </a:p>
@@ -3460,13 +3651,13 @@
   <p:clrMapOvr>
     <a:masterClrMapping/>
   </p:clrMapOvr>
-  <mc:AlternateContent xmlns:mc="http://schemas.openxmlformats.org/markup-compatibility/2006" xmlns:p14="http://schemas.microsoft.com/office/powerpoint/2010/main">
-    <mc:Choice Requires="p14">
+  <mc:AlternateContent xmlns:mc="http://schemas.openxmlformats.org/markup-compatibility/2006">
+    <mc:Choice xmlns:p14="http://schemas.microsoft.com/office/powerpoint/2010/main" Requires="p14">
       <p:transition spd="med" p14:dur="700" advTm="2376">
         <p:fade/>
       </p:transition>
     </mc:Choice>
-    <mc:Fallback xmlns="">
+    <mc:Fallback>
       <p:transition spd="med" advTm="2376">
         <p:fade/>
       </p:transition>
@@ -3520,6 +3711,7 @@
               <a:rPr lang="zh-CN" altLang="en-US"/>
               <a:t>单击此处编辑母版标题样式</a:t>
             </a:r>
+            <a:endParaRPr lang="zh-CN" altLang="en-US"/>
           </a:p>
         </p:txBody>
       </p:sp>
@@ -3576,6 +3768,7 @@
               <a:rPr lang="zh-CN" altLang="en-US"/>
               <a:t>单击此处编辑母版文本样式</a:t>
             </a:r>
+            <a:endParaRPr lang="zh-CN" altLang="en-US"/>
           </a:p>
           <a:p>
             <a:pPr lvl="1"/>
@@ -3583,6 +3776,7 @@
               <a:rPr lang="zh-CN" altLang="en-US"/>
               <a:t>第二级</a:t>
             </a:r>
+            <a:endParaRPr lang="zh-CN" altLang="en-US"/>
           </a:p>
           <a:p>
             <a:pPr lvl="2"/>
@@ -3590,6 +3784,7 @@
               <a:rPr lang="zh-CN" altLang="en-US"/>
               <a:t>第三级</a:t>
             </a:r>
+            <a:endParaRPr lang="zh-CN" altLang="en-US"/>
           </a:p>
           <a:p>
             <a:pPr lvl="3"/>
@@ -3597,6 +3792,7 @@
               <a:rPr lang="zh-CN" altLang="en-US"/>
               <a:t>第四级</a:t>
             </a:r>
+            <a:endParaRPr lang="zh-CN" altLang="en-US"/>
           </a:p>
           <a:p>
             <a:pPr lvl="4"/>
@@ -3604,6 +3800,7 @@
               <a:rPr lang="zh-CN" altLang="en-US"/>
               <a:t>第五级</a:t>
             </a:r>
+            <a:endParaRPr lang="zh-CN" altLang="en-US"/>
           </a:p>
         </p:txBody>
       </p:sp>
@@ -3630,35 +3827,35 @@
               <a:buNone/>
               <a:defRPr sz="1200"/>
             </a:lvl1pPr>
-            <a:lvl2pPr marL="401147" indent="0">
+            <a:lvl2pPr marL="401320" indent="0">
               <a:buNone/>
               <a:defRPr sz="1100"/>
             </a:lvl2pPr>
-            <a:lvl3pPr marL="802295" indent="0">
+            <a:lvl3pPr marL="802005" indent="0">
               <a:buNone/>
               <a:defRPr sz="900"/>
             </a:lvl3pPr>
-            <a:lvl4pPr marL="1203442" indent="0">
+            <a:lvl4pPr marL="1203325" indent="0">
               <a:buNone/>
               <a:defRPr sz="800"/>
             </a:lvl4pPr>
-            <a:lvl5pPr marL="1604589" indent="0">
+            <a:lvl5pPr marL="1604645" indent="0">
               <a:buNone/>
               <a:defRPr sz="800"/>
             </a:lvl5pPr>
-            <a:lvl6pPr marL="2005736" indent="0">
+            <a:lvl6pPr marL="2005965" indent="0">
               <a:buNone/>
               <a:defRPr sz="800"/>
             </a:lvl6pPr>
-            <a:lvl7pPr marL="2406884" indent="0">
+            <a:lvl7pPr marL="2406650" indent="0">
               <a:buNone/>
               <a:defRPr sz="800"/>
             </a:lvl7pPr>
-            <a:lvl8pPr marL="2808031" indent="0">
+            <a:lvl8pPr marL="2807970" indent="0">
               <a:buNone/>
               <a:defRPr sz="800"/>
             </a:lvl8pPr>
-            <a:lvl9pPr marL="3209178" indent="0">
+            <a:lvl9pPr marL="3209290" indent="0">
               <a:buNone/>
               <a:defRPr sz="800"/>
             </a:lvl9pPr>
@@ -3669,6 +3866,7 @@
               <a:rPr lang="zh-CN" altLang="en-US"/>
               <a:t>单击此处编辑母版文本样式</a:t>
             </a:r>
+            <a:endParaRPr lang="zh-CN" altLang="en-US"/>
           </a:p>
         </p:txBody>
       </p:sp>
@@ -3689,7 +3887,6 @@
           <a:p>
             <a:fld id="{530820CF-B880-4189-942D-D702A7CBA730}" type="datetimeFigureOut">
               <a:rPr lang="zh-CN" altLang="en-US" smtClean="0"/>
-              <a:t>2022/11/21</a:t>
             </a:fld>
             <a:endParaRPr lang="zh-CN" altLang="en-US"/>
           </a:p>
@@ -3731,7 +3928,6 @@
           <a:p>
             <a:fld id="{0C913308-F349-4B6D-A68A-DD1791B4A57B}" type="slidenum">
               <a:rPr lang="zh-CN" altLang="en-US" smtClean="0"/>
-              <a:t>‹#›</a:t>
             </a:fld>
             <a:endParaRPr lang="zh-CN" altLang="en-US"/>
           </a:p>
@@ -3742,13 +3938,13 @@
   <p:clrMapOvr>
     <a:masterClrMapping/>
   </p:clrMapOvr>
-  <mc:AlternateContent xmlns:mc="http://schemas.openxmlformats.org/markup-compatibility/2006" xmlns:p14="http://schemas.microsoft.com/office/powerpoint/2010/main">
-    <mc:Choice Requires="p14">
+  <mc:AlternateContent xmlns:mc="http://schemas.openxmlformats.org/markup-compatibility/2006">
+    <mc:Choice xmlns:p14="http://schemas.microsoft.com/office/powerpoint/2010/main" Requires="p14">
       <p:transition spd="med" p14:dur="700" advTm="2376">
         <p:fade/>
       </p:transition>
     </mc:Choice>
-    <mc:Fallback xmlns="">
+    <mc:Fallback>
       <p:transition spd="med" advTm="2376">
         <p:fade/>
       </p:transition>
@@ -3802,6 +3998,7 @@
               <a:rPr lang="zh-CN" altLang="en-US"/>
               <a:t>单击此处编辑母版标题样式</a:t>
             </a:r>
+            <a:endParaRPr lang="zh-CN" altLang="en-US"/>
           </a:p>
         </p:txBody>
       </p:sp>
@@ -3828,35 +4025,35 @@
               <a:buNone/>
               <a:defRPr sz="2800"/>
             </a:lvl1pPr>
-            <a:lvl2pPr marL="401147" indent="0">
+            <a:lvl2pPr marL="401320" indent="0">
               <a:buNone/>
               <a:defRPr sz="2500"/>
             </a:lvl2pPr>
-            <a:lvl3pPr marL="802295" indent="0">
+            <a:lvl3pPr marL="802005" indent="0">
               <a:buNone/>
               <a:defRPr sz="2100"/>
             </a:lvl3pPr>
-            <a:lvl4pPr marL="1203442" indent="0">
+            <a:lvl4pPr marL="1203325" indent="0">
               <a:buNone/>
               <a:defRPr sz="1800"/>
             </a:lvl4pPr>
-            <a:lvl5pPr marL="1604589" indent="0">
+            <a:lvl5pPr marL="1604645" indent="0">
               <a:buNone/>
               <a:defRPr sz="1800"/>
             </a:lvl5pPr>
-            <a:lvl6pPr marL="2005736" indent="0">
+            <a:lvl6pPr marL="2005965" indent="0">
               <a:buNone/>
               <a:defRPr sz="1800"/>
             </a:lvl6pPr>
-            <a:lvl7pPr marL="2406884" indent="0">
+            <a:lvl7pPr marL="2406650" indent="0">
               <a:buNone/>
               <a:defRPr sz="1800"/>
             </a:lvl7pPr>
-            <a:lvl8pPr marL="2808031" indent="0">
+            <a:lvl8pPr marL="2807970" indent="0">
               <a:buNone/>
               <a:defRPr sz="1800"/>
             </a:lvl8pPr>
-            <a:lvl9pPr marL="3209178" indent="0">
+            <a:lvl9pPr marL="3209290" indent="0">
               <a:buNone/>
               <a:defRPr sz="1800"/>
             </a:lvl9pPr>
@@ -3889,35 +4086,35 @@
               <a:buNone/>
               <a:defRPr sz="1200"/>
             </a:lvl1pPr>
-            <a:lvl2pPr marL="401147" indent="0">
+            <a:lvl2pPr marL="401320" indent="0">
               <a:buNone/>
               <a:defRPr sz="1100"/>
             </a:lvl2pPr>
-            <a:lvl3pPr marL="802295" indent="0">
+            <a:lvl3pPr marL="802005" indent="0">
               <a:buNone/>
               <a:defRPr sz="900"/>
             </a:lvl3pPr>
-            <a:lvl4pPr marL="1203442" indent="0">
+            <a:lvl4pPr marL="1203325" indent="0">
               <a:buNone/>
               <a:defRPr sz="800"/>
             </a:lvl4pPr>
-            <a:lvl5pPr marL="1604589" indent="0">
+            <a:lvl5pPr marL="1604645" indent="0">
               <a:buNone/>
               <a:defRPr sz="800"/>
             </a:lvl5pPr>
-            <a:lvl6pPr marL="2005736" indent="0">
+            <a:lvl6pPr marL="2005965" indent="0">
               <a:buNone/>
               <a:defRPr sz="800"/>
             </a:lvl6pPr>
-            <a:lvl7pPr marL="2406884" indent="0">
+            <a:lvl7pPr marL="2406650" indent="0">
               <a:buNone/>
               <a:defRPr sz="800"/>
             </a:lvl7pPr>
-            <a:lvl8pPr marL="2808031" indent="0">
+            <a:lvl8pPr marL="2807970" indent="0">
               <a:buNone/>
               <a:defRPr sz="800"/>
             </a:lvl8pPr>
-            <a:lvl9pPr marL="3209178" indent="0">
+            <a:lvl9pPr marL="3209290" indent="0">
               <a:buNone/>
               <a:defRPr sz="800"/>
             </a:lvl9pPr>
@@ -3928,6 +4125,7 @@
               <a:rPr lang="zh-CN" altLang="en-US"/>
               <a:t>单击此处编辑母版文本样式</a:t>
             </a:r>
+            <a:endParaRPr lang="zh-CN" altLang="en-US"/>
           </a:p>
         </p:txBody>
       </p:sp>
@@ -3948,7 +4146,6 @@
           <a:p>
             <a:fld id="{530820CF-B880-4189-942D-D702A7CBA730}" type="datetimeFigureOut">
               <a:rPr lang="zh-CN" altLang="en-US" smtClean="0"/>
-              <a:t>2022/11/21</a:t>
             </a:fld>
             <a:endParaRPr lang="zh-CN" altLang="en-US"/>
           </a:p>
@@ -3990,7 +4187,6 @@
           <a:p>
             <a:fld id="{0C913308-F349-4B6D-A68A-DD1791B4A57B}" type="slidenum">
               <a:rPr lang="zh-CN" altLang="en-US" smtClean="0"/>
-              <a:t>‹#›</a:t>
             </a:fld>
             <a:endParaRPr lang="zh-CN" altLang="en-US"/>
           </a:p>
@@ -4001,13 +4197,13 @@
   <p:clrMapOvr>
     <a:masterClrMapping/>
   </p:clrMapOvr>
-  <mc:AlternateContent xmlns:mc="http://schemas.openxmlformats.org/markup-compatibility/2006" xmlns:p14="http://schemas.microsoft.com/office/powerpoint/2010/main">
-    <mc:Choice Requires="p14">
+  <mc:AlternateContent xmlns:mc="http://schemas.openxmlformats.org/markup-compatibility/2006">
+    <mc:Choice xmlns:p14="http://schemas.microsoft.com/office/powerpoint/2010/main" Requires="p14">
       <p:transition spd="med" p14:dur="700" advTm="2376">
         <p:fade/>
       </p:transition>
     </mc:Choice>
-    <mc:Fallback xmlns="">
+    <mc:Fallback>
       <p:transition spd="med" advTm="2376">
         <p:fade/>
       </p:transition>
@@ -4067,6 +4263,7 @@
               <a:rPr lang="zh-CN" altLang="en-US"/>
               <a:t>单击此处编辑母版标题样式</a:t>
             </a:r>
+            <a:endParaRPr lang="zh-CN" altLang="en-US"/>
           </a:p>
         </p:txBody>
       </p:sp>
@@ -4100,6 +4297,7 @@
               <a:rPr lang="zh-CN" altLang="en-US"/>
               <a:t>单击此处编辑母版文本样式</a:t>
             </a:r>
+            <a:endParaRPr lang="zh-CN" altLang="en-US"/>
           </a:p>
           <a:p>
             <a:pPr lvl="0"/>
@@ -4107,6 +4305,7 @@
               <a:rPr lang="zh-CN" altLang="en-US"/>
               <a:t>第二级</a:t>
             </a:r>
+            <a:endParaRPr lang="zh-CN" altLang="en-US"/>
           </a:p>
           <a:p>
             <a:pPr lvl="0"/>
@@ -4114,6 +4313,7 @@
               <a:rPr lang="zh-CN" altLang="en-US"/>
               <a:t>第三级</a:t>
             </a:r>
+            <a:endParaRPr lang="zh-CN" altLang="en-US"/>
           </a:p>
           <a:p>
             <a:pPr lvl="0"/>
@@ -4121,6 +4321,7 @@
               <a:rPr lang="zh-CN" altLang="en-US"/>
               <a:t>第四级</a:t>
             </a:r>
+            <a:endParaRPr lang="zh-CN" altLang="en-US"/>
           </a:p>
           <a:p>
             <a:pPr lvl="0"/>
@@ -4128,6 +4329,7 @@
               <a:rPr lang="zh-CN" altLang="en-US"/>
               <a:t>第五级</a:t>
             </a:r>
+            <a:endParaRPr lang="zh-CN" altLang="en-US"/>
           </a:p>
         </p:txBody>
       </p:sp>
@@ -4266,13 +4468,13 @@
     <p:sldLayoutId id="2147483658" r:id="rId10"/>
     <p:sldLayoutId id="2147483659" r:id="rId11"/>
   </p:sldLayoutIdLst>
-  <mc:AlternateContent xmlns:mc="http://schemas.openxmlformats.org/markup-compatibility/2006" xmlns:p14="http://schemas.microsoft.com/office/powerpoint/2010/main">
-    <mc:Choice Requires="p14">
+  <mc:AlternateContent xmlns:mc="http://schemas.openxmlformats.org/markup-compatibility/2006">
+    <mc:Choice xmlns:p14="http://schemas.microsoft.com/office/powerpoint/2010/main" Requires="p14">
       <p:transition spd="med" p14:dur="700" advTm="2376">
         <p:fade/>
       </p:transition>
     </mc:Choice>
-    <mc:Fallback xmlns="">
+    <mc:Fallback>
       <p:transition spd="med" advTm="2376">
         <p:fade/>
       </p:transition>
@@ -4280,7 +4482,7 @@
   </mc:AlternateContent>
   <p:txStyles>
     <p:titleStyle>
-      <a:lvl1pPr algn="ctr" defTabSz="802295" rtl="0" eaLnBrk="1" latinLnBrk="0" hangingPunct="1">
+      <a:lvl1pPr algn="ctr" defTabSz="802005" rtl="0" eaLnBrk="1" latinLnBrk="0" hangingPunct="1">
         <a:spcBef>
           <a:spcPct val="0"/>
         </a:spcBef>
@@ -4296,11 +4498,11 @@
       </a:lvl1pPr>
     </p:titleStyle>
     <p:bodyStyle>
-      <a:lvl1pPr marL="300860" indent="-300860" algn="l" defTabSz="802295" rtl="0" eaLnBrk="1" latinLnBrk="0" hangingPunct="1">
+      <a:lvl1pPr marL="300990" indent="-300990" algn="l" defTabSz="802005" rtl="0" eaLnBrk="1" latinLnBrk="0" hangingPunct="1">
         <a:spcBef>
           <a:spcPct val="20000"/>
         </a:spcBef>
-        <a:buFont typeface="Arial" pitchFamily="34" charset="0"/>
+        <a:buFont typeface="Arial" panose="020B0604020202020204" pitchFamily="34" charset="0"/>
         <a:buChar char="•"/>
         <a:defRPr sz="2800" kern="1200">
           <a:solidFill>
@@ -4311,11 +4513,11 @@
           <a:cs typeface="+mn-cs"/>
         </a:defRPr>
       </a:lvl1pPr>
-      <a:lvl2pPr marL="651864" indent="-250717" algn="l" defTabSz="802295" rtl="0" eaLnBrk="1" latinLnBrk="0" hangingPunct="1">
+      <a:lvl2pPr marL="652145" indent="-250825" algn="l" defTabSz="802005" rtl="0" eaLnBrk="1" latinLnBrk="0" hangingPunct="1">
         <a:spcBef>
           <a:spcPct val="20000"/>
         </a:spcBef>
-        <a:buFont typeface="Arial" pitchFamily="34" charset="0"/>
+        <a:buFont typeface="Arial" panose="020B0604020202020204" pitchFamily="34" charset="0"/>
         <a:buChar char="–"/>
         <a:defRPr sz="2500" kern="1200">
           <a:solidFill>
@@ -4326,11 +4528,11 @@
           <a:cs typeface="+mn-cs"/>
         </a:defRPr>
       </a:lvl2pPr>
-      <a:lvl3pPr marL="1002868" indent="-200574" algn="l" defTabSz="802295" rtl="0" eaLnBrk="1" latinLnBrk="0" hangingPunct="1">
+      <a:lvl3pPr marL="1002665" indent="-200660" algn="l" defTabSz="802005" rtl="0" eaLnBrk="1" latinLnBrk="0" hangingPunct="1">
         <a:spcBef>
           <a:spcPct val="20000"/>
         </a:spcBef>
-        <a:buFont typeface="Arial" pitchFamily="34" charset="0"/>
+        <a:buFont typeface="Arial" panose="020B0604020202020204" pitchFamily="34" charset="0"/>
         <a:buChar char="•"/>
         <a:defRPr sz="2100" kern="1200">
           <a:solidFill>
@@ -4341,11 +4543,11 @@
           <a:cs typeface="+mn-cs"/>
         </a:defRPr>
       </a:lvl3pPr>
-      <a:lvl4pPr marL="1404015" indent="-200574" algn="l" defTabSz="802295" rtl="0" eaLnBrk="1" latinLnBrk="0" hangingPunct="1">
+      <a:lvl4pPr marL="1403985" indent="-200660" algn="l" defTabSz="802005" rtl="0" eaLnBrk="1" latinLnBrk="0" hangingPunct="1">
         <a:spcBef>
           <a:spcPct val="20000"/>
         </a:spcBef>
-        <a:buFont typeface="Arial" pitchFamily="34" charset="0"/>
+        <a:buFont typeface="Arial" panose="020B0604020202020204" pitchFamily="34" charset="0"/>
         <a:buChar char="–"/>
         <a:defRPr sz="1800" kern="1200">
           <a:solidFill>
@@ -4356,11 +4558,11 @@
           <a:cs typeface="+mn-cs"/>
         </a:defRPr>
       </a:lvl4pPr>
-      <a:lvl5pPr marL="1805163" indent="-200574" algn="l" defTabSz="802295" rtl="0" eaLnBrk="1" latinLnBrk="0" hangingPunct="1">
+      <a:lvl5pPr marL="1805305" indent="-200660" algn="l" defTabSz="802005" rtl="0" eaLnBrk="1" latinLnBrk="0" hangingPunct="1">
         <a:spcBef>
           <a:spcPct val="20000"/>
         </a:spcBef>
-        <a:buFont typeface="Arial" pitchFamily="34" charset="0"/>
+        <a:buFont typeface="Arial" panose="020B0604020202020204" pitchFamily="34" charset="0"/>
         <a:buChar char="»"/>
         <a:defRPr sz="1800" kern="1200">
           <a:solidFill>
@@ -4371,11 +4573,11 @@
           <a:cs typeface="+mn-cs"/>
         </a:defRPr>
       </a:lvl5pPr>
-      <a:lvl6pPr marL="2206310" indent="-200574" algn="l" defTabSz="802295" rtl="0" eaLnBrk="1" latinLnBrk="0" hangingPunct="1">
+      <a:lvl6pPr marL="2206625" indent="-200660" algn="l" defTabSz="802005" rtl="0" eaLnBrk="1" latinLnBrk="0" hangingPunct="1">
         <a:spcBef>
           <a:spcPct val="20000"/>
         </a:spcBef>
-        <a:buFont typeface="Arial" pitchFamily="34" charset="0"/>
+        <a:buFont typeface="Arial" panose="020B0604020202020204" pitchFamily="34" charset="0"/>
         <a:buChar char="•"/>
         <a:defRPr sz="1800" kern="1200">
           <a:solidFill>
@@ -4386,11 +4588,11 @@
           <a:cs typeface="+mn-cs"/>
         </a:defRPr>
       </a:lvl6pPr>
-      <a:lvl7pPr marL="2607457" indent="-200574" algn="l" defTabSz="802295" rtl="0" eaLnBrk="1" latinLnBrk="0" hangingPunct="1">
+      <a:lvl7pPr marL="2607310" indent="-200660" algn="l" defTabSz="802005" rtl="0" eaLnBrk="1" latinLnBrk="0" hangingPunct="1">
         <a:spcBef>
           <a:spcPct val="20000"/>
         </a:spcBef>
-        <a:buFont typeface="Arial" pitchFamily="34" charset="0"/>
+        <a:buFont typeface="Arial" panose="020B0604020202020204" pitchFamily="34" charset="0"/>
         <a:buChar char="•"/>
         <a:defRPr sz="1800" kern="1200">
           <a:solidFill>
@@ -4401,11 +4603,11 @@
           <a:cs typeface="+mn-cs"/>
         </a:defRPr>
       </a:lvl7pPr>
-      <a:lvl8pPr marL="3008605" indent="-200574" algn="l" defTabSz="802295" rtl="0" eaLnBrk="1" latinLnBrk="0" hangingPunct="1">
+      <a:lvl8pPr marL="3008630" indent="-200660" algn="l" defTabSz="802005" rtl="0" eaLnBrk="1" latinLnBrk="0" hangingPunct="1">
         <a:spcBef>
           <a:spcPct val="20000"/>
         </a:spcBef>
-        <a:buFont typeface="Arial" pitchFamily="34" charset="0"/>
+        <a:buFont typeface="Arial" panose="020B0604020202020204" pitchFamily="34" charset="0"/>
         <a:buChar char="•"/>
         <a:defRPr sz="1800" kern="1200">
           <a:solidFill>
@@ -4416,11 +4618,11 @@
           <a:cs typeface="+mn-cs"/>
         </a:defRPr>
       </a:lvl8pPr>
-      <a:lvl9pPr marL="3409752" indent="-200574" algn="l" defTabSz="802295" rtl="0" eaLnBrk="1" latinLnBrk="0" hangingPunct="1">
+      <a:lvl9pPr marL="3409950" indent="-200660" algn="l" defTabSz="802005" rtl="0" eaLnBrk="1" latinLnBrk="0" hangingPunct="1">
         <a:spcBef>
           <a:spcPct val="20000"/>
         </a:spcBef>
-        <a:buFont typeface="Arial" pitchFamily="34" charset="0"/>
+        <a:buFont typeface="Arial" panose="020B0604020202020204" pitchFamily="34" charset="0"/>
         <a:buChar char="•"/>
         <a:defRPr sz="1800" kern="1200">
           <a:solidFill>
@@ -4436,7 +4638,7 @@
       <a:defPPr>
         <a:defRPr lang="zh-CN"/>
       </a:defPPr>
-      <a:lvl1pPr marL="0" algn="l" defTabSz="802295" rtl="0" eaLnBrk="1" latinLnBrk="0" hangingPunct="1">
+      <a:lvl1pPr marL="0" algn="l" defTabSz="802005" rtl="0" eaLnBrk="1" latinLnBrk="0" hangingPunct="1">
         <a:defRPr sz="1600" kern="1200">
           <a:solidFill>
             <a:schemeClr val="tx1"/>
@@ -4446,7 +4648,7 @@
           <a:cs typeface="+mn-cs"/>
         </a:defRPr>
       </a:lvl1pPr>
-      <a:lvl2pPr marL="401147" algn="l" defTabSz="802295" rtl="0" eaLnBrk="1" latinLnBrk="0" hangingPunct="1">
+      <a:lvl2pPr marL="401320" algn="l" defTabSz="802005" rtl="0" eaLnBrk="1" latinLnBrk="0" hangingPunct="1">
         <a:defRPr sz="1600" kern="1200">
           <a:solidFill>
             <a:schemeClr val="tx1"/>
@@ -4456,7 +4658,7 @@
           <a:cs typeface="+mn-cs"/>
         </a:defRPr>
       </a:lvl2pPr>
-      <a:lvl3pPr marL="802295" algn="l" defTabSz="802295" rtl="0" eaLnBrk="1" latinLnBrk="0" hangingPunct="1">
+      <a:lvl3pPr marL="802005" algn="l" defTabSz="802005" rtl="0" eaLnBrk="1" latinLnBrk="0" hangingPunct="1">
         <a:defRPr sz="1600" kern="1200">
           <a:solidFill>
             <a:schemeClr val="tx1"/>
@@ -4466,7 +4668,7 @@
           <a:cs typeface="+mn-cs"/>
         </a:defRPr>
       </a:lvl3pPr>
-      <a:lvl4pPr marL="1203442" algn="l" defTabSz="802295" rtl="0" eaLnBrk="1" latinLnBrk="0" hangingPunct="1">
+      <a:lvl4pPr marL="1203325" algn="l" defTabSz="802005" rtl="0" eaLnBrk="1" latinLnBrk="0" hangingPunct="1">
         <a:defRPr sz="1600" kern="1200">
           <a:solidFill>
             <a:schemeClr val="tx1"/>
@@ -4476,7 +4678,7 @@
           <a:cs typeface="+mn-cs"/>
         </a:defRPr>
       </a:lvl4pPr>
-      <a:lvl5pPr marL="1604589" algn="l" defTabSz="802295" rtl="0" eaLnBrk="1" latinLnBrk="0" hangingPunct="1">
+      <a:lvl5pPr marL="1604645" algn="l" defTabSz="802005" rtl="0" eaLnBrk="1" latinLnBrk="0" hangingPunct="1">
         <a:defRPr sz="1600" kern="1200">
           <a:solidFill>
             <a:schemeClr val="tx1"/>
@@ -4486,7 +4688,7 @@
           <a:cs typeface="+mn-cs"/>
         </a:defRPr>
       </a:lvl5pPr>
-      <a:lvl6pPr marL="2005736" algn="l" defTabSz="802295" rtl="0" eaLnBrk="1" latinLnBrk="0" hangingPunct="1">
+      <a:lvl6pPr marL="2005965" algn="l" defTabSz="802005" rtl="0" eaLnBrk="1" latinLnBrk="0" hangingPunct="1">
         <a:defRPr sz="1600" kern="1200">
           <a:solidFill>
             <a:schemeClr val="tx1"/>
@@ -4496,7 +4698,7 @@
           <a:cs typeface="+mn-cs"/>
         </a:defRPr>
       </a:lvl6pPr>
-      <a:lvl7pPr marL="2406884" algn="l" defTabSz="802295" rtl="0" eaLnBrk="1" latinLnBrk="0" hangingPunct="1">
+      <a:lvl7pPr marL="2406650" algn="l" defTabSz="802005" rtl="0" eaLnBrk="1" latinLnBrk="0" hangingPunct="1">
         <a:defRPr sz="1600" kern="1200">
           <a:solidFill>
             <a:schemeClr val="tx1"/>
@@ -4506,7 +4708,7 @@
           <a:cs typeface="+mn-cs"/>
         </a:defRPr>
       </a:lvl7pPr>
-      <a:lvl8pPr marL="2808031" algn="l" defTabSz="802295" rtl="0" eaLnBrk="1" latinLnBrk="0" hangingPunct="1">
+      <a:lvl8pPr marL="2807970" algn="l" defTabSz="802005" rtl="0" eaLnBrk="1" latinLnBrk="0" hangingPunct="1">
         <a:defRPr sz="1600" kern="1200">
           <a:solidFill>
             <a:schemeClr val="tx1"/>
@@ -4516,7 +4718,7 @@
           <a:cs typeface="+mn-cs"/>
         </a:defRPr>
       </a:lvl8pPr>
-      <a:lvl9pPr marL="3209178" algn="l" defTabSz="802295" rtl="0" eaLnBrk="1" latinLnBrk="0" hangingPunct="1">
+      <a:lvl9pPr marL="3209290" algn="l" defTabSz="802005" rtl="0" eaLnBrk="1" latinLnBrk="0" hangingPunct="1">
         <a:defRPr sz="1600" kern="1200">
           <a:solidFill>
             <a:schemeClr val="tx1"/>
@@ -4557,7 +4759,7 @@
           <p:nvPr/>
         </p:nvPicPr>
         <p:blipFill>
-          <a:blip r:embed="rId3">
+          <a:blip r:embed="rId1">
             <a:extLst>
               <a:ext uri="{28A0092B-C50C-407E-A947-70E740481C1C}">
                 <a14:useLocalDpi xmlns:a14="http://schemas.microsoft.com/office/drawing/2010/main" val="0"/>
@@ -4651,6 +4853,13 @@
               </a:rPr>
               <a:t>算法与程序设计</a:t>
             </a:r>
+            <a:endParaRPr lang="zh-CN" altLang="en-US" sz="3600" b="1" dirty="0">
+              <a:solidFill>
+                <a:srgbClr val="919DCB"/>
+              </a:solidFill>
+              <a:latin typeface="微软雅黑" panose="020B0503020204020204" charset="-122"/>
+              <a:ea typeface="微软雅黑" panose="020B0503020204020204" charset="-122"/>
+            </a:endParaRPr>
           </a:p>
         </p:txBody>
       </p:sp>
@@ -4690,22 +4899,17 @@
         </p:txBody>
       </p:sp>
     </p:spTree>
-    <p:extLst>
-      <p:ext uri="{BB962C8B-B14F-4D97-AF65-F5344CB8AC3E}">
-        <p14:creationId xmlns:p14="http://schemas.microsoft.com/office/powerpoint/2010/main" val="2756949035"/>
-      </p:ext>
-    </p:extLst>
   </p:cSld>
   <p:clrMapOvr>
     <a:masterClrMapping/>
   </p:clrMapOvr>
-  <mc:AlternateContent xmlns:mc="http://schemas.openxmlformats.org/markup-compatibility/2006" xmlns:p14="http://schemas.microsoft.com/office/powerpoint/2010/main">
-    <mc:Choice Requires="p14">
+  <mc:AlternateContent xmlns:mc="http://schemas.openxmlformats.org/markup-compatibility/2006">
+    <mc:Choice xmlns:p14="http://schemas.microsoft.com/office/powerpoint/2010/main" Requires="p14">
       <p:transition spd="med" p14:dur="700" advTm="2376">
         <p:fade/>
       </p:transition>
     </mc:Choice>
-    <mc:Fallback xmlns="">
+    <mc:Fallback>
       <p:transition spd="med" advTm="2376">
         <p:fade/>
       </p:transition>
@@ -4950,7 +5154,7 @@
           <p:nvPr/>
         </p:nvPicPr>
         <p:blipFill>
-          <a:blip r:embed="rId3">
+          <a:blip r:embed="rId1">
             <a:extLst>
               <a:ext uri="{28A0092B-C50C-407E-A947-70E740481C1C}">
                 <a14:useLocalDpi xmlns:a14="http://schemas.microsoft.com/office/drawing/2010/main" val="0"/>
@@ -5087,7 +5291,7 @@
             <a:pPr algn="ctr"/>
             <a:r>
               <a:rPr lang="en-US" altLang="zh-CN" sz="5400"/>
-              <a:t>04</a:t>
+              <a:t>03</a:t>
             </a:r>
             <a:endParaRPr lang="zh-CN" altLang="en-US" sz="5400" dirty="0"/>
           </a:p>
@@ -5102,7 +5306,7 @@
         <p:spPr>
           <a:xfrm>
             <a:off x="2700362" y="2304132"/>
-            <a:ext cx="5695116" cy="646331"/>
+            <a:ext cx="5695116" cy="645160"/>
           </a:xfrm>
           <a:prstGeom prst="rect">
             <a:avLst/>
@@ -5124,28 +5328,30 @@
                 <a:latin typeface="微软雅黑" panose="020B0503020204020204" charset="-122"/>
                 <a:ea typeface="微软雅黑" panose="020B0503020204020204" charset="-122"/>
               </a:rPr>
-              <a:t>多线程与大数据排序</a:t>
-            </a:r>
+              <a:t>性能分析</a:t>
+            </a:r>
+            <a:endParaRPr lang="zh-CN" altLang="en-US" sz="3600" spc="600" dirty="0">
+              <a:solidFill>
+                <a:srgbClr val="919DCB"/>
+              </a:solidFill>
+              <a:latin typeface="微软雅黑" panose="020B0503020204020204" charset="-122"/>
+              <a:ea typeface="微软雅黑" panose="020B0503020204020204" charset="-122"/>
+            </a:endParaRPr>
           </a:p>
         </p:txBody>
       </p:sp>
     </p:spTree>
-    <p:extLst>
-      <p:ext uri="{BB962C8B-B14F-4D97-AF65-F5344CB8AC3E}">
-        <p14:creationId xmlns:p14="http://schemas.microsoft.com/office/powerpoint/2010/main" val="1367672230"/>
-      </p:ext>
-    </p:extLst>
   </p:cSld>
   <p:clrMapOvr>
     <a:masterClrMapping/>
   </p:clrMapOvr>
-  <mc:AlternateContent xmlns:mc="http://schemas.openxmlformats.org/markup-compatibility/2006" xmlns:p14="http://schemas.microsoft.com/office/powerpoint/2010/main">
-    <mc:Choice Requires="p14">
+  <mc:AlternateContent xmlns:mc="http://schemas.openxmlformats.org/markup-compatibility/2006">
+    <mc:Choice xmlns:p14="http://schemas.microsoft.com/office/powerpoint/2010/main" Requires="p14">
       <p:transition spd="med" p14:dur="700" advTm="2376">
         <p:fade/>
       </p:transition>
     </mc:Choice>
-    <mc:Fallback xmlns="">
+    <mc:Fallback>
       <p:transition spd="med" advTm="2376">
         <p:fade/>
       </p:transition>
@@ -5353,6 +5559,761 @@
       </p:grpSpPr>
       <p:cxnSp>
         <p:nvCxnSpPr>
+          <p:cNvPr id="25" name="直接连接符 24"/>
+          <p:cNvCxnSpPr/>
+          <p:nvPr/>
+        </p:nvCxnSpPr>
+        <p:spPr>
+          <a:xfrm>
+            <a:off x="180082" y="431924"/>
+            <a:ext cx="8280920" cy="0"/>
+          </a:xfrm>
+          <a:prstGeom prst="line">
+            <a:avLst/>
+          </a:prstGeom>
+        </p:spPr>
+        <p:style>
+          <a:lnRef idx="1">
+            <a:schemeClr val="accent1"/>
+          </a:lnRef>
+          <a:fillRef idx="0">
+            <a:schemeClr val="accent1"/>
+          </a:fillRef>
+          <a:effectRef idx="0">
+            <a:schemeClr val="accent1"/>
+          </a:effectRef>
+          <a:fontRef idx="minor">
+            <a:schemeClr val="tx1"/>
+          </a:fontRef>
+        </p:style>
+      </p:cxnSp>
+      <p:pic>
+        <p:nvPicPr>
+          <p:cNvPr id="26" name="Picture 2" descr="C:\Documents and Settings\Administrator\桌面\新建文件夹 (2)\5.15封面参考\复件 (27) 新建文件夹\0f1ac98d7ad0e38211.jpg"/>
+          <p:cNvPicPr>
+            <a:picLocks noChangeAspect="1" noChangeArrowheads="1"/>
+          </p:cNvPicPr>
+          <p:nvPr/>
+        </p:nvPicPr>
+        <p:blipFill>
+          <a:blip r:embed="rId1" cstate="print">
+            <a:extLst>
+              <a:ext uri="{28A0092B-C50C-407E-A947-70E740481C1C}">
+                <a14:useLocalDpi xmlns:a14="http://schemas.microsoft.com/office/drawing/2010/main" val="0"/>
+              </a:ext>
+            </a:extLst>
+          </a:blip>
+          <a:srcRect/>
+          <a:stretch>
+            <a:fillRect/>
+          </a:stretch>
+        </p:blipFill>
+        <p:spPr bwMode="auto">
+          <a:xfrm rot="15970416">
+            <a:off x="7198970" y="309105"/>
+            <a:ext cx="2526441" cy="1421123"/>
+          </a:xfrm>
+          <a:prstGeom prst="rect">
+            <a:avLst/>
+          </a:prstGeom>
+          <a:noFill/>
+          <a:extLst>
+            <a:ext uri="{909E8E84-426E-40DD-AFC4-6F175D3DCCD1}">
+              <a14:hiddenFill xmlns:a14="http://schemas.microsoft.com/office/drawing/2010/main">
+                <a:solidFill>
+                  <a:srgbClr val="FFFFFF"/>
+                </a:solidFill>
+              </a14:hiddenFill>
+            </a:ext>
+          </a:extLst>
+        </p:spPr>
+      </p:pic>
+      <p:sp>
+        <p:nvSpPr>
+          <p:cNvPr id="28" name="文本框 24"/>
+          <p:cNvSpPr txBox="1"/>
+          <p:nvPr/>
+        </p:nvSpPr>
+        <p:spPr>
+          <a:xfrm>
+            <a:off x="36066" y="154925"/>
+            <a:ext cx="1872208" cy="275590"/>
+          </a:xfrm>
+          <a:prstGeom prst="rect">
+            <a:avLst/>
+          </a:prstGeom>
+          <a:noFill/>
+        </p:spPr>
+        <p:txBody>
+          <a:bodyPr wrap="square" rtlCol="0">
+            <a:spAutoFit/>
+          </a:bodyPr>
+          <a:lstStyle/>
+          <a:p>
+            <a:pPr algn="ctr"/>
+            <a:r>
+              <a:rPr lang="en-US" altLang="zh-CN" sz="1200" spc="600" dirty="0">
+                <a:solidFill>
+                  <a:srgbClr val="919DCB"/>
+                </a:solidFill>
+                <a:latin typeface="微软雅黑" panose="020B0503020204020204" charset="-122"/>
+                <a:ea typeface="微软雅黑" panose="020B0503020204020204" charset="-122"/>
+              </a:rPr>
+              <a:t>3.</a:t>
+            </a:r>
+            <a:r>
+              <a:rPr lang="zh-CN" altLang="en-US" sz="1200" spc="600" dirty="0">
+                <a:solidFill>
+                  <a:srgbClr val="919DCB"/>
+                </a:solidFill>
+                <a:latin typeface="微软雅黑" panose="020B0503020204020204" charset="-122"/>
+                <a:ea typeface="微软雅黑" panose="020B0503020204020204" charset="-122"/>
+              </a:rPr>
+              <a:t>性能分析</a:t>
+            </a:r>
+            <a:endParaRPr lang="zh-CN" altLang="en-US" sz="1200" spc="600" dirty="0">
+              <a:solidFill>
+                <a:srgbClr val="919DCB"/>
+              </a:solidFill>
+              <a:latin typeface="微软雅黑" panose="020B0503020204020204" charset="-122"/>
+              <a:ea typeface="微软雅黑" panose="020B0503020204020204" charset="-122"/>
+            </a:endParaRPr>
+          </a:p>
+        </p:txBody>
+      </p:sp>
+      <p:sp>
+        <p:nvSpPr>
+          <p:cNvPr id="8" name="文本框 7"/>
+          <p:cNvSpPr txBox="1"/>
+          <p:nvPr/>
+        </p:nvSpPr>
+        <p:spPr>
+          <a:xfrm>
+            <a:off x="4356735" y="791845"/>
+            <a:ext cx="4052570" cy="3589655"/>
+          </a:xfrm>
+          <a:prstGeom prst="rect">
+            <a:avLst/>
+          </a:prstGeom>
+          <a:noFill/>
+        </p:spPr>
+        <p:txBody>
+          <a:bodyPr wrap="square" rtlCol="0">
+            <a:noAutofit/>
+          </a:bodyPr>
+          <a:p>
+            <a:pPr algn="l">
+              <a:buClrTx/>
+              <a:buSzTx/>
+              <a:buFontTx/>
+            </a:pPr>
+            <a:r>
+              <a:rPr lang="zh-CN" altLang="en-US" sz="1200" spc="600" dirty="0">
+                <a:solidFill>
+                  <a:srgbClr val="919DCB"/>
+                </a:solidFill>
+                <a:latin typeface="微软雅黑" panose="020B0503020204020204" charset="-122"/>
+                <a:ea typeface="微软雅黑" panose="020B0503020204020204" charset="-122"/>
+              </a:rPr>
+              <a:t>性能分析</a:t>
+            </a:r>
+            <a:endParaRPr lang="zh-CN" altLang="en-US" sz="1200" spc="600" dirty="0">
+              <a:solidFill>
+                <a:srgbClr val="919DCB"/>
+              </a:solidFill>
+              <a:latin typeface="微软雅黑" panose="020B0503020204020204" charset="-122"/>
+              <a:ea typeface="微软雅黑" panose="020B0503020204020204" charset="-122"/>
+            </a:endParaRPr>
+          </a:p>
+          <a:p>
+            <a:pPr algn="l">
+              <a:buClrTx/>
+              <a:buSzTx/>
+              <a:buFontTx/>
+            </a:pPr>
+            <a:endParaRPr lang="zh-CN" altLang="en-US" sz="1200" spc="600" dirty="0">
+              <a:solidFill>
+                <a:srgbClr val="919DCB"/>
+              </a:solidFill>
+              <a:latin typeface="微软雅黑" panose="020B0503020204020204" charset="-122"/>
+              <a:ea typeface="微软雅黑" panose="020B0503020204020204" charset="-122"/>
+            </a:endParaRPr>
+          </a:p>
+          <a:p>
+            <a:pPr algn="l">
+              <a:buClrTx/>
+              <a:buSzTx/>
+              <a:buFontTx/>
+            </a:pPr>
+            <a:endParaRPr lang="zh-CN" altLang="en-US" sz="1200" spc="600" dirty="0">
+              <a:solidFill>
+                <a:srgbClr val="919DCB"/>
+              </a:solidFill>
+              <a:latin typeface="微软雅黑" panose="020B0503020204020204" charset="-122"/>
+              <a:ea typeface="微软雅黑" panose="020B0503020204020204" charset="-122"/>
+            </a:endParaRPr>
+          </a:p>
+          <a:p>
+            <a:pPr algn="l" fontAlgn="t">
+              <a:buClrTx/>
+              <a:buSzTx/>
+              <a:buFontTx/>
+            </a:pPr>
+            <a:r>
+              <a:rPr lang="zh-CN" altLang="en-US" sz="1200" spc="600" dirty="0">
+                <a:solidFill>
+                  <a:srgbClr val="919DCB"/>
+                </a:solidFill>
+                <a:latin typeface="微软雅黑" panose="020B0503020204020204" charset="-122"/>
+                <a:ea typeface="微软雅黑" panose="020B0503020204020204" charset="-122"/>
+              </a:rPr>
+              <a:t>常规单线程运行归并排序，跑</a:t>
+            </a:r>
+            <a:r>
+              <a:rPr lang="en-US" altLang="zh-CN" sz="1200" spc="600" dirty="0">
+                <a:solidFill>
+                  <a:srgbClr val="919DCB"/>
+                </a:solidFill>
+                <a:latin typeface="微软雅黑" panose="020B0503020204020204" charset="-122"/>
+                <a:ea typeface="微软雅黑" panose="020B0503020204020204" charset="-122"/>
+              </a:rPr>
+              <a:t>10000000</a:t>
+            </a:r>
+            <a:r>
+              <a:rPr lang="zh-CN" altLang="en-US" sz="1200" spc="600" dirty="0">
+                <a:solidFill>
+                  <a:srgbClr val="919DCB"/>
+                </a:solidFill>
+                <a:latin typeface="微软雅黑" panose="020B0503020204020204" charset="-122"/>
+                <a:ea typeface="微软雅黑" panose="020B0503020204020204" charset="-122"/>
+              </a:rPr>
+              <a:t>个数的排序会导致长时间卡顿，会造成未响应，在使用多线程进行排序的时候可以正常跑完并输出结果，用时在</a:t>
+            </a:r>
+            <a:r>
+              <a:rPr lang="en-US" altLang="zh-CN" sz="1200" spc="600" dirty="0">
+                <a:solidFill>
+                  <a:srgbClr val="919DCB"/>
+                </a:solidFill>
+                <a:latin typeface="微软雅黑" panose="020B0503020204020204" charset="-122"/>
+                <a:ea typeface="微软雅黑" panose="020B0503020204020204" charset="-122"/>
+              </a:rPr>
+              <a:t>5s</a:t>
+            </a:r>
+            <a:r>
+              <a:rPr lang="zh-CN" altLang="en-US" sz="1200" spc="600" dirty="0">
+                <a:solidFill>
+                  <a:srgbClr val="919DCB"/>
+                </a:solidFill>
+                <a:latin typeface="微软雅黑" panose="020B0503020204020204" charset="-122"/>
+                <a:ea typeface="微软雅黑" panose="020B0503020204020204" charset="-122"/>
+              </a:rPr>
+              <a:t>内，可见多线程并行</a:t>
+            </a:r>
+            <a:r>
+              <a:rPr lang="zh-CN" altLang="en-US" sz="1200" spc="600" dirty="0">
+                <a:solidFill>
+                  <a:srgbClr val="919DCB"/>
+                </a:solidFill>
+                <a:latin typeface="微软雅黑" panose="020B0503020204020204" charset="-122"/>
+                <a:ea typeface="微软雅黑" panose="020B0503020204020204" charset="-122"/>
+              </a:rPr>
+              <a:t>可以加速</a:t>
+            </a:r>
+            <a:r>
+              <a:rPr lang="zh-CN" altLang="en-US" sz="1200" spc="600" dirty="0">
+                <a:solidFill>
+                  <a:srgbClr val="919DCB"/>
+                </a:solidFill>
+                <a:latin typeface="微软雅黑" panose="020B0503020204020204" charset="-122"/>
+                <a:ea typeface="微软雅黑" panose="020B0503020204020204" charset="-122"/>
+              </a:rPr>
+              <a:t>排序。</a:t>
+            </a:r>
+            <a:endParaRPr lang="zh-CN" altLang="en-US" sz="1200" spc="600" dirty="0">
+              <a:solidFill>
+                <a:srgbClr val="919DCB"/>
+              </a:solidFill>
+              <a:latin typeface="微软雅黑" panose="020B0503020204020204" charset="-122"/>
+              <a:ea typeface="微软雅黑" panose="020B0503020204020204" charset="-122"/>
+            </a:endParaRPr>
+          </a:p>
+        </p:txBody>
+      </p:sp>
+      <p:pic>
+        <p:nvPicPr>
+          <p:cNvPr id="4" name="图片 3"/>
+          <p:cNvPicPr>
+            <a:picLocks noChangeAspect="1"/>
+          </p:cNvPicPr>
+          <p:nvPr/>
+        </p:nvPicPr>
+        <p:blipFill>
+          <a:blip r:embed="rId2"/>
+          <a:stretch>
+            <a:fillRect/>
+          </a:stretch>
+        </p:blipFill>
+        <p:spPr>
+          <a:xfrm>
+            <a:off x="252095" y="647700"/>
+            <a:ext cx="3516630" cy="4046855"/>
+          </a:xfrm>
+          <a:prstGeom prst="rect">
+            <a:avLst/>
+          </a:prstGeom>
+        </p:spPr>
+      </p:pic>
+    </p:spTree>
+  </p:cSld>
+  <p:clrMapOvr>
+    <a:masterClrMapping/>
+  </p:clrMapOvr>
+  <mc:AlternateContent xmlns:mc="http://schemas.openxmlformats.org/markup-compatibility/2006">
+    <mc:Choice xmlns:p14="http://schemas.microsoft.com/office/powerpoint/2010/main" Requires="p14">
+      <p:transition spd="med" p14:dur="700" advTm="2376">
+        <p:fade/>
+      </p:transition>
+    </mc:Choice>
+    <mc:Fallback>
+      <p:transition spd="med" advTm="2376">
+        <p:fade/>
+      </p:transition>
+    </mc:Fallback>
+  </mc:AlternateContent>
+</p:sld>
+</file>
+
+<file path=ppt/slides/slide12.xml><?xml version="1.0" encoding="utf-8"?>
+<p:sld xmlns:a="http://schemas.openxmlformats.org/drawingml/2006/main" xmlns:r="http://schemas.openxmlformats.org/officeDocument/2006/relationships" xmlns:p="http://schemas.openxmlformats.org/presentationml/2006/main">
+  <p:cSld>
+    <p:spTree>
+      <p:nvGrpSpPr>
+        <p:cNvPr id="1" name=""/>
+        <p:cNvGrpSpPr/>
+        <p:nvPr/>
+      </p:nvGrpSpPr>
+      <p:grpSpPr>
+        <a:xfrm>
+          <a:off x="0" y="0"/>
+          <a:ext cx="0" cy="0"/>
+          <a:chOff x="0" y="0"/>
+          <a:chExt cx="0" cy="0"/>
+        </a:xfrm>
+      </p:grpSpPr>
+      <p:pic>
+        <p:nvPicPr>
+          <p:cNvPr id="3074" name="Picture 2"/>
+          <p:cNvPicPr>
+            <a:picLocks noChangeAspect="1" noChangeArrowheads="1"/>
+          </p:cNvPicPr>
+          <p:nvPr/>
+        </p:nvPicPr>
+        <p:blipFill>
+          <a:blip r:embed="rId1">
+            <a:extLst>
+              <a:ext uri="{28A0092B-C50C-407E-A947-70E740481C1C}">
+                <a14:useLocalDpi xmlns:a14="http://schemas.microsoft.com/office/drawing/2010/main" val="0"/>
+              </a:ext>
+            </a:extLst>
+          </a:blip>
+          <a:srcRect/>
+          <a:stretch>
+            <a:fillRect/>
+          </a:stretch>
+        </p:blipFill>
+        <p:spPr bwMode="auto">
+          <a:xfrm>
+            <a:off x="-71755" y="-43145"/>
+            <a:ext cx="9144636" cy="5125016"/>
+          </a:xfrm>
+          <a:prstGeom prst="rect">
+            <a:avLst/>
+          </a:prstGeom>
+          <a:noFill/>
+          <a:ln>
+            <a:noFill/>
+          </a:ln>
+          <a:extLst>
+            <a:ext uri="{909E8E84-426E-40DD-AFC4-6F175D3DCCD1}">
+              <a14:hiddenFill xmlns:a14="http://schemas.microsoft.com/office/drawing/2010/main">
+                <a:solidFill>
+                  <a:schemeClr val="accent1"/>
+                </a:solidFill>
+              </a14:hiddenFill>
+            </a:ext>
+            <a:ext uri="{91240B29-F687-4F45-9708-019B960494DF}">
+              <a14:hiddenLine xmlns:a14="http://schemas.microsoft.com/office/drawing/2010/main" w="9525">
+                <a:solidFill>
+                  <a:schemeClr val="tx1"/>
+                </a:solidFill>
+                <a:miter lim="800000"/>
+                <a:headEnd/>
+                <a:tailEnd/>
+              </a14:hiddenLine>
+            </a:ext>
+          </a:extLst>
+        </p:spPr>
+      </p:pic>
+      <p:sp>
+        <p:nvSpPr>
+          <p:cNvPr id="2" name="矩形 1"/>
+          <p:cNvSpPr/>
+          <p:nvPr/>
+        </p:nvSpPr>
+        <p:spPr>
+          <a:xfrm>
+            <a:off x="612130" y="1224012"/>
+            <a:ext cx="8136904" cy="2592288"/>
+          </a:xfrm>
+          <a:prstGeom prst="rect">
+            <a:avLst/>
+          </a:prstGeom>
+          <a:solidFill>
+            <a:srgbClr val="FFFFFF"/>
+          </a:solidFill>
+          <a:ln>
+            <a:noFill/>
+          </a:ln>
+        </p:spPr>
+        <p:style>
+          <a:lnRef idx="2">
+            <a:schemeClr val="accent1">
+              <a:shade val="50000"/>
+            </a:schemeClr>
+          </a:lnRef>
+          <a:fillRef idx="1">
+            <a:schemeClr val="accent1"/>
+          </a:fillRef>
+          <a:effectRef idx="0">
+            <a:schemeClr val="accent1"/>
+          </a:effectRef>
+          <a:fontRef idx="minor">
+            <a:schemeClr val="lt1"/>
+          </a:fontRef>
+        </p:style>
+        <p:txBody>
+          <a:bodyPr rtlCol="0" anchor="ctr"/>
+          <a:lstStyle/>
+          <a:p>
+            <a:pPr algn="ctr"/>
+            <a:endParaRPr lang="zh-CN" altLang="en-US"/>
+          </a:p>
+        </p:txBody>
+      </p:sp>
+      <p:sp>
+        <p:nvSpPr>
+          <p:cNvPr id="4" name="椭圆 3"/>
+          <p:cNvSpPr/>
+          <p:nvPr/>
+        </p:nvSpPr>
+        <p:spPr>
+          <a:xfrm>
+            <a:off x="1404218" y="1728068"/>
+            <a:ext cx="1588572" cy="1588572"/>
+          </a:xfrm>
+          <a:prstGeom prst="ellipse">
+            <a:avLst/>
+          </a:prstGeom>
+          <a:solidFill>
+            <a:srgbClr val="919DCB"/>
+          </a:solidFill>
+          <a:ln>
+            <a:solidFill>
+              <a:srgbClr val="919DCB"/>
+            </a:solidFill>
+          </a:ln>
+        </p:spPr>
+        <p:style>
+          <a:lnRef idx="2">
+            <a:schemeClr val="accent1">
+              <a:shade val="50000"/>
+            </a:schemeClr>
+          </a:lnRef>
+          <a:fillRef idx="1">
+            <a:schemeClr val="accent1"/>
+          </a:fillRef>
+          <a:effectRef idx="0">
+            <a:schemeClr val="accent1"/>
+          </a:effectRef>
+          <a:fontRef idx="minor">
+            <a:schemeClr val="lt1"/>
+          </a:fontRef>
+        </p:style>
+        <p:txBody>
+          <a:bodyPr rtlCol="0" anchor="ctr"/>
+          <a:lstStyle/>
+          <a:p>
+            <a:pPr algn="ctr"/>
+            <a:r>
+              <a:rPr lang="en-US" altLang="zh-CN" sz="5400"/>
+              <a:t>04</a:t>
+            </a:r>
+            <a:endParaRPr lang="zh-CN" altLang="en-US" sz="5400" dirty="0"/>
+          </a:p>
+        </p:txBody>
+      </p:sp>
+      <p:sp>
+        <p:nvSpPr>
+          <p:cNvPr id="5" name="文本框 24"/>
+          <p:cNvSpPr txBox="1"/>
+          <p:nvPr/>
+        </p:nvSpPr>
+        <p:spPr>
+          <a:xfrm>
+            <a:off x="2700362" y="2304132"/>
+            <a:ext cx="5695116" cy="646331"/>
+          </a:xfrm>
+          <a:prstGeom prst="rect">
+            <a:avLst/>
+          </a:prstGeom>
+          <a:noFill/>
+        </p:spPr>
+        <p:txBody>
+          <a:bodyPr wrap="square" rtlCol="0">
+            <a:spAutoFit/>
+          </a:bodyPr>
+          <a:lstStyle/>
+          <a:p>
+            <a:pPr algn="ctr"/>
+            <a:r>
+              <a:rPr lang="zh-CN" altLang="en-US" sz="3600" spc="600" dirty="0">
+                <a:solidFill>
+                  <a:srgbClr val="919DCB"/>
+                </a:solidFill>
+                <a:latin typeface="微软雅黑" panose="020B0503020204020204" charset="-122"/>
+                <a:ea typeface="微软雅黑" panose="020B0503020204020204" charset="-122"/>
+              </a:rPr>
+              <a:t>多线程与大数据排序</a:t>
+            </a:r>
+            <a:endParaRPr lang="zh-CN" altLang="en-US" sz="3600" spc="600" dirty="0">
+              <a:solidFill>
+                <a:srgbClr val="919DCB"/>
+              </a:solidFill>
+              <a:latin typeface="微软雅黑" panose="020B0503020204020204" charset="-122"/>
+              <a:ea typeface="微软雅黑" panose="020B0503020204020204" charset="-122"/>
+            </a:endParaRPr>
+          </a:p>
+        </p:txBody>
+      </p:sp>
+    </p:spTree>
+  </p:cSld>
+  <p:clrMapOvr>
+    <a:masterClrMapping/>
+  </p:clrMapOvr>
+  <mc:AlternateContent xmlns:mc="http://schemas.openxmlformats.org/markup-compatibility/2006">
+    <mc:Choice xmlns:p14="http://schemas.microsoft.com/office/powerpoint/2010/main" Requires="p14">
+      <p:transition spd="med" p14:dur="700" advTm="2376">
+        <p:fade/>
+      </p:transition>
+    </mc:Choice>
+    <mc:Fallback>
+      <p:transition spd="med" advTm="2376">
+        <p:fade/>
+      </p:transition>
+    </mc:Fallback>
+  </mc:AlternateContent>
+  <p:timing>
+    <p:tnLst>
+      <p:par>
+        <p:cTn id="1" dur="indefinite" restart="never" nodeType="tmRoot">
+          <p:childTnLst>
+            <p:seq concurrent="1" nextAc="seek">
+              <p:cTn id="2" dur="indefinite" nodeType="mainSeq">
+                <p:childTnLst>
+                  <p:par>
+                    <p:cTn id="3" fill="hold">
+                      <p:stCondLst>
+                        <p:cond delay="indefinite"/>
+                        <p:cond evt="onBegin" delay="0">
+                          <p:tn val="2"/>
+                        </p:cond>
+                      </p:stCondLst>
+                      <p:childTnLst>
+                        <p:par>
+                          <p:cTn id="4" fill="hold">
+                            <p:stCondLst>
+                              <p:cond delay="0"/>
+                            </p:stCondLst>
+                            <p:childTnLst>
+                              <p:par>
+                                <p:cTn id="5" presetID="53" presetClass="entr" presetSubtype="16" fill="hold" grpId="0" nodeType="afterEffect">
+                                  <p:stCondLst>
+                                    <p:cond delay="0"/>
+                                  </p:stCondLst>
+                                  <p:childTnLst>
+                                    <p:set>
+                                      <p:cBhvr>
+                                        <p:cTn id="6" dur="1" fill="hold">
+                                          <p:stCondLst>
+                                            <p:cond delay="0"/>
+                                          </p:stCondLst>
+                                        </p:cTn>
+                                        <p:tgtEl>
+                                          <p:spTgt spid="4"/>
+                                        </p:tgtEl>
+                                        <p:attrNameLst>
+                                          <p:attrName>style.visibility</p:attrName>
+                                        </p:attrNameLst>
+                                      </p:cBhvr>
+                                      <p:to>
+                                        <p:strVal val="visible"/>
+                                      </p:to>
+                                    </p:set>
+                                    <p:anim calcmode="lin" valueType="num">
+                                      <p:cBhvr>
+                                        <p:cTn id="7" dur="500" fill="hold"/>
+                                        <p:tgtEl>
+                                          <p:spTgt spid="4"/>
+                                        </p:tgtEl>
+                                        <p:attrNameLst>
+                                          <p:attrName>ppt_w</p:attrName>
+                                        </p:attrNameLst>
+                                      </p:cBhvr>
+                                      <p:tavLst>
+                                        <p:tav tm="0">
+                                          <p:val>
+                                            <p:fltVal val="0"/>
+                                          </p:val>
+                                        </p:tav>
+                                        <p:tav tm="100000">
+                                          <p:val>
+                                            <p:strVal val="#ppt_w"/>
+                                          </p:val>
+                                        </p:tav>
+                                      </p:tavLst>
+                                    </p:anim>
+                                    <p:anim calcmode="lin" valueType="num">
+                                      <p:cBhvr>
+                                        <p:cTn id="8" dur="500" fill="hold"/>
+                                        <p:tgtEl>
+                                          <p:spTgt spid="4"/>
+                                        </p:tgtEl>
+                                        <p:attrNameLst>
+                                          <p:attrName>ppt_h</p:attrName>
+                                        </p:attrNameLst>
+                                      </p:cBhvr>
+                                      <p:tavLst>
+                                        <p:tav tm="0">
+                                          <p:val>
+                                            <p:fltVal val="0"/>
+                                          </p:val>
+                                        </p:tav>
+                                        <p:tav tm="100000">
+                                          <p:val>
+                                            <p:strVal val="#ppt_h"/>
+                                          </p:val>
+                                        </p:tav>
+                                      </p:tavLst>
+                                    </p:anim>
+                                    <p:animEffect transition="in" filter="fade">
+                                      <p:cBhvr>
+                                        <p:cTn id="9" dur="500"/>
+                                        <p:tgtEl>
+                                          <p:spTgt spid="4"/>
+                                        </p:tgtEl>
+                                      </p:cBhvr>
+                                    </p:animEffect>
+                                  </p:childTnLst>
+                                </p:cTn>
+                              </p:par>
+                            </p:childTnLst>
+                          </p:cTn>
+                        </p:par>
+                        <p:par>
+                          <p:cTn id="10" fill="hold">
+                            <p:stCondLst>
+                              <p:cond delay="500"/>
+                            </p:stCondLst>
+                            <p:childTnLst>
+                              <p:par>
+                                <p:cTn id="11" presetID="22" presetClass="entr" presetSubtype="4" fill="hold" grpId="0" nodeType="afterEffect">
+                                  <p:stCondLst>
+                                    <p:cond delay="0"/>
+                                  </p:stCondLst>
+                                  <p:childTnLst>
+                                    <p:set>
+                                      <p:cBhvr>
+                                        <p:cTn id="12" dur="1" fill="hold">
+                                          <p:stCondLst>
+                                            <p:cond delay="0"/>
+                                          </p:stCondLst>
+                                        </p:cTn>
+                                        <p:tgtEl>
+                                          <p:spTgt spid="5"/>
+                                        </p:tgtEl>
+                                        <p:attrNameLst>
+                                          <p:attrName>style.visibility</p:attrName>
+                                        </p:attrNameLst>
+                                      </p:cBhvr>
+                                      <p:to>
+                                        <p:strVal val="visible"/>
+                                      </p:to>
+                                    </p:set>
+                                    <p:animEffect transition="in" filter="wipe(down)">
+                                      <p:cBhvr>
+                                        <p:cTn id="13" dur="500"/>
+                                        <p:tgtEl>
+                                          <p:spTgt spid="5"/>
+                                        </p:tgtEl>
+                                      </p:cBhvr>
+                                    </p:animEffect>
+                                  </p:childTnLst>
+                                </p:cTn>
+                              </p:par>
+                            </p:childTnLst>
+                          </p:cTn>
+                        </p:par>
+                      </p:childTnLst>
+                    </p:cTn>
+                  </p:par>
+                </p:childTnLst>
+              </p:cTn>
+              <p:prevCondLst>
+                <p:cond evt="onPrev" delay="0">
+                  <p:tgtEl>
+                    <p:sldTgt/>
+                  </p:tgtEl>
+                </p:cond>
+              </p:prevCondLst>
+              <p:nextCondLst>
+                <p:cond evt="onNext" delay="0">
+                  <p:tgtEl>
+                    <p:sldTgt/>
+                  </p:tgtEl>
+                </p:cond>
+              </p:nextCondLst>
+            </p:seq>
+          </p:childTnLst>
+        </p:cTn>
+      </p:par>
+    </p:tnLst>
+    <p:bldLst>
+      <p:bldP spid="4" grpId="0" animBg="1"/>
+      <p:bldP spid="5" grpId="0"/>
+    </p:bldLst>
+  </p:timing>
+</p:sld>
+</file>
+
+<file path=ppt/slides/slide13.xml><?xml version="1.0" encoding="utf-8"?>
+<p:sld xmlns:a="http://schemas.openxmlformats.org/drawingml/2006/main" xmlns:r="http://schemas.openxmlformats.org/officeDocument/2006/relationships" xmlns:p="http://schemas.openxmlformats.org/presentationml/2006/main">
+  <p:cSld>
+    <p:spTree>
+      <p:nvGrpSpPr>
+        <p:cNvPr id="1" name=""/>
+        <p:cNvGrpSpPr/>
+        <p:nvPr/>
+      </p:nvGrpSpPr>
+      <p:grpSpPr>
+        <a:xfrm>
+          <a:off x="0" y="0"/>
+          <a:ext cx="0" cy="0"/>
+          <a:chOff x="0" y="0"/>
+          <a:chExt cx="0" cy="0"/>
+        </a:xfrm>
+      </p:grpSpPr>
+      <p:cxnSp>
+        <p:nvCxnSpPr>
           <p:cNvPr id="37" name="直接连接符 36"/>
           <p:cNvCxnSpPr/>
           <p:nvPr/>
@@ -5387,10 +6348,14 @@
           <p:cNvPicPr>
             <a:picLocks noChangeAspect="1" noChangeArrowheads="1"/>
           </p:cNvPicPr>
-          <p:nvPr/>
+          <p:nvPr>
+            <p:custDataLst>
+              <p:tags r:id="rId1"/>
+            </p:custDataLst>
+          </p:nvPr>
         </p:nvPicPr>
         <p:blipFill>
-          <a:blip r:embed="rId3" cstate="print">
+          <a:blip r:embed="rId2" cstate="print">
             <a:extLst>
               <a:ext uri="{28A0092B-C50C-407E-A947-70E740481C1C}">
                 <a14:useLocalDpi xmlns:a14="http://schemas.microsoft.com/office/drawing/2010/main" val="0"/>
@@ -5511,26 +6476,388 @@
               </a:rPr>
               <a:t>多线程与大数据排序</a:t>
             </a:r>
+            <a:endParaRPr lang="zh-CN" altLang="en-US" sz="1200" spc="600" dirty="0">
+              <a:solidFill>
+                <a:srgbClr val="919DCB"/>
+              </a:solidFill>
+              <a:latin typeface="微软雅黑" panose="020B0503020204020204" charset="-122"/>
+              <a:ea typeface="微软雅黑" panose="020B0503020204020204" charset="-122"/>
+            </a:endParaRPr>
+          </a:p>
+        </p:txBody>
+      </p:sp>
+      <p:sp>
+        <p:nvSpPr>
+          <p:cNvPr id="5" name="文本框 24"/>
+          <p:cNvSpPr txBox="1"/>
+          <p:nvPr/>
+        </p:nvSpPr>
+        <p:spPr>
+          <a:xfrm>
+            <a:off x="468501" y="504175"/>
+            <a:ext cx="1872208" cy="275590"/>
+          </a:xfrm>
+          <a:prstGeom prst="rect">
+            <a:avLst/>
+          </a:prstGeom>
+          <a:noFill/>
+        </p:spPr>
+        <p:txBody>
+          <a:bodyPr wrap="square" rtlCol="0">
+            <a:spAutoFit/>
+          </a:bodyPr>
+          <a:p>
+            <a:pPr algn="ctr"/>
+            <a:r>
+              <a:rPr lang="zh-CN" altLang="en-US" sz="1200" spc="600" dirty="0">
+                <a:solidFill>
+                  <a:srgbClr val="919DCB"/>
+                </a:solidFill>
+                <a:latin typeface="微软雅黑" panose="020B0503020204020204" charset="-122"/>
+                <a:ea typeface="微软雅黑" panose="020B0503020204020204" charset="-122"/>
+              </a:rPr>
+              <a:t>以</a:t>
+            </a:r>
+            <a:r>
+              <a:rPr lang="zh-CN" altLang="en-US" sz="1200" spc="600" dirty="0">
+                <a:solidFill>
+                  <a:srgbClr val="919DCB"/>
+                </a:solidFill>
+                <a:latin typeface="微软雅黑" panose="020B0503020204020204" charset="-122"/>
+                <a:ea typeface="微软雅黑" panose="020B0503020204020204" charset="-122"/>
+              </a:rPr>
+              <a:t>归并排序</a:t>
+            </a:r>
+            <a:r>
+              <a:rPr lang="zh-CN" altLang="en-US" sz="1200" spc="600" dirty="0">
+                <a:solidFill>
+                  <a:srgbClr val="919DCB"/>
+                </a:solidFill>
+                <a:latin typeface="微软雅黑" panose="020B0503020204020204" charset="-122"/>
+                <a:ea typeface="微软雅黑" panose="020B0503020204020204" charset="-122"/>
+              </a:rPr>
+              <a:t>为例</a:t>
+            </a:r>
+            <a:endParaRPr lang="zh-CN" altLang="en-US" sz="1200" spc="600" dirty="0">
+              <a:solidFill>
+                <a:srgbClr val="919DCB"/>
+              </a:solidFill>
+              <a:latin typeface="微软雅黑" panose="020B0503020204020204" charset="-122"/>
+              <a:ea typeface="微软雅黑" panose="020B0503020204020204" charset="-122"/>
+            </a:endParaRPr>
+          </a:p>
+        </p:txBody>
+      </p:sp>
+      <p:pic>
+        <p:nvPicPr>
+          <p:cNvPr id="2" name="图片 1"/>
+          <p:cNvPicPr>
+            <a:picLocks noChangeAspect="1"/>
+          </p:cNvPicPr>
+          <p:nvPr/>
+        </p:nvPicPr>
+        <p:blipFill>
+          <a:blip r:embed="rId3"/>
+          <a:stretch>
+            <a:fillRect/>
+          </a:stretch>
+        </p:blipFill>
+        <p:spPr>
+          <a:xfrm>
+            <a:off x="252095" y="838835"/>
+            <a:ext cx="3776980" cy="3787775"/>
+          </a:xfrm>
+          <a:prstGeom prst="rect">
+            <a:avLst/>
+          </a:prstGeom>
+        </p:spPr>
+      </p:pic>
+      <p:sp>
+        <p:nvSpPr>
+          <p:cNvPr id="8" name="文本框 7"/>
+          <p:cNvSpPr txBox="1"/>
+          <p:nvPr/>
+        </p:nvSpPr>
+        <p:spPr>
+          <a:xfrm>
+            <a:off x="4356735" y="791845"/>
+            <a:ext cx="4052570" cy="3589655"/>
+          </a:xfrm>
+          <a:prstGeom prst="rect">
+            <a:avLst/>
+          </a:prstGeom>
+          <a:noFill/>
+        </p:spPr>
+        <p:txBody>
+          <a:bodyPr wrap="square" rtlCol="0">
+            <a:noAutofit/>
+          </a:bodyPr>
+          <a:p>
+            <a:pPr algn="l">
+              <a:buClrTx/>
+              <a:buSzTx/>
+              <a:buFontTx/>
+            </a:pPr>
+            <a:r>
+              <a:rPr lang="zh-CN" altLang="en-US" sz="1200" spc="600" dirty="0">
+                <a:solidFill>
+                  <a:srgbClr val="919DCB"/>
+                </a:solidFill>
+                <a:latin typeface="微软雅黑" panose="020B0503020204020204" charset="-122"/>
+                <a:ea typeface="微软雅黑" panose="020B0503020204020204" charset="-122"/>
+              </a:rPr>
+              <a:t>算法逻辑分析</a:t>
+            </a:r>
+            <a:endParaRPr lang="zh-CN" altLang="en-US" sz="1200" spc="600" dirty="0">
+              <a:solidFill>
+                <a:srgbClr val="919DCB"/>
+              </a:solidFill>
+              <a:latin typeface="微软雅黑" panose="020B0503020204020204" charset="-122"/>
+              <a:ea typeface="微软雅黑" panose="020B0503020204020204" charset="-122"/>
+            </a:endParaRPr>
+          </a:p>
+          <a:p>
+            <a:pPr algn="l">
+              <a:buClrTx/>
+              <a:buSzTx/>
+              <a:buFontTx/>
+            </a:pPr>
+            <a:endParaRPr lang="zh-CN" altLang="en-US" sz="1200" spc="600" dirty="0">
+              <a:solidFill>
+                <a:srgbClr val="919DCB"/>
+              </a:solidFill>
+              <a:latin typeface="微软雅黑" panose="020B0503020204020204" charset="-122"/>
+              <a:ea typeface="微软雅黑" panose="020B0503020204020204" charset="-122"/>
+            </a:endParaRPr>
+          </a:p>
+          <a:p>
+            <a:pPr algn="l">
+              <a:buClrTx/>
+              <a:buSzTx/>
+              <a:buFontTx/>
+            </a:pPr>
+            <a:endParaRPr lang="zh-CN" altLang="en-US" sz="1200" spc="600" dirty="0">
+              <a:solidFill>
+                <a:srgbClr val="919DCB"/>
+              </a:solidFill>
+              <a:latin typeface="微软雅黑" panose="020B0503020204020204" charset="-122"/>
+              <a:ea typeface="微软雅黑" panose="020B0503020204020204" charset="-122"/>
+            </a:endParaRPr>
+          </a:p>
+          <a:p>
+            <a:pPr algn="l" fontAlgn="t">
+              <a:buClrTx/>
+              <a:buSzTx/>
+              <a:buFontTx/>
+            </a:pPr>
+            <a:r>
+              <a:rPr lang="zh-CN" sz="1200" spc="600" dirty="0">
+                <a:solidFill>
+                  <a:srgbClr val="919DCB"/>
+                </a:solidFill>
+                <a:latin typeface="微软雅黑" panose="020B0503020204020204" charset="-122"/>
+                <a:ea typeface="微软雅黑" panose="020B0503020204020204" charset="-122"/>
+              </a:rPr>
+              <a:t>先将整体拆分成</a:t>
+            </a:r>
+            <a:r>
+              <a:rPr sz="1200" spc="600" dirty="0">
+                <a:solidFill>
+                  <a:srgbClr val="919DCB"/>
+                </a:solidFill>
+                <a:latin typeface="微软雅黑" panose="020B0503020204020204" charset="-122"/>
+                <a:ea typeface="微软雅黑" panose="020B0503020204020204" charset="-122"/>
+              </a:rPr>
+              <a:t>两组数值序列A、B</a:t>
+            </a:r>
+            <a:endParaRPr sz="1200" spc="600" dirty="0">
+              <a:solidFill>
+                <a:srgbClr val="919DCB"/>
+              </a:solidFill>
+              <a:latin typeface="微软雅黑" panose="020B0503020204020204" charset="-122"/>
+              <a:ea typeface="微软雅黑" panose="020B0503020204020204" charset="-122"/>
+            </a:endParaRPr>
+          </a:p>
+          <a:p>
+            <a:pPr algn="l" fontAlgn="t">
+              <a:buClrTx/>
+              <a:buSzTx/>
+              <a:buFontTx/>
+            </a:pPr>
+            <a:r>
+              <a:rPr lang="zh-CN" sz="1200" spc="600" dirty="0">
+                <a:solidFill>
+                  <a:srgbClr val="919DCB"/>
+                </a:solidFill>
+                <a:latin typeface="微软雅黑" panose="020B0503020204020204" charset="-122"/>
+                <a:ea typeface="微软雅黑" panose="020B0503020204020204" charset="-122"/>
+              </a:rPr>
+              <a:t>再</a:t>
+            </a:r>
+            <a:r>
+              <a:rPr sz="1200" spc="600" dirty="0">
+                <a:solidFill>
+                  <a:srgbClr val="919DCB"/>
+                </a:solidFill>
+                <a:latin typeface="微软雅黑" panose="020B0503020204020204" charset="-122"/>
+                <a:ea typeface="微软雅黑" panose="020B0503020204020204" charset="-122"/>
+              </a:rPr>
+              <a:t>采用递归的思想，将</a:t>
+            </a:r>
+            <a:r>
+              <a:rPr lang="zh-CN" sz="1200" spc="600" dirty="0">
+                <a:solidFill>
+                  <a:srgbClr val="919DCB"/>
+                </a:solidFill>
+                <a:latin typeface="微软雅黑" panose="020B0503020204020204" charset="-122"/>
+                <a:ea typeface="微软雅黑" panose="020B0503020204020204" charset="-122"/>
+              </a:rPr>
+              <a:t>所得到的</a:t>
+            </a:r>
+            <a:r>
+              <a:rPr sz="1200" spc="600" dirty="0">
+                <a:solidFill>
+                  <a:srgbClr val="919DCB"/>
+                </a:solidFill>
+                <a:latin typeface="微软雅黑" panose="020B0503020204020204" charset="-122"/>
+                <a:ea typeface="微软雅黑" panose="020B0503020204020204" charset="-122"/>
+              </a:rPr>
+              <a:t>序列拆分为两组子序列，然后对两组子序列再次进行拆分，直到每一个子序列中仅有一个元素，然后将两个只有一个元素的序列归并为一个含有两个元素的序列，再将两个含有两个元素的序列进行归并，</a:t>
+            </a:r>
+            <a:endParaRPr sz="1200" spc="600" dirty="0">
+              <a:solidFill>
+                <a:srgbClr val="919DCB"/>
+              </a:solidFill>
+              <a:latin typeface="微软雅黑" panose="020B0503020204020204" charset="-122"/>
+              <a:ea typeface="微软雅黑" panose="020B0503020204020204" charset="-122"/>
+            </a:endParaRPr>
+          </a:p>
+          <a:p>
+            <a:pPr algn="l" fontAlgn="t">
+              <a:buClrTx/>
+              <a:buSzTx/>
+              <a:buFontTx/>
+            </a:pPr>
+            <a:r>
+              <a:rPr sz="1200" spc="600" dirty="0">
+                <a:solidFill>
+                  <a:srgbClr val="919DCB"/>
+                </a:solidFill>
+                <a:latin typeface="微软雅黑" panose="020B0503020204020204" charset="-122"/>
+                <a:ea typeface="微软雅黑" panose="020B0503020204020204" charset="-122"/>
+              </a:rPr>
+              <a:t>依此类推，直到所有元素都完成归并</a:t>
+            </a:r>
+            <a:endParaRPr lang="en-US" sz="1200" spc="600" dirty="0">
+              <a:solidFill>
+                <a:srgbClr val="919DCB"/>
+              </a:solidFill>
+              <a:latin typeface="微软雅黑" panose="020B0503020204020204" charset="-122"/>
+              <a:ea typeface="微软雅黑" panose="020B0503020204020204" charset="-122"/>
+            </a:endParaRPr>
+          </a:p>
+          <a:p>
+            <a:pPr algn="l" fontAlgn="t">
+              <a:buClrTx/>
+              <a:buSzTx/>
+              <a:buFontTx/>
+            </a:pPr>
+            <a:endParaRPr lang="en-US" sz="1200" spc="600" dirty="0">
+              <a:solidFill>
+                <a:srgbClr val="919DCB"/>
+              </a:solidFill>
+              <a:latin typeface="微软雅黑" panose="020B0503020204020204" charset="-122"/>
+              <a:ea typeface="微软雅黑" panose="020B0503020204020204" charset="-122"/>
+            </a:endParaRPr>
+          </a:p>
+          <a:p>
+            <a:pPr algn="l" fontAlgn="t">
+              <a:buClrTx/>
+              <a:buSzTx/>
+              <a:buFontTx/>
+            </a:pPr>
+            <a:r>
+              <a:rPr lang="zh-CN" altLang="en-US" sz="1200" spc="600" dirty="0">
+                <a:solidFill>
+                  <a:srgbClr val="919DCB"/>
+                </a:solidFill>
+                <a:latin typeface="微软雅黑" panose="020B0503020204020204" charset="-122"/>
+                <a:ea typeface="微软雅黑" panose="020B0503020204020204" charset="-122"/>
+              </a:rPr>
+              <a:t>先把两个序列拆分成两个线程去完成工作</a:t>
+            </a:r>
+            <a:r>
+              <a:rPr lang="en-US" altLang="zh-CN" sz="1200" spc="600" dirty="0">
+                <a:solidFill>
+                  <a:srgbClr val="919DCB"/>
+                </a:solidFill>
+                <a:latin typeface="微软雅黑" panose="020B0503020204020204" charset="-122"/>
+                <a:ea typeface="微软雅黑" panose="020B0503020204020204" charset="-122"/>
+              </a:rPr>
+              <a:t>,</a:t>
+            </a:r>
+            <a:r>
+              <a:rPr lang="zh-CN" altLang="en-US" sz="1200" spc="600" dirty="0">
+                <a:solidFill>
+                  <a:srgbClr val="919DCB"/>
+                </a:solidFill>
+                <a:latin typeface="微软雅黑" panose="020B0503020204020204" charset="-122"/>
+                <a:ea typeface="微软雅黑" panose="020B0503020204020204" charset="-122"/>
+              </a:rPr>
+              <a:t>分线程工作完毕之后进行一次</a:t>
+            </a:r>
+            <a:r>
+              <a:rPr lang="en-US" altLang="zh-CN" sz="1200" spc="600" dirty="0">
+                <a:solidFill>
+                  <a:srgbClr val="919DCB"/>
+                </a:solidFill>
+                <a:latin typeface="微软雅黑" panose="020B0503020204020204" charset="-122"/>
+                <a:ea typeface="微软雅黑" panose="020B0503020204020204" charset="-122"/>
+              </a:rPr>
+              <a:t>merge</a:t>
+            </a:r>
+            <a:r>
+              <a:rPr lang="zh-CN" altLang="en-US" sz="1200" spc="600" dirty="0">
+                <a:solidFill>
+                  <a:srgbClr val="919DCB"/>
+                </a:solidFill>
+                <a:latin typeface="微软雅黑" panose="020B0503020204020204" charset="-122"/>
+                <a:ea typeface="微软雅黑" panose="020B0503020204020204" charset="-122"/>
+              </a:rPr>
+              <a:t>合并，即可完成多线程的排序</a:t>
+            </a:r>
+            <a:r>
+              <a:rPr lang="zh-CN" altLang="en-US" sz="1200" spc="600" dirty="0">
+                <a:solidFill>
+                  <a:srgbClr val="919DCB"/>
+                </a:solidFill>
+                <a:latin typeface="微软雅黑" panose="020B0503020204020204" charset="-122"/>
+                <a:ea typeface="微软雅黑" panose="020B0503020204020204" charset="-122"/>
+              </a:rPr>
+              <a:t>工作。</a:t>
+            </a:r>
+            <a:endParaRPr lang="zh-CN" altLang="en-US" sz="1200" spc="600" dirty="0">
+              <a:solidFill>
+                <a:srgbClr val="919DCB"/>
+              </a:solidFill>
+              <a:latin typeface="微软雅黑" panose="020B0503020204020204" charset="-122"/>
+              <a:ea typeface="微软雅黑" panose="020B0503020204020204" charset="-122"/>
+            </a:endParaRPr>
           </a:p>
         </p:txBody>
       </p:sp>
     </p:spTree>
-    <p:extLst>
-      <p:ext uri="{BB962C8B-B14F-4D97-AF65-F5344CB8AC3E}">
-        <p14:creationId xmlns:p14="http://schemas.microsoft.com/office/powerpoint/2010/main" val="1710844466"/>
-      </p:ext>
-    </p:extLst>
   </p:cSld>
   <p:clrMapOvr>
     <a:masterClrMapping/>
   </p:clrMapOvr>
-  <mc:AlternateContent xmlns:mc="http://schemas.openxmlformats.org/markup-compatibility/2006" xmlns:p14="http://schemas.microsoft.com/office/powerpoint/2010/main">
-    <mc:Choice Requires="p14">
+  <mc:AlternateContent xmlns:mc="http://schemas.openxmlformats.org/markup-compatibility/2006">
+    <mc:Choice xmlns:p14="http://schemas.microsoft.com/office/powerpoint/2010/main" Requires="p14">
       <p:transition spd="med" p14:dur="700" advTm="2376">
         <p:fade/>
       </p:transition>
     </mc:Choice>
-    <mc:Fallback xmlns="">
+    <mc:Fallback>
       <p:transition spd="med" advTm="2376">
         <p:fade/>
       </p:transition>
@@ -5539,7 +6866,582 @@
 </p:sld>
 </file>
 
-<file path=ppt/slides/slide12.xml><?xml version="1.0" encoding="utf-8"?>
+<file path=ppt/slides/slide14.xml><?xml version="1.0" encoding="utf-8"?>
+<p:sld xmlns:a="http://schemas.openxmlformats.org/drawingml/2006/main" xmlns:r="http://schemas.openxmlformats.org/officeDocument/2006/relationships" xmlns:p="http://schemas.openxmlformats.org/presentationml/2006/main">
+  <p:cSld>
+    <p:spTree>
+      <p:nvGrpSpPr>
+        <p:cNvPr id="1" name=""/>
+        <p:cNvGrpSpPr/>
+        <p:nvPr/>
+      </p:nvGrpSpPr>
+      <p:grpSpPr>
+        <a:xfrm>
+          <a:off x="0" y="0"/>
+          <a:ext cx="0" cy="0"/>
+          <a:chOff x="0" y="0"/>
+          <a:chExt cx="0" cy="0"/>
+        </a:xfrm>
+      </p:grpSpPr>
+      <p:cxnSp>
+        <p:nvCxnSpPr>
+          <p:cNvPr id="37" name="直接连接符 36"/>
+          <p:cNvCxnSpPr/>
+          <p:nvPr/>
+        </p:nvCxnSpPr>
+        <p:spPr>
+          <a:xfrm>
+            <a:off x="180082" y="431924"/>
+            <a:ext cx="8280920" cy="0"/>
+          </a:xfrm>
+          <a:prstGeom prst="line">
+            <a:avLst/>
+          </a:prstGeom>
+        </p:spPr>
+        <p:style>
+          <a:lnRef idx="1">
+            <a:schemeClr val="accent1"/>
+          </a:lnRef>
+          <a:fillRef idx="0">
+            <a:schemeClr val="accent1"/>
+          </a:fillRef>
+          <a:effectRef idx="0">
+            <a:schemeClr val="accent1"/>
+          </a:effectRef>
+          <a:fontRef idx="minor">
+            <a:schemeClr val="tx1"/>
+          </a:fontRef>
+        </p:style>
+      </p:cxnSp>
+      <p:pic>
+        <p:nvPicPr>
+          <p:cNvPr id="38" name="Picture 2" descr="C:\Documents and Settings\Administrator\桌面\新建文件夹 (2)\5.15封面参考\复件 (27) 新建文件夹\0f1ac98d7ad0e38211.jpg"/>
+          <p:cNvPicPr>
+            <a:picLocks noChangeAspect="1" noChangeArrowheads="1"/>
+          </p:cNvPicPr>
+          <p:nvPr>
+            <p:custDataLst>
+              <p:tags r:id="rId1"/>
+            </p:custDataLst>
+          </p:nvPr>
+        </p:nvPicPr>
+        <p:blipFill>
+          <a:blip r:embed="rId2" cstate="print">
+            <a:extLst>
+              <a:ext uri="{28A0092B-C50C-407E-A947-70E740481C1C}">
+                <a14:useLocalDpi xmlns:a14="http://schemas.microsoft.com/office/drawing/2010/main" val="0"/>
+              </a:ext>
+            </a:extLst>
+          </a:blip>
+          <a:srcRect/>
+          <a:stretch>
+            <a:fillRect/>
+          </a:stretch>
+        </p:blipFill>
+        <p:spPr bwMode="auto">
+          <a:xfrm rot="15970416">
+            <a:off x="7198970" y="309105"/>
+            <a:ext cx="2526441" cy="1421123"/>
+          </a:xfrm>
+          <a:prstGeom prst="rect">
+            <a:avLst/>
+          </a:prstGeom>
+          <a:noFill/>
+          <a:extLst>
+            <a:ext uri="{909E8E84-426E-40DD-AFC4-6F175D3DCCD1}">
+              <a14:hiddenFill xmlns:a14="http://schemas.microsoft.com/office/drawing/2010/main">
+                <a:solidFill>
+                  <a:srgbClr val="FFFFFF"/>
+                </a:solidFill>
+              </a14:hiddenFill>
+            </a:ext>
+          </a:extLst>
+        </p:spPr>
+      </p:pic>
+      <p:sp>
+        <p:nvSpPr>
+          <p:cNvPr id="39" name="矩形 38"/>
+          <p:cNvSpPr/>
+          <p:nvPr/>
+        </p:nvSpPr>
+        <p:spPr>
+          <a:xfrm>
+            <a:off x="7740922" y="1224012"/>
+            <a:ext cx="936104" cy="1296144"/>
+          </a:xfrm>
+          <a:prstGeom prst="rect">
+            <a:avLst/>
+          </a:prstGeom>
+          <a:solidFill>
+            <a:srgbClr val="FFFFFF"/>
+          </a:solidFill>
+          <a:ln>
+            <a:noFill/>
+          </a:ln>
+        </p:spPr>
+        <p:style>
+          <a:lnRef idx="2">
+            <a:schemeClr val="accent1">
+              <a:shade val="50000"/>
+            </a:schemeClr>
+          </a:lnRef>
+          <a:fillRef idx="1">
+            <a:schemeClr val="accent1"/>
+          </a:fillRef>
+          <a:effectRef idx="0">
+            <a:schemeClr val="accent1"/>
+          </a:effectRef>
+          <a:fontRef idx="minor">
+            <a:schemeClr val="lt1"/>
+          </a:fontRef>
+        </p:style>
+        <p:txBody>
+          <a:bodyPr rtlCol="0" anchor="ctr"/>
+          <a:lstStyle/>
+          <a:p>
+            <a:pPr algn="ctr"/>
+            <a:endParaRPr lang="zh-CN" altLang="en-US"/>
+          </a:p>
+        </p:txBody>
+      </p:sp>
+      <p:sp>
+        <p:nvSpPr>
+          <p:cNvPr id="40" name="文本框 24"/>
+          <p:cNvSpPr txBox="1"/>
+          <p:nvPr/>
+        </p:nvSpPr>
+        <p:spPr>
+          <a:xfrm>
+            <a:off x="36066" y="154925"/>
+            <a:ext cx="2673002" cy="276999"/>
+          </a:xfrm>
+          <a:prstGeom prst="rect">
+            <a:avLst/>
+          </a:prstGeom>
+          <a:noFill/>
+        </p:spPr>
+        <p:txBody>
+          <a:bodyPr wrap="square" rtlCol="0">
+            <a:spAutoFit/>
+          </a:bodyPr>
+          <a:lstStyle/>
+          <a:p>
+            <a:pPr algn="ctr"/>
+            <a:r>
+              <a:rPr lang="en-US" altLang="zh-CN" sz="1200" spc="600" dirty="0">
+                <a:solidFill>
+                  <a:srgbClr val="919DCB"/>
+                </a:solidFill>
+                <a:latin typeface="微软雅黑" panose="020B0503020204020204" charset="-122"/>
+                <a:ea typeface="微软雅黑" panose="020B0503020204020204" charset="-122"/>
+              </a:rPr>
+              <a:t>4.</a:t>
+            </a:r>
+            <a:r>
+              <a:rPr lang="zh-CN" altLang="en-US" sz="1200" spc="600" dirty="0">
+                <a:solidFill>
+                  <a:srgbClr val="919DCB"/>
+                </a:solidFill>
+                <a:latin typeface="微软雅黑" panose="020B0503020204020204" charset="-122"/>
+                <a:ea typeface="微软雅黑" panose="020B0503020204020204" charset="-122"/>
+              </a:rPr>
+              <a:t>多线程与大数据排序</a:t>
+            </a:r>
+            <a:endParaRPr lang="zh-CN" altLang="en-US" sz="1200" spc="600" dirty="0">
+              <a:solidFill>
+                <a:srgbClr val="919DCB"/>
+              </a:solidFill>
+              <a:latin typeface="微软雅黑" panose="020B0503020204020204" charset="-122"/>
+              <a:ea typeface="微软雅黑" panose="020B0503020204020204" charset="-122"/>
+            </a:endParaRPr>
+          </a:p>
+        </p:txBody>
+      </p:sp>
+      <p:sp>
+        <p:nvSpPr>
+          <p:cNvPr id="5" name="文本框 24"/>
+          <p:cNvSpPr txBox="1"/>
+          <p:nvPr/>
+        </p:nvSpPr>
+        <p:spPr>
+          <a:xfrm>
+            <a:off x="468501" y="504175"/>
+            <a:ext cx="1872208" cy="275590"/>
+          </a:xfrm>
+          <a:prstGeom prst="rect">
+            <a:avLst/>
+          </a:prstGeom>
+          <a:noFill/>
+        </p:spPr>
+        <p:txBody>
+          <a:bodyPr wrap="square" rtlCol="0">
+            <a:spAutoFit/>
+          </a:bodyPr>
+          <a:p>
+            <a:pPr algn="ctr"/>
+            <a:r>
+              <a:rPr lang="zh-CN" altLang="en-US" sz="1200" spc="600" dirty="0">
+                <a:solidFill>
+                  <a:srgbClr val="919DCB"/>
+                </a:solidFill>
+                <a:latin typeface="微软雅黑" panose="020B0503020204020204" charset="-122"/>
+                <a:ea typeface="微软雅黑" panose="020B0503020204020204" charset="-122"/>
+              </a:rPr>
+              <a:t>以</a:t>
+            </a:r>
+            <a:r>
+              <a:rPr lang="zh-CN" altLang="en-US" sz="1200" spc="600" dirty="0">
+                <a:solidFill>
+                  <a:srgbClr val="919DCB"/>
+                </a:solidFill>
+                <a:latin typeface="微软雅黑" panose="020B0503020204020204" charset="-122"/>
+                <a:ea typeface="微软雅黑" panose="020B0503020204020204" charset="-122"/>
+              </a:rPr>
+              <a:t>归并排序</a:t>
+            </a:r>
+            <a:r>
+              <a:rPr lang="zh-CN" altLang="en-US" sz="1200" spc="600" dirty="0">
+                <a:solidFill>
+                  <a:srgbClr val="919DCB"/>
+                </a:solidFill>
+                <a:latin typeface="微软雅黑" panose="020B0503020204020204" charset="-122"/>
+                <a:ea typeface="微软雅黑" panose="020B0503020204020204" charset="-122"/>
+              </a:rPr>
+              <a:t>为例</a:t>
+            </a:r>
+            <a:endParaRPr lang="zh-CN" altLang="en-US" sz="1200" spc="600" dirty="0">
+              <a:solidFill>
+                <a:srgbClr val="919DCB"/>
+              </a:solidFill>
+              <a:latin typeface="微软雅黑" panose="020B0503020204020204" charset="-122"/>
+              <a:ea typeface="微软雅黑" panose="020B0503020204020204" charset="-122"/>
+            </a:endParaRPr>
+          </a:p>
+        </p:txBody>
+      </p:sp>
+      <p:pic>
+        <p:nvPicPr>
+          <p:cNvPr id="3" name="图片 2"/>
+          <p:cNvPicPr>
+            <a:picLocks noChangeAspect="1"/>
+          </p:cNvPicPr>
+          <p:nvPr/>
+        </p:nvPicPr>
+        <p:blipFill>
+          <a:blip r:embed="rId3"/>
+          <a:stretch>
+            <a:fillRect/>
+          </a:stretch>
+        </p:blipFill>
+        <p:spPr>
+          <a:xfrm>
+            <a:off x="612140" y="852170"/>
+            <a:ext cx="3833495" cy="3617595"/>
+          </a:xfrm>
+          <a:prstGeom prst="rect">
+            <a:avLst/>
+          </a:prstGeom>
+        </p:spPr>
+      </p:pic>
+      <p:sp>
+        <p:nvSpPr>
+          <p:cNvPr id="4" name="文本框 3"/>
+          <p:cNvSpPr txBox="1"/>
+          <p:nvPr/>
+        </p:nvSpPr>
+        <p:spPr>
+          <a:xfrm>
+            <a:off x="4716780" y="779780"/>
+            <a:ext cx="4052570" cy="3589655"/>
+          </a:xfrm>
+          <a:prstGeom prst="rect">
+            <a:avLst/>
+          </a:prstGeom>
+          <a:noFill/>
+        </p:spPr>
+        <p:txBody>
+          <a:bodyPr wrap="square" rtlCol="0">
+            <a:noAutofit/>
+          </a:bodyPr>
+          <a:p>
+            <a:pPr algn="l">
+              <a:buClrTx/>
+              <a:buSzTx/>
+              <a:buFontTx/>
+            </a:pPr>
+            <a:r>
+              <a:rPr lang="zh-CN" altLang="en-US" sz="1200" spc="600" dirty="0">
+                <a:solidFill>
+                  <a:srgbClr val="919DCB"/>
+                </a:solidFill>
+                <a:latin typeface="微软雅黑" panose="020B0503020204020204" charset="-122"/>
+                <a:ea typeface="微软雅黑" panose="020B0503020204020204" charset="-122"/>
+              </a:rPr>
+              <a:t>主体</a:t>
+            </a:r>
+            <a:r>
+              <a:rPr lang="zh-CN" altLang="en-US" sz="1200" spc="600" dirty="0">
+                <a:solidFill>
+                  <a:srgbClr val="919DCB"/>
+                </a:solidFill>
+                <a:latin typeface="微软雅黑" panose="020B0503020204020204" charset="-122"/>
+                <a:ea typeface="微软雅黑" panose="020B0503020204020204" charset="-122"/>
+              </a:rPr>
+              <a:t>函数</a:t>
+            </a:r>
+            <a:endParaRPr lang="zh-CN" altLang="en-US" sz="1200" spc="600" dirty="0">
+              <a:solidFill>
+                <a:srgbClr val="919DCB"/>
+              </a:solidFill>
+              <a:latin typeface="微软雅黑" panose="020B0503020204020204" charset="-122"/>
+              <a:ea typeface="微软雅黑" panose="020B0503020204020204" charset="-122"/>
+            </a:endParaRPr>
+          </a:p>
+          <a:p>
+            <a:pPr algn="l">
+              <a:buClrTx/>
+              <a:buSzTx/>
+              <a:buFontTx/>
+            </a:pPr>
+            <a:endParaRPr lang="zh-CN" altLang="en-US" sz="1200" spc="600" dirty="0">
+              <a:solidFill>
+                <a:srgbClr val="919DCB"/>
+              </a:solidFill>
+              <a:latin typeface="微软雅黑" panose="020B0503020204020204" charset="-122"/>
+              <a:ea typeface="微软雅黑" panose="020B0503020204020204" charset="-122"/>
+            </a:endParaRPr>
+          </a:p>
+          <a:p>
+            <a:pPr algn="l" fontAlgn="t">
+              <a:buClrTx/>
+              <a:buSzTx/>
+              <a:buFontTx/>
+            </a:pPr>
+            <a:r>
+              <a:rPr lang="zh-CN" altLang="en-US" sz="1200" spc="600" dirty="0">
+                <a:solidFill>
+                  <a:srgbClr val="919DCB"/>
+                </a:solidFill>
+                <a:latin typeface="微软雅黑" panose="020B0503020204020204" charset="-122"/>
+                <a:ea typeface="微软雅黑" panose="020B0503020204020204" charset="-122"/>
+              </a:rPr>
+              <a:t>先生成一个满足个数为</a:t>
+            </a:r>
+            <a:r>
+              <a:rPr lang="en-US" altLang="zh-CN" sz="1200" spc="600" dirty="0">
+                <a:solidFill>
+                  <a:srgbClr val="919DCB"/>
+                </a:solidFill>
+                <a:latin typeface="微软雅黑" panose="020B0503020204020204" charset="-122"/>
+                <a:ea typeface="微软雅黑" panose="020B0503020204020204" charset="-122"/>
+              </a:rPr>
+              <a:t>1000000</a:t>
+            </a:r>
+            <a:r>
+              <a:rPr lang="zh-CN" altLang="en-US" sz="1200" spc="600" dirty="0">
+                <a:solidFill>
+                  <a:srgbClr val="919DCB"/>
+                </a:solidFill>
+                <a:latin typeface="微软雅黑" panose="020B0503020204020204" charset="-122"/>
+                <a:ea typeface="微软雅黑" panose="020B0503020204020204" charset="-122"/>
+              </a:rPr>
+              <a:t>的随机值大小的</a:t>
+            </a:r>
+            <a:r>
+              <a:rPr lang="zh-CN" altLang="en-US" sz="1200" spc="600" dirty="0">
+                <a:solidFill>
+                  <a:srgbClr val="919DCB"/>
+                </a:solidFill>
+                <a:latin typeface="微软雅黑" panose="020B0503020204020204" charset="-122"/>
+                <a:ea typeface="微软雅黑" panose="020B0503020204020204" charset="-122"/>
+              </a:rPr>
+              <a:t>数组。</a:t>
+            </a:r>
+            <a:endParaRPr lang="zh-CN" altLang="en-US" sz="1200" spc="600" dirty="0">
+              <a:solidFill>
+                <a:srgbClr val="919DCB"/>
+              </a:solidFill>
+              <a:latin typeface="微软雅黑" panose="020B0503020204020204" charset="-122"/>
+              <a:ea typeface="微软雅黑" panose="020B0503020204020204" charset="-122"/>
+            </a:endParaRPr>
+          </a:p>
+          <a:p>
+            <a:pPr algn="l" fontAlgn="t">
+              <a:buClrTx/>
+              <a:buSzTx/>
+              <a:buFontTx/>
+            </a:pPr>
+            <a:endParaRPr lang="zh-CN" altLang="en-US" sz="1200" spc="600" dirty="0">
+              <a:solidFill>
+                <a:srgbClr val="919DCB"/>
+              </a:solidFill>
+              <a:latin typeface="微软雅黑" panose="020B0503020204020204" charset="-122"/>
+              <a:ea typeface="微软雅黑" panose="020B0503020204020204" charset="-122"/>
+            </a:endParaRPr>
+          </a:p>
+          <a:p>
+            <a:pPr algn="l" fontAlgn="t">
+              <a:buClrTx/>
+              <a:buSzTx/>
+              <a:buFontTx/>
+            </a:pPr>
+            <a:r>
+              <a:rPr lang="zh-CN" altLang="en-US" sz="1200" spc="600" dirty="0">
+                <a:solidFill>
+                  <a:srgbClr val="919DCB"/>
+                </a:solidFill>
+                <a:latin typeface="微软雅黑" panose="020B0503020204020204" charset="-122"/>
+                <a:ea typeface="微软雅黑" panose="020B0503020204020204" charset="-122"/>
+              </a:rPr>
+              <a:t>然后创建线程容器，创建生成随机数的线程，完成</a:t>
+            </a:r>
+            <a:r>
+              <a:rPr lang="zh-CN" altLang="en-US" sz="1200" spc="600" dirty="0">
+                <a:solidFill>
+                  <a:srgbClr val="919DCB"/>
+                </a:solidFill>
+                <a:latin typeface="微软雅黑" panose="020B0503020204020204" charset="-122"/>
+                <a:ea typeface="微软雅黑" panose="020B0503020204020204" charset="-122"/>
+              </a:rPr>
+              <a:t>初始化。</a:t>
+            </a:r>
+            <a:endParaRPr lang="zh-CN" altLang="en-US" sz="1200" spc="600" dirty="0">
+              <a:solidFill>
+                <a:srgbClr val="919DCB"/>
+              </a:solidFill>
+              <a:latin typeface="微软雅黑" panose="020B0503020204020204" charset="-122"/>
+              <a:ea typeface="微软雅黑" panose="020B0503020204020204" charset="-122"/>
+            </a:endParaRPr>
+          </a:p>
+          <a:p>
+            <a:pPr algn="l" fontAlgn="t">
+              <a:buClrTx/>
+              <a:buSzTx/>
+              <a:buFontTx/>
+            </a:pPr>
+            <a:endParaRPr lang="zh-CN" altLang="en-US" sz="1200" spc="600" dirty="0">
+              <a:solidFill>
+                <a:srgbClr val="919DCB"/>
+              </a:solidFill>
+              <a:latin typeface="微软雅黑" panose="020B0503020204020204" charset="-122"/>
+              <a:ea typeface="微软雅黑" panose="020B0503020204020204" charset="-122"/>
+            </a:endParaRPr>
+          </a:p>
+          <a:p>
+            <a:pPr algn="l" fontAlgn="t">
+              <a:buClrTx/>
+              <a:buSzTx/>
+              <a:buFontTx/>
+            </a:pPr>
+            <a:r>
+              <a:rPr lang="zh-CN" altLang="en-US" sz="1200" spc="600" dirty="0">
+                <a:solidFill>
+                  <a:srgbClr val="919DCB"/>
+                </a:solidFill>
+                <a:latin typeface="微软雅黑" panose="020B0503020204020204" charset="-122"/>
+                <a:ea typeface="微软雅黑" panose="020B0503020204020204" charset="-122"/>
+              </a:rPr>
+              <a:t>把整体分成两部分交给线程去完成子线程的归并排序，最后在将整体合并，调用一次</a:t>
+            </a:r>
+            <a:r>
+              <a:rPr lang="en-US" altLang="zh-CN" sz="1200" spc="600" dirty="0">
+                <a:solidFill>
+                  <a:srgbClr val="919DCB"/>
+                </a:solidFill>
+                <a:latin typeface="微软雅黑" panose="020B0503020204020204" charset="-122"/>
+                <a:ea typeface="微软雅黑" panose="020B0503020204020204" charset="-122"/>
+              </a:rPr>
+              <a:t>merge</a:t>
+            </a:r>
+            <a:r>
+              <a:rPr lang="zh-CN" altLang="en-US" sz="1200" spc="600" dirty="0">
+                <a:solidFill>
+                  <a:srgbClr val="919DCB"/>
+                </a:solidFill>
+                <a:latin typeface="微软雅黑" panose="020B0503020204020204" charset="-122"/>
+                <a:ea typeface="微软雅黑" panose="020B0503020204020204" charset="-122"/>
+              </a:rPr>
+              <a:t>函数</a:t>
+            </a:r>
+            <a:endParaRPr lang="zh-CN" altLang="en-US" sz="1200" spc="600" dirty="0">
+              <a:solidFill>
+                <a:srgbClr val="919DCB"/>
+              </a:solidFill>
+              <a:latin typeface="微软雅黑" panose="020B0503020204020204" charset="-122"/>
+              <a:ea typeface="微软雅黑" panose="020B0503020204020204" charset="-122"/>
+            </a:endParaRPr>
+          </a:p>
+          <a:p>
+            <a:pPr algn="l" fontAlgn="t">
+              <a:buClrTx/>
+              <a:buSzTx/>
+              <a:buFontTx/>
+            </a:pPr>
+            <a:endParaRPr lang="zh-CN" altLang="en-US" sz="1200" spc="600" dirty="0">
+              <a:solidFill>
+                <a:srgbClr val="919DCB"/>
+              </a:solidFill>
+              <a:latin typeface="微软雅黑" panose="020B0503020204020204" charset="-122"/>
+              <a:ea typeface="微软雅黑" panose="020B0503020204020204" charset="-122"/>
+            </a:endParaRPr>
+          </a:p>
+          <a:p>
+            <a:pPr algn="l" fontAlgn="t">
+              <a:buClrTx/>
+              <a:buSzTx/>
+              <a:buFontTx/>
+            </a:pPr>
+            <a:r>
+              <a:rPr lang="zh-CN" altLang="en-US" sz="1200" spc="600" dirty="0">
+                <a:solidFill>
+                  <a:srgbClr val="919DCB"/>
+                </a:solidFill>
+                <a:latin typeface="微软雅黑" panose="020B0503020204020204" charset="-122"/>
+                <a:ea typeface="微软雅黑" panose="020B0503020204020204" charset="-122"/>
+              </a:rPr>
+              <a:t>最后将排好序的结果写入文件中，完成多线程的</a:t>
+            </a:r>
+            <a:r>
+              <a:rPr lang="zh-CN" altLang="en-US" sz="1200" spc="600" dirty="0">
+                <a:solidFill>
+                  <a:srgbClr val="919DCB"/>
+                </a:solidFill>
+                <a:latin typeface="微软雅黑" panose="020B0503020204020204" charset="-122"/>
+                <a:ea typeface="微软雅黑" panose="020B0503020204020204" charset="-122"/>
+              </a:rPr>
+              <a:t>归并排序</a:t>
+            </a:r>
+            <a:endParaRPr lang="zh-CN" altLang="en-US" sz="1200" spc="600" dirty="0">
+              <a:solidFill>
+                <a:srgbClr val="919DCB"/>
+              </a:solidFill>
+              <a:latin typeface="微软雅黑" panose="020B0503020204020204" charset="-122"/>
+              <a:ea typeface="微软雅黑" panose="020B0503020204020204" charset="-122"/>
+            </a:endParaRPr>
+          </a:p>
+        </p:txBody>
+      </p:sp>
+    </p:spTree>
+  </p:cSld>
+  <p:clrMapOvr>
+    <a:masterClrMapping/>
+  </p:clrMapOvr>
+  <mc:AlternateContent xmlns:mc="http://schemas.openxmlformats.org/markup-compatibility/2006">
+    <mc:Choice xmlns:p14="http://schemas.microsoft.com/office/powerpoint/2010/main" Requires="p14">
+      <p:transition spd="med" p14:dur="700" advTm="2376">
+        <p:fade/>
+      </p:transition>
+    </mc:Choice>
+    <mc:Fallback>
+      <p:transition spd="med" advTm="2376">
+        <p:fade/>
+      </p:transition>
+    </mc:Fallback>
+  </mc:AlternateContent>
+</p:sld>
+</file>
+
+<file path=ppt/slides/slide15.xml><?xml version="1.0" encoding="utf-8"?>
 <p:sld xmlns:a="http://schemas.openxmlformats.org/drawingml/2006/main" xmlns:r="http://schemas.openxmlformats.org/officeDocument/2006/relationships" xmlns:p="http://schemas.openxmlformats.org/presentationml/2006/main">
   <p:cSld>
     <p:spTree>
@@ -5565,7 +7467,7 @@
           <p:nvPr/>
         </p:nvPicPr>
         <p:blipFill>
-          <a:blip r:embed="rId3">
+          <a:blip r:embed="rId1">
             <a:extLst>
               <a:ext uri="{28A0092B-C50C-407E-A947-70E740481C1C}">
                 <a14:useLocalDpi xmlns:a14="http://schemas.microsoft.com/office/drawing/2010/main" val="0"/>
@@ -5676,22 +7578,17 @@
         </p:txBody>
       </p:sp>
     </p:spTree>
-    <p:extLst>
-      <p:ext uri="{BB962C8B-B14F-4D97-AF65-F5344CB8AC3E}">
-        <p14:creationId xmlns:p14="http://schemas.microsoft.com/office/powerpoint/2010/main" val="1769580664"/>
-      </p:ext>
-    </p:extLst>
   </p:cSld>
   <p:clrMapOvr>
     <a:masterClrMapping/>
   </p:clrMapOvr>
-  <mc:AlternateContent xmlns:mc="http://schemas.openxmlformats.org/markup-compatibility/2006" xmlns:p14="http://schemas.microsoft.com/office/powerpoint/2010/main">
-    <mc:Choice Requires="p14">
+  <mc:AlternateContent xmlns:mc="http://schemas.openxmlformats.org/markup-compatibility/2006">
+    <mc:Choice xmlns:p14="http://schemas.microsoft.com/office/powerpoint/2010/main" Requires="p14">
       <p:transition spd="med" p14:dur="700" advTm="2376">
         <p:fade/>
       </p:transition>
     </mc:Choice>
-    <mc:Fallback xmlns="">
+    <mc:Fallback>
       <p:transition spd="med" advTm="2376">
         <p:fade/>
       </p:transition>
@@ -5936,7 +7833,7 @@
           <p:nvPr/>
         </p:nvPicPr>
         <p:blipFill>
-          <a:blip r:embed="rId3">
+          <a:blip r:embed="rId1">
             <a:extLst>
               <a:ext uri="{28A0092B-C50C-407E-A947-70E740481C1C}">
                 <a14:useLocalDpi xmlns:a14="http://schemas.microsoft.com/office/drawing/2010/main" val="0"/>
@@ -6001,6 +7898,13 @@
               </a:rPr>
               <a:t>主要内容</a:t>
             </a:r>
+            <a:endParaRPr lang="zh-CN" altLang="en-US" sz="2400" dirty="0">
+              <a:solidFill>
+                <a:srgbClr val="919DCB"/>
+              </a:solidFill>
+              <a:latin typeface="微软雅黑" panose="020B0503020204020204" charset="-122"/>
+              <a:ea typeface="微软雅黑" panose="020B0503020204020204" charset="-122"/>
+            </a:endParaRPr>
           </a:p>
         </p:txBody>
       </p:sp>
@@ -6141,6 +8045,13 @@
               </a:rPr>
               <a:t>程序实现</a:t>
             </a:r>
+            <a:endParaRPr lang="zh-CN" altLang="en-US" sz="1400" spc="600" dirty="0">
+              <a:solidFill>
+                <a:srgbClr val="919DCB"/>
+              </a:solidFill>
+              <a:latin typeface="微软雅黑" panose="020B0503020204020204" charset="-122"/>
+              <a:ea typeface="微软雅黑" panose="020B0503020204020204" charset="-122"/>
+            </a:endParaRPr>
           </a:p>
         </p:txBody>
       </p:sp>
@@ -6229,6 +8140,13 @@
               </a:rPr>
               <a:t>运行结果</a:t>
             </a:r>
+            <a:endParaRPr lang="zh-CN" altLang="en-US" sz="1400" spc="600" dirty="0">
+              <a:solidFill>
+                <a:srgbClr val="919DCB"/>
+              </a:solidFill>
+              <a:latin typeface="微软雅黑" panose="020B0503020204020204" charset="-122"/>
+              <a:ea typeface="微软雅黑" panose="020B0503020204020204" charset="-122"/>
+            </a:endParaRPr>
           </a:p>
         </p:txBody>
       </p:sp>
@@ -6265,26 +8183,28 @@
               </a:rPr>
               <a:t>复杂度分析</a:t>
             </a:r>
+            <a:endParaRPr lang="zh-CN" altLang="en-US" sz="1400" spc="600" dirty="0">
+              <a:solidFill>
+                <a:srgbClr val="919DCB"/>
+              </a:solidFill>
+              <a:latin typeface="微软雅黑" panose="020B0503020204020204" charset="-122"/>
+              <a:ea typeface="微软雅黑" panose="020B0503020204020204" charset="-122"/>
+            </a:endParaRPr>
           </a:p>
         </p:txBody>
       </p:sp>
     </p:spTree>
-    <p:extLst>
-      <p:ext uri="{BB962C8B-B14F-4D97-AF65-F5344CB8AC3E}">
-        <p14:creationId xmlns:p14="http://schemas.microsoft.com/office/powerpoint/2010/main" val="1710844466"/>
-      </p:ext>
-    </p:extLst>
   </p:cSld>
   <p:clrMapOvr>
     <a:masterClrMapping/>
   </p:clrMapOvr>
-  <mc:AlternateContent xmlns:mc="http://schemas.openxmlformats.org/markup-compatibility/2006" xmlns:p14="http://schemas.microsoft.com/office/powerpoint/2010/main">
-    <mc:Choice Requires="p14">
+  <mc:AlternateContent xmlns:mc="http://schemas.openxmlformats.org/markup-compatibility/2006">
+    <mc:Choice xmlns:p14="http://schemas.microsoft.com/office/powerpoint/2010/main" Requires="p14">
       <p:transition spd="med" p14:dur="700" advTm="2376">
         <p:fade/>
       </p:transition>
     </mc:Choice>
-    <mc:Fallback xmlns="">
+    <mc:Fallback>
       <p:transition spd="med" advTm="2376">
         <p:fade/>
       </p:transition>
@@ -6862,7 +8782,7 @@
           <p:nvPr/>
         </p:nvPicPr>
         <p:blipFill>
-          <a:blip r:embed="rId3">
+          <a:blip r:embed="rId1">
             <a:extLst>
               <a:ext uri="{28A0092B-C50C-407E-A947-70E740481C1C}">
                 <a14:useLocalDpi xmlns:a14="http://schemas.microsoft.com/office/drawing/2010/main" val="0"/>
@@ -7038,26 +8958,28 @@
               </a:rPr>
               <a:t>程序实现</a:t>
             </a:r>
+            <a:endParaRPr lang="zh-CN" altLang="en-US" sz="3600" spc="600" dirty="0">
+              <a:solidFill>
+                <a:srgbClr val="919DCB"/>
+              </a:solidFill>
+              <a:latin typeface="微软雅黑" panose="020B0503020204020204" charset="-122"/>
+              <a:ea typeface="微软雅黑" panose="020B0503020204020204" charset="-122"/>
+            </a:endParaRPr>
           </a:p>
         </p:txBody>
       </p:sp>
     </p:spTree>
-    <p:extLst>
-      <p:ext uri="{BB962C8B-B14F-4D97-AF65-F5344CB8AC3E}">
-        <p14:creationId xmlns:p14="http://schemas.microsoft.com/office/powerpoint/2010/main" val="1710844466"/>
-      </p:ext>
-    </p:extLst>
   </p:cSld>
   <p:clrMapOvr>
     <a:masterClrMapping/>
   </p:clrMapOvr>
-  <mc:AlternateContent xmlns:mc="http://schemas.openxmlformats.org/markup-compatibility/2006" xmlns:p14="http://schemas.microsoft.com/office/powerpoint/2010/main">
-    <mc:Choice Requires="p14">
+  <mc:AlternateContent xmlns:mc="http://schemas.openxmlformats.org/markup-compatibility/2006">
+    <mc:Choice xmlns:p14="http://schemas.microsoft.com/office/powerpoint/2010/main" Requires="p14">
       <p:transition spd="med" p14:dur="700" advTm="2376">
         <p:fade/>
       </p:transition>
     </mc:Choice>
-    <mc:Fallback xmlns="">
+    <mc:Fallback>
       <p:transition spd="med" advTm="2376">
         <p:fade/>
       </p:transition>
@@ -7302,7 +9224,7 @@
           <p:nvPr/>
         </p:nvPicPr>
         <p:blipFill>
-          <a:blip r:embed="rId3" cstate="print">
+          <a:blip r:embed="rId1" cstate="print">
             <a:extLst>
               <a:ext uri="{28A0092B-C50C-407E-A947-70E740481C1C}">
                 <a14:useLocalDpi xmlns:a14="http://schemas.microsoft.com/office/drawing/2010/main" val="0"/>
@@ -7423,25 +9345,26 @@
               </a:rPr>
               <a:t>程序实现</a:t>
             </a:r>
+            <a:endParaRPr lang="zh-CN" altLang="en-US" sz="1200" spc="600" dirty="0">
+              <a:solidFill>
+                <a:srgbClr val="919DCB"/>
+              </a:solidFill>
+              <a:latin typeface="微软雅黑" panose="020B0503020204020204" charset="-122"/>
+              <a:ea typeface="微软雅黑" panose="020B0503020204020204" charset="-122"/>
+            </a:endParaRPr>
           </a:p>
         </p:txBody>
       </p:sp>
       <p:pic>
         <p:nvPicPr>
-          <p:cNvPr id="37" name="图片 36">
-            <a:extLst>
-              <a:ext uri="{FF2B5EF4-FFF2-40B4-BE49-F238E27FC236}">
-                <a16:creationId xmlns:a16="http://schemas.microsoft.com/office/drawing/2014/main" id="{01C5B8AA-C50E-7FE2-C153-3F84E0DC79EC}"/>
-              </a:ext>
-            </a:extLst>
-          </p:cNvPr>
+          <p:cNvPr id="37" name="图片 36"/>
           <p:cNvPicPr>
             <a:picLocks noChangeAspect="1"/>
           </p:cNvPicPr>
           <p:nvPr/>
         </p:nvPicPr>
         <p:blipFill>
-          <a:blip r:embed="rId4"/>
+          <a:blip r:embed="rId2"/>
           <a:stretch>
             <a:fillRect/>
           </a:stretch>
@@ -7458,20 +9381,14 @@
       </p:pic>
       <p:pic>
         <p:nvPicPr>
-          <p:cNvPr id="39" name="图片 38">
-            <a:extLst>
-              <a:ext uri="{FF2B5EF4-FFF2-40B4-BE49-F238E27FC236}">
-                <a16:creationId xmlns:a16="http://schemas.microsoft.com/office/drawing/2014/main" id="{FC9ECCE6-934A-5BE1-EB20-654AC0F53AC5}"/>
-              </a:ext>
-            </a:extLst>
-          </p:cNvPr>
+          <p:cNvPr id="39" name="图片 38"/>
           <p:cNvPicPr>
             <a:picLocks noChangeAspect="1"/>
           </p:cNvPicPr>
           <p:nvPr/>
         </p:nvPicPr>
         <p:blipFill>
-          <a:blip r:embed="rId5"/>
+          <a:blip r:embed="rId3"/>
           <a:stretch>
             <a:fillRect/>
           </a:stretch>
@@ -7487,22 +9404,17 @@
         </p:spPr>
       </p:pic>
     </p:spTree>
-    <p:extLst>
-      <p:ext uri="{BB962C8B-B14F-4D97-AF65-F5344CB8AC3E}">
-        <p14:creationId xmlns:p14="http://schemas.microsoft.com/office/powerpoint/2010/main" val="1710844466"/>
-      </p:ext>
-    </p:extLst>
   </p:cSld>
   <p:clrMapOvr>
     <a:masterClrMapping/>
   </p:clrMapOvr>
-  <mc:AlternateContent xmlns:mc="http://schemas.openxmlformats.org/markup-compatibility/2006" xmlns:p14="http://schemas.microsoft.com/office/powerpoint/2010/main">
-    <mc:Choice Requires="p14">
+  <mc:AlternateContent xmlns:mc="http://schemas.openxmlformats.org/markup-compatibility/2006">
+    <mc:Choice xmlns:p14="http://schemas.microsoft.com/office/powerpoint/2010/main" Requires="p14">
       <p:transition spd="med" p14:dur="700" advTm="2376">
         <p:fade/>
       </p:transition>
     </mc:Choice>
-    <mc:Fallback xmlns="">
+    <mc:Fallback>
       <p:transition spd="med" advTm="2376">
         <p:fade/>
       </p:transition>
@@ -7567,7 +9479,7 @@
           <p:nvPr/>
         </p:nvPicPr>
         <p:blipFill>
-          <a:blip r:embed="rId3" cstate="print">
+          <a:blip r:embed="rId1" cstate="print">
             <a:extLst>
               <a:ext uri="{28A0092B-C50C-407E-A947-70E740481C1C}">
                 <a14:useLocalDpi xmlns:a14="http://schemas.microsoft.com/office/drawing/2010/main" val="0"/>
@@ -7688,25 +9600,26 @@
               </a:rPr>
               <a:t>程序实现</a:t>
             </a:r>
+            <a:endParaRPr lang="zh-CN" altLang="en-US" sz="1200" spc="600" dirty="0">
+              <a:solidFill>
+                <a:srgbClr val="919DCB"/>
+              </a:solidFill>
+              <a:latin typeface="微软雅黑" panose="020B0503020204020204" charset="-122"/>
+              <a:ea typeface="微软雅黑" panose="020B0503020204020204" charset="-122"/>
+            </a:endParaRPr>
           </a:p>
         </p:txBody>
       </p:sp>
       <p:pic>
         <p:nvPicPr>
-          <p:cNvPr id="3" name="图片 2">
-            <a:extLst>
-              <a:ext uri="{FF2B5EF4-FFF2-40B4-BE49-F238E27FC236}">
-                <a16:creationId xmlns:a16="http://schemas.microsoft.com/office/drawing/2014/main" id="{29AEF751-2AEF-448B-1BD2-5CED9A24279A}"/>
-              </a:ext>
-            </a:extLst>
-          </p:cNvPr>
+          <p:cNvPr id="3" name="图片 2"/>
           <p:cNvPicPr>
             <a:picLocks noChangeAspect="1"/>
           </p:cNvPicPr>
           <p:nvPr/>
         </p:nvPicPr>
         <p:blipFill>
-          <a:blip r:embed="rId4"/>
+          <a:blip r:embed="rId2"/>
           <a:stretch>
             <a:fillRect/>
           </a:stretch>
@@ -7722,22 +9635,17 @@
         </p:spPr>
       </p:pic>
     </p:spTree>
-    <p:extLst>
-      <p:ext uri="{BB962C8B-B14F-4D97-AF65-F5344CB8AC3E}">
-        <p14:creationId xmlns:p14="http://schemas.microsoft.com/office/powerpoint/2010/main" val="1513828616"/>
-      </p:ext>
-    </p:extLst>
   </p:cSld>
   <p:clrMapOvr>
     <a:masterClrMapping/>
   </p:clrMapOvr>
-  <mc:AlternateContent xmlns:mc="http://schemas.openxmlformats.org/markup-compatibility/2006" xmlns:p14="http://schemas.microsoft.com/office/powerpoint/2010/main">
-    <mc:Choice Requires="p14">
+  <mc:AlternateContent xmlns:mc="http://schemas.openxmlformats.org/markup-compatibility/2006">
+    <mc:Choice xmlns:p14="http://schemas.microsoft.com/office/powerpoint/2010/main" Requires="p14">
       <p:transition spd="med" p14:dur="700" advTm="2376">
         <p:fade/>
       </p:transition>
     </mc:Choice>
-    <mc:Fallback xmlns="">
+    <mc:Fallback>
       <p:transition spd="med" advTm="2376">
         <p:fade/>
       </p:transition>
@@ -7763,6 +9671,627 @@
           <a:chExt cx="0" cy="0"/>
         </a:xfrm>
       </p:grpSpPr>
+      <p:cxnSp>
+        <p:nvCxnSpPr>
+          <p:cNvPr id="34" name="直接连接符 33"/>
+          <p:cNvCxnSpPr/>
+          <p:nvPr/>
+        </p:nvCxnSpPr>
+        <p:spPr>
+          <a:xfrm>
+            <a:off x="180082" y="431924"/>
+            <a:ext cx="8280920" cy="0"/>
+          </a:xfrm>
+          <a:prstGeom prst="line">
+            <a:avLst/>
+          </a:prstGeom>
+        </p:spPr>
+        <p:style>
+          <a:lnRef idx="1">
+            <a:schemeClr val="accent1"/>
+          </a:lnRef>
+          <a:fillRef idx="0">
+            <a:schemeClr val="accent1"/>
+          </a:fillRef>
+          <a:effectRef idx="0">
+            <a:schemeClr val="accent1"/>
+          </a:effectRef>
+          <a:fontRef idx="minor">
+            <a:schemeClr val="tx1"/>
+          </a:fontRef>
+        </p:style>
+      </p:cxnSp>
+      <p:pic>
+        <p:nvPicPr>
+          <p:cNvPr id="30" name="Picture 2" descr="C:\Documents and Settings\Administrator\桌面\新建文件夹 (2)\5.15封面参考\复件 (27) 新建文件夹\0f1ac98d7ad0e38211.jpg"/>
+          <p:cNvPicPr>
+            <a:picLocks noChangeAspect="1" noChangeArrowheads="1"/>
+          </p:cNvPicPr>
+          <p:nvPr/>
+        </p:nvPicPr>
+        <p:blipFill>
+          <a:blip r:embed="rId1" cstate="print">
+            <a:extLst>
+              <a:ext uri="{28A0092B-C50C-407E-A947-70E740481C1C}">
+                <a14:useLocalDpi xmlns:a14="http://schemas.microsoft.com/office/drawing/2010/main" val="0"/>
+              </a:ext>
+            </a:extLst>
+          </a:blip>
+          <a:srcRect/>
+          <a:stretch>
+            <a:fillRect/>
+          </a:stretch>
+        </p:blipFill>
+        <p:spPr bwMode="auto">
+          <a:xfrm rot="15970416">
+            <a:off x="7198970" y="309105"/>
+            <a:ext cx="2526441" cy="1421123"/>
+          </a:xfrm>
+          <a:prstGeom prst="rect">
+            <a:avLst/>
+          </a:prstGeom>
+          <a:noFill/>
+          <a:extLst>
+            <a:ext uri="{909E8E84-426E-40DD-AFC4-6F175D3DCCD1}">
+              <a14:hiddenFill xmlns:a14="http://schemas.microsoft.com/office/drawing/2010/main">
+                <a:solidFill>
+                  <a:srgbClr val="FFFFFF"/>
+                </a:solidFill>
+              </a14:hiddenFill>
+            </a:ext>
+          </a:extLst>
+        </p:spPr>
+      </p:pic>
+      <p:sp>
+        <p:nvSpPr>
+          <p:cNvPr id="31" name="矩形 30"/>
+          <p:cNvSpPr/>
+          <p:nvPr/>
+        </p:nvSpPr>
+        <p:spPr>
+          <a:xfrm>
+            <a:off x="7740922" y="1224012"/>
+            <a:ext cx="936104" cy="1296144"/>
+          </a:xfrm>
+          <a:prstGeom prst="rect">
+            <a:avLst/>
+          </a:prstGeom>
+          <a:solidFill>
+            <a:srgbClr val="FFFFFF"/>
+          </a:solidFill>
+          <a:ln>
+            <a:noFill/>
+          </a:ln>
+        </p:spPr>
+        <p:style>
+          <a:lnRef idx="2">
+            <a:schemeClr val="accent1">
+              <a:shade val="50000"/>
+            </a:schemeClr>
+          </a:lnRef>
+          <a:fillRef idx="1">
+            <a:schemeClr val="accent1"/>
+          </a:fillRef>
+          <a:effectRef idx="0">
+            <a:schemeClr val="accent1"/>
+          </a:effectRef>
+          <a:fontRef idx="minor">
+            <a:schemeClr val="lt1"/>
+          </a:fontRef>
+        </p:style>
+        <p:txBody>
+          <a:bodyPr rtlCol="0" anchor="ctr"/>
+          <a:lstStyle/>
+          <a:p>
+            <a:pPr algn="ctr"/>
+            <a:endParaRPr lang="zh-CN" altLang="en-US"/>
+          </a:p>
+        </p:txBody>
+      </p:sp>
+      <p:sp>
+        <p:nvSpPr>
+          <p:cNvPr id="32" name="文本框 24"/>
+          <p:cNvSpPr txBox="1"/>
+          <p:nvPr/>
+        </p:nvSpPr>
+        <p:spPr>
+          <a:xfrm>
+            <a:off x="36066" y="154925"/>
+            <a:ext cx="1872208" cy="276999"/>
+          </a:xfrm>
+          <a:prstGeom prst="rect">
+            <a:avLst/>
+          </a:prstGeom>
+          <a:noFill/>
+        </p:spPr>
+        <p:txBody>
+          <a:bodyPr wrap="square" rtlCol="0">
+            <a:spAutoFit/>
+          </a:bodyPr>
+          <a:lstStyle/>
+          <a:p>
+            <a:pPr algn="ctr"/>
+            <a:r>
+              <a:rPr lang="en-US" altLang="zh-CN" sz="1200" spc="600" dirty="0">
+                <a:solidFill>
+                  <a:srgbClr val="919DCB"/>
+                </a:solidFill>
+                <a:latin typeface="微软雅黑" panose="020B0503020204020204" charset="-122"/>
+                <a:ea typeface="微软雅黑" panose="020B0503020204020204" charset="-122"/>
+              </a:rPr>
+              <a:t>1.</a:t>
+            </a:r>
+            <a:r>
+              <a:rPr lang="zh-CN" altLang="en-US" sz="1200" spc="600" dirty="0">
+                <a:solidFill>
+                  <a:srgbClr val="919DCB"/>
+                </a:solidFill>
+                <a:latin typeface="微软雅黑" panose="020B0503020204020204" charset="-122"/>
+                <a:ea typeface="微软雅黑" panose="020B0503020204020204" charset="-122"/>
+              </a:rPr>
+              <a:t>程序实现</a:t>
+            </a:r>
+            <a:endParaRPr lang="zh-CN" altLang="en-US" sz="1200" spc="600" dirty="0">
+              <a:solidFill>
+                <a:srgbClr val="919DCB"/>
+              </a:solidFill>
+              <a:latin typeface="微软雅黑" panose="020B0503020204020204" charset="-122"/>
+              <a:ea typeface="微软雅黑" panose="020B0503020204020204" charset="-122"/>
+            </a:endParaRPr>
+          </a:p>
+        </p:txBody>
+      </p:sp>
+      <p:pic>
+        <p:nvPicPr>
+          <p:cNvPr id="2" name="图片 1"/>
+          <p:cNvPicPr>
+            <a:picLocks noChangeAspect="1"/>
+          </p:cNvPicPr>
+          <p:nvPr/>
+        </p:nvPicPr>
+        <p:blipFill>
+          <a:blip r:embed="rId2"/>
+          <a:stretch>
+            <a:fillRect/>
+          </a:stretch>
+        </p:blipFill>
+        <p:spPr>
+          <a:xfrm>
+            <a:off x="252095" y="1008380"/>
+            <a:ext cx="3608070" cy="3618230"/>
+          </a:xfrm>
+          <a:prstGeom prst="rect">
+            <a:avLst/>
+          </a:prstGeom>
+        </p:spPr>
+      </p:pic>
+      <p:sp>
+        <p:nvSpPr>
+          <p:cNvPr id="5" name="文本框 24"/>
+          <p:cNvSpPr txBox="1"/>
+          <p:nvPr/>
+        </p:nvSpPr>
+        <p:spPr>
+          <a:xfrm>
+            <a:off x="-35689" y="647685"/>
+            <a:ext cx="1872208" cy="275590"/>
+          </a:xfrm>
+          <a:prstGeom prst="rect">
+            <a:avLst/>
+          </a:prstGeom>
+          <a:noFill/>
+        </p:spPr>
+        <p:txBody>
+          <a:bodyPr wrap="square" rtlCol="0">
+            <a:spAutoFit/>
+          </a:bodyPr>
+          <a:p>
+            <a:pPr algn="ctr"/>
+            <a:r>
+              <a:rPr lang="zh-CN" sz="1200" spc="600" dirty="0">
+                <a:solidFill>
+                  <a:srgbClr val="919DCB"/>
+                </a:solidFill>
+                <a:latin typeface="微软雅黑" panose="020B0503020204020204" charset="-122"/>
+                <a:ea typeface="微软雅黑" panose="020B0503020204020204" charset="-122"/>
+              </a:rPr>
+              <a:t>归并排序</a:t>
+            </a:r>
+            <a:endParaRPr lang="zh-CN" sz="1200" spc="600" dirty="0">
+              <a:solidFill>
+                <a:srgbClr val="919DCB"/>
+              </a:solidFill>
+              <a:latin typeface="微软雅黑" panose="020B0503020204020204" charset="-122"/>
+              <a:ea typeface="微软雅黑" panose="020B0503020204020204" charset="-122"/>
+            </a:endParaRPr>
+          </a:p>
+        </p:txBody>
+      </p:sp>
+      <p:pic>
+        <p:nvPicPr>
+          <p:cNvPr id="7" name="图片 6"/>
+          <p:cNvPicPr>
+            <a:picLocks noChangeAspect="1"/>
+          </p:cNvPicPr>
+          <p:nvPr/>
+        </p:nvPicPr>
+        <p:blipFill>
+          <a:blip r:embed="rId3"/>
+          <a:stretch>
+            <a:fillRect/>
+          </a:stretch>
+        </p:blipFill>
+        <p:spPr>
+          <a:xfrm>
+            <a:off x="4428490" y="1008380"/>
+            <a:ext cx="3833495" cy="3617595"/>
+          </a:xfrm>
+          <a:prstGeom prst="rect">
+            <a:avLst/>
+          </a:prstGeom>
+        </p:spPr>
+      </p:pic>
+    </p:spTree>
+  </p:cSld>
+  <p:clrMapOvr>
+    <a:masterClrMapping/>
+  </p:clrMapOvr>
+  <mc:AlternateContent xmlns:mc="http://schemas.openxmlformats.org/markup-compatibility/2006">
+    <mc:Choice xmlns:p14="http://schemas.microsoft.com/office/powerpoint/2010/main" Requires="p14">
+      <p:transition spd="med" p14:dur="700" advTm="2376">
+        <p:fade/>
+      </p:transition>
+    </mc:Choice>
+    <mc:Fallback>
+      <p:transition spd="med" advTm="2376">
+        <p:fade/>
+      </p:transition>
+    </mc:Fallback>
+  </mc:AlternateContent>
+</p:sld>
+</file>
+
+<file path=ppt/slides/slide7.xml><?xml version="1.0" encoding="utf-8"?>
+<p:sld xmlns:a="http://schemas.openxmlformats.org/drawingml/2006/main" xmlns:r="http://schemas.openxmlformats.org/officeDocument/2006/relationships" xmlns:p="http://schemas.openxmlformats.org/presentationml/2006/main">
+  <p:cSld>
+    <p:spTree>
+      <p:nvGrpSpPr>
+        <p:cNvPr id="1" name=""/>
+        <p:cNvGrpSpPr/>
+        <p:nvPr/>
+      </p:nvGrpSpPr>
+      <p:grpSpPr>
+        <a:xfrm>
+          <a:off x="0" y="0"/>
+          <a:ext cx="0" cy="0"/>
+          <a:chOff x="0" y="0"/>
+          <a:chExt cx="0" cy="0"/>
+        </a:xfrm>
+      </p:grpSpPr>
+      <p:cxnSp>
+        <p:nvCxnSpPr>
+          <p:cNvPr id="34" name="直接连接符 33"/>
+          <p:cNvCxnSpPr/>
+          <p:nvPr/>
+        </p:nvCxnSpPr>
+        <p:spPr>
+          <a:xfrm>
+            <a:off x="180082" y="431924"/>
+            <a:ext cx="8280920" cy="0"/>
+          </a:xfrm>
+          <a:prstGeom prst="line">
+            <a:avLst/>
+          </a:prstGeom>
+        </p:spPr>
+        <p:style>
+          <a:lnRef idx="1">
+            <a:schemeClr val="accent1"/>
+          </a:lnRef>
+          <a:fillRef idx="0">
+            <a:schemeClr val="accent1"/>
+          </a:fillRef>
+          <a:effectRef idx="0">
+            <a:schemeClr val="accent1"/>
+          </a:effectRef>
+          <a:fontRef idx="minor">
+            <a:schemeClr val="tx1"/>
+          </a:fontRef>
+        </p:style>
+      </p:cxnSp>
+      <p:pic>
+        <p:nvPicPr>
+          <p:cNvPr id="30" name="Picture 2" descr="C:\Documents and Settings\Administrator\桌面\新建文件夹 (2)\5.15封面参考\复件 (27) 新建文件夹\0f1ac98d7ad0e38211.jpg"/>
+          <p:cNvPicPr>
+            <a:picLocks noChangeAspect="1" noChangeArrowheads="1"/>
+          </p:cNvPicPr>
+          <p:nvPr/>
+        </p:nvPicPr>
+        <p:blipFill>
+          <a:blip r:embed="rId1" cstate="print">
+            <a:extLst>
+              <a:ext uri="{28A0092B-C50C-407E-A947-70E740481C1C}">
+                <a14:useLocalDpi xmlns:a14="http://schemas.microsoft.com/office/drawing/2010/main" val="0"/>
+              </a:ext>
+            </a:extLst>
+          </a:blip>
+          <a:srcRect/>
+          <a:stretch>
+            <a:fillRect/>
+          </a:stretch>
+        </p:blipFill>
+        <p:spPr bwMode="auto">
+          <a:xfrm rot="15970416">
+            <a:off x="7198970" y="309105"/>
+            <a:ext cx="2526441" cy="1421123"/>
+          </a:xfrm>
+          <a:prstGeom prst="rect">
+            <a:avLst/>
+          </a:prstGeom>
+          <a:noFill/>
+          <a:extLst>
+            <a:ext uri="{909E8E84-426E-40DD-AFC4-6F175D3DCCD1}">
+              <a14:hiddenFill xmlns:a14="http://schemas.microsoft.com/office/drawing/2010/main">
+                <a:solidFill>
+                  <a:srgbClr val="FFFFFF"/>
+                </a:solidFill>
+              </a14:hiddenFill>
+            </a:ext>
+          </a:extLst>
+        </p:spPr>
+      </p:pic>
+      <p:sp>
+        <p:nvSpPr>
+          <p:cNvPr id="31" name="矩形 30"/>
+          <p:cNvSpPr/>
+          <p:nvPr/>
+        </p:nvSpPr>
+        <p:spPr>
+          <a:xfrm>
+            <a:off x="7740922" y="1224012"/>
+            <a:ext cx="936104" cy="1296144"/>
+          </a:xfrm>
+          <a:prstGeom prst="rect">
+            <a:avLst/>
+          </a:prstGeom>
+          <a:solidFill>
+            <a:srgbClr val="FFFFFF"/>
+          </a:solidFill>
+          <a:ln>
+            <a:noFill/>
+          </a:ln>
+        </p:spPr>
+        <p:style>
+          <a:lnRef idx="2">
+            <a:schemeClr val="accent1">
+              <a:shade val="50000"/>
+            </a:schemeClr>
+          </a:lnRef>
+          <a:fillRef idx="1">
+            <a:schemeClr val="accent1"/>
+          </a:fillRef>
+          <a:effectRef idx="0">
+            <a:schemeClr val="accent1"/>
+          </a:effectRef>
+          <a:fontRef idx="minor">
+            <a:schemeClr val="lt1"/>
+          </a:fontRef>
+        </p:style>
+        <p:txBody>
+          <a:bodyPr rtlCol="0" anchor="ctr"/>
+          <a:lstStyle/>
+          <a:p>
+            <a:pPr algn="ctr"/>
+            <a:endParaRPr lang="zh-CN" altLang="en-US"/>
+          </a:p>
+        </p:txBody>
+      </p:sp>
+      <p:sp>
+        <p:nvSpPr>
+          <p:cNvPr id="32" name="文本框 24"/>
+          <p:cNvSpPr txBox="1"/>
+          <p:nvPr/>
+        </p:nvSpPr>
+        <p:spPr>
+          <a:xfrm>
+            <a:off x="36066" y="154925"/>
+            <a:ext cx="1872208" cy="276999"/>
+          </a:xfrm>
+          <a:prstGeom prst="rect">
+            <a:avLst/>
+          </a:prstGeom>
+          <a:noFill/>
+        </p:spPr>
+        <p:txBody>
+          <a:bodyPr wrap="square" rtlCol="0">
+            <a:spAutoFit/>
+          </a:bodyPr>
+          <a:lstStyle/>
+          <a:p>
+            <a:pPr algn="ctr"/>
+            <a:r>
+              <a:rPr lang="en-US" altLang="zh-CN" sz="1200" spc="600" dirty="0">
+                <a:solidFill>
+                  <a:srgbClr val="919DCB"/>
+                </a:solidFill>
+                <a:latin typeface="微软雅黑" panose="020B0503020204020204" charset="-122"/>
+                <a:ea typeface="微软雅黑" panose="020B0503020204020204" charset="-122"/>
+              </a:rPr>
+              <a:t>1.</a:t>
+            </a:r>
+            <a:r>
+              <a:rPr lang="zh-CN" altLang="en-US" sz="1200" spc="600" dirty="0">
+                <a:solidFill>
+                  <a:srgbClr val="919DCB"/>
+                </a:solidFill>
+                <a:latin typeface="微软雅黑" panose="020B0503020204020204" charset="-122"/>
+                <a:ea typeface="微软雅黑" panose="020B0503020204020204" charset="-122"/>
+              </a:rPr>
+              <a:t>程序实现</a:t>
+            </a:r>
+            <a:endParaRPr lang="zh-CN" altLang="en-US" sz="1200" spc="600" dirty="0">
+              <a:solidFill>
+                <a:srgbClr val="919DCB"/>
+              </a:solidFill>
+              <a:latin typeface="微软雅黑" panose="020B0503020204020204" charset="-122"/>
+              <a:ea typeface="微软雅黑" panose="020B0503020204020204" charset="-122"/>
+            </a:endParaRPr>
+          </a:p>
+        </p:txBody>
+      </p:sp>
+      <p:sp>
+        <p:nvSpPr>
+          <p:cNvPr id="5" name="文本框 24"/>
+          <p:cNvSpPr txBox="1"/>
+          <p:nvPr/>
+        </p:nvSpPr>
+        <p:spPr>
+          <a:xfrm>
+            <a:off x="-35689" y="504175"/>
+            <a:ext cx="1872208" cy="275590"/>
+          </a:xfrm>
+          <a:prstGeom prst="rect">
+            <a:avLst/>
+          </a:prstGeom>
+          <a:noFill/>
+        </p:spPr>
+        <p:txBody>
+          <a:bodyPr wrap="square" rtlCol="0">
+            <a:spAutoFit/>
+          </a:bodyPr>
+          <a:p>
+            <a:pPr algn="ctr"/>
+            <a:r>
+              <a:rPr lang="zh-CN" sz="1200" spc="600" dirty="0">
+                <a:solidFill>
+                  <a:srgbClr val="919DCB"/>
+                </a:solidFill>
+                <a:latin typeface="微软雅黑" panose="020B0503020204020204" charset="-122"/>
+                <a:ea typeface="微软雅黑" panose="020B0503020204020204" charset="-122"/>
+              </a:rPr>
+              <a:t>快速排序</a:t>
+            </a:r>
+            <a:endParaRPr lang="zh-CN" sz="1200" spc="600" dirty="0">
+              <a:solidFill>
+                <a:srgbClr val="919DCB"/>
+              </a:solidFill>
+              <a:latin typeface="微软雅黑" panose="020B0503020204020204" charset="-122"/>
+              <a:ea typeface="微软雅黑" panose="020B0503020204020204" charset="-122"/>
+            </a:endParaRPr>
+          </a:p>
+        </p:txBody>
+      </p:sp>
+      <p:pic>
+        <p:nvPicPr>
+          <p:cNvPr id="3" name="图片 2"/>
+          <p:cNvPicPr>
+            <a:picLocks noChangeAspect="1"/>
+          </p:cNvPicPr>
+          <p:nvPr/>
+        </p:nvPicPr>
+        <p:blipFill>
+          <a:blip r:embed="rId2"/>
+          <a:srcRect r="30065"/>
+          <a:stretch>
+            <a:fillRect/>
+          </a:stretch>
+        </p:blipFill>
+        <p:spPr>
+          <a:xfrm>
+            <a:off x="396240" y="791845"/>
+            <a:ext cx="2251075" cy="3911600"/>
+          </a:xfrm>
+          <a:prstGeom prst="rect">
+            <a:avLst/>
+          </a:prstGeom>
+        </p:spPr>
+      </p:pic>
+      <p:pic>
+        <p:nvPicPr>
+          <p:cNvPr id="4" name="图片 3"/>
+          <p:cNvPicPr>
+            <a:picLocks noChangeAspect="1"/>
+          </p:cNvPicPr>
+          <p:nvPr/>
+        </p:nvPicPr>
+        <p:blipFill>
+          <a:blip r:embed="rId3"/>
+          <a:srcRect r="29579"/>
+          <a:stretch>
+            <a:fillRect/>
+          </a:stretch>
+        </p:blipFill>
+        <p:spPr>
+          <a:xfrm>
+            <a:off x="2772410" y="720090"/>
+            <a:ext cx="2612390" cy="3989705"/>
+          </a:xfrm>
+          <a:prstGeom prst="rect">
+            <a:avLst/>
+          </a:prstGeom>
+        </p:spPr>
+      </p:pic>
+      <p:pic>
+        <p:nvPicPr>
+          <p:cNvPr id="6" name="图片 5"/>
+          <p:cNvPicPr>
+            <a:picLocks noChangeAspect="1"/>
+          </p:cNvPicPr>
+          <p:nvPr/>
+        </p:nvPicPr>
+        <p:blipFill>
+          <a:blip r:embed="rId4"/>
+          <a:srcRect r="7501"/>
+          <a:stretch>
+            <a:fillRect/>
+          </a:stretch>
+        </p:blipFill>
+        <p:spPr>
+          <a:xfrm>
+            <a:off x="5481320" y="720090"/>
+            <a:ext cx="3210560" cy="4025900"/>
+          </a:xfrm>
+          <a:prstGeom prst="rect">
+            <a:avLst/>
+          </a:prstGeom>
+        </p:spPr>
+      </p:pic>
+    </p:spTree>
+  </p:cSld>
+  <p:clrMapOvr>
+    <a:masterClrMapping/>
+  </p:clrMapOvr>
+  <mc:AlternateContent xmlns:mc="http://schemas.openxmlformats.org/markup-compatibility/2006">
+    <mc:Choice xmlns:p14="http://schemas.microsoft.com/office/powerpoint/2010/main" Requires="p14">
+      <p:transition spd="med" p14:dur="700" advTm="2376">
+        <p:fade/>
+      </p:transition>
+    </mc:Choice>
+    <mc:Fallback>
+      <p:transition spd="med" advTm="2376">
+        <p:fade/>
+      </p:transition>
+    </mc:Fallback>
+  </mc:AlternateContent>
+</p:sld>
+</file>
+
+<file path=ppt/slides/slide8.xml><?xml version="1.0" encoding="utf-8"?>
+<p:sld xmlns:a="http://schemas.openxmlformats.org/drawingml/2006/main" xmlns:r="http://schemas.openxmlformats.org/officeDocument/2006/relationships" xmlns:p="http://schemas.openxmlformats.org/presentationml/2006/main">
+  <p:cSld>
+    <p:spTree>
+      <p:nvGrpSpPr>
+        <p:cNvPr id="1" name=""/>
+        <p:cNvGrpSpPr/>
+        <p:nvPr/>
+      </p:nvGrpSpPr>
+      <p:grpSpPr>
+        <a:xfrm>
+          <a:off x="0" y="0"/>
+          <a:ext cx="0" cy="0"/>
+          <a:chOff x="0" y="0"/>
+          <a:chExt cx="0" cy="0"/>
+        </a:xfrm>
+      </p:grpSpPr>
       <p:pic>
         <p:nvPicPr>
           <p:cNvPr id="3074" name="Picture 2"/>
@@ -7772,7 +10301,7 @@
           <p:nvPr/>
         </p:nvPicPr>
         <p:blipFill>
-          <a:blip r:embed="rId3">
+          <a:blip r:embed="rId1">
             <a:extLst>
               <a:ext uri="{28A0092B-C50C-407E-A947-70E740481C1C}">
                 <a14:useLocalDpi xmlns:a14="http://schemas.microsoft.com/office/drawing/2010/main" val="0"/>
@@ -7948,704 +10477,28 @@
               </a:rPr>
               <a:t>运行结果</a:t>
             </a:r>
+            <a:endParaRPr lang="zh-CN" altLang="en-US" sz="3600" spc="600" dirty="0">
+              <a:solidFill>
+                <a:srgbClr val="919DCB"/>
+              </a:solidFill>
+              <a:latin typeface="微软雅黑" panose="020B0503020204020204" charset="-122"/>
+              <a:ea typeface="微软雅黑" panose="020B0503020204020204" charset="-122"/>
+            </a:endParaRPr>
           </a:p>
         </p:txBody>
       </p:sp>
     </p:spTree>
-    <p:extLst>
-      <p:ext uri="{BB962C8B-B14F-4D97-AF65-F5344CB8AC3E}">
-        <p14:creationId xmlns:p14="http://schemas.microsoft.com/office/powerpoint/2010/main" val="2318766796"/>
-      </p:ext>
-    </p:extLst>
   </p:cSld>
   <p:clrMapOvr>
     <a:masterClrMapping/>
   </p:clrMapOvr>
-  <mc:AlternateContent xmlns:mc="http://schemas.openxmlformats.org/markup-compatibility/2006" xmlns:p14="http://schemas.microsoft.com/office/powerpoint/2010/main">
-    <mc:Choice Requires="p14">
+  <mc:AlternateContent xmlns:mc="http://schemas.openxmlformats.org/markup-compatibility/2006">
+    <mc:Choice xmlns:p14="http://schemas.microsoft.com/office/powerpoint/2010/main" Requires="p14">
       <p:transition spd="med" p14:dur="700" advTm="2376">
         <p:fade/>
       </p:transition>
     </mc:Choice>
-    <mc:Fallback xmlns="">
-      <p:transition spd="med" advTm="2376">
-        <p:fade/>
-      </p:transition>
-    </mc:Fallback>
-  </mc:AlternateContent>
-  <p:timing>
-    <p:tnLst>
-      <p:par>
-        <p:cTn id="1" dur="indefinite" restart="never" nodeType="tmRoot">
-          <p:childTnLst>
-            <p:seq concurrent="1" nextAc="seek">
-              <p:cTn id="2" dur="indefinite" nodeType="mainSeq">
-                <p:childTnLst>
-                  <p:par>
-                    <p:cTn id="3" fill="hold">
-                      <p:stCondLst>
-                        <p:cond delay="indefinite"/>
-                        <p:cond evt="onBegin" delay="0">
-                          <p:tn val="2"/>
-                        </p:cond>
-                      </p:stCondLst>
-                      <p:childTnLst>
-                        <p:par>
-                          <p:cTn id="4" fill="hold">
-                            <p:stCondLst>
-                              <p:cond delay="0"/>
-                            </p:stCondLst>
-                            <p:childTnLst>
-                              <p:par>
-                                <p:cTn id="5" presetID="53" presetClass="entr" presetSubtype="16" fill="hold" grpId="0" nodeType="afterEffect">
-                                  <p:stCondLst>
-                                    <p:cond delay="0"/>
-                                  </p:stCondLst>
-                                  <p:childTnLst>
-                                    <p:set>
-                                      <p:cBhvr>
-                                        <p:cTn id="6" dur="1" fill="hold">
-                                          <p:stCondLst>
-                                            <p:cond delay="0"/>
-                                          </p:stCondLst>
-                                        </p:cTn>
-                                        <p:tgtEl>
-                                          <p:spTgt spid="4"/>
-                                        </p:tgtEl>
-                                        <p:attrNameLst>
-                                          <p:attrName>style.visibility</p:attrName>
-                                        </p:attrNameLst>
-                                      </p:cBhvr>
-                                      <p:to>
-                                        <p:strVal val="visible"/>
-                                      </p:to>
-                                    </p:set>
-                                    <p:anim calcmode="lin" valueType="num">
-                                      <p:cBhvr>
-                                        <p:cTn id="7" dur="500" fill="hold"/>
-                                        <p:tgtEl>
-                                          <p:spTgt spid="4"/>
-                                        </p:tgtEl>
-                                        <p:attrNameLst>
-                                          <p:attrName>ppt_w</p:attrName>
-                                        </p:attrNameLst>
-                                      </p:cBhvr>
-                                      <p:tavLst>
-                                        <p:tav tm="0">
-                                          <p:val>
-                                            <p:fltVal val="0"/>
-                                          </p:val>
-                                        </p:tav>
-                                        <p:tav tm="100000">
-                                          <p:val>
-                                            <p:strVal val="#ppt_w"/>
-                                          </p:val>
-                                        </p:tav>
-                                      </p:tavLst>
-                                    </p:anim>
-                                    <p:anim calcmode="lin" valueType="num">
-                                      <p:cBhvr>
-                                        <p:cTn id="8" dur="500" fill="hold"/>
-                                        <p:tgtEl>
-                                          <p:spTgt spid="4"/>
-                                        </p:tgtEl>
-                                        <p:attrNameLst>
-                                          <p:attrName>ppt_h</p:attrName>
-                                        </p:attrNameLst>
-                                      </p:cBhvr>
-                                      <p:tavLst>
-                                        <p:tav tm="0">
-                                          <p:val>
-                                            <p:fltVal val="0"/>
-                                          </p:val>
-                                        </p:tav>
-                                        <p:tav tm="100000">
-                                          <p:val>
-                                            <p:strVal val="#ppt_h"/>
-                                          </p:val>
-                                        </p:tav>
-                                      </p:tavLst>
-                                    </p:anim>
-                                    <p:animEffect transition="in" filter="fade">
-                                      <p:cBhvr>
-                                        <p:cTn id="9" dur="500"/>
-                                        <p:tgtEl>
-                                          <p:spTgt spid="4"/>
-                                        </p:tgtEl>
-                                      </p:cBhvr>
-                                    </p:animEffect>
-                                  </p:childTnLst>
-                                </p:cTn>
-                              </p:par>
-                            </p:childTnLst>
-                          </p:cTn>
-                        </p:par>
-                        <p:par>
-                          <p:cTn id="10" fill="hold">
-                            <p:stCondLst>
-                              <p:cond delay="500"/>
-                            </p:stCondLst>
-                            <p:childTnLst>
-                              <p:par>
-                                <p:cTn id="11" presetID="22" presetClass="entr" presetSubtype="4" fill="hold" grpId="0" nodeType="afterEffect">
-                                  <p:stCondLst>
-                                    <p:cond delay="0"/>
-                                  </p:stCondLst>
-                                  <p:childTnLst>
-                                    <p:set>
-                                      <p:cBhvr>
-                                        <p:cTn id="12" dur="1" fill="hold">
-                                          <p:stCondLst>
-                                            <p:cond delay="0"/>
-                                          </p:stCondLst>
-                                        </p:cTn>
-                                        <p:tgtEl>
-                                          <p:spTgt spid="5"/>
-                                        </p:tgtEl>
-                                        <p:attrNameLst>
-                                          <p:attrName>style.visibility</p:attrName>
-                                        </p:attrNameLst>
-                                      </p:cBhvr>
-                                      <p:to>
-                                        <p:strVal val="visible"/>
-                                      </p:to>
-                                    </p:set>
-                                    <p:animEffect transition="in" filter="wipe(down)">
-                                      <p:cBhvr>
-                                        <p:cTn id="13" dur="500"/>
-                                        <p:tgtEl>
-                                          <p:spTgt spid="5"/>
-                                        </p:tgtEl>
-                                      </p:cBhvr>
-                                    </p:animEffect>
-                                  </p:childTnLst>
-                                </p:cTn>
-                              </p:par>
-                            </p:childTnLst>
-                          </p:cTn>
-                        </p:par>
-                      </p:childTnLst>
-                    </p:cTn>
-                  </p:par>
-                </p:childTnLst>
-              </p:cTn>
-              <p:prevCondLst>
-                <p:cond evt="onPrev" delay="0">
-                  <p:tgtEl>
-                    <p:sldTgt/>
-                  </p:tgtEl>
-                </p:cond>
-              </p:prevCondLst>
-              <p:nextCondLst>
-                <p:cond evt="onNext" delay="0">
-                  <p:tgtEl>
-                    <p:sldTgt/>
-                  </p:tgtEl>
-                </p:cond>
-              </p:nextCondLst>
-            </p:seq>
-          </p:childTnLst>
-        </p:cTn>
-      </p:par>
-    </p:tnLst>
-    <p:bldLst>
-      <p:bldP spid="4" grpId="0" animBg="1"/>
-      <p:bldP spid="5" grpId="0"/>
-    </p:bldLst>
-  </p:timing>
-</p:sld>
-</file>
-
-<file path=ppt/slides/slide7.xml><?xml version="1.0" encoding="utf-8"?>
-<p:sld xmlns:a="http://schemas.openxmlformats.org/drawingml/2006/main" xmlns:r="http://schemas.openxmlformats.org/officeDocument/2006/relationships" xmlns:p="http://schemas.openxmlformats.org/presentationml/2006/main">
-  <p:cSld>
-    <p:spTree>
-      <p:nvGrpSpPr>
-        <p:cNvPr id="1" name=""/>
-        <p:cNvGrpSpPr/>
-        <p:nvPr/>
-      </p:nvGrpSpPr>
-      <p:grpSpPr>
-        <a:xfrm>
-          <a:off x="0" y="0"/>
-          <a:ext cx="0" cy="0"/>
-          <a:chOff x="0" y="0"/>
-          <a:chExt cx="0" cy="0"/>
-        </a:xfrm>
-      </p:grpSpPr>
-      <p:cxnSp>
-        <p:nvCxnSpPr>
-          <p:cNvPr id="23" name="直接连接符 22"/>
-          <p:cNvCxnSpPr/>
-          <p:nvPr/>
-        </p:nvCxnSpPr>
-        <p:spPr>
-          <a:xfrm>
-            <a:off x="180082" y="431924"/>
-            <a:ext cx="8280920" cy="0"/>
-          </a:xfrm>
-          <a:prstGeom prst="line">
-            <a:avLst/>
-          </a:prstGeom>
-        </p:spPr>
-        <p:style>
-          <a:lnRef idx="1">
-            <a:schemeClr val="accent1"/>
-          </a:lnRef>
-          <a:fillRef idx="0">
-            <a:schemeClr val="accent1"/>
-          </a:fillRef>
-          <a:effectRef idx="0">
-            <a:schemeClr val="accent1"/>
-          </a:effectRef>
-          <a:fontRef idx="minor">
-            <a:schemeClr val="tx1"/>
-          </a:fontRef>
-        </p:style>
-      </p:cxnSp>
-      <p:pic>
-        <p:nvPicPr>
-          <p:cNvPr id="24" name="Picture 2" descr="C:\Documents and Settings\Administrator\桌面\新建文件夹 (2)\5.15封面参考\复件 (27) 新建文件夹\0f1ac98d7ad0e38211.jpg"/>
-          <p:cNvPicPr>
-            <a:picLocks noChangeAspect="1" noChangeArrowheads="1"/>
-          </p:cNvPicPr>
-          <p:nvPr/>
-        </p:nvPicPr>
-        <p:blipFill>
-          <a:blip r:embed="rId3" cstate="print">
-            <a:extLst>
-              <a:ext uri="{28A0092B-C50C-407E-A947-70E740481C1C}">
-                <a14:useLocalDpi xmlns:a14="http://schemas.microsoft.com/office/drawing/2010/main" val="0"/>
-              </a:ext>
-            </a:extLst>
-          </a:blip>
-          <a:srcRect/>
-          <a:stretch>
-            <a:fillRect/>
-          </a:stretch>
-        </p:blipFill>
-        <p:spPr bwMode="auto">
-          <a:xfrm rot="15970416">
-            <a:off x="7198970" y="309105"/>
-            <a:ext cx="2526441" cy="1421123"/>
-          </a:xfrm>
-          <a:prstGeom prst="rect">
-            <a:avLst/>
-          </a:prstGeom>
-          <a:noFill/>
-          <a:extLst>
-            <a:ext uri="{909E8E84-426E-40DD-AFC4-6F175D3DCCD1}">
-              <a14:hiddenFill xmlns:a14="http://schemas.microsoft.com/office/drawing/2010/main">
-                <a:solidFill>
-                  <a:srgbClr val="FFFFFF"/>
-                </a:solidFill>
-              </a14:hiddenFill>
-            </a:ext>
-          </a:extLst>
-        </p:spPr>
-      </p:pic>
-      <p:sp>
-        <p:nvSpPr>
-          <p:cNvPr id="25" name="矩形 24"/>
-          <p:cNvSpPr/>
-          <p:nvPr/>
-        </p:nvSpPr>
-        <p:spPr>
-          <a:xfrm>
-            <a:off x="7740922" y="1224012"/>
-            <a:ext cx="936104" cy="1296144"/>
-          </a:xfrm>
-          <a:prstGeom prst="rect">
-            <a:avLst/>
-          </a:prstGeom>
-          <a:solidFill>
-            <a:srgbClr val="FFFFFF"/>
-          </a:solidFill>
-          <a:ln>
-            <a:noFill/>
-          </a:ln>
-        </p:spPr>
-        <p:style>
-          <a:lnRef idx="2">
-            <a:schemeClr val="accent1">
-              <a:shade val="50000"/>
-            </a:schemeClr>
-          </a:lnRef>
-          <a:fillRef idx="1">
-            <a:schemeClr val="accent1"/>
-          </a:fillRef>
-          <a:effectRef idx="0">
-            <a:schemeClr val="accent1"/>
-          </a:effectRef>
-          <a:fontRef idx="minor">
-            <a:schemeClr val="lt1"/>
-          </a:fontRef>
-        </p:style>
-        <p:txBody>
-          <a:bodyPr rtlCol="0" anchor="ctr"/>
-          <a:lstStyle/>
-          <a:p>
-            <a:pPr algn="ctr"/>
-            <a:endParaRPr lang="zh-CN" altLang="en-US"/>
-          </a:p>
-        </p:txBody>
-      </p:sp>
-      <p:sp>
-        <p:nvSpPr>
-          <p:cNvPr id="26" name="文本框 24"/>
-          <p:cNvSpPr txBox="1"/>
-          <p:nvPr/>
-        </p:nvSpPr>
-        <p:spPr>
-          <a:xfrm>
-            <a:off x="36066" y="154925"/>
-            <a:ext cx="1872208" cy="276999"/>
-          </a:xfrm>
-          <a:prstGeom prst="rect">
-            <a:avLst/>
-          </a:prstGeom>
-          <a:noFill/>
-        </p:spPr>
-        <p:txBody>
-          <a:bodyPr wrap="square" rtlCol="0">
-            <a:spAutoFit/>
-          </a:bodyPr>
-          <a:lstStyle/>
-          <a:p>
-            <a:pPr algn="ctr"/>
-            <a:r>
-              <a:rPr lang="en-US" altLang="zh-CN" sz="1200" spc="600" dirty="0">
-                <a:solidFill>
-                  <a:srgbClr val="919DCB"/>
-                </a:solidFill>
-                <a:latin typeface="微软雅黑" panose="020B0503020204020204" charset="-122"/>
-                <a:ea typeface="微软雅黑" panose="020B0503020204020204" charset="-122"/>
-              </a:rPr>
-              <a:t>2.</a:t>
-            </a:r>
-            <a:r>
-              <a:rPr lang="zh-CN" altLang="en-US" sz="1200" spc="600" dirty="0">
-                <a:solidFill>
-                  <a:srgbClr val="919DCB"/>
-                </a:solidFill>
-                <a:latin typeface="微软雅黑" panose="020B0503020204020204" charset="-122"/>
-                <a:ea typeface="微软雅黑" panose="020B0503020204020204" charset="-122"/>
-              </a:rPr>
-              <a:t>运行结果</a:t>
-            </a:r>
-          </a:p>
-        </p:txBody>
-      </p:sp>
-      <p:graphicFrame>
-        <p:nvGraphicFramePr>
-          <p:cNvPr id="2" name="对象 1">
-            <a:extLst>
-              <a:ext uri="{FF2B5EF4-FFF2-40B4-BE49-F238E27FC236}">
-                <a16:creationId xmlns:a16="http://schemas.microsoft.com/office/drawing/2014/main" id="{695DDC6D-0058-0DA6-21C2-4444E1795827}"/>
-              </a:ext>
-            </a:extLst>
-          </p:cNvPr>
-          <p:cNvGraphicFramePr>
-            <a:graphicFrameLocks noChangeAspect="1"/>
-          </p:cNvGraphicFramePr>
-          <p:nvPr>
-            <p:extLst>
-              <p:ext uri="{D42A27DB-BD31-4B8C-83A1-F6EECF244321}">
-                <p14:modId xmlns:p14="http://schemas.microsoft.com/office/powerpoint/2010/main" val="4099489749"/>
-              </p:ext>
-            </p:extLst>
-          </p:nvPr>
-        </p:nvGraphicFramePr>
-        <p:xfrm>
-          <a:off x="243974" y="900420"/>
-          <a:ext cx="1456392" cy="938014"/>
-        </p:xfrm>
-        <a:graphic>
-          <a:graphicData uri="http://schemas.openxmlformats.org/presentationml/2006/ole">
-            <mc:AlternateContent xmlns:mc="http://schemas.openxmlformats.org/markup-compatibility/2006">
-              <mc:Choice xmlns:v="urn:schemas-microsoft-com:vml" Requires="v">
-                <p:oleObj name="包装程序外壳对象" showAsIcon="1" r:id="rId4" imgW="561240" imgH="362160" progId="Package">
-                  <p:embed/>
-                </p:oleObj>
-              </mc:Choice>
-              <mc:Fallback>
-                <p:oleObj name="包装程序外壳对象" showAsIcon="1" r:id="rId4" imgW="561240" imgH="362160" progId="Package">
-                  <p:embed/>
-                  <p:pic>
-                    <p:nvPicPr>
-                      <p:cNvPr id="0" name=""/>
-                      <p:cNvPicPr/>
-                      <p:nvPr/>
-                    </p:nvPicPr>
-                    <p:blipFill>
-                      <a:blip r:embed="rId5"/>
-                      <a:stretch>
-                        <a:fillRect/>
-                      </a:stretch>
-                    </p:blipFill>
-                    <p:spPr>
-                      <a:xfrm>
-                        <a:off x="243974" y="900420"/>
-                        <a:ext cx="1456392" cy="938014"/>
-                      </a:xfrm>
-                      <a:prstGeom prst="rect">
-                        <a:avLst/>
-                      </a:prstGeom>
-                    </p:spPr>
-                  </p:pic>
-                </p:oleObj>
-              </mc:Fallback>
-            </mc:AlternateContent>
-          </a:graphicData>
-        </a:graphic>
-      </p:graphicFrame>
-    </p:spTree>
-    <p:extLst>
-      <p:ext uri="{BB962C8B-B14F-4D97-AF65-F5344CB8AC3E}">
-        <p14:creationId xmlns:p14="http://schemas.microsoft.com/office/powerpoint/2010/main" val="1710844466"/>
-      </p:ext>
-    </p:extLst>
-  </p:cSld>
-  <p:clrMapOvr>
-    <a:masterClrMapping/>
-  </p:clrMapOvr>
-  <mc:AlternateContent xmlns:mc="http://schemas.openxmlformats.org/markup-compatibility/2006" xmlns:p14="http://schemas.microsoft.com/office/powerpoint/2010/main">
-    <mc:Choice Requires="p14">
-      <p:transition spd="med" p14:dur="700" advTm="2376">
-        <p:fade/>
-      </p:transition>
-    </mc:Choice>
-    <mc:Fallback xmlns="">
-      <p:transition spd="med" advTm="2376">
-        <p:fade/>
-      </p:transition>
-    </mc:Fallback>
-  </mc:AlternateContent>
-</p:sld>
-</file>
-
-<file path=ppt/slides/slide8.xml><?xml version="1.0" encoding="utf-8"?>
-<p:sld xmlns:a="http://schemas.openxmlformats.org/drawingml/2006/main" xmlns:r="http://schemas.openxmlformats.org/officeDocument/2006/relationships" xmlns:p="http://schemas.openxmlformats.org/presentationml/2006/main">
-  <p:cSld>
-    <p:spTree>
-      <p:nvGrpSpPr>
-        <p:cNvPr id="1" name=""/>
-        <p:cNvGrpSpPr/>
-        <p:nvPr/>
-      </p:nvGrpSpPr>
-      <p:grpSpPr>
-        <a:xfrm>
-          <a:off x="0" y="0"/>
-          <a:ext cx="0" cy="0"/>
-          <a:chOff x="0" y="0"/>
-          <a:chExt cx="0" cy="0"/>
-        </a:xfrm>
-      </p:grpSpPr>
-      <p:pic>
-        <p:nvPicPr>
-          <p:cNvPr id="3074" name="Picture 2"/>
-          <p:cNvPicPr>
-            <a:picLocks noChangeAspect="1" noChangeArrowheads="1"/>
-          </p:cNvPicPr>
-          <p:nvPr/>
-        </p:nvPicPr>
-        <p:blipFill>
-          <a:blip r:embed="rId3">
-            <a:extLst>
-              <a:ext uri="{28A0092B-C50C-407E-A947-70E740481C1C}">
-                <a14:useLocalDpi xmlns:a14="http://schemas.microsoft.com/office/drawing/2010/main" val="0"/>
-              </a:ext>
-            </a:extLst>
-          </a:blip>
-          <a:srcRect/>
-          <a:stretch>
-            <a:fillRect/>
-          </a:stretch>
-        </p:blipFill>
-        <p:spPr bwMode="auto">
-          <a:xfrm>
-            <a:off x="-71755" y="-43145"/>
-            <a:ext cx="9144636" cy="5125016"/>
-          </a:xfrm>
-          <a:prstGeom prst="rect">
-            <a:avLst/>
-          </a:prstGeom>
-          <a:noFill/>
-          <a:ln>
-            <a:noFill/>
-          </a:ln>
-          <a:extLst>
-            <a:ext uri="{909E8E84-426E-40DD-AFC4-6F175D3DCCD1}">
-              <a14:hiddenFill xmlns:a14="http://schemas.microsoft.com/office/drawing/2010/main">
-                <a:solidFill>
-                  <a:schemeClr val="accent1"/>
-                </a:solidFill>
-              </a14:hiddenFill>
-            </a:ext>
-            <a:ext uri="{91240B29-F687-4F45-9708-019B960494DF}">
-              <a14:hiddenLine xmlns:a14="http://schemas.microsoft.com/office/drawing/2010/main" w="9525">
-                <a:solidFill>
-                  <a:schemeClr val="tx1"/>
-                </a:solidFill>
-                <a:miter lim="800000"/>
-                <a:headEnd/>
-                <a:tailEnd/>
-              </a14:hiddenLine>
-            </a:ext>
-          </a:extLst>
-        </p:spPr>
-      </p:pic>
-      <p:sp>
-        <p:nvSpPr>
-          <p:cNvPr id="2" name="矩形 1"/>
-          <p:cNvSpPr/>
-          <p:nvPr/>
-        </p:nvSpPr>
-        <p:spPr>
-          <a:xfrm>
-            <a:off x="612130" y="1224012"/>
-            <a:ext cx="8136904" cy="2592288"/>
-          </a:xfrm>
-          <a:prstGeom prst="rect">
-            <a:avLst/>
-          </a:prstGeom>
-          <a:solidFill>
-            <a:srgbClr val="FFFFFF"/>
-          </a:solidFill>
-          <a:ln>
-            <a:noFill/>
-          </a:ln>
-        </p:spPr>
-        <p:style>
-          <a:lnRef idx="2">
-            <a:schemeClr val="accent1">
-              <a:shade val="50000"/>
-            </a:schemeClr>
-          </a:lnRef>
-          <a:fillRef idx="1">
-            <a:schemeClr val="accent1"/>
-          </a:fillRef>
-          <a:effectRef idx="0">
-            <a:schemeClr val="accent1"/>
-          </a:effectRef>
-          <a:fontRef idx="minor">
-            <a:schemeClr val="lt1"/>
-          </a:fontRef>
-        </p:style>
-        <p:txBody>
-          <a:bodyPr rtlCol="0" anchor="ctr"/>
-          <a:lstStyle/>
-          <a:p>
-            <a:pPr algn="ctr"/>
-            <a:endParaRPr lang="zh-CN" altLang="en-US"/>
-          </a:p>
-        </p:txBody>
-      </p:sp>
-      <p:sp>
-        <p:nvSpPr>
-          <p:cNvPr id="4" name="椭圆 3"/>
-          <p:cNvSpPr/>
-          <p:nvPr/>
-        </p:nvSpPr>
-        <p:spPr>
-          <a:xfrm>
-            <a:off x="1404218" y="1728068"/>
-            <a:ext cx="1588572" cy="1588572"/>
-          </a:xfrm>
-          <a:prstGeom prst="ellipse">
-            <a:avLst/>
-          </a:prstGeom>
-          <a:solidFill>
-            <a:srgbClr val="919DCB"/>
-          </a:solidFill>
-          <a:ln>
-            <a:solidFill>
-              <a:srgbClr val="919DCB"/>
-            </a:solidFill>
-          </a:ln>
-        </p:spPr>
-        <p:style>
-          <a:lnRef idx="2">
-            <a:schemeClr val="accent1">
-              <a:shade val="50000"/>
-            </a:schemeClr>
-          </a:lnRef>
-          <a:fillRef idx="1">
-            <a:schemeClr val="accent1"/>
-          </a:fillRef>
-          <a:effectRef idx="0">
-            <a:schemeClr val="accent1"/>
-          </a:effectRef>
-          <a:fontRef idx="minor">
-            <a:schemeClr val="lt1"/>
-          </a:fontRef>
-        </p:style>
-        <p:txBody>
-          <a:bodyPr rtlCol="0" anchor="ctr"/>
-          <a:lstStyle/>
-          <a:p>
-            <a:pPr algn="ctr"/>
-            <a:r>
-              <a:rPr lang="en-US" altLang="zh-CN" sz="5400"/>
-              <a:t>03</a:t>
-            </a:r>
-            <a:endParaRPr lang="zh-CN" altLang="en-US" sz="5400" dirty="0"/>
-          </a:p>
-        </p:txBody>
-      </p:sp>
-      <p:sp>
-        <p:nvSpPr>
-          <p:cNvPr id="5" name="文本框 24"/>
-          <p:cNvSpPr txBox="1"/>
-          <p:nvPr/>
-        </p:nvSpPr>
-        <p:spPr>
-          <a:xfrm>
-            <a:off x="2700362" y="2304132"/>
-            <a:ext cx="5695116" cy="646331"/>
-          </a:xfrm>
-          <a:prstGeom prst="rect">
-            <a:avLst/>
-          </a:prstGeom>
-          <a:noFill/>
-        </p:spPr>
-        <p:txBody>
-          <a:bodyPr wrap="square" rtlCol="0">
-            <a:spAutoFit/>
-          </a:bodyPr>
-          <a:lstStyle/>
-          <a:p>
-            <a:pPr algn="ctr"/>
-            <a:r>
-              <a:rPr lang="zh-CN" altLang="en-US" sz="3600" spc="600" dirty="0">
-                <a:solidFill>
-                  <a:srgbClr val="919DCB"/>
-                </a:solidFill>
-                <a:latin typeface="微软雅黑" panose="020B0503020204020204" charset="-122"/>
-                <a:ea typeface="微软雅黑" panose="020B0503020204020204" charset="-122"/>
-              </a:rPr>
-              <a:t>复杂度分析</a:t>
-            </a:r>
-          </a:p>
-        </p:txBody>
-      </p:sp>
-    </p:spTree>
-    <p:extLst>
-      <p:ext uri="{BB962C8B-B14F-4D97-AF65-F5344CB8AC3E}">
-        <p14:creationId xmlns:p14="http://schemas.microsoft.com/office/powerpoint/2010/main" val="2084944873"/>
-      </p:ext>
-    </p:extLst>
-  </p:cSld>
-  <p:clrMapOvr>
-    <a:masterClrMapping/>
-  </p:clrMapOvr>
-  <mc:AlternateContent xmlns:mc="http://schemas.openxmlformats.org/markup-compatibility/2006" xmlns:p14="http://schemas.microsoft.com/office/powerpoint/2010/main">
-    <mc:Choice Requires="p14">
-      <p:transition spd="med" p14:dur="700" advTm="2376">
-        <p:fade/>
-      </p:transition>
-    </mc:Choice>
-    <mc:Fallback xmlns="">
+    <mc:Fallback>
       <p:transition spd="med" advTm="2376">
         <p:fade/>
       </p:transition>
@@ -8853,7 +10706,7 @@
       </p:grpSpPr>
       <p:cxnSp>
         <p:nvCxnSpPr>
-          <p:cNvPr id="25" name="直接连接符 24"/>
+          <p:cNvPr id="23" name="直接连接符 22"/>
           <p:cNvCxnSpPr/>
           <p:nvPr/>
         </p:nvCxnSpPr>
@@ -8883,14 +10736,14 @@
       </p:cxnSp>
       <p:pic>
         <p:nvPicPr>
-          <p:cNvPr id="26" name="Picture 2" descr="C:\Documents and Settings\Administrator\桌面\新建文件夹 (2)\5.15封面参考\复件 (27) 新建文件夹\0f1ac98d7ad0e38211.jpg"/>
+          <p:cNvPr id="24" name="Picture 2" descr="C:\Documents and Settings\Administrator\桌面\新建文件夹 (2)\5.15封面参考\复件 (27) 新建文件夹\0f1ac98d7ad0e38211.jpg"/>
           <p:cNvPicPr>
             <a:picLocks noChangeAspect="1" noChangeArrowheads="1"/>
           </p:cNvPicPr>
           <p:nvPr/>
         </p:nvPicPr>
         <p:blipFill>
-          <a:blip r:embed="rId3" cstate="print">
+          <a:blip r:embed="rId1" cstate="print">
             <a:extLst>
               <a:ext uri="{28A0092B-C50C-407E-A947-70E740481C1C}">
                 <a14:useLocalDpi xmlns:a14="http://schemas.microsoft.com/office/drawing/2010/main" val="0"/>
@@ -8924,7 +10777,53 @@
       </p:pic>
       <p:sp>
         <p:nvSpPr>
-          <p:cNvPr id="28" name="文本框 24"/>
+          <p:cNvPr id="25" name="矩形 24"/>
+          <p:cNvSpPr/>
+          <p:nvPr/>
+        </p:nvSpPr>
+        <p:spPr>
+          <a:xfrm>
+            <a:off x="7740922" y="1224012"/>
+            <a:ext cx="936104" cy="1296144"/>
+          </a:xfrm>
+          <a:prstGeom prst="rect">
+            <a:avLst/>
+          </a:prstGeom>
+          <a:solidFill>
+            <a:srgbClr val="FFFFFF"/>
+          </a:solidFill>
+          <a:ln>
+            <a:noFill/>
+          </a:ln>
+        </p:spPr>
+        <p:style>
+          <a:lnRef idx="2">
+            <a:schemeClr val="accent1">
+              <a:shade val="50000"/>
+            </a:schemeClr>
+          </a:lnRef>
+          <a:fillRef idx="1">
+            <a:schemeClr val="accent1"/>
+          </a:fillRef>
+          <a:effectRef idx="0">
+            <a:schemeClr val="accent1"/>
+          </a:effectRef>
+          <a:fontRef idx="minor">
+            <a:schemeClr val="lt1"/>
+          </a:fontRef>
+        </p:style>
+        <p:txBody>
+          <a:bodyPr rtlCol="0" anchor="ctr"/>
+          <a:lstStyle/>
+          <a:p>
+            <a:pPr algn="ctr"/>
+            <a:endParaRPr lang="zh-CN" altLang="en-US"/>
+          </a:p>
+        </p:txBody>
+      </p:sp>
+      <p:sp>
+        <p:nvSpPr>
+          <p:cNvPr id="26" name="文本框 24"/>
           <p:cNvSpPr txBox="1"/>
           <p:nvPr/>
         </p:nvSpPr>
@@ -8953,7 +10852,7 @@
                 <a:latin typeface="微软雅黑" panose="020B0503020204020204" charset="-122"/>
                 <a:ea typeface="微软雅黑" panose="020B0503020204020204" charset="-122"/>
               </a:rPr>
-              <a:t>3.</a:t>
+              <a:t>2.</a:t>
             </a:r>
             <a:r>
               <a:rPr lang="zh-CN" altLang="en-US" sz="1200" spc="600" dirty="0">
@@ -8963,28 +10862,81 @@
                 <a:latin typeface="微软雅黑" panose="020B0503020204020204" charset="-122"/>
                 <a:ea typeface="微软雅黑" panose="020B0503020204020204" charset="-122"/>
               </a:rPr>
-              <a:t>复杂度分析</a:t>
-            </a:r>
-          </a:p>
-        </p:txBody>
-      </p:sp>
+              <a:t>运行结果</a:t>
+            </a:r>
+            <a:endParaRPr lang="zh-CN" altLang="en-US" sz="1200" spc="600" dirty="0">
+              <a:solidFill>
+                <a:srgbClr val="919DCB"/>
+              </a:solidFill>
+              <a:latin typeface="微软雅黑" panose="020B0503020204020204" charset="-122"/>
+              <a:ea typeface="微软雅黑" panose="020B0503020204020204" charset="-122"/>
+            </a:endParaRPr>
+          </a:p>
+        </p:txBody>
+      </p:sp>
+      <p:graphicFrame>
+        <p:nvGraphicFramePr>
+          <p:cNvPr id="2" name="对象 1"/>
+          <p:cNvGraphicFramePr>
+            <a:graphicFrameLocks noChangeAspect="1"/>
+          </p:cNvGraphicFramePr>
+          <p:nvPr/>
+        </p:nvGraphicFramePr>
+        <p:xfrm>
+          <a:off x="243974" y="900420"/>
+          <a:ext cx="1456392" cy="938014"/>
+        </p:xfrm>
+        <a:graphic>
+          <a:graphicData uri="http://schemas.openxmlformats.org/presentationml/2006/ole">
+            <mc:AlternateContent xmlns:mc="http://schemas.openxmlformats.org/markup-compatibility/2006">
+              <mc:Choice xmlns:v="urn:schemas-microsoft-com:vml" Requires="v">
+                <p:oleObj spid="_x0000_s3" name="包装程序外壳对象" showAsIcon="1" r:id="rId2" imgW="819150" imgH="523875" progId="Package">
+                  <p:embed/>
+                </p:oleObj>
+              </mc:Choice>
+              <mc:Fallback>
+                <p:oleObj name="包装程序外壳对象" showAsIcon="1" r:id="rId2" imgW="819150" imgH="523875" progId="Package">
+                  <p:embed/>
+                  <p:pic>
+                    <p:nvPicPr>
+                      <p:cNvPr id="0" name="图片 2"/>
+                      <p:cNvPicPr/>
+                      <p:nvPr/>
+                    </p:nvPicPr>
+                    <p:blipFill>
+                      <a:blip r:embed="rId3"/>
+                      <a:stretch>
+                        <a:fillRect/>
+                      </a:stretch>
+                    </p:blipFill>
+                    <p:spPr>
+                      <a:xfrm>
+                        <a:off x="243974" y="900420"/>
+                        <a:ext cx="1456392" cy="938014"/>
+                      </a:xfrm>
+                      <a:prstGeom prst="rect">
+                        <a:avLst/>
+                      </a:prstGeom>
+                    </p:spPr>
+                  </p:pic>
+                </p:oleObj>
+              </mc:Fallback>
+            </mc:AlternateContent>
+          </a:graphicData>
+        </a:graphic>
+      </p:graphicFrame>
     </p:spTree>
-    <p:extLst>
-      <p:ext uri="{BB962C8B-B14F-4D97-AF65-F5344CB8AC3E}">
-        <p14:creationId xmlns:p14="http://schemas.microsoft.com/office/powerpoint/2010/main" val="1710844466"/>
-      </p:ext>
-    </p:extLst>
   </p:cSld>
   <p:clrMapOvr>
     <a:masterClrMapping/>
   </p:clrMapOvr>
-  <mc:AlternateContent xmlns:mc="http://schemas.openxmlformats.org/markup-compatibility/2006" xmlns:p14="http://schemas.microsoft.com/office/powerpoint/2010/main">
-    <mc:Choice Requires="p14">
+  <mc:AlternateContent xmlns:mc="http://schemas.openxmlformats.org/markup-compatibility/2006">
+    <mc:Choice xmlns:p14="http://schemas.microsoft.com/office/powerpoint/2010/main" Requires="p14">
       <p:transition spd="med" p14:dur="700" advTm="2376">
         <p:fade/>
       </p:transition>
     </mc:Choice>
-    <mc:Fallback xmlns="">
+    <mc:Fallback>
       <p:transition spd="med" advTm="2376">
         <p:fade/>
       </p:transition>
@@ -8994,8 +10946,22 @@
 </file>
 
 <file path=ppt/tags/tag1.xml><?xml version="1.0" encoding="utf-8"?>
-<p:tagLst xmlns:a="http://schemas.openxmlformats.org/drawingml/2006/main" xmlns:r="http://schemas.openxmlformats.org/officeDocument/2006/relationships" xmlns:p="http://schemas.openxmlformats.org/presentationml/2006/main">
+<p:tagLst xmlns:p="http://schemas.openxmlformats.org/presentationml/2006/main">
+  <p:tag name="KSO_WM_UNIT_PLACING_PICTURE_USER_VIEWPORT" val="{&quot;height&quot;:2237.988976377953,&quot;width&quot;:3978.647244094488}"/>
+</p:tagLst>
+</file>
+
+<file path=ppt/tags/tag2.xml><?xml version="1.0" encoding="utf-8"?>
+<p:tagLst xmlns:p="http://schemas.openxmlformats.org/presentationml/2006/main">
+  <p:tag name="KSO_WM_UNIT_PLACING_PICTURE_USER_VIEWPORT" val="{&quot;height&quot;:2237.988976377953,&quot;width&quot;:3978.647244094488}"/>
+</p:tagLst>
+</file>
+
+<file path=ppt/tags/tag3.xml><?xml version="1.0" encoding="utf-8"?>
+<p:tagLst xmlns:p="http://schemas.openxmlformats.org/presentationml/2006/main">
   <p:tag name="ISPRING_PRESENTATION_TITLE" val="10"/>
+  <p:tag name="KSO_WPP_MARK_KEY" val="e0726794-63bf-4e57-b1e8-a2054641c780"/>
+  <p:tag name="COMMONDATA" val="eyJoZGlkIjoiNjIwZTcyODFhNzdlZTAzZTUzYTk0N2VhMTFmODhiMzIifQ=="/>
 </p:tagLst>
 </file>
 
@@ -9277,8 +11243,11 @@
       </a:bgFillStyleLst>
     </a:fmtScheme>
   </a:themeElements>
-  <a:objectDefaults/>
-  <a:extraClrSchemeLst/>
+  <a:extLst>
+    <a:ext uri="{05A4C25C-085E-4340-85A3-A5531E510DB2}">
+      <thm15:themeFamily xmlns:thm15="http://schemas.microsoft.com/office/thememl/2012/main" name="Office Theme" id="{62F939B6-93AF-4DB8-9C6B-D6C7DFDC589F}" vid="{4A3C46E8-61CC-4603-A589-7422A47A8E4A}"/>
+    </a:ext>
+  </a:extLst>
 </a:theme>
 </file>
 
@@ -9325,7 +11294,7 @@
     </a:clrScheme>
     <a:fontScheme name="Office">
       <a:majorFont>
-        <a:latin typeface="等线 Light" panose="020F0302020204030204"/>
+        <a:latin typeface="等线 Light"/>
         <a:ea typeface=""/>
         <a:cs typeface=""/>
         <a:font script="Jpan" typeface="游ゴシック Light"/>
@@ -9358,26 +11327,9 @@
         <a:font script="Viet" typeface="Times New Roman"/>
         <a:font script="Uigh" typeface="Microsoft Uighur"/>
         <a:font script="Geor" typeface="Sylfaen"/>
-        <a:font script="Armn" typeface="Arial"/>
-        <a:font script="Bugi" typeface="Leelawadee UI"/>
-        <a:font script="Bopo" typeface="Microsoft JhengHei"/>
-        <a:font script="Java" typeface="Javanese Text"/>
-        <a:font script="Lisu" typeface="Segoe UI"/>
-        <a:font script="Mymr" typeface="Myanmar Text"/>
-        <a:font script="Nkoo" typeface="Ebrima"/>
-        <a:font script="Olck" typeface="Nirmala UI"/>
-        <a:font script="Osma" typeface="Ebrima"/>
-        <a:font script="Phag" typeface="Phagspa"/>
-        <a:font script="Syrn" typeface="Estrangelo Edessa"/>
-        <a:font script="Syrj" typeface="Estrangelo Edessa"/>
-        <a:font script="Syre" typeface="Estrangelo Edessa"/>
-        <a:font script="Sora" typeface="Nirmala UI"/>
-        <a:font script="Tale" typeface="Microsoft Tai Le"/>
-        <a:font script="Talu" typeface="Microsoft New Tai Lue"/>
-        <a:font script="Tfng" typeface="Ebrima"/>
       </a:majorFont>
       <a:minorFont>
-        <a:latin typeface="等线" panose="020F0502020204030204"/>
+        <a:latin typeface="等线"/>
         <a:ea typeface=""/>
         <a:cs typeface=""/>
         <a:font script="Jpan" typeface="游ゴシック"/>
@@ -9410,23 +11362,6 @@
         <a:font script="Viet" typeface="Arial"/>
         <a:font script="Uigh" typeface="Microsoft Uighur"/>
         <a:font script="Geor" typeface="Sylfaen"/>
-        <a:font script="Armn" typeface="Arial"/>
-        <a:font script="Bugi" typeface="Leelawadee UI"/>
-        <a:font script="Bopo" typeface="Microsoft JhengHei"/>
-        <a:font script="Java" typeface="Javanese Text"/>
-        <a:font script="Lisu" typeface="Segoe UI"/>
-        <a:font script="Mymr" typeface="Myanmar Text"/>
-        <a:font script="Nkoo" typeface="Ebrima"/>
-        <a:font script="Olck" typeface="Nirmala UI"/>
-        <a:font script="Osma" typeface="Ebrima"/>
-        <a:font script="Phag" typeface="Phagspa"/>
-        <a:font script="Syrn" typeface="Estrangelo Edessa"/>
-        <a:font script="Syrj" typeface="Estrangelo Edessa"/>
-        <a:font script="Syre" typeface="Estrangelo Edessa"/>
-        <a:font script="Sora" typeface="Nirmala UI"/>
-        <a:font script="Tale" typeface="Microsoft Tai Le"/>
-        <a:font script="Talu" typeface="Microsoft New Tai Lue"/>
-        <a:font script="Tfng" typeface="Ebrima"/>
       </a:minorFont>
     </a:fontScheme>
     <a:fmtScheme name="Office">
@@ -9567,8 +11502,6 @@
       </a:bgFillStyleLst>
     </a:fmtScheme>
   </a:themeElements>
-  <a:objectDefaults/>
-  <a:extraClrSchemeLst/>
   <a:extLst>
     <a:ext uri="{05A4C25C-085E-4340-85A3-A5531E510DB2}">
       <thm15:themeFamily xmlns:thm15="http://schemas.microsoft.com/office/thememl/2012/main" name="Office Theme" id="{62F939B6-93AF-4DB8-9C6B-D6C7DFDC589F}" vid="{4A3C46E8-61CC-4603-A589-7422A47A8E4A}"/>

--- a/Document/算法汇报.pptx
+++ b/Document/算法汇报.pptx
@@ -5,29 +5,27 @@
     <p:sldMasterId id="2147483648" r:id="rId1"/>
   </p:sldMasterIdLst>
   <p:notesMasterIdLst>
-    <p:notesMasterId r:id="rId4"/>
+    <p:notesMasterId r:id="rId15"/>
   </p:notesMasterIdLst>
   <p:sldIdLst>
-    <p:sldId id="256" r:id="rId3"/>
-    <p:sldId id="257" r:id="rId5"/>
-    <p:sldId id="258" r:id="rId6"/>
-    <p:sldId id="259" r:id="rId7"/>
-    <p:sldId id="285" r:id="rId8"/>
-    <p:sldId id="293" r:id="rId9"/>
-    <p:sldId id="295" r:id="rId10"/>
-    <p:sldId id="281" r:id="rId11"/>
-    <p:sldId id="266" r:id="rId12"/>
-    <p:sldId id="282" r:id="rId13"/>
-    <p:sldId id="270" r:id="rId14"/>
-    <p:sldId id="283" r:id="rId15"/>
-    <p:sldId id="297" r:id="rId16"/>
-    <p:sldId id="298" r:id="rId17"/>
-    <p:sldId id="284" r:id="rId18"/>
+    <p:sldId id="256" r:id="rId2"/>
+    <p:sldId id="257" r:id="rId3"/>
+    <p:sldId id="258" r:id="rId4"/>
+    <p:sldId id="259" r:id="rId5"/>
+    <p:sldId id="285" r:id="rId6"/>
+    <p:sldId id="293" r:id="rId7"/>
+    <p:sldId id="295" r:id="rId8"/>
+    <p:sldId id="282" r:id="rId9"/>
+    <p:sldId id="270" r:id="rId10"/>
+    <p:sldId id="283" r:id="rId11"/>
+    <p:sldId id="297" r:id="rId12"/>
+    <p:sldId id="298" r:id="rId13"/>
+    <p:sldId id="284" r:id="rId14"/>
   </p:sldIdLst>
-  <p:sldSz cx="9001125" cy="5039995"/>
+  <p:sldSz cx="9001125" cy="5040313"/>
   <p:notesSz cx="6858000" cy="9144000"/>
   <p:custDataLst>
-    <p:tags r:id="rId22"/>
+    <p:tags r:id="rId16"/>
   </p:custDataLst>
   <p:defaultTextStyle>
     <a:defPPr>
@@ -124,6 +122,22 @@
       </a:defRPr>
     </a:lvl9pPr>
   </p:defaultTextStyle>
+  <p:extLst>
+    <p:ext uri="{EFAFB233-063F-42B5-8137-9DF3F51BA10A}">
+      <p15:sldGuideLst xmlns:p15="http://schemas.microsoft.com/office/powerpoint/2012/main">
+        <p15:guide id="1" orient="horz" pos="1587">
+          <p15:clr>
+            <a:srgbClr val="A4A3A4"/>
+          </p15:clr>
+        </p15:guide>
+        <p15:guide id="2" pos="2835">
+          <p15:clr>
+            <a:srgbClr val="A4A3A4"/>
+          </p15:clr>
+        </p15:guide>
+      </p15:sldGuideLst>
+    </p:ext>
+  </p:extLst>
 </p:presentation>
 </file>
 
@@ -209,6 +223,7 @@
           <a:p>
             <a:fld id="{BD1AB398-9F21-423B-B22B-1C9484A4DD86}" type="datetimeFigureOut">
               <a:rPr lang="zh-CN" altLang="en-US" smtClean="0"/>
+              <a:t>2022/11/22</a:t>
             </a:fld>
             <a:endParaRPr lang="zh-CN" altLang="en-US"/>
           </a:p>
@@ -275,7 +290,6 @@
               <a:rPr lang="zh-CN" altLang="en-US"/>
               <a:t>编辑母版文本样式</a:t>
             </a:r>
-            <a:endParaRPr lang="zh-CN" altLang="en-US"/>
           </a:p>
           <a:p>
             <a:pPr lvl="1"/>
@@ -283,7 +297,6 @@
               <a:rPr lang="zh-CN" altLang="en-US"/>
               <a:t>第二级</a:t>
             </a:r>
-            <a:endParaRPr lang="zh-CN" altLang="en-US"/>
           </a:p>
           <a:p>
             <a:pPr lvl="2"/>
@@ -291,7 +304,6 @@
               <a:rPr lang="zh-CN" altLang="en-US"/>
               <a:t>第三级</a:t>
             </a:r>
-            <a:endParaRPr lang="zh-CN" altLang="en-US"/>
           </a:p>
           <a:p>
             <a:pPr lvl="3"/>
@@ -299,7 +311,6 @@
               <a:rPr lang="zh-CN" altLang="en-US"/>
               <a:t>第四级</a:t>
             </a:r>
-            <a:endParaRPr lang="zh-CN" altLang="en-US"/>
           </a:p>
           <a:p>
             <a:pPr lvl="4"/>
@@ -307,7 +318,6 @@
               <a:rPr lang="zh-CN" altLang="en-US"/>
               <a:t>第五级</a:t>
             </a:r>
-            <a:endParaRPr lang="zh-CN" altLang="en-US"/>
           </a:p>
         </p:txBody>
       </p:sp>
@@ -371,6 +381,7 @@
           <a:p>
             <a:fld id="{44136873-609B-492A-87B1-54A93CD1BD9C}" type="slidenum">
               <a:rPr lang="zh-CN" altLang="en-US" smtClean="0"/>
+              <a:t>‹#›</a:t>
             </a:fld>
             <a:endParaRPr lang="zh-CN" altLang="en-US"/>
           </a:p>
@@ -618,7 +629,7 @@
           <a:p>
             <a:r>
               <a:rPr lang="en-US" altLang="zh-CN"/>
-              <a:t>14</a:t>
+              <a:t>20</a:t>
             </a:r>
             <a:endParaRPr lang="zh-CN" altLang="en-US"/>
           </a:p>
@@ -697,7 +708,7 @@
           <a:p>
             <a:r>
               <a:rPr lang="en-US" altLang="zh-CN"/>
-              <a:t>15</a:t>
+              <a:t>21</a:t>
             </a:r>
             <a:endParaRPr lang="zh-CN" altLang="en-US"/>
           </a:p>
@@ -776,7 +787,7 @@
           <a:p>
             <a:r>
               <a:rPr lang="en-US" altLang="zh-CN"/>
-              <a:t>20</a:t>
+              <a:t>21</a:t>
             </a:r>
             <a:endParaRPr lang="zh-CN" altLang="en-US"/>
           </a:p>
@@ -855,164 +866,6 @@
           <a:p>
             <a:r>
               <a:rPr lang="en-US" altLang="zh-CN"/>
-              <a:t>21</a:t>
-            </a:r>
-            <a:endParaRPr lang="zh-CN" altLang="en-US"/>
-          </a:p>
-        </p:txBody>
-      </p:sp>
-    </p:spTree>
-  </p:cSld>
-  <p:clrMapOvr>
-    <a:masterClrMapping/>
-  </p:clrMapOvr>
-</p:notes>
-</file>
-
-<file path=ppt/notesSlides/notesSlide14.xml><?xml version="1.0" encoding="utf-8"?>
-<p:notes xmlns:a="http://schemas.openxmlformats.org/drawingml/2006/main" xmlns:r="http://schemas.openxmlformats.org/officeDocument/2006/relationships" xmlns:p="http://schemas.openxmlformats.org/presentationml/2006/main">
-  <p:cSld>
-    <p:spTree>
-      <p:nvGrpSpPr>
-        <p:cNvPr id="1" name=""/>
-        <p:cNvGrpSpPr/>
-        <p:nvPr/>
-      </p:nvGrpSpPr>
-      <p:grpSpPr>
-        <a:xfrm>
-          <a:off x="0" y="0"/>
-          <a:ext cx="0" cy="0"/>
-          <a:chOff x="0" y="0"/>
-          <a:chExt cx="0" cy="0"/>
-        </a:xfrm>
-      </p:grpSpPr>
-      <p:sp>
-        <p:nvSpPr>
-          <p:cNvPr id="2" name="幻灯片图像占位符 1"/>
-          <p:cNvSpPr>
-            <a:spLocks noGrp="1" noRot="1" noChangeAspect="1"/>
-          </p:cNvSpPr>
-          <p:nvPr>
-            <p:ph type="sldImg"/>
-          </p:nvPr>
-        </p:nvSpPr>
-        <p:spPr/>
-      </p:sp>
-      <p:sp>
-        <p:nvSpPr>
-          <p:cNvPr id="3" name="备注占位符 2"/>
-          <p:cNvSpPr>
-            <a:spLocks noGrp="1"/>
-          </p:cNvSpPr>
-          <p:nvPr>
-            <p:ph type="body" idx="1"/>
-          </p:nvPr>
-        </p:nvSpPr>
-        <p:spPr/>
-        <p:txBody>
-          <a:bodyPr/>
-          <a:lstStyle/>
-          <a:p>
-            <a:endParaRPr lang="zh-CN" altLang="en-US"/>
-          </a:p>
-        </p:txBody>
-      </p:sp>
-      <p:sp>
-        <p:nvSpPr>
-          <p:cNvPr id="4" name="灯片编号占位符 3"/>
-          <p:cNvSpPr>
-            <a:spLocks noGrp="1"/>
-          </p:cNvSpPr>
-          <p:nvPr>
-            <p:ph type="sldNum" sz="quarter" idx="10"/>
-          </p:nvPr>
-        </p:nvSpPr>
-        <p:spPr/>
-        <p:txBody>
-          <a:bodyPr/>
-          <a:lstStyle/>
-          <a:p>
-            <a:r>
-              <a:rPr lang="en-US" altLang="zh-CN"/>
-              <a:t>21</a:t>
-            </a:r>
-            <a:endParaRPr lang="zh-CN" altLang="en-US"/>
-          </a:p>
-        </p:txBody>
-      </p:sp>
-    </p:spTree>
-  </p:cSld>
-  <p:clrMapOvr>
-    <a:masterClrMapping/>
-  </p:clrMapOvr>
-</p:notes>
-</file>
-
-<file path=ppt/notesSlides/notesSlide15.xml><?xml version="1.0" encoding="utf-8"?>
-<p:notes xmlns:a="http://schemas.openxmlformats.org/drawingml/2006/main" xmlns:r="http://schemas.openxmlformats.org/officeDocument/2006/relationships" xmlns:p="http://schemas.openxmlformats.org/presentationml/2006/main">
-  <p:cSld>
-    <p:spTree>
-      <p:nvGrpSpPr>
-        <p:cNvPr id="1" name=""/>
-        <p:cNvGrpSpPr/>
-        <p:nvPr/>
-      </p:nvGrpSpPr>
-      <p:grpSpPr>
-        <a:xfrm>
-          <a:off x="0" y="0"/>
-          <a:ext cx="0" cy="0"/>
-          <a:chOff x="0" y="0"/>
-          <a:chExt cx="0" cy="0"/>
-        </a:xfrm>
-      </p:grpSpPr>
-      <p:sp>
-        <p:nvSpPr>
-          <p:cNvPr id="2" name="幻灯片图像占位符 1"/>
-          <p:cNvSpPr>
-            <a:spLocks noGrp="1" noRot="1" noChangeAspect="1"/>
-          </p:cNvSpPr>
-          <p:nvPr>
-            <p:ph type="sldImg"/>
-          </p:nvPr>
-        </p:nvSpPr>
-        <p:spPr/>
-      </p:sp>
-      <p:sp>
-        <p:nvSpPr>
-          <p:cNvPr id="3" name="备注占位符 2"/>
-          <p:cNvSpPr>
-            <a:spLocks noGrp="1"/>
-          </p:cNvSpPr>
-          <p:nvPr>
-            <p:ph type="body" idx="1"/>
-          </p:nvPr>
-        </p:nvSpPr>
-        <p:spPr/>
-        <p:txBody>
-          <a:bodyPr/>
-          <a:lstStyle/>
-          <a:p>
-            <a:endParaRPr lang="zh-CN" altLang="en-US"/>
-          </a:p>
-        </p:txBody>
-      </p:sp>
-      <p:sp>
-        <p:nvSpPr>
-          <p:cNvPr id="4" name="灯片编号占位符 3"/>
-          <p:cNvSpPr>
-            <a:spLocks noGrp="1"/>
-          </p:cNvSpPr>
-          <p:nvPr>
-            <p:ph type="sldNum" sz="quarter" idx="10"/>
-          </p:nvPr>
-        </p:nvSpPr>
-        <p:spPr/>
-        <p:txBody>
-          <a:bodyPr/>
-          <a:lstStyle/>
-          <a:p>
-            <a:r>
-              <a:rPr lang="en-US" altLang="zh-CN"/>
               <a:t>25</a:t>
             </a:r>
             <a:endParaRPr lang="zh-CN" altLang="en-US"/>
@@ -1566,7 +1419,7 @@
           <a:p>
             <a:r>
               <a:rPr lang="en-US" altLang="zh-CN"/>
-              <a:t>9</a:t>
+              <a:t>14</a:t>
             </a:r>
             <a:endParaRPr lang="zh-CN" altLang="en-US"/>
           </a:p>
@@ -1645,7 +1498,7 @@
           <a:p>
             <a:r>
               <a:rPr lang="en-US" altLang="zh-CN"/>
-              <a:t>10</a:t>
+              <a:t>15</a:t>
             </a:r>
             <a:endParaRPr lang="zh-CN" altLang="en-US"/>
           </a:p>
@@ -1700,7 +1553,6 @@
               <a:rPr lang="zh-CN" altLang="en-US"/>
               <a:t>单击此处编辑母版标题样式</a:t>
             </a:r>
-            <a:endParaRPr lang="zh-CN" altLang="en-US"/>
           </a:p>
         </p:txBody>
       </p:sp>
@@ -1819,7 +1671,6 @@
               <a:rPr lang="zh-CN" altLang="en-US"/>
               <a:t>单击此处编辑母版副标题样式</a:t>
             </a:r>
-            <a:endParaRPr lang="zh-CN" altLang="en-US"/>
           </a:p>
         </p:txBody>
       </p:sp>
@@ -1840,6 +1691,7 @@
           <a:p>
             <a:fld id="{530820CF-B880-4189-942D-D702A7CBA730}" type="datetimeFigureOut">
               <a:rPr lang="zh-CN" altLang="en-US" smtClean="0"/>
+              <a:t>2022/11/22</a:t>
             </a:fld>
             <a:endParaRPr lang="zh-CN" altLang="en-US"/>
           </a:p>
@@ -1881,6 +1733,7 @@
           <a:p>
             <a:fld id="{0C913308-F349-4B6D-A68A-DD1791B4A57B}" type="slidenum">
               <a:rPr lang="zh-CN" altLang="en-US" smtClean="0"/>
+              <a:t>‹#›</a:t>
             </a:fld>
             <a:endParaRPr lang="zh-CN" altLang="en-US"/>
           </a:p>
@@ -1891,13 +1744,13 @@
   <p:clrMapOvr>
     <a:masterClrMapping/>
   </p:clrMapOvr>
-  <mc:AlternateContent xmlns:mc="http://schemas.openxmlformats.org/markup-compatibility/2006">
-    <mc:Choice xmlns:p14="http://schemas.microsoft.com/office/powerpoint/2010/main" Requires="p14">
+  <mc:AlternateContent xmlns:mc="http://schemas.openxmlformats.org/markup-compatibility/2006" xmlns:p14="http://schemas.microsoft.com/office/powerpoint/2010/main">
+    <mc:Choice Requires="p14">
       <p:transition spd="med" p14:dur="700" advTm="2376">
         <p:fade/>
       </p:transition>
     </mc:Choice>
-    <mc:Fallback>
+    <mc:Fallback xmlns="">
       <p:transition spd="med" advTm="2376">
         <p:fade/>
       </p:transition>
@@ -1942,7 +1795,6 @@
               <a:rPr lang="zh-CN" altLang="en-US"/>
               <a:t>单击此处编辑母版标题样式</a:t>
             </a:r>
-            <a:endParaRPr lang="zh-CN" altLang="en-US"/>
           </a:p>
         </p:txBody>
       </p:sp>
@@ -1966,7 +1818,6 @@
               <a:rPr lang="zh-CN" altLang="en-US"/>
               <a:t>单击此处编辑母版文本样式</a:t>
             </a:r>
-            <a:endParaRPr lang="zh-CN" altLang="en-US"/>
           </a:p>
           <a:p>
             <a:pPr lvl="1"/>
@@ -1974,7 +1825,6 @@
               <a:rPr lang="zh-CN" altLang="en-US"/>
               <a:t>第二级</a:t>
             </a:r>
-            <a:endParaRPr lang="zh-CN" altLang="en-US"/>
           </a:p>
           <a:p>
             <a:pPr lvl="2"/>
@@ -1982,7 +1832,6 @@
               <a:rPr lang="zh-CN" altLang="en-US"/>
               <a:t>第三级</a:t>
             </a:r>
-            <a:endParaRPr lang="zh-CN" altLang="en-US"/>
           </a:p>
           <a:p>
             <a:pPr lvl="3"/>
@@ -1990,7 +1839,6 @@
               <a:rPr lang="zh-CN" altLang="en-US"/>
               <a:t>第四级</a:t>
             </a:r>
-            <a:endParaRPr lang="zh-CN" altLang="en-US"/>
           </a:p>
           <a:p>
             <a:pPr lvl="4"/>
@@ -1998,7 +1846,6 @@
               <a:rPr lang="zh-CN" altLang="en-US"/>
               <a:t>第五级</a:t>
             </a:r>
-            <a:endParaRPr lang="zh-CN" altLang="en-US"/>
           </a:p>
         </p:txBody>
       </p:sp>
@@ -2019,6 +1866,7 @@
           <a:p>
             <a:fld id="{530820CF-B880-4189-942D-D702A7CBA730}" type="datetimeFigureOut">
               <a:rPr lang="zh-CN" altLang="en-US" smtClean="0"/>
+              <a:t>2022/11/22</a:t>
             </a:fld>
             <a:endParaRPr lang="zh-CN" altLang="en-US"/>
           </a:p>
@@ -2060,6 +1908,7 @@
           <a:p>
             <a:fld id="{0C913308-F349-4B6D-A68A-DD1791B4A57B}" type="slidenum">
               <a:rPr lang="zh-CN" altLang="en-US" smtClean="0"/>
+              <a:t>‹#›</a:t>
             </a:fld>
             <a:endParaRPr lang="zh-CN" altLang="en-US"/>
           </a:p>
@@ -2070,13 +1919,13 @@
   <p:clrMapOvr>
     <a:masterClrMapping/>
   </p:clrMapOvr>
-  <mc:AlternateContent xmlns:mc="http://schemas.openxmlformats.org/markup-compatibility/2006">
-    <mc:Choice xmlns:p14="http://schemas.microsoft.com/office/powerpoint/2010/main" Requires="p14">
+  <mc:AlternateContent xmlns:mc="http://schemas.openxmlformats.org/markup-compatibility/2006" xmlns:p14="http://schemas.microsoft.com/office/powerpoint/2010/main">
+    <mc:Choice Requires="p14">
       <p:transition spd="med" p14:dur="700" advTm="2376">
         <p:fade/>
       </p:transition>
     </mc:Choice>
-    <mc:Fallback>
+    <mc:Fallback xmlns="">
       <p:transition spd="med" advTm="2376">
         <p:fade/>
       </p:transition>
@@ -2126,7 +1975,6 @@
               <a:rPr lang="zh-CN" altLang="en-US"/>
               <a:t>单击此处编辑母版标题样式</a:t>
             </a:r>
-            <a:endParaRPr lang="zh-CN" altLang="en-US"/>
           </a:p>
         </p:txBody>
       </p:sp>
@@ -2155,7 +2003,6 @@
               <a:rPr lang="zh-CN" altLang="en-US"/>
               <a:t>单击此处编辑母版文本样式</a:t>
             </a:r>
-            <a:endParaRPr lang="zh-CN" altLang="en-US"/>
           </a:p>
           <a:p>
             <a:pPr lvl="1"/>
@@ -2163,7 +2010,6 @@
               <a:rPr lang="zh-CN" altLang="en-US"/>
               <a:t>第二级</a:t>
             </a:r>
-            <a:endParaRPr lang="zh-CN" altLang="en-US"/>
           </a:p>
           <a:p>
             <a:pPr lvl="2"/>
@@ -2171,7 +2017,6 @@
               <a:rPr lang="zh-CN" altLang="en-US"/>
               <a:t>第三级</a:t>
             </a:r>
-            <a:endParaRPr lang="zh-CN" altLang="en-US"/>
           </a:p>
           <a:p>
             <a:pPr lvl="3"/>
@@ -2179,7 +2024,6 @@
               <a:rPr lang="zh-CN" altLang="en-US"/>
               <a:t>第四级</a:t>
             </a:r>
-            <a:endParaRPr lang="zh-CN" altLang="en-US"/>
           </a:p>
           <a:p>
             <a:pPr lvl="4"/>
@@ -2187,7 +2031,6 @@
               <a:rPr lang="zh-CN" altLang="en-US"/>
               <a:t>第五级</a:t>
             </a:r>
-            <a:endParaRPr lang="zh-CN" altLang="en-US"/>
           </a:p>
         </p:txBody>
       </p:sp>
@@ -2208,6 +2051,7 @@
           <a:p>
             <a:fld id="{530820CF-B880-4189-942D-D702A7CBA730}" type="datetimeFigureOut">
               <a:rPr lang="zh-CN" altLang="en-US" smtClean="0"/>
+              <a:t>2022/11/22</a:t>
             </a:fld>
             <a:endParaRPr lang="zh-CN" altLang="en-US"/>
           </a:p>
@@ -2249,6 +2093,7 @@
           <a:p>
             <a:fld id="{0C913308-F349-4B6D-A68A-DD1791B4A57B}" type="slidenum">
               <a:rPr lang="zh-CN" altLang="en-US" smtClean="0"/>
+              <a:t>‹#›</a:t>
             </a:fld>
             <a:endParaRPr lang="zh-CN" altLang="en-US"/>
           </a:p>
@@ -2259,13 +2104,13 @@
   <p:clrMapOvr>
     <a:masterClrMapping/>
   </p:clrMapOvr>
-  <mc:AlternateContent xmlns:mc="http://schemas.openxmlformats.org/markup-compatibility/2006">
-    <mc:Choice xmlns:p14="http://schemas.microsoft.com/office/powerpoint/2010/main" Requires="p14">
+  <mc:AlternateContent xmlns:mc="http://schemas.openxmlformats.org/markup-compatibility/2006" xmlns:p14="http://schemas.microsoft.com/office/powerpoint/2010/main">
+    <mc:Choice Requires="p14">
       <p:transition spd="med" p14:dur="700" advTm="2376">
         <p:fade/>
       </p:transition>
     </mc:Choice>
-    <mc:Fallback>
+    <mc:Fallback xmlns="">
       <p:transition spd="med" advTm="2376">
         <p:fade/>
       </p:transition>
@@ -2310,7 +2155,6 @@
               <a:rPr lang="zh-CN" altLang="en-US"/>
               <a:t>单击此处编辑母版标题样式</a:t>
             </a:r>
-            <a:endParaRPr lang="zh-CN" altLang="en-US"/>
           </a:p>
         </p:txBody>
       </p:sp>
@@ -2334,7 +2178,6 @@
               <a:rPr lang="zh-CN" altLang="en-US"/>
               <a:t>单击此处编辑母版文本样式</a:t>
             </a:r>
-            <a:endParaRPr lang="zh-CN" altLang="en-US"/>
           </a:p>
           <a:p>
             <a:pPr lvl="1"/>
@@ -2342,7 +2185,6 @@
               <a:rPr lang="zh-CN" altLang="en-US"/>
               <a:t>第二级</a:t>
             </a:r>
-            <a:endParaRPr lang="zh-CN" altLang="en-US"/>
           </a:p>
           <a:p>
             <a:pPr lvl="2"/>
@@ -2350,7 +2192,6 @@
               <a:rPr lang="zh-CN" altLang="en-US"/>
               <a:t>第三级</a:t>
             </a:r>
-            <a:endParaRPr lang="zh-CN" altLang="en-US"/>
           </a:p>
           <a:p>
             <a:pPr lvl="3"/>
@@ -2358,7 +2199,6 @@
               <a:rPr lang="zh-CN" altLang="en-US"/>
               <a:t>第四级</a:t>
             </a:r>
-            <a:endParaRPr lang="zh-CN" altLang="en-US"/>
           </a:p>
           <a:p>
             <a:pPr lvl="4"/>
@@ -2366,7 +2206,6 @@
               <a:rPr lang="zh-CN" altLang="en-US"/>
               <a:t>第五级</a:t>
             </a:r>
-            <a:endParaRPr lang="zh-CN" altLang="en-US"/>
           </a:p>
         </p:txBody>
       </p:sp>
@@ -2387,6 +2226,7 @@
           <a:p>
             <a:fld id="{530820CF-B880-4189-942D-D702A7CBA730}" type="datetimeFigureOut">
               <a:rPr lang="zh-CN" altLang="en-US" smtClean="0"/>
+              <a:t>2022/11/22</a:t>
             </a:fld>
             <a:endParaRPr lang="zh-CN" altLang="en-US"/>
           </a:p>
@@ -2428,6 +2268,7 @@
           <a:p>
             <a:fld id="{0C913308-F349-4B6D-A68A-DD1791B4A57B}" type="slidenum">
               <a:rPr lang="zh-CN" altLang="en-US" smtClean="0"/>
+              <a:t>‹#›</a:t>
             </a:fld>
             <a:endParaRPr lang="zh-CN" altLang="en-US"/>
           </a:p>
@@ -2438,13 +2279,13 @@
   <p:clrMapOvr>
     <a:masterClrMapping/>
   </p:clrMapOvr>
-  <mc:AlternateContent xmlns:mc="http://schemas.openxmlformats.org/markup-compatibility/2006">
-    <mc:Choice xmlns:p14="http://schemas.microsoft.com/office/powerpoint/2010/main" Requires="p14">
+  <mc:AlternateContent xmlns:mc="http://schemas.openxmlformats.org/markup-compatibility/2006" xmlns:p14="http://schemas.microsoft.com/office/powerpoint/2010/main">
+    <mc:Choice Requires="p14">
       <p:transition spd="med" p14:dur="700" advTm="2376">
         <p:fade/>
       </p:transition>
     </mc:Choice>
-    <mc:Fallback>
+    <mc:Fallback xmlns="">
       <p:transition spd="med" advTm="2376">
         <p:fade/>
       </p:transition>
@@ -2498,7 +2339,6 @@
               <a:rPr lang="zh-CN" altLang="en-US"/>
               <a:t>单击此处编辑母版标题样式</a:t>
             </a:r>
-            <a:endParaRPr lang="zh-CN" altLang="en-US"/>
           </a:p>
         </p:txBody>
       </p:sp>
@@ -2618,7 +2458,6 @@
               <a:rPr lang="zh-CN" altLang="en-US"/>
               <a:t>单击此处编辑母版文本样式</a:t>
             </a:r>
-            <a:endParaRPr lang="zh-CN" altLang="en-US"/>
           </a:p>
         </p:txBody>
       </p:sp>
@@ -2639,6 +2478,7 @@
           <a:p>
             <a:fld id="{530820CF-B880-4189-942D-D702A7CBA730}" type="datetimeFigureOut">
               <a:rPr lang="zh-CN" altLang="en-US" smtClean="0"/>
+              <a:t>2022/11/22</a:t>
             </a:fld>
             <a:endParaRPr lang="zh-CN" altLang="en-US"/>
           </a:p>
@@ -2680,6 +2520,7 @@
           <a:p>
             <a:fld id="{0C913308-F349-4B6D-A68A-DD1791B4A57B}" type="slidenum">
               <a:rPr lang="zh-CN" altLang="en-US" smtClean="0"/>
+              <a:t>‹#›</a:t>
             </a:fld>
             <a:endParaRPr lang="zh-CN" altLang="en-US"/>
           </a:p>
@@ -2690,13 +2531,13 @@
   <p:clrMapOvr>
     <a:masterClrMapping/>
   </p:clrMapOvr>
-  <mc:AlternateContent xmlns:mc="http://schemas.openxmlformats.org/markup-compatibility/2006">
-    <mc:Choice xmlns:p14="http://schemas.microsoft.com/office/powerpoint/2010/main" Requires="p14">
+  <mc:AlternateContent xmlns:mc="http://schemas.openxmlformats.org/markup-compatibility/2006" xmlns:p14="http://schemas.microsoft.com/office/powerpoint/2010/main">
+    <mc:Choice Requires="p14">
       <p:transition spd="med" p14:dur="700" advTm="2376">
         <p:fade/>
       </p:transition>
     </mc:Choice>
-    <mc:Fallback>
+    <mc:Fallback xmlns="">
       <p:transition spd="med" advTm="2376">
         <p:fade/>
       </p:transition>
@@ -2741,7 +2582,6 @@
               <a:rPr lang="zh-CN" altLang="en-US"/>
               <a:t>单击此处编辑母版标题样式</a:t>
             </a:r>
-            <a:endParaRPr lang="zh-CN" altLang="en-US"/>
           </a:p>
         </p:txBody>
       </p:sp>
@@ -2798,7 +2638,6 @@
               <a:rPr lang="zh-CN" altLang="en-US"/>
               <a:t>单击此处编辑母版文本样式</a:t>
             </a:r>
-            <a:endParaRPr lang="zh-CN" altLang="en-US"/>
           </a:p>
           <a:p>
             <a:pPr lvl="1"/>
@@ -2806,7 +2645,6 @@
               <a:rPr lang="zh-CN" altLang="en-US"/>
               <a:t>第二级</a:t>
             </a:r>
-            <a:endParaRPr lang="zh-CN" altLang="en-US"/>
           </a:p>
           <a:p>
             <a:pPr lvl="2"/>
@@ -2814,7 +2652,6 @@
               <a:rPr lang="zh-CN" altLang="en-US"/>
               <a:t>第三级</a:t>
             </a:r>
-            <a:endParaRPr lang="zh-CN" altLang="en-US"/>
           </a:p>
           <a:p>
             <a:pPr lvl="3"/>
@@ -2822,7 +2659,6 @@
               <a:rPr lang="zh-CN" altLang="en-US"/>
               <a:t>第四级</a:t>
             </a:r>
-            <a:endParaRPr lang="zh-CN" altLang="en-US"/>
           </a:p>
           <a:p>
             <a:pPr lvl="4"/>
@@ -2830,7 +2666,6 @@
               <a:rPr lang="zh-CN" altLang="en-US"/>
               <a:t>第五级</a:t>
             </a:r>
-            <a:endParaRPr lang="zh-CN" altLang="en-US"/>
           </a:p>
         </p:txBody>
       </p:sp>
@@ -2887,7 +2722,6 @@
               <a:rPr lang="zh-CN" altLang="en-US"/>
               <a:t>单击此处编辑母版文本样式</a:t>
             </a:r>
-            <a:endParaRPr lang="zh-CN" altLang="en-US"/>
           </a:p>
           <a:p>
             <a:pPr lvl="1"/>
@@ -2895,7 +2729,6 @@
               <a:rPr lang="zh-CN" altLang="en-US"/>
               <a:t>第二级</a:t>
             </a:r>
-            <a:endParaRPr lang="zh-CN" altLang="en-US"/>
           </a:p>
           <a:p>
             <a:pPr lvl="2"/>
@@ -2903,7 +2736,6 @@
               <a:rPr lang="zh-CN" altLang="en-US"/>
               <a:t>第三级</a:t>
             </a:r>
-            <a:endParaRPr lang="zh-CN" altLang="en-US"/>
           </a:p>
           <a:p>
             <a:pPr lvl="3"/>
@@ -2911,7 +2743,6 @@
               <a:rPr lang="zh-CN" altLang="en-US"/>
               <a:t>第四级</a:t>
             </a:r>
-            <a:endParaRPr lang="zh-CN" altLang="en-US"/>
           </a:p>
           <a:p>
             <a:pPr lvl="4"/>
@@ -2919,7 +2750,6 @@
               <a:rPr lang="zh-CN" altLang="en-US"/>
               <a:t>第五级</a:t>
             </a:r>
-            <a:endParaRPr lang="zh-CN" altLang="en-US"/>
           </a:p>
         </p:txBody>
       </p:sp>
@@ -2940,6 +2770,7 @@
           <a:p>
             <a:fld id="{530820CF-B880-4189-942D-D702A7CBA730}" type="datetimeFigureOut">
               <a:rPr lang="zh-CN" altLang="en-US" smtClean="0"/>
+              <a:t>2022/11/22</a:t>
             </a:fld>
             <a:endParaRPr lang="zh-CN" altLang="en-US"/>
           </a:p>
@@ -2981,6 +2812,7 @@
           <a:p>
             <a:fld id="{0C913308-F349-4B6D-A68A-DD1791B4A57B}" type="slidenum">
               <a:rPr lang="zh-CN" altLang="en-US" smtClean="0"/>
+              <a:t>‹#›</a:t>
             </a:fld>
             <a:endParaRPr lang="zh-CN" altLang="en-US"/>
           </a:p>
@@ -2991,13 +2823,13 @@
   <p:clrMapOvr>
     <a:masterClrMapping/>
   </p:clrMapOvr>
-  <mc:AlternateContent xmlns:mc="http://schemas.openxmlformats.org/markup-compatibility/2006">
-    <mc:Choice xmlns:p14="http://schemas.microsoft.com/office/powerpoint/2010/main" Requires="p14">
+  <mc:AlternateContent xmlns:mc="http://schemas.openxmlformats.org/markup-compatibility/2006" xmlns:p14="http://schemas.microsoft.com/office/powerpoint/2010/main">
+    <mc:Choice Requires="p14">
       <p:transition spd="med" p14:dur="700" advTm="2376">
         <p:fade/>
       </p:transition>
     </mc:Choice>
-    <mc:Fallback>
+    <mc:Fallback xmlns="">
       <p:transition spd="med" advTm="2376">
         <p:fade/>
       </p:transition>
@@ -3046,7 +2878,6 @@
               <a:rPr lang="zh-CN" altLang="en-US"/>
               <a:t>单击此处编辑母版标题样式</a:t>
             </a:r>
-            <a:endParaRPr lang="zh-CN" altLang="en-US"/>
           </a:p>
         </p:txBody>
       </p:sp>
@@ -3112,7 +2943,6 @@
               <a:rPr lang="zh-CN" altLang="en-US"/>
               <a:t>单击此处编辑母版文本样式</a:t>
             </a:r>
-            <a:endParaRPr lang="zh-CN" altLang="en-US"/>
           </a:p>
         </p:txBody>
       </p:sp>
@@ -3169,7 +2999,6 @@
               <a:rPr lang="zh-CN" altLang="en-US"/>
               <a:t>单击此处编辑母版文本样式</a:t>
             </a:r>
-            <a:endParaRPr lang="zh-CN" altLang="en-US"/>
           </a:p>
           <a:p>
             <a:pPr lvl="1"/>
@@ -3177,7 +3006,6 @@
               <a:rPr lang="zh-CN" altLang="en-US"/>
               <a:t>第二级</a:t>
             </a:r>
-            <a:endParaRPr lang="zh-CN" altLang="en-US"/>
           </a:p>
           <a:p>
             <a:pPr lvl="2"/>
@@ -3185,7 +3013,6 @@
               <a:rPr lang="zh-CN" altLang="en-US"/>
               <a:t>第三级</a:t>
             </a:r>
-            <a:endParaRPr lang="zh-CN" altLang="en-US"/>
           </a:p>
           <a:p>
             <a:pPr lvl="3"/>
@@ -3193,7 +3020,6 @@
               <a:rPr lang="zh-CN" altLang="en-US"/>
               <a:t>第四级</a:t>
             </a:r>
-            <a:endParaRPr lang="zh-CN" altLang="en-US"/>
           </a:p>
           <a:p>
             <a:pPr lvl="4"/>
@@ -3201,7 +3027,6 @@
               <a:rPr lang="zh-CN" altLang="en-US"/>
               <a:t>第五级</a:t>
             </a:r>
-            <a:endParaRPr lang="zh-CN" altLang="en-US"/>
           </a:p>
         </p:txBody>
       </p:sp>
@@ -3267,7 +3092,6 @@
               <a:rPr lang="zh-CN" altLang="en-US"/>
               <a:t>单击此处编辑母版文本样式</a:t>
             </a:r>
-            <a:endParaRPr lang="zh-CN" altLang="en-US"/>
           </a:p>
         </p:txBody>
       </p:sp>
@@ -3324,7 +3148,6 @@
               <a:rPr lang="zh-CN" altLang="en-US"/>
               <a:t>单击此处编辑母版文本样式</a:t>
             </a:r>
-            <a:endParaRPr lang="zh-CN" altLang="en-US"/>
           </a:p>
           <a:p>
             <a:pPr lvl="1"/>
@@ -3332,7 +3155,6 @@
               <a:rPr lang="zh-CN" altLang="en-US"/>
               <a:t>第二级</a:t>
             </a:r>
-            <a:endParaRPr lang="zh-CN" altLang="en-US"/>
           </a:p>
           <a:p>
             <a:pPr lvl="2"/>
@@ -3340,7 +3162,6 @@
               <a:rPr lang="zh-CN" altLang="en-US"/>
               <a:t>第三级</a:t>
             </a:r>
-            <a:endParaRPr lang="zh-CN" altLang="en-US"/>
           </a:p>
           <a:p>
             <a:pPr lvl="3"/>
@@ -3348,7 +3169,6 @@
               <a:rPr lang="zh-CN" altLang="en-US"/>
               <a:t>第四级</a:t>
             </a:r>
-            <a:endParaRPr lang="zh-CN" altLang="en-US"/>
           </a:p>
           <a:p>
             <a:pPr lvl="4"/>
@@ -3356,7 +3176,6 @@
               <a:rPr lang="zh-CN" altLang="en-US"/>
               <a:t>第五级</a:t>
             </a:r>
-            <a:endParaRPr lang="zh-CN" altLang="en-US"/>
           </a:p>
         </p:txBody>
       </p:sp>
@@ -3377,6 +3196,7 @@
           <a:p>
             <a:fld id="{530820CF-B880-4189-942D-D702A7CBA730}" type="datetimeFigureOut">
               <a:rPr lang="zh-CN" altLang="en-US" smtClean="0"/>
+              <a:t>2022/11/22</a:t>
             </a:fld>
             <a:endParaRPr lang="zh-CN" altLang="en-US"/>
           </a:p>
@@ -3418,6 +3238,7 @@
           <a:p>
             <a:fld id="{0C913308-F349-4B6D-A68A-DD1791B4A57B}" type="slidenum">
               <a:rPr lang="zh-CN" altLang="en-US" smtClean="0"/>
+              <a:t>‹#›</a:t>
             </a:fld>
             <a:endParaRPr lang="zh-CN" altLang="en-US"/>
           </a:p>
@@ -3428,13 +3249,13 @@
   <p:clrMapOvr>
     <a:masterClrMapping/>
   </p:clrMapOvr>
-  <mc:AlternateContent xmlns:mc="http://schemas.openxmlformats.org/markup-compatibility/2006">
-    <mc:Choice xmlns:p14="http://schemas.microsoft.com/office/powerpoint/2010/main" Requires="p14">
+  <mc:AlternateContent xmlns:mc="http://schemas.openxmlformats.org/markup-compatibility/2006" xmlns:p14="http://schemas.microsoft.com/office/powerpoint/2010/main">
+    <mc:Choice Requires="p14">
       <p:transition spd="med" p14:dur="700" advTm="2376">
         <p:fade/>
       </p:transition>
     </mc:Choice>
-    <mc:Fallback>
+    <mc:Fallback xmlns="">
       <p:transition spd="med" advTm="2376">
         <p:fade/>
       </p:transition>
@@ -3479,7 +3300,6 @@
               <a:rPr lang="zh-CN" altLang="en-US"/>
               <a:t>单击此处编辑母版标题样式</a:t>
             </a:r>
-            <a:endParaRPr lang="zh-CN" altLang="en-US"/>
           </a:p>
         </p:txBody>
       </p:sp>
@@ -3500,6 +3320,7 @@
           <a:p>
             <a:fld id="{530820CF-B880-4189-942D-D702A7CBA730}" type="datetimeFigureOut">
               <a:rPr lang="zh-CN" altLang="en-US" smtClean="0"/>
+              <a:t>2022/11/22</a:t>
             </a:fld>
             <a:endParaRPr lang="zh-CN" altLang="en-US"/>
           </a:p>
@@ -3541,6 +3362,7 @@
           <a:p>
             <a:fld id="{0C913308-F349-4B6D-A68A-DD1791B4A57B}" type="slidenum">
               <a:rPr lang="zh-CN" altLang="en-US" smtClean="0"/>
+              <a:t>‹#›</a:t>
             </a:fld>
             <a:endParaRPr lang="zh-CN" altLang="en-US"/>
           </a:p>
@@ -3551,13 +3373,13 @@
   <p:clrMapOvr>
     <a:masterClrMapping/>
   </p:clrMapOvr>
-  <mc:AlternateContent xmlns:mc="http://schemas.openxmlformats.org/markup-compatibility/2006">
-    <mc:Choice xmlns:p14="http://schemas.microsoft.com/office/powerpoint/2010/main" Requires="p14">
+  <mc:AlternateContent xmlns:mc="http://schemas.openxmlformats.org/markup-compatibility/2006" xmlns:p14="http://schemas.microsoft.com/office/powerpoint/2010/main">
+    <mc:Choice Requires="p14">
       <p:transition spd="med" p14:dur="700" advTm="2376">
         <p:fade/>
       </p:transition>
     </mc:Choice>
-    <mc:Fallback>
+    <mc:Fallback xmlns="">
       <p:transition spd="med" advTm="2376">
         <p:fade/>
       </p:transition>
@@ -3600,6 +3422,7 @@
           <a:p>
             <a:fld id="{530820CF-B880-4189-942D-D702A7CBA730}" type="datetimeFigureOut">
               <a:rPr lang="zh-CN" altLang="en-US" smtClean="0"/>
+              <a:t>2022/11/22</a:t>
             </a:fld>
             <a:endParaRPr lang="zh-CN" altLang="en-US"/>
           </a:p>
@@ -3641,6 +3464,7 @@
           <a:p>
             <a:fld id="{0C913308-F349-4B6D-A68A-DD1791B4A57B}" type="slidenum">
               <a:rPr lang="zh-CN" altLang="en-US" smtClean="0"/>
+              <a:t>‹#›</a:t>
             </a:fld>
             <a:endParaRPr lang="zh-CN" altLang="en-US"/>
           </a:p>
@@ -3651,13 +3475,13 @@
   <p:clrMapOvr>
     <a:masterClrMapping/>
   </p:clrMapOvr>
-  <mc:AlternateContent xmlns:mc="http://schemas.openxmlformats.org/markup-compatibility/2006">
-    <mc:Choice xmlns:p14="http://schemas.microsoft.com/office/powerpoint/2010/main" Requires="p14">
+  <mc:AlternateContent xmlns:mc="http://schemas.openxmlformats.org/markup-compatibility/2006" xmlns:p14="http://schemas.microsoft.com/office/powerpoint/2010/main">
+    <mc:Choice Requires="p14">
       <p:transition spd="med" p14:dur="700" advTm="2376">
         <p:fade/>
       </p:transition>
     </mc:Choice>
-    <mc:Fallback>
+    <mc:Fallback xmlns="">
       <p:transition spd="med" advTm="2376">
         <p:fade/>
       </p:transition>
@@ -3711,7 +3535,6 @@
               <a:rPr lang="zh-CN" altLang="en-US"/>
               <a:t>单击此处编辑母版标题样式</a:t>
             </a:r>
-            <a:endParaRPr lang="zh-CN" altLang="en-US"/>
           </a:p>
         </p:txBody>
       </p:sp>
@@ -3768,7 +3591,6 @@
               <a:rPr lang="zh-CN" altLang="en-US"/>
               <a:t>单击此处编辑母版文本样式</a:t>
             </a:r>
-            <a:endParaRPr lang="zh-CN" altLang="en-US"/>
           </a:p>
           <a:p>
             <a:pPr lvl="1"/>
@@ -3776,7 +3598,6 @@
               <a:rPr lang="zh-CN" altLang="en-US"/>
               <a:t>第二级</a:t>
             </a:r>
-            <a:endParaRPr lang="zh-CN" altLang="en-US"/>
           </a:p>
           <a:p>
             <a:pPr lvl="2"/>
@@ -3784,7 +3605,6 @@
               <a:rPr lang="zh-CN" altLang="en-US"/>
               <a:t>第三级</a:t>
             </a:r>
-            <a:endParaRPr lang="zh-CN" altLang="en-US"/>
           </a:p>
           <a:p>
             <a:pPr lvl="3"/>
@@ -3792,7 +3612,6 @@
               <a:rPr lang="zh-CN" altLang="en-US"/>
               <a:t>第四级</a:t>
             </a:r>
-            <a:endParaRPr lang="zh-CN" altLang="en-US"/>
           </a:p>
           <a:p>
             <a:pPr lvl="4"/>
@@ -3800,7 +3619,6 @@
               <a:rPr lang="zh-CN" altLang="en-US"/>
               <a:t>第五级</a:t>
             </a:r>
-            <a:endParaRPr lang="zh-CN" altLang="en-US"/>
           </a:p>
         </p:txBody>
       </p:sp>
@@ -3866,7 +3684,6 @@
               <a:rPr lang="zh-CN" altLang="en-US"/>
               <a:t>单击此处编辑母版文本样式</a:t>
             </a:r>
-            <a:endParaRPr lang="zh-CN" altLang="en-US"/>
           </a:p>
         </p:txBody>
       </p:sp>
@@ -3887,6 +3704,7 @@
           <a:p>
             <a:fld id="{530820CF-B880-4189-942D-D702A7CBA730}" type="datetimeFigureOut">
               <a:rPr lang="zh-CN" altLang="en-US" smtClean="0"/>
+              <a:t>2022/11/22</a:t>
             </a:fld>
             <a:endParaRPr lang="zh-CN" altLang="en-US"/>
           </a:p>
@@ -3928,6 +3746,7 @@
           <a:p>
             <a:fld id="{0C913308-F349-4B6D-A68A-DD1791B4A57B}" type="slidenum">
               <a:rPr lang="zh-CN" altLang="en-US" smtClean="0"/>
+              <a:t>‹#›</a:t>
             </a:fld>
             <a:endParaRPr lang="zh-CN" altLang="en-US"/>
           </a:p>
@@ -3938,13 +3757,13 @@
   <p:clrMapOvr>
     <a:masterClrMapping/>
   </p:clrMapOvr>
-  <mc:AlternateContent xmlns:mc="http://schemas.openxmlformats.org/markup-compatibility/2006">
-    <mc:Choice xmlns:p14="http://schemas.microsoft.com/office/powerpoint/2010/main" Requires="p14">
+  <mc:AlternateContent xmlns:mc="http://schemas.openxmlformats.org/markup-compatibility/2006" xmlns:p14="http://schemas.microsoft.com/office/powerpoint/2010/main">
+    <mc:Choice Requires="p14">
       <p:transition spd="med" p14:dur="700" advTm="2376">
         <p:fade/>
       </p:transition>
     </mc:Choice>
-    <mc:Fallback>
+    <mc:Fallback xmlns="">
       <p:transition spd="med" advTm="2376">
         <p:fade/>
       </p:transition>
@@ -3998,7 +3817,6 @@
               <a:rPr lang="zh-CN" altLang="en-US"/>
               <a:t>单击此处编辑母版标题样式</a:t>
             </a:r>
-            <a:endParaRPr lang="zh-CN" altLang="en-US"/>
           </a:p>
         </p:txBody>
       </p:sp>
@@ -4125,7 +3943,6 @@
               <a:rPr lang="zh-CN" altLang="en-US"/>
               <a:t>单击此处编辑母版文本样式</a:t>
             </a:r>
-            <a:endParaRPr lang="zh-CN" altLang="en-US"/>
           </a:p>
         </p:txBody>
       </p:sp>
@@ -4146,6 +3963,7 @@
           <a:p>
             <a:fld id="{530820CF-B880-4189-942D-D702A7CBA730}" type="datetimeFigureOut">
               <a:rPr lang="zh-CN" altLang="en-US" smtClean="0"/>
+              <a:t>2022/11/22</a:t>
             </a:fld>
             <a:endParaRPr lang="zh-CN" altLang="en-US"/>
           </a:p>
@@ -4187,6 +4005,7 @@
           <a:p>
             <a:fld id="{0C913308-F349-4B6D-A68A-DD1791B4A57B}" type="slidenum">
               <a:rPr lang="zh-CN" altLang="en-US" smtClean="0"/>
+              <a:t>‹#›</a:t>
             </a:fld>
             <a:endParaRPr lang="zh-CN" altLang="en-US"/>
           </a:p>
@@ -4197,13 +4016,13 @@
   <p:clrMapOvr>
     <a:masterClrMapping/>
   </p:clrMapOvr>
-  <mc:AlternateContent xmlns:mc="http://schemas.openxmlformats.org/markup-compatibility/2006">
-    <mc:Choice xmlns:p14="http://schemas.microsoft.com/office/powerpoint/2010/main" Requires="p14">
+  <mc:AlternateContent xmlns:mc="http://schemas.openxmlformats.org/markup-compatibility/2006" xmlns:p14="http://schemas.microsoft.com/office/powerpoint/2010/main">
+    <mc:Choice Requires="p14">
       <p:transition spd="med" p14:dur="700" advTm="2376">
         <p:fade/>
       </p:transition>
     </mc:Choice>
-    <mc:Fallback>
+    <mc:Fallback xmlns="">
       <p:transition spd="med" advTm="2376">
         <p:fade/>
       </p:transition>
@@ -4263,7 +4082,6 @@
               <a:rPr lang="zh-CN" altLang="en-US"/>
               <a:t>单击此处编辑母版标题样式</a:t>
             </a:r>
-            <a:endParaRPr lang="zh-CN" altLang="en-US"/>
           </a:p>
         </p:txBody>
       </p:sp>
@@ -4297,7 +4115,6 @@
               <a:rPr lang="zh-CN" altLang="en-US"/>
               <a:t>单击此处编辑母版文本样式</a:t>
             </a:r>
-            <a:endParaRPr lang="zh-CN" altLang="en-US"/>
           </a:p>
           <a:p>
             <a:pPr lvl="0"/>
@@ -4305,7 +4122,6 @@
               <a:rPr lang="zh-CN" altLang="en-US"/>
               <a:t>第二级</a:t>
             </a:r>
-            <a:endParaRPr lang="zh-CN" altLang="en-US"/>
           </a:p>
           <a:p>
             <a:pPr lvl="0"/>
@@ -4313,7 +4129,6 @@
               <a:rPr lang="zh-CN" altLang="en-US"/>
               <a:t>第三级</a:t>
             </a:r>
-            <a:endParaRPr lang="zh-CN" altLang="en-US"/>
           </a:p>
           <a:p>
             <a:pPr lvl="0"/>
@@ -4321,7 +4136,6 @@
               <a:rPr lang="zh-CN" altLang="en-US"/>
               <a:t>第四级</a:t>
             </a:r>
-            <a:endParaRPr lang="zh-CN" altLang="en-US"/>
           </a:p>
           <a:p>
             <a:pPr lvl="0"/>
@@ -4329,7 +4143,6 @@
               <a:rPr lang="zh-CN" altLang="en-US"/>
               <a:t>第五级</a:t>
             </a:r>
-            <a:endParaRPr lang="zh-CN" altLang="en-US"/>
           </a:p>
         </p:txBody>
       </p:sp>
@@ -4468,13 +4281,13 @@
     <p:sldLayoutId id="2147483658" r:id="rId10"/>
     <p:sldLayoutId id="2147483659" r:id="rId11"/>
   </p:sldLayoutIdLst>
-  <mc:AlternateContent xmlns:mc="http://schemas.openxmlformats.org/markup-compatibility/2006">
-    <mc:Choice xmlns:p14="http://schemas.microsoft.com/office/powerpoint/2010/main" Requires="p14">
+  <mc:AlternateContent xmlns:mc="http://schemas.openxmlformats.org/markup-compatibility/2006" xmlns:p14="http://schemas.microsoft.com/office/powerpoint/2010/main">
+    <mc:Choice Requires="p14">
       <p:transition spd="med" p14:dur="700" advTm="2376">
         <p:fade/>
       </p:transition>
     </mc:Choice>
-    <mc:Fallback>
+    <mc:Fallback xmlns="">
       <p:transition spd="med" advTm="2376">
         <p:fade/>
       </p:transition>
@@ -4759,7 +4572,7 @@
           <p:nvPr/>
         </p:nvPicPr>
         <p:blipFill>
-          <a:blip r:embed="rId1">
+          <a:blip r:embed="rId3">
             <a:extLst>
               <a:ext uri="{28A0092B-C50C-407E-A947-70E740481C1C}">
                 <a14:useLocalDpi xmlns:a14="http://schemas.microsoft.com/office/drawing/2010/main" val="0"/>
@@ -4853,13 +4666,6 @@
               </a:rPr>
               <a:t>算法与程序设计</a:t>
             </a:r>
-            <a:endParaRPr lang="zh-CN" altLang="en-US" sz="3600" b="1" dirty="0">
-              <a:solidFill>
-                <a:srgbClr val="919DCB"/>
-              </a:solidFill>
-              <a:latin typeface="微软雅黑" panose="020B0503020204020204" charset="-122"/>
-              <a:ea typeface="微软雅黑" panose="020B0503020204020204" charset="-122"/>
-            </a:endParaRPr>
           </a:p>
         </p:txBody>
       </p:sp>
@@ -4871,8 +4677,8 @@
         </p:nvSpPr>
         <p:spPr>
           <a:xfrm>
-            <a:off x="756146" y="2356395"/>
-            <a:ext cx="3312368" cy="307777"/>
+            <a:off x="612130" y="2088108"/>
+            <a:ext cx="5184576" cy="307777"/>
           </a:xfrm>
           <a:prstGeom prst="rect">
             <a:avLst/>
@@ -4888,6 +4694,16 @@
           <a:lstStyle/>
           <a:p>
             <a:pPr algn="ctr"/>
+            <a:r>
+              <a:rPr lang="en-US" altLang="zh-CN" sz="1400" dirty="0">
+                <a:solidFill>
+                  <a:schemeClr val="bg1"/>
+                </a:solidFill>
+                <a:latin typeface="微软雅黑" panose="020B0503020204020204" charset="-122"/>
+                <a:ea typeface="微软雅黑" panose="020B0503020204020204" charset="-122"/>
+              </a:rPr>
+              <a:t>https://github.com/ClearW1nd/BUAA_algorithm_2022.git</a:t>
+            </a:r>
             <a:endParaRPr lang="zh-CN" altLang="en-US" sz="1400" dirty="0">
               <a:solidFill>
                 <a:schemeClr val="bg1"/>
@@ -4903,13 +4719,13 @@
   <p:clrMapOvr>
     <a:masterClrMapping/>
   </p:clrMapOvr>
-  <mc:AlternateContent xmlns:mc="http://schemas.openxmlformats.org/markup-compatibility/2006">
-    <mc:Choice xmlns:p14="http://schemas.microsoft.com/office/powerpoint/2010/main" Requires="p14">
+  <mc:AlternateContent xmlns:mc="http://schemas.openxmlformats.org/markup-compatibility/2006" xmlns:p14="http://schemas.microsoft.com/office/powerpoint/2010/main">
+    <mc:Choice Requires="p14">
       <p:transition spd="med" p14:dur="700" advTm="2376">
         <p:fade/>
       </p:transition>
     </mc:Choice>
-    <mc:Fallback>
+    <mc:Fallback xmlns="">
       <p:transition spd="med" advTm="2376">
         <p:fade/>
       </p:transition>
@@ -5154,7 +4970,7 @@
           <p:nvPr/>
         </p:nvPicPr>
         <p:blipFill>
-          <a:blip r:embed="rId1">
+          <a:blip r:embed="rId3">
             <a:extLst>
               <a:ext uri="{28A0092B-C50C-407E-A947-70E740481C1C}">
                 <a14:useLocalDpi xmlns:a14="http://schemas.microsoft.com/office/drawing/2010/main" val="0"/>
@@ -5290,8 +5106,8 @@
           <a:p>
             <a:pPr algn="ctr"/>
             <a:r>
-              <a:rPr lang="en-US" altLang="zh-CN" sz="5400"/>
-              <a:t>03</a:t>
+              <a:rPr lang="en-US" altLang="zh-CN" sz="5400" dirty="0"/>
+              <a:t>02</a:t>
             </a:r>
             <a:endParaRPr lang="zh-CN" altLang="en-US" sz="5400" dirty="0"/>
           </a:p>
@@ -5306,7 +5122,7 @@
         <p:spPr>
           <a:xfrm>
             <a:off x="2700362" y="2304132"/>
-            <a:ext cx="5695116" cy="645160"/>
+            <a:ext cx="5695116" cy="646331"/>
           </a:xfrm>
           <a:prstGeom prst="rect">
             <a:avLst/>
@@ -5328,15 +5144,8 @@
                 <a:latin typeface="微软雅黑" panose="020B0503020204020204" charset="-122"/>
                 <a:ea typeface="微软雅黑" panose="020B0503020204020204" charset="-122"/>
               </a:rPr>
-              <a:t>性能分析</a:t>
-            </a:r>
-            <a:endParaRPr lang="zh-CN" altLang="en-US" sz="3600" spc="600" dirty="0">
-              <a:solidFill>
-                <a:srgbClr val="919DCB"/>
-              </a:solidFill>
-              <a:latin typeface="微软雅黑" panose="020B0503020204020204" charset="-122"/>
-              <a:ea typeface="微软雅黑" panose="020B0503020204020204" charset="-122"/>
-            </a:endParaRPr>
+              <a:t>多线程排序</a:t>
+            </a:r>
           </a:p>
         </p:txBody>
       </p:sp>
@@ -5345,13 +5154,13 @@
   <p:clrMapOvr>
     <a:masterClrMapping/>
   </p:clrMapOvr>
-  <mc:AlternateContent xmlns:mc="http://schemas.openxmlformats.org/markup-compatibility/2006">
-    <mc:Choice xmlns:p14="http://schemas.microsoft.com/office/powerpoint/2010/main" Requires="p14">
+  <mc:AlternateContent xmlns:mc="http://schemas.openxmlformats.org/markup-compatibility/2006" xmlns:p14="http://schemas.microsoft.com/office/powerpoint/2010/main">
+    <mc:Choice Requires="p14">
       <p:transition spd="med" p14:dur="700" advTm="2376">
         <p:fade/>
       </p:transition>
     </mc:Choice>
-    <mc:Fallback>
+    <mc:Fallback xmlns="">
       <p:transition spd="med" advTm="2376">
         <p:fade/>
       </p:transition>
@@ -5559,7 +5368,7 @@
       </p:grpSpPr>
       <p:cxnSp>
         <p:nvCxnSpPr>
-          <p:cNvPr id="25" name="直接连接符 24"/>
+          <p:cNvPr id="37" name="直接连接符 36"/>
           <p:cNvCxnSpPr/>
           <p:nvPr/>
         </p:nvCxnSpPr>
@@ -5589,14 +5398,18 @@
       </p:cxnSp>
       <p:pic>
         <p:nvPicPr>
-          <p:cNvPr id="26" name="Picture 2" descr="C:\Documents and Settings\Administrator\桌面\新建文件夹 (2)\5.15封面参考\复件 (27) 新建文件夹\0f1ac98d7ad0e38211.jpg"/>
+          <p:cNvPr id="38" name="Picture 2" descr="C:\Documents and Settings\Administrator\桌面\新建文件夹 (2)\5.15封面参考\复件 (27) 新建文件夹\0f1ac98d7ad0e38211.jpg"/>
           <p:cNvPicPr>
             <a:picLocks noChangeAspect="1" noChangeArrowheads="1"/>
           </p:cNvPicPr>
-          <p:nvPr/>
+          <p:nvPr>
+            <p:custDataLst>
+              <p:tags r:id="rId1"/>
+            </p:custDataLst>
+          </p:nvPr>
         </p:nvPicPr>
         <p:blipFill>
-          <a:blip r:embed="rId1" cstate="print">
+          <a:blip r:embed="rId4" cstate="print">
             <a:extLst>
               <a:ext uri="{28A0092B-C50C-407E-A947-70E740481C1C}">
                 <a14:useLocalDpi xmlns:a14="http://schemas.microsoft.com/office/drawing/2010/main" val="0"/>
@@ -5630,340 +5443,14 @@
       </p:pic>
       <p:sp>
         <p:nvSpPr>
-          <p:cNvPr id="28" name="文本框 24"/>
-          <p:cNvSpPr txBox="1"/>
+          <p:cNvPr id="39" name="矩形 38"/>
+          <p:cNvSpPr/>
           <p:nvPr/>
         </p:nvSpPr>
         <p:spPr>
           <a:xfrm>
-            <a:off x="36066" y="154925"/>
-            <a:ext cx="1872208" cy="275590"/>
-          </a:xfrm>
-          <a:prstGeom prst="rect">
-            <a:avLst/>
-          </a:prstGeom>
-          <a:noFill/>
-        </p:spPr>
-        <p:txBody>
-          <a:bodyPr wrap="square" rtlCol="0">
-            <a:spAutoFit/>
-          </a:bodyPr>
-          <a:lstStyle/>
-          <a:p>
-            <a:pPr algn="ctr"/>
-            <a:r>
-              <a:rPr lang="en-US" altLang="zh-CN" sz="1200" spc="600" dirty="0">
-                <a:solidFill>
-                  <a:srgbClr val="919DCB"/>
-                </a:solidFill>
-                <a:latin typeface="微软雅黑" panose="020B0503020204020204" charset="-122"/>
-                <a:ea typeface="微软雅黑" panose="020B0503020204020204" charset="-122"/>
-              </a:rPr>
-              <a:t>3.</a:t>
-            </a:r>
-            <a:r>
-              <a:rPr lang="zh-CN" altLang="en-US" sz="1200" spc="600" dirty="0">
-                <a:solidFill>
-                  <a:srgbClr val="919DCB"/>
-                </a:solidFill>
-                <a:latin typeface="微软雅黑" panose="020B0503020204020204" charset="-122"/>
-                <a:ea typeface="微软雅黑" panose="020B0503020204020204" charset="-122"/>
-              </a:rPr>
-              <a:t>性能分析</a:t>
-            </a:r>
-            <a:endParaRPr lang="zh-CN" altLang="en-US" sz="1200" spc="600" dirty="0">
-              <a:solidFill>
-                <a:srgbClr val="919DCB"/>
-              </a:solidFill>
-              <a:latin typeface="微软雅黑" panose="020B0503020204020204" charset="-122"/>
-              <a:ea typeface="微软雅黑" panose="020B0503020204020204" charset="-122"/>
-            </a:endParaRPr>
-          </a:p>
-        </p:txBody>
-      </p:sp>
-      <p:sp>
-        <p:nvSpPr>
-          <p:cNvPr id="8" name="文本框 7"/>
-          <p:cNvSpPr txBox="1"/>
-          <p:nvPr/>
-        </p:nvSpPr>
-        <p:spPr>
-          <a:xfrm>
-            <a:off x="4356735" y="791845"/>
-            <a:ext cx="4052570" cy="3589655"/>
-          </a:xfrm>
-          <a:prstGeom prst="rect">
-            <a:avLst/>
-          </a:prstGeom>
-          <a:noFill/>
-        </p:spPr>
-        <p:txBody>
-          <a:bodyPr wrap="square" rtlCol="0">
-            <a:noAutofit/>
-          </a:bodyPr>
-          <a:p>
-            <a:pPr algn="l">
-              <a:buClrTx/>
-              <a:buSzTx/>
-              <a:buFontTx/>
-            </a:pPr>
-            <a:r>
-              <a:rPr lang="zh-CN" altLang="en-US" sz="1200" spc="600" dirty="0">
-                <a:solidFill>
-                  <a:srgbClr val="919DCB"/>
-                </a:solidFill>
-                <a:latin typeface="微软雅黑" panose="020B0503020204020204" charset="-122"/>
-                <a:ea typeface="微软雅黑" panose="020B0503020204020204" charset="-122"/>
-              </a:rPr>
-              <a:t>性能分析</a:t>
-            </a:r>
-            <a:endParaRPr lang="zh-CN" altLang="en-US" sz="1200" spc="600" dirty="0">
-              <a:solidFill>
-                <a:srgbClr val="919DCB"/>
-              </a:solidFill>
-              <a:latin typeface="微软雅黑" panose="020B0503020204020204" charset="-122"/>
-              <a:ea typeface="微软雅黑" panose="020B0503020204020204" charset="-122"/>
-            </a:endParaRPr>
-          </a:p>
-          <a:p>
-            <a:pPr algn="l">
-              <a:buClrTx/>
-              <a:buSzTx/>
-              <a:buFontTx/>
-            </a:pPr>
-            <a:endParaRPr lang="zh-CN" altLang="en-US" sz="1200" spc="600" dirty="0">
-              <a:solidFill>
-                <a:srgbClr val="919DCB"/>
-              </a:solidFill>
-              <a:latin typeface="微软雅黑" panose="020B0503020204020204" charset="-122"/>
-              <a:ea typeface="微软雅黑" panose="020B0503020204020204" charset="-122"/>
-            </a:endParaRPr>
-          </a:p>
-          <a:p>
-            <a:pPr algn="l">
-              <a:buClrTx/>
-              <a:buSzTx/>
-              <a:buFontTx/>
-            </a:pPr>
-            <a:endParaRPr lang="zh-CN" altLang="en-US" sz="1200" spc="600" dirty="0">
-              <a:solidFill>
-                <a:srgbClr val="919DCB"/>
-              </a:solidFill>
-              <a:latin typeface="微软雅黑" panose="020B0503020204020204" charset="-122"/>
-              <a:ea typeface="微软雅黑" panose="020B0503020204020204" charset="-122"/>
-            </a:endParaRPr>
-          </a:p>
-          <a:p>
-            <a:pPr algn="l" fontAlgn="t">
-              <a:buClrTx/>
-              <a:buSzTx/>
-              <a:buFontTx/>
-            </a:pPr>
-            <a:r>
-              <a:rPr lang="zh-CN" altLang="en-US" sz="1200" spc="600" dirty="0">
-                <a:solidFill>
-                  <a:srgbClr val="919DCB"/>
-                </a:solidFill>
-                <a:latin typeface="微软雅黑" panose="020B0503020204020204" charset="-122"/>
-                <a:ea typeface="微软雅黑" panose="020B0503020204020204" charset="-122"/>
-              </a:rPr>
-              <a:t>常规单线程运行归并排序，跑</a:t>
-            </a:r>
-            <a:r>
-              <a:rPr lang="en-US" altLang="zh-CN" sz="1200" spc="600" dirty="0">
-                <a:solidFill>
-                  <a:srgbClr val="919DCB"/>
-                </a:solidFill>
-                <a:latin typeface="微软雅黑" panose="020B0503020204020204" charset="-122"/>
-                <a:ea typeface="微软雅黑" panose="020B0503020204020204" charset="-122"/>
-              </a:rPr>
-              <a:t>10000000</a:t>
-            </a:r>
-            <a:r>
-              <a:rPr lang="zh-CN" altLang="en-US" sz="1200" spc="600" dirty="0">
-                <a:solidFill>
-                  <a:srgbClr val="919DCB"/>
-                </a:solidFill>
-                <a:latin typeface="微软雅黑" panose="020B0503020204020204" charset="-122"/>
-                <a:ea typeface="微软雅黑" panose="020B0503020204020204" charset="-122"/>
-              </a:rPr>
-              <a:t>个数的排序会导致长时间卡顿，会造成未响应，在使用多线程进行排序的时候可以正常跑完并输出结果，用时在</a:t>
-            </a:r>
-            <a:r>
-              <a:rPr lang="en-US" altLang="zh-CN" sz="1200" spc="600" dirty="0">
-                <a:solidFill>
-                  <a:srgbClr val="919DCB"/>
-                </a:solidFill>
-                <a:latin typeface="微软雅黑" panose="020B0503020204020204" charset="-122"/>
-                <a:ea typeface="微软雅黑" panose="020B0503020204020204" charset="-122"/>
-              </a:rPr>
-              <a:t>5s</a:t>
-            </a:r>
-            <a:r>
-              <a:rPr lang="zh-CN" altLang="en-US" sz="1200" spc="600" dirty="0">
-                <a:solidFill>
-                  <a:srgbClr val="919DCB"/>
-                </a:solidFill>
-                <a:latin typeface="微软雅黑" panose="020B0503020204020204" charset="-122"/>
-                <a:ea typeface="微软雅黑" panose="020B0503020204020204" charset="-122"/>
-              </a:rPr>
-              <a:t>内，可见多线程并行</a:t>
-            </a:r>
-            <a:r>
-              <a:rPr lang="zh-CN" altLang="en-US" sz="1200" spc="600" dirty="0">
-                <a:solidFill>
-                  <a:srgbClr val="919DCB"/>
-                </a:solidFill>
-                <a:latin typeface="微软雅黑" panose="020B0503020204020204" charset="-122"/>
-                <a:ea typeface="微软雅黑" panose="020B0503020204020204" charset="-122"/>
-              </a:rPr>
-              <a:t>可以加速</a:t>
-            </a:r>
-            <a:r>
-              <a:rPr lang="zh-CN" altLang="en-US" sz="1200" spc="600" dirty="0">
-                <a:solidFill>
-                  <a:srgbClr val="919DCB"/>
-                </a:solidFill>
-                <a:latin typeface="微软雅黑" panose="020B0503020204020204" charset="-122"/>
-                <a:ea typeface="微软雅黑" panose="020B0503020204020204" charset="-122"/>
-              </a:rPr>
-              <a:t>排序。</a:t>
-            </a:r>
-            <a:endParaRPr lang="zh-CN" altLang="en-US" sz="1200" spc="600" dirty="0">
-              <a:solidFill>
-                <a:srgbClr val="919DCB"/>
-              </a:solidFill>
-              <a:latin typeface="微软雅黑" panose="020B0503020204020204" charset="-122"/>
-              <a:ea typeface="微软雅黑" panose="020B0503020204020204" charset="-122"/>
-            </a:endParaRPr>
-          </a:p>
-        </p:txBody>
-      </p:sp>
-      <p:pic>
-        <p:nvPicPr>
-          <p:cNvPr id="4" name="图片 3"/>
-          <p:cNvPicPr>
-            <a:picLocks noChangeAspect="1"/>
-          </p:cNvPicPr>
-          <p:nvPr/>
-        </p:nvPicPr>
-        <p:blipFill>
-          <a:blip r:embed="rId2"/>
-          <a:stretch>
-            <a:fillRect/>
-          </a:stretch>
-        </p:blipFill>
-        <p:spPr>
-          <a:xfrm>
-            <a:off x="252095" y="647700"/>
-            <a:ext cx="3516630" cy="4046855"/>
-          </a:xfrm>
-          <a:prstGeom prst="rect">
-            <a:avLst/>
-          </a:prstGeom>
-        </p:spPr>
-      </p:pic>
-    </p:spTree>
-  </p:cSld>
-  <p:clrMapOvr>
-    <a:masterClrMapping/>
-  </p:clrMapOvr>
-  <mc:AlternateContent xmlns:mc="http://schemas.openxmlformats.org/markup-compatibility/2006">
-    <mc:Choice xmlns:p14="http://schemas.microsoft.com/office/powerpoint/2010/main" Requires="p14">
-      <p:transition spd="med" p14:dur="700" advTm="2376">
-        <p:fade/>
-      </p:transition>
-    </mc:Choice>
-    <mc:Fallback>
-      <p:transition spd="med" advTm="2376">
-        <p:fade/>
-      </p:transition>
-    </mc:Fallback>
-  </mc:AlternateContent>
-</p:sld>
-</file>
-
-<file path=ppt/slides/slide12.xml><?xml version="1.0" encoding="utf-8"?>
-<p:sld xmlns:a="http://schemas.openxmlformats.org/drawingml/2006/main" xmlns:r="http://schemas.openxmlformats.org/officeDocument/2006/relationships" xmlns:p="http://schemas.openxmlformats.org/presentationml/2006/main">
-  <p:cSld>
-    <p:spTree>
-      <p:nvGrpSpPr>
-        <p:cNvPr id="1" name=""/>
-        <p:cNvGrpSpPr/>
-        <p:nvPr/>
-      </p:nvGrpSpPr>
-      <p:grpSpPr>
-        <a:xfrm>
-          <a:off x="0" y="0"/>
-          <a:ext cx="0" cy="0"/>
-          <a:chOff x="0" y="0"/>
-          <a:chExt cx="0" cy="0"/>
-        </a:xfrm>
-      </p:grpSpPr>
-      <p:pic>
-        <p:nvPicPr>
-          <p:cNvPr id="3074" name="Picture 2"/>
-          <p:cNvPicPr>
-            <a:picLocks noChangeAspect="1" noChangeArrowheads="1"/>
-          </p:cNvPicPr>
-          <p:nvPr/>
-        </p:nvPicPr>
-        <p:blipFill>
-          <a:blip r:embed="rId1">
-            <a:extLst>
-              <a:ext uri="{28A0092B-C50C-407E-A947-70E740481C1C}">
-                <a14:useLocalDpi xmlns:a14="http://schemas.microsoft.com/office/drawing/2010/main" val="0"/>
-              </a:ext>
-            </a:extLst>
-          </a:blip>
-          <a:srcRect/>
-          <a:stretch>
-            <a:fillRect/>
-          </a:stretch>
-        </p:blipFill>
-        <p:spPr bwMode="auto">
-          <a:xfrm>
-            <a:off x="-71755" y="-43145"/>
-            <a:ext cx="9144636" cy="5125016"/>
-          </a:xfrm>
-          <a:prstGeom prst="rect">
-            <a:avLst/>
-          </a:prstGeom>
-          <a:noFill/>
-          <a:ln>
-            <a:noFill/>
-          </a:ln>
-          <a:extLst>
-            <a:ext uri="{909E8E84-426E-40DD-AFC4-6F175D3DCCD1}">
-              <a14:hiddenFill xmlns:a14="http://schemas.microsoft.com/office/drawing/2010/main">
-                <a:solidFill>
-                  <a:schemeClr val="accent1"/>
-                </a:solidFill>
-              </a14:hiddenFill>
-            </a:ext>
-            <a:ext uri="{91240B29-F687-4F45-9708-019B960494DF}">
-              <a14:hiddenLine xmlns:a14="http://schemas.microsoft.com/office/drawing/2010/main" w="9525">
-                <a:solidFill>
-                  <a:schemeClr val="tx1"/>
-                </a:solidFill>
-                <a:miter lim="800000"/>
-                <a:headEnd/>
-                <a:tailEnd/>
-              </a14:hiddenLine>
-            </a:ext>
-          </a:extLst>
-        </p:spPr>
-      </p:pic>
-      <p:sp>
-        <p:nvSpPr>
-          <p:cNvPr id="2" name="矩形 1"/>
-          <p:cNvSpPr/>
-          <p:nvPr/>
-        </p:nvSpPr>
-        <p:spPr>
-          <a:xfrm>
-            <a:off x="612130" y="1224012"/>
-            <a:ext cx="8136904" cy="2592288"/>
+            <a:off x="7740922" y="1224012"/>
+            <a:ext cx="936104" cy="1296144"/>
           </a:xfrm>
           <a:prstGeom prst="rect">
             <a:avLst/>
@@ -6002,66 +5489,14 @@
       </p:sp>
       <p:sp>
         <p:nvSpPr>
-          <p:cNvPr id="4" name="椭圆 3"/>
-          <p:cNvSpPr/>
+          <p:cNvPr id="40" name="文本框 24"/>
+          <p:cNvSpPr txBox="1"/>
           <p:nvPr/>
         </p:nvSpPr>
         <p:spPr>
           <a:xfrm>
-            <a:off x="1404218" y="1728068"/>
-            <a:ext cx="1588572" cy="1588572"/>
-          </a:xfrm>
-          <a:prstGeom prst="ellipse">
-            <a:avLst/>
-          </a:prstGeom>
-          <a:solidFill>
-            <a:srgbClr val="919DCB"/>
-          </a:solidFill>
-          <a:ln>
-            <a:solidFill>
-              <a:srgbClr val="919DCB"/>
-            </a:solidFill>
-          </a:ln>
-        </p:spPr>
-        <p:style>
-          <a:lnRef idx="2">
-            <a:schemeClr val="accent1">
-              <a:shade val="50000"/>
-            </a:schemeClr>
-          </a:lnRef>
-          <a:fillRef idx="1">
-            <a:schemeClr val="accent1"/>
-          </a:fillRef>
-          <a:effectRef idx="0">
-            <a:schemeClr val="accent1"/>
-          </a:effectRef>
-          <a:fontRef idx="minor">
-            <a:schemeClr val="lt1"/>
-          </a:fontRef>
-        </p:style>
-        <p:txBody>
-          <a:bodyPr rtlCol="0" anchor="ctr"/>
-          <a:lstStyle/>
-          <a:p>
-            <a:pPr algn="ctr"/>
-            <a:r>
-              <a:rPr lang="en-US" altLang="zh-CN" sz="5400"/>
-              <a:t>04</a:t>
-            </a:r>
-            <a:endParaRPr lang="zh-CN" altLang="en-US" sz="5400" dirty="0"/>
-          </a:p>
-        </p:txBody>
-      </p:sp>
-      <p:sp>
-        <p:nvSpPr>
-          <p:cNvPr id="5" name="文本框 24"/>
-          <p:cNvSpPr txBox="1"/>
-          <p:nvPr/>
-        </p:nvSpPr>
-        <p:spPr>
-          <a:xfrm>
-            <a:off x="2700362" y="2304132"/>
-            <a:ext cx="5695116" cy="646331"/>
+            <a:off x="36066" y="154925"/>
+            <a:ext cx="2673002" cy="276999"/>
           </a:xfrm>
           <a:prstGeom prst="rect">
             <a:avLst/>
@@ -6076,16 +5511,133 @@
           <a:p>
             <a:pPr algn="ctr"/>
             <a:r>
-              <a:rPr lang="zh-CN" altLang="en-US" sz="3600" spc="600" dirty="0">
+              <a:rPr lang="en-US" altLang="zh-CN" sz="1200" spc="600" dirty="0">
                 <a:solidFill>
                   <a:srgbClr val="919DCB"/>
                 </a:solidFill>
                 <a:latin typeface="微软雅黑" panose="020B0503020204020204" charset="-122"/>
                 <a:ea typeface="微软雅黑" panose="020B0503020204020204" charset="-122"/>
               </a:rPr>
-              <a:t>多线程与大数据排序</a:t>
-            </a:r>
-            <a:endParaRPr lang="zh-CN" altLang="en-US" sz="3600" spc="600" dirty="0">
+              <a:t>3.</a:t>
+            </a:r>
+            <a:r>
+              <a:rPr lang="zh-CN" altLang="en-US" sz="1200" spc="600" dirty="0">
+                <a:solidFill>
+                  <a:srgbClr val="919DCB"/>
+                </a:solidFill>
+                <a:latin typeface="微软雅黑" panose="020B0503020204020204" charset="-122"/>
+                <a:ea typeface="微软雅黑" panose="020B0503020204020204" charset="-122"/>
+              </a:rPr>
+              <a:t>多线程排序</a:t>
+            </a:r>
+          </a:p>
+        </p:txBody>
+      </p:sp>
+      <p:sp>
+        <p:nvSpPr>
+          <p:cNvPr id="5" name="文本框 24"/>
+          <p:cNvSpPr txBox="1"/>
+          <p:nvPr/>
+        </p:nvSpPr>
+        <p:spPr>
+          <a:xfrm>
+            <a:off x="468501" y="504175"/>
+            <a:ext cx="1872208" cy="275590"/>
+          </a:xfrm>
+          <a:prstGeom prst="rect">
+            <a:avLst/>
+          </a:prstGeom>
+          <a:noFill/>
+        </p:spPr>
+        <p:txBody>
+          <a:bodyPr wrap="square" rtlCol="0">
+            <a:spAutoFit/>
+          </a:bodyPr>
+          <a:lstStyle/>
+          <a:p>
+            <a:pPr algn="ctr"/>
+            <a:r>
+              <a:rPr lang="zh-CN" altLang="en-US" sz="1200" spc="600" dirty="0">
+                <a:solidFill>
+                  <a:srgbClr val="919DCB"/>
+                </a:solidFill>
+                <a:latin typeface="微软雅黑" panose="020B0503020204020204" charset="-122"/>
+                <a:ea typeface="微软雅黑" panose="020B0503020204020204" charset="-122"/>
+              </a:rPr>
+              <a:t>以归并排序为例</a:t>
+            </a:r>
+          </a:p>
+        </p:txBody>
+      </p:sp>
+      <p:pic>
+        <p:nvPicPr>
+          <p:cNvPr id="2" name="图片 1"/>
+          <p:cNvPicPr>
+            <a:picLocks noChangeAspect="1"/>
+          </p:cNvPicPr>
+          <p:nvPr/>
+        </p:nvPicPr>
+        <p:blipFill>
+          <a:blip r:embed="rId5"/>
+          <a:stretch>
+            <a:fillRect/>
+          </a:stretch>
+        </p:blipFill>
+        <p:spPr>
+          <a:xfrm>
+            <a:off x="252095" y="838835"/>
+            <a:ext cx="3776980" cy="3787775"/>
+          </a:xfrm>
+          <a:prstGeom prst="rect">
+            <a:avLst/>
+          </a:prstGeom>
+        </p:spPr>
+      </p:pic>
+      <p:sp>
+        <p:nvSpPr>
+          <p:cNvPr id="8" name="文本框 7"/>
+          <p:cNvSpPr txBox="1"/>
+          <p:nvPr/>
+        </p:nvSpPr>
+        <p:spPr>
+          <a:xfrm>
+            <a:off x="4356735" y="791845"/>
+            <a:ext cx="4052570" cy="3589655"/>
+          </a:xfrm>
+          <a:prstGeom prst="rect">
+            <a:avLst/>
+          </a:prstGeom>
+          <a:noFill/>
+        </p:spPr>
+        <p:txBody>
+          <a:bodyPr wrap="square" rtlCol="0">
+            <a:noAutofit/>
+          </a:bodyPr>
+          <a:lstStyle/>
+          <a:p>
+            <a:pPr algn="l">
+              <a:buClrTx/>
+              <a:buSzTx/>
+              <a:buFontTx/>
+            </a:pPr>
+            <a:r>
+              <a:rPr lang="zh-CN" altLang="en-US" sz="1200" spc="600" dirty="0">
+                <a:solidFill>
+                  <a:srgbClr val="919DCB"/>
+                </a:solidFill>
+                <a:latin typeface="微软雅黑" panose="020B0503020204020204" charset="-122"/>
+                <a:ea typeface="微软雅黑" panose="020B0503020204020204" charset="-122"/>
+              </a:rPr>
+              <a:t>算法逻辑分析</a:t>
+            </a:r>
+          </a:p>
+          <a:p>
+            <a:pPr algn="l">
+              <a:buClrTx/>
+              <a:buSzTx/>
+              <a:buFontTx/>
+            </a:pPr>
+            <a:endParaRPr lang="zh-CN" altLang="en-US" sz="1200" spc="600" dirty="0">
               <a:solidFill>
                 <a:srgbClr val="919DCB"/>
               </a:solidFill>
@@ -6093,6 +5645,189 @@
               <a:ea typeface="微软雅黑" panose="020B0503020204020204" charset="-122"/>
             </a:endParaRPr>
           </a:p>
+          <a:p>
+            <a:pPr algn="l">
+              <a:buClrTx/>
+              <a:buSzTx/>
+              <a:buFontTx/>
+            </a:pPr>
+            <a:endParaRPr lang="zh-CN" altLang="en-US" sz="1200" spc="600" dirty="0">
+              <a:solidFill>
+                <a:srgbClr val="919DCB"/>
+              </a:solidFill>
+              <a:latin typeface="微软雅黑" panose="020B0503020204020204" charset="-122"/>
+              <a:ea typeface="微软雅黑" panose="020B0503020204020204" charset="-122"/>
+            </a:endParaRPr>
+          </a:p>
+          <a:p>
+            <a:pPr algn="l" fontAlgn="t">
+              <a:buClrTx/>
+              <a:buSzTx/>
+              <a:buFontTx/>
+            </a:pPr>
+            <a:r>
+              <a:rPr lang="zh-CN" sz="1200" spc="600" dirty="0">
+                <a:solidFill>
+                  <a:srgbClr val="919DCB"/>
+                </a:solidFill>
+                <a:latin typeface="微软雅黑" panose="020B0503020204020204" charset="-122"/>
+                <a:ea typeface="微软雅黑" panose="020B0503020204020204" charset="-122"/>
+              </a:rPr>
+              <a:t>先将整体拆分成</a:t>
+            </a:r>
+            <a:r>
+              <a:rPr sz="1200" spc="600" dirty="0">
+                <a:solidFill>
+                  <a:srgbClr val="919DCB"/>
+                </a:solidFill>
+                <a:latin typeface="微软雅黑" panose="020B0503020204020204" charset="-122"/>
+                <a:ea typeface="微软雅黑" panose="020B0503020204020204" charset="-122"/>
+              </a:rPr>
+              <a:t>两组数值序列A、B</a:t>
+            </a:r>
+          </a:p>
+          <a:p>
+            <a:pPr algn="l" fontAlgn="t">
+              <a:buClrTx/>
+              <a:buSzTx/>
+              <a:buFontTx/>
+            </a:pPr>
+            <a:r>
+              <a:rPr lang="zh-CN" sz="1200" spc="600" dirty="0">
+                <a:solidFill>
+                  <a:srgbClr val="919DCB"/>
+                </a:solidFill>
+                <a:latin typeface="微软雅黑" panose="020B0503020204020204" charset="-122"/>
+                <a:ea typeface="微软雅黑" panose="020B0503020204020204" charset="-122"/>
+              </a:rPr>
+              <a:t>再</a:t>
+            </a:r>
+            <a:r>
+              <a:rPr sz="1200" spc="600" dirty="0">
+                <a:solidFill>
+                  <a:srgbClr val="919DCB"/>
+                </a:solidFill>
+                <a:latin typeface="微软雅黑" panose="020B0503020204020204" charset="-122"/>
+                <a:ea typeface="微软雅黑" panose="020B0503020204020204" charset="-122"/>
+              </a:rPr>
+              <a:t>采用递归的思想，将</a:t>
+            </a:r>
+            <a:r>
+              <a:rPr lang="zh-CN" sz="1200" spc="600" dirty="0">
+                <a:solidFill>
+                  <a:srgbClr val="919DCB"/>
+                </a:solidFill>
+                <a:latin typeface="微软雅黑" panose="020B0503020204020204" charset="-122"/>
+                <a:ea typeface="微软雅黑" panose="020B0503020204020204" charset="-122"/>
+              </a:rPr>
+              <a:t>所得到的</a:t>
+            </a:r>
+            <a:r>
+              <a:rPr sz="1200" spc="600" dirty="0">
+                <a:solidFill>
+                  <a:srgbClr val="919DCB"/>
+                </a:solidFill>
+                <a:latin typeface="微软雅黑" panose="020B0503020204020204" charset="-122"/>
+                <a:ea typeface="微软雅黑" panose="020B0503020204020204" charset="-122"/>
+              </a:rPr>
+              <a:t>序列拆分为两组子序列，然后对两组子序列再次进行拆分，直到每一个子序列中仅有一个元素，然后将两个只有一个元素的序列归并为一个含有两个元素的序列，再将两个含有两个元素的序列进行归并，</a:t>
+            </a:r>
+          </a:p>
+          <a:p>
+            <a:pPr algn="l" fontAlgn="t">
+              <a:buClrTx/>
+              <a:buSzTx/>
+              <a:buFontTx/>
+            </a:pPr>
+            <a:r>
+              <a:rPr sz="1200" spc="600" dirty="0">
+                <a:solidFill>
+                  <a:srgbClr val="919DCB"/>
+                </a:solidFill>
+                <a:latin typeface="微软雅黑" panose="020B0503020204020204" charset="-122"/>
+                <a:ea typeface="微软雅黑" panose="020B0503020204020204" charset="-122"/>
+              </a:rPr>
+              <a:t>依此类推，直到所有元素都完成归并</a:t>
+            </a:r>
+            <a:endParaRPr lang="en-US" sz="1200" spc="600" dirty="0">
+              <a:solidFill>
+                <a:srgbClr val="919DCB"/>
+              </a:solidFill>
+              <a:latin typeface="微软雅黑" panose="020B0503020204020204" charset="-122"/>
+              <a:ea typeface="微软雅黑" panose="020B0503020204020204" charset="-122"/>
+            </a:endParaRPr>
+          </a:p>
+          <a:p>
+            <a:pPr algn="l" fontAlgn="t">
+              <a:buClrTx/>
+              <a:buSzTx/>
+              <a:buFontTx/>
+            </a:pPr>
+            <a:endParaRPr lang="en-US" sz="1200" spc="600" dirty="0">
+              <a:solidFill>
+                <a:srgbClr val="919DCB"/>
+              </a:solidFill>
+              <a:latin typeface="微软雅黑" panose="020B0503020204020204" charset="-122"/>
+              <a:ea typeface="微软雅黑" panose="020B0503020204020204" charset="-122"/>
+            </a:endParaRPr>
+          </a:p>
+          <a:p>
+            <a:pPr algn="l" fontAlgn="t">
+              <a:buClrTx/>
+              <a:buSzTx/>
+              <a:buFontTx/>
+            </a:pPr>
+            <a:r>
+              <a:rPr lang="zh-CN" altLang="en-US" sz="1200" spc="600" dirty="0">
+                <a:solidFill>
+                  <a:srgbClr val="919DCB"/>
+                </a:solidFill>
+                <a:latin typeface="微软雅黑" panose="020B0503020204020204" charset="-122"/>
+                <a:ea typeface="微软雅黑" panose="020B0503020204020204" charset="-122"/>
+              </a:rPr>
+              <a:t>先把两个序列拆分成两个线程去完成工作</a:t>
+            </a:r>
+            <a:r>
+              <a:rPr lang="en-US" altLang="zh-CN" sz="1200" spc="600" dirty="0">
+                <a:solidFill>
+                  <a:srgbClr val="919DCB"/>
+                </a:solidFill>
+                <a:latin typeface="微软雅黑" panose="020B0503020204020204" charset="-122"/>
+                <a:ea typeface="微软雅黑" panose="020B0503020204020204" charset="-122"/>
+              </a:rPr>
+              <a:t>,</a:t>
+            </a:r>
+            <a:r>
+              <a:rPr lang="zh-CN" altLang="en-US" sz="1200" spc="600" dirty="0">
+                <a:solidFill>
+                  <a:srgbClr val="919DCB"/>
+                </a:solidFill>
+                <a:latin typeface="微软雅黑" panose="020B0503020204020204" charset="-122"/>
+                <a:ea typeface="微软雅黑" panose="020B0503020204020204" charset="-122"/>
+              </a:rPr>
+              <a:t>分线程工作完毕之后进行一次</a:t>
+            </a:r>
+            <a:r>
+              <a:rPr lang="en-US" altLang="zh-CN" sz="1200" spc="600" dirty="0">
+                <a:solidFill>
+                  <a:srgbClr val="919DCB"/>
+                </a:solidFill>
+                <a:latin typeface="微软雅黑" panose="020B0503020204020204" charset="-122"/>
+                <a:ea typeface="微软雅黑" panose="020B0503020204020204" charset="-122"/>
+              </a:rPr>
+              <a:t>merge</a:t>
+            </a:r>
+            <a:r>
+              <a:rPr lang="zh-CN" altLang="en-US" sz="1200" spc="600" dirty="0">
+                <a:solidFill>
+                  <a:srgbClr val="919DCB"/>
+                </a:solidFill>
+                <a:latin typeface="微软雅黑" panose="020B0503020204020204" charset="-122"/>
+                <a:ea typeface="微软雅黑" panose="020B0503020204020204" charset="-122"/>
+              </a:rPr>
+              <a:t>合并，即可完成多线程的排序工作。</a:t>
+            </a:r>
+          </a:p>
         </p:txBody>
       </p:sp>
     </p:spTree>
@@ -6100,202 +5835,22 @@
   <p:clrMapOvr>
     <a:masterClrMapping/>
   </p:clrMapOvr>
-  <mc:AlternateContent xmlns:mc="http://schemas.openxmlformats.org/markup-compatibility/2006">
-    <mc:Choice xmlns:p14="http://schemas.microsoft.com/office/powerpoint/2010/main" Requires="p14">
+  <mc:AlternateContent xmlns:mc="http://schemas.openxmlformats.org/markup-compatibility/2006" xmlns:p14="http://schemas.microsoft.com/office/powerpoint/2010/main">
+    <mc:Choice Requires="p14">
       <p:transition spd="med" p14:dur="700" advTm="2376">
         <p:fade/>
       </p:transition>
     </mc:Choice>
-    <mc:Fallback>
+    <mc:Fallback xmlns="">
       <p:transition spd="med" advTm="2376">
         <p:fade/>
       </p:transition>
     </mc:Fallback>
   </mc:AlternateContent>
-  <p:timing>
-    <p:tnLst>
-      <p:par>
-        <p:cTn id="1" dur="indefinite" restart="never" nodeType="tmRoot">
-          <p:childTnLst>
-            <p:seq concurrent="1" nextAc="seek">
-              <p:cTn id="2" dur="indefinite" nodeType="mainSeq">
-                <p:childTnLst>
-                  <p:par>
-                    <p:cTn id="3" fill="hold">
-                      <p:stCondLst>
-                        <p:cond delay="indefinite"/>
-                        <p:cond evt="onBegin" delay="0">
-                          <p:tn val="2"/>
-                        </p:cond>
-                      </p:stCondLst>
-                      <p:childTnLst>
-                        <p:par>
-                          <p:cTn id="4" fill="hold">
-                            <p:stCondLst>
-                              <p:cond delay="0"/>
-                            </p:stCondLst>
-                            <p:childTnLst>
-                              <p:par>
-                                <p:cTn id="5" presetID="53" presetClass="entr" presetSubtype="16" fill="hold" grpId="0" nodeType="afterEffect">
-                                  <p:stCondLst>
-                                    <p:cond delay="0"/>
-                                  </p:stCondLst>
-                                  <p:childTnLst>
-                                    <p:set>
-                                      <p:cBhvr>
-                                        <p:cTn id="6" dur="1" fill="hold">
-                                          <p:stCondLst>
-                                            <p:cond delay="0"/>
-                                          </p:stCondLst>
-                                        </p:cTn>
-                                        <p:tgtEl>
-                                          <p:spTgt spid="4"/>
-                                        </p:tgtEl>
-                                        <p:attrNameLst>
-                                          <p:attrName>style.visibility</p:attrName>
-                                        </p:attrNameLst>
-                                      </p:cBhvr>
-                                      <p:to>
-                                        <p:strVal val="visible"/>
-                                      </p:to>
-                                    </p:set>
-                                    <p:anim calcmode="lin" valueType="num">
-                                      <p:cBhvr>
-                                        <p:cTn id="7" dur="500" fill="hold"/>
-                                        <p:tgtEl>
-                                          <p:spTgt spid="4"/>
-                                        </p:tgtEl>
-                                        <p:attrNameLst>
-                                          <p:attrName>ppt_w</p:attrName>
-                                        </p:attrNameLst>
-                                      </p:cBhvr>
-                                      <p:tavLst>
-                                        <p:tav tm="0">
-                                          <p:val>
-                                            <p:fltVal val="0"/>
-                                          </p:val>
-                                        </p:tav>
-                                        <p:tav tm="100000">
-                                          <p:val>
-                                            <p:strVal val="#ppt_w"/>
-                                          </p:val>
-                                        </p:tav>
-                                      </p:tavLst>
-                                    </p:anim>
-                                    <p:anim calcmode="lin" valueType="num">
-                                      <p:cBhvr>
-                                        <p:cTn id="8" dur="500" fill="hold"/>
-                                        <p:tgtEl>
-                                          <p:spTgt spid="4"/>
-                                        </p:tgtEl>
-                                        <p:attrNameLst>
-                                          <p:attrName>ppt_h</p:attrName>
-                                        </p:attrNameLst>
-                                      </p:cBhvr>
-                                      <p:tavLst>
-                                        <p:tav tm="0">
-                                          <p:val>
-                                            <p:fltVal val="0"/>
-                                          </p:val>
-                                        </p:tav>
-                                        <p:tav tm="100000">
-                                          <p:val>
-                                            <p:strVal val="#ppt_h"/>
-                                          </p:val>
-                                        </p:tav>
-                                      </p:tavLst>
-                                    </p:anim>
-                                    <p:animEffect transition="in" filter="fade">
-                                      <p:cBhvr>
-                                        <p:cTn id="9" dur="500"/>
-                                        <p:tgtEl>
-                                          <p:spTgt spid="4"/>
-                                        </p:tgtEl>
-                                      </p:cBhvr>
-                                    </p:animEffect>
-                                  </p:childTnLst>
-                                </p:cTn>
-                              </p:par>
-                            </p:childTnLst>
-                          </p:cTn>
-                        </p:par>
-                        <p:par>
-                          <p:cTn id="10" fill="hold">
-                            <p:stCondLst>
-                              <p:cond delay="500"/>
-                            </p:stCondLst>
-                            <p:childTnLst>
-                              <p:par>
-                                <p:cTn id="11" presetID="22" presetClass="entr" presetSubtype="4" fill="hold" grpId="0" nodeType="afterEffect">
-                                  <p:stCondLst>
-                                    <p:cond delay="0"/>
-                                  </p:stCondLst>
-                                  <p:childTnLst>
-                                    <p:set>
-                                      <p:cBhvr>
-                                        <p:cTn id="12" dur="1" fill="hold">
-                                          <p:stCondLst>
-                                            <p:cond delay="0"/>
-                                          </p:stCondLst>
-                                        </p:cTn>
-                                        <p:tgtEl>
-                                          <p:spTgt spid="5"/>
-                                        </p:tgtEl>
-                                        <p:attrNameLst>
-                                          <p:attrName>style.visibility</p:attrName>
-                                        </p:attrNameLst>
-                                      </p:cBhvr>
-                                      <p:to>
-                                        <p:strVal val="visible"/>
-                                      </p:to>
-                                    </p:set>
-                                    <p:animEffect transition="in" filter="wipe(down)">
-                                      <p:cBhvr>
-                                        <p:cTn id="13" dur="500"/>
-                                        <p:tgtEl>
-                                          <p:spTgt spid="5"/>
-                                        </p:tgtEl>
-                                      </p:cBhvr>
-                                    </p:animEffect>
-                                  </p:childTnLst>
-                                </p:cTn>
-                              </p:par>
-                            </p:childTnLst>
-                          </p:cTn>
-                        </p:par>
-                      </p:childTnLst>
-                    </p:cTn>
-                  </p:par>
-                </p:childTnLst>
-              </p:cTn>
-              <p:prevCondLst>
-                <p:cond evt="onPrev" delay="0">
-                  <p:tgtEl>
-                    <p:sldTgt/>
-                  </p:tgtEl>
-                </p:cond>
-              </p:prevCondLst>
-              <p:nextCondLst>
-                <p:cond evt="onNext" delay="0">
-                  <p:tgtEl>
-                    <p:sldTgt/>
-                  </p:tgtEl>
-                </p:cond>
-              </p:nextCondLst>
-            </p:seq>
-          </p:childTnLst>
-        </p:cTn>
-      </p:par>
-    </p:tnLst>
-    <p:bldLst>
-      <p:bldP spid="4" grpId="0" animBg="1"/>
-      <p:bldP spid="5" grpId="0"/>
-    </p:bldLst>
-  </p:timing>
 </p:sld>
 </file>
 
-<file path=ppt/slides/slide13.xml><?xml version="1.0" encoding="utf-8"?>
+<file path=ppt/slides/slide12.xml><?xml version="1.0" encoding="utf-8"?>
 <p:sld xmlns:a="http://schemas.openxmlformats.org/drawingml/2006/main" xmlns:r="http://schemas.openxmlformats.org/officeDocument/2006/relationships" xmlns:p="http://schemas.openxmlformats.org/presentationml/2006/main">
   <p:cSld>
     <p:spTree>
@@ -6355,7 +5910,7 @@
           </p:nvPr>
         </p:nvPicPr>
         <p:blipFill>
-          <a:blip r:embed="rId2" cstate="print">
+          <a:blip r:embed="rId4" cstate="print">
             <a:extLst>
               <a:ext uri="{28A0092B-C50C-407E-A947-70E740481C1C}">
                 <a14:useLocalDpi xmlns:a14="http://schemas.microsoft.com/office/drawing/2010/main" val="0"/>
@@ -6464,7 +6019,7 @@
                 <a:latin typeface="微软雅黑" panose="020B0503020204020204" charset="-122"/>
                 <a:ea typeface="微软雅黑" panose="020B0503020204020204" charset="-122"/>
               </a:rPr>
-              <a:t>4.</a:t>
+              <a:t>3.</a:t>
             </a:r>
             <a:r>
               <a:rPr lang="zh-CN" altLang="en-US" sz="1200" spc="600" dirty="0">
@@ -6474,15 +6029,8 @@
                 <a:latin typeface="微软雅黑" panose="020B0503020204020204" charset="-122"/>
                 <a:ea typeface="微软雅黑" panose="020B0503020204020204" charset="-122"/>
               </a:rPr>
-              <a:t>多线程与大数据排序</a:t>
-            </a:r>
-            <a:endParaRPr lang="zh-CN" altLang="en-US" sz="1200" spc="600" dirty="0">
-              <a:solidFill>
-                <a:srgbClr val="919DCB"/>
-              </a:solidFill>
-              <a:latin typeface="微软雅黑" panose="020B0503020204020204" charset="-122"/>
-              <a:ea typeface="微软雅黑" panose="020B0503020204020204" charset="-122"/>
-            </a:endParaRPr>
+              <a:t>多线程排序</a:t>
+            </a:r>
           </a:p>
         </p:txBody>
       </p:sp>
@@ -6506,6 +6054,7 @@
           <a:bodyPr wrap="square" rtlCol="0">
             <a:spAutoFit/>
           </a:bodyPr>
+          <a:lstStyle/>
           <a:p>
             <a:pPr algn="ctr"/>
             <a:r>
@@ -6516,606 +6065,8 @@
                 <a:latin typeface="微软雅黑" panose="020B0503020204020204" charset="-122"/>
                 <a:ea typeface="微软雅黑" panose="020B0503020204020204" charset="-122"/>
               </a:rPr>
-              <a:t>以</a:t>
-            </a:r>
-            <a:r>
-              <a:rPr lang="zh-CN" altLang="en-US" sz="1200" spc="600" dirty="0">
-                <a:solidFill>
-                  <a:srgbClr val="919DCB"/>
-                </a:solidFill>
-                <a:latin typeface="微软雅黑" panose="020B0503020204020204" charset="-122"/>
-                <a:ea typeface="微软雅黑" panose="020B0503020204020204" charset="-122"/>
-              </a:rPr>
-              <a:t>归并排序</a:t>
-            </a:r>
-            <a:r>
-              <a:rPr lang="zh-CN" altLang="en-US" sz="1200" spc="600" dirty="0">
-                <a:solidFill>
-                  <a:srgbClr val="919DCB"/>
-                </a:solidFill>
-                <a:latin typeface="微软雅黑" panose="020B0503020204020204" charset="-122"/>
-                <a:ea typeface="微软雅黑" panose="020B0503020204020204" charset="-122"/>
-              </a:rPr>
-              <a:t>为例</a:t>
-            </a:r>
-            <a:endParaRPr lang="zh-CN" altLang="en-US" sz="1200" spc="600" dirty="0">
-              <a:solidFill>
-                <a:srgbClr val="919DCB"/>
-              </a:solidFill>
-              <a:latin typeface="微软雅黑" panose="020B0503020204020204" charset="-122"/>
-              <a:ea typeface="微软雅黑" panose="020B0503020204020204" charset="-122"/>
-            </a:endParaRPr>
-          </a:p>
-        </p:txBody>
-      </p:sp>
-      <p:pic>
-        <p:nvPicPr>
-          <p:cNvPr id="2" name="图片 1"/>
-          <p:cNvPicPr>
-            <a:picLocks noChangeAspect="1"/>
-          </p:cNvPicPr>
-          <p:nvPr/>
-        </p:nvPicPr>
-        <p:blipFill>
-          <a:blip r:embed="rId3"/>
-          <a:stretch>
-            <a:fillRect/>
-          </a:stretch>
-        </p:blipFill>
-        <p:spPr>
-          <a:xfrm>
-            <a:off x="252095" y="838835"/>
-            <a:ext cx="3776980" cy="3787775"/>
-          </a:xfrm>
-          <a:prstGeom prst="rect">
-            <a:avLst/>
-          </a:prstGeom>
-        </p:spPr>
-      </p:pic>
-      <p:sp>
-        <p:nvSpPr>
-          <p:cNvPr id="8" name="文本框 7"/>
-          <p:cNvSpPr txBox="1"/>
-          <p:nvPr/>
-        </p:nvSpPr>
-        <p:spPr>
-          <a:xfrm>
-            <a:off x="4356735" y="791845"/>
-            <a:ext cx="4052570" cy="3589655"/>
-          </a:xfrm>
-          <a:prstGeom prst="rect">
-            <a:avLst/>
-          </a:prstGeom>
-          <a:noFill/>
-        </p:spPr>
-        <p:txBody>
-          <a:bodyPr wrap="square" rtlCol="0">
-            <a:noAutofit/>
-          </a:bodyPr>
-          <a:p>
-            <a:pPr algn="l">
-              <a:buClrTx/>
-              <a:buSzTx/>
-              <a:buFontTx/>
-            </a:pPr>
-            <a:r>
-              <a:rPr lang="zh-CN" altLang="en-US" sz="1200" spc="600" dirty="0">
-                <a:solidFill>
-                  <a:srgbClr val="919DCB"/>
-                </a:solidFill>
-                <a:latin typeface="微软雅黑" panose="020B0503020204020204" charset="-122"/>
-                <a:ea typeface="微软雅黑" panose="020B0503020204020204" charset="-122"/>
-              </a:rPr>
-              <a:t>算法逻辑分析</a:t>
-            </a:r>
-            <a:endParaRPr lang="zh-CN" altLang="en-US" sz="1200" spc="600" dirty="0">
-              <a:solidFill>
-                <a:srgbClr val="919DCB"/>
-              </a:solidFill>
-              <a:latin typeface="微软雅黑" panose="020B0503020204020204" charset="-122"/>
-              <a:ea typeface="微软雅黑" panose="020B0503020204020204" charset="-122"/>
-            </a:endParaRPr>
-          </a:p>
-          <a:p>
-            <a:pPr algn="l">
-              <a:buClrTx/>
-              <a:buSzTx/>
-              <a:buFontTx/>
-            </a:pPr>
-            <a:endParaRPr lang="zh-CN" altLang="en-US" sz="1200" spc="600" dirty="0">
-              <a:solidFill>
-                <a:srgbClr val="919DCB"/>
-              </a:solidFill>
-              <a:latin typeface="微软雅黑" panose="020B0503020204020204" charset="-122"/>
-              <a:ea typeface="微软雅黑" panose="020B0503020204020204" charset="-122"/>
-            </a:endParaRPr>
-          </a:p>
-          <a:p>
-            <a:pPr algn="l">
-              <a:buClrTx/>
-              <a:buSzTx/>
-              <a:buFontTx/>
-            </a:pPr>
-            <a:endParaRPr lang="zh-CN" altLang="en-US" sz="1200" spc="600" dirty="0">
-              <a:solidFill>
-                <a:srgbClr val="919DCB"/>
-              </a:solidFill>
-              <a:latin typeface="微软雅黑" panose="020B0503020204020204" charset="-122"/>
-              <a:ea typeface="微软雅黑" panose="020B0503020204020204" charset="-122"/>
-            </a:endParaRPr>
-          </a:p>
-          <a:p>
-            <a:pPr algn="l" fontAlgn="t">
-              <a:buClrTx/>
-              <a:buSzTx/>
-              <a:buFontTx/>
-            </a:pPr>
-            <a:r>
-              <a:rPr lang="zh-CN" sz="1200" spc="600" dirty="0">
-                <a:solidFill>
-                  <a:srgbClr val="919DCB"/>
-                </a:solidFill>
-                <a:latin typeface="微软雅黑" panose="020B0503020204020204" charset="-122"/>
-                <a:ea typeface="微软雅黑" panose="020B0503020204020204" charset="-122"/>
-              </a:rPr>
-              <a:t>先将整体拆分成</a:t>
-            </a:r>
-            <a:r>
-              <a:rPr sz="1200" spc="600" dirty="0">
-                <a:solidFill>
-                  <a:srgbClr val="919DCB"/>
-                </a:solidFill>
-                <a:latin typeface="微软雅黑" panose="020B0503020204020204" charset="-122"/>
-                <a:ea typeface="微软雅黑" panose="020B0503020204020204" charset="-122"/>
-              </a:rPr>
-              <a:t>两组数值序列A、B</a:t>
-            </a:r>
-            <a:endParaRPr sz="1200" spc="600" dirty="0">
-              <a:solidFill>
-                <a:srgbClr val="919DCB"/>
-              </a:solidFill>
-              <a:latin typeface="微软雅黑" panose="020B0503020204020204" charset="-122"/>
-              <a:ea typeface="微软雅黑" panose="020B0503020204020204" charset="-122"/>
-            </a:endParaRPr>
-          </a:p>
-          <a:p>
-            <a:pPr algn="l" fontAlgn="t">
-              <a:buClrTx/>
-              <a:buSzTx/>
-              <a:buFontTx/>
-            </a:pPr>
-            <a:r>
-              <a:rPr lang="zh-CN" sz="1200" spc="600" dirty="0">
-                <a:solidFill>
-                  <a:srgbClr val="919DCB"/>
-                </a:solidFill>
-                <a:latin typeface="微软雅黑" panose="020B0503020204020204" charset="-122"/>
-                <a:ea typeface="微软雅黑" panose="020B0503020204020204" charset="-122"/>
-              </a:rPr>
-              <a:t>再</a:t>
-            </a:r>
-            <a:r>
-              <a:rPr sz="1200" spc="600" dirty="0">
-                <a:solidFill>
-                  <a:srgbClr val="919DCB"/>
-                </a:solidFill>
-                <a:latin typeface="微软雅黑" panose="020B0503020204020204" charset="-122"/>
-                <a:ea typeface="微软雅黑" panose="020B0503020204020204" charset="-122"/>
-              </a:rPr>
-              <a:t>采用递归的思想，将</a:t>
-            </a:r>
-            <a:r>
-              <a:rPr lang="zh-CN" sz="1200" spc="600" dirty="0">
-                <a:solidFill>
-                  <a:srgbClr val="919DCB"/>
-                </a:solidFill>
-                <a:latin typeface="微软雅黑" panose="020B0503020204020204" charset="-122"/>
-                <a:ea typeface="微软雅黑" panose="020B0503020204020204" charset="-122"/>
-              </a:rPr>
-              <a:t>所得到的</a:t>
-            </a:r>
-            <a:r>
-              <a:rPr sz="1200" spc="600" dirty="0">
-                <a:solidFill>
-                  <a:srgbClr val="919DCB"/>
-                </a:solidFill>
-                <a:latin typeface="微软雅黑" panose="020B0503020204020204" charset="-122"/>
-                <a:ea typeface="微软雅黑" panose="020B0503020204020204" charset="-122"/>
-              </a:rPr>
-              <a:t>序列拆分为两组子序列，然后对两组子序列再次进行拆分，直到每一个子序列中仅有一个元素，然后将两个只有一个元素的序列归并为一个含有两个元素的序列，再将两个含有两个元素的序列进行归并，</a:t>
-            </a:r>
-            <a:endParaRPr sz="1200" spc="600" dirty="0">
-              <a:solidFill>
-                <a:srgbClr val="919DCB"/>
-              </a:solidFill>
-              <a:latin typeface="微软雅黑" panose="020B0503020204020204" charset="-122"/>
-              <a:ea typeface="微软雅黑" panose="020B0503020204020204" charset="-122"/>
-            </a:endParaRPr>
-          </a:p>
-          <a:p>
-            <a:pPr algn="l" fontAlgn="t">
-              <a:buClrTx/>
-              <a:buSzTx/>
-              <a:buFontTx/>
-            </a:pPr>
-            <a:r>
-              <a:rPr sz="1200" spc="600" dirty="0">
-                <a:solidFill>
-                  <a:srgbClr val="919DCB"/>
-                </a:solidFill>
-                <a:latin typeface="微软雅黑" panose="020B0503020204020204" charset="-122"/>
-                <a:ea typeface="微软雅黑" panose="020B0503020204020204" charset="-122"/>
-              </a:rPr>
-              <a:t>依此类推，直到所有元素都完成归并</a:t>
-            </a:r>
-            <a:endParaRPr lang="en-US" sz="1200" spc="600" dirty="0">
-              <a:solidFill>
-                <a:srgbClr val="919DCB"/>
-              </a:solidFill>
-              <a:latin typeface="微软雅黑" panose="020B0503020204020204" charset="-122"/>
-              <a:ea typeface="微软雅黑" panose="020B0503020204020204" charset="-122"/>
-            </a:endParaRPr>
-          </a:p>
-          <a:p>
-            <a:pPr algn="l" fontAlgn="t">
-              <a:buClrTx/>
-              <a:buSzTx/>
-              <a:buFontTx/>
-            </a:pPr>
-            <a:endParaRPr lang="en-US" sz="1200" spc="600" dirty="0">
-              <a:solidFill>
-                <a:srgbClr val="919DCB"/>
-              </a:solidFill>
-              <a:latin typeface="微软雅黑" panose="020B0503020204020204" charset="-122"/>
-              <a:ea typeface="微软雅黑" panose="020B0503020204020204" charset="-122"/>
-            </a:endParaRPr>
-          </a:p>
-          <a:p>
-            <a:pPr algn="l" fontAlgn="t">
-              <a:buClrTx/>
-              <a:buSzTx/>
-              <a:buFontTx/>
-            </a:pPr>
-            <a:r>
-              <a:rPr lang="zh-CN" altLang="en-US" sz="1200" spc="600" dirty="0">
-                <a:solidFill>
-                  <a:srgbClr val="919DCB"/>
-                </a:solidFill>
-                <a:latin typeface="微软雅黑" panose="020B0503020204020204" charset="-122"/>
-                <a:ea typeface="微软雅黑" panose="020B0503020204020204" charset="-122"/>
-              </a:rPr>
-              <a:t>先把两个序列拆分成两个线程去完成工作</a:t>
-            </a:r>
-            <a:r>
-              <a:rPr lang="en-US" altLang="zh-CN" sz="1200" spc="600" dirty="0">
-                <a:solidFill>
-                  <a:srgbClr val="919DCB"/>
-                </a:solidFill>
-                <a:latin typeface="微软雅黑" panose="020B0503020204020204" charset="-122"/>
-                <a:ea typeface="微软雅黑" panose="020B0503020204020204" charset="-122"/>
-              </a:rPr>
-              <a:t>,</a:t>
-            </a:r>
-            <a:r>
-              <a:rPr lang="zh-CN" altLang="en-US" sz="1200" spc="600" dirty="0">
-                <a:solidFill>
-                  <a:srgbClr val="919DCB"/>
-                </a:solidFill>
-                <a:latin typeface="微软雅黑" panose="020B0503020204020204" charset="-122"/>
-                <a:ea typeface="微软雅黑" panose="020B0503020204020204" charset="-122"/>
-              </a:rPr>
-              <a:t>分线程工作完毕之后进行一次</a:t>
-            </a:r>
-            <a:r>
-              <a:rPr lang="en-US" altLang="zh-CN" sz="1200" spc="600" dirty="0">
-                <a:solidFill>
-                  <a:srgbClr val="919DCB"/>
-                </a:solidFill>
-                <a:latin typeface="微软雅黑" panose="020B0503020204020204" charset="-122"/>
-                <a:ea typeface="微软雅黑" panose="020B0503020204020204" charset="-122"/>
-              </a:rPr>
-              <a:t>merge</a:t>
-            </a:r>
-            <a:r>
-              <a:rPr lang="zh-CN" altLang="en-US" sz="1200" spc="600" dirty="0">
-                <a:solidFill>
-                  <a:srgbClr val="919DCB"/>
-                </a:solidFill>
-                <a:latin typeface="微软雅黑" panose="020B0503020204020204" charset="-122"/>
-                <a:ea typeface="微软雅黑" panose="020B0503020204020204" charset="-122"/>
-              </a:rPr>
-              <a:t>合并，即可完成多线程的排序</a:t>
-            </a:r>
-            <a:r>
-              <a:rPr lang="zh-CN" altLang="en-US" sz="1200" spc="600" dirty="0">
-                <a:solidFill>
-                  <a:srgbClr val="919DCB"/>
-                </a:solidFill>
-                <a:latin typeface="微软雅黑" panose="020B0503020204020204" charset="-122"/>
-                <a:ea typeface="微软雅黑" panose="020B0503020204020204" charset="-122"/>
-              </a:rPr>
-              <a:t>工作。</a:t>
-            </a:r>
-            <a:endParaRPr lang="zh-CN" altLang="en-US" sz="1200" spc="600" dirty="0">
-              <a:solidFill>
-                <a:srgbClr val="919DCB"/>
-              </a:solidFill>
-              <a:latin typeface="微软雅黑" panose="020B0503020204020204" charset="-122"/>
-              <a:ea typeface="微软雅黑" panose="020B0503020204020204" charset="-122"/>
-            </a:endParaRPr>
-          </a:p>
-        </p:txBody>
-      </p:sp>
-    </p:spTree>
-  </p:cSld>
-  <p:clrMapOvr>
-    <a:masterClrMapping/>
-  </p:clrMapOvr>
-  <mc:AlternateContent xmlns:mc="http://schemas.openxmlformats.org/markup-compatibility/2006">
-    <mc:Choice xmlns:p14="http://schemas.microsoft.com/office/powerpoint/2010/main" Requires="p14">
-      <p:transition spd="med" p14:dur="700" advTm="2376">
-        <p:fade/>
-      </p:transition>
-    </mc:Choice>
-    <mc:Fallback>
-      <p:transition spd="med" advTm="2376">
-        <p:fade/>
-      </p:transition>
-    </mc:Fallback>
-  </mc:AlternateContent>
-</p:sld>
-</file>
-
-<file path=ppt/slides/slide14.xml><?xml version="1.0" encoding="utf-8"?>
-<p:sld xmlns:a="http://schemas.openxmlformats.org/drawingml/2006/main" xmlns:r="http://schemas.openxmlformats.org/officeDocument/2006/relationships" xmlns:p="http://schemas.openxmlformats.org/presentationml/2006/main">
-  <p:cSld>
-    <p:spTree>
-      <p:nvGrpSpPr>
-        <p:cNvPr id="1" name=""/>
-        <p:cNvGrpSpPr/>
-        <p:nvPr/>
-      </p:nvGrpSpPr>
-      <p:grpSpPr>
-        <a:xfrm>
-          <a:off x="0" y="0"/>
-          <a:ext cx="0" cy="0"/>
-          <a:chOff x="0" y="0"/>
-          <a:chExt cx="0" cy="0"/>
-        </a:xfrm>
-      </p:grpSpPr>
-      <p:cxnSp>
-        <p:nvCxnSpPr>
-          <p:cNvPr id="37" name="直接连接符 36"/>
-          <p:cNvCxnSpPr/>
-          <p:nvPr/>
-        </p:nvCxnSpPr>
-        <p:spPr>
-          <a:xfrm>
-            <a:off x="180082" y="431924"/>
-            <a:ext cx="8280920" cy="0"/>
-          </a:xfrm>
-          <a:prstGeom prst="line">
-            <a:avLst/>
-          </a:prstGeom>
-        </p:spPr>
-        <p:style>
-          <a:lnRef idx="1">
-            <a:schemeClr val="accent1"/>
-          </a:lnRef>
-          <a:fillRef idx="0">
-            <a:schemeClr val="accent1"/>
-          </a:fillRef>
-          <a:effectRef idx="0">
-            <a:schemeClr val="accent1"/>
-          </a:effectRef>
-          <a:fontRef idx="minor">
-            <a:schemeClr val="tx1"/>
-          </a:fontRef>
-        </p:style>
-      </p:cxnSp>
-      <p:pic>
-        <p:nvPicPr>
-          <p:cNvPr id="38" name="Picture 2" descr="C:\Documents and Settings\Administrator\桌面\新建文件夹 (2)\5.15封面参考\复件 (27) 新建文件夹\0f1ac98d7ad0e38211.jpg"/>
-          <p:cNvPicPr>
-            <a:picLocks noChangeAspect="1" noChangeArrowheads="1"/>
-          </p:cNvPicPr>
-          <p:nvPr>
-            <p:custDataLst>
-              <p:tags r:id="rId1"/>
-            </p:custDataLst>
-          </p:nvPr>
-        </p:nvPicPr>
-        <p:blipFill>
-          <a:blip r:embed="rId2" cstate="print">
-            <a:extLst>
-              <a:ext uri="{28A0092B-C50C-407E-A947-70E740481C1C}">
-                <a14:useLocalDpi xmlns:a14="http://schemas.microsoft.com/office/drawing/2010/main" val="0"/>
-              </a:ext>
-            </a:extLst>
-          </a:blip>
-          <a:srcRect/>
-          <a:stretch>
-            <a:fillRect/>
-          </a:stretch>
-        </p:blipFill>
-        <p:spPr bwMode="auto">
-          <a:xfrm rot="15970416">
-            <a:off x="7198970" y="309105"/>
-            <a:ext cx="2526441" cy="1421123"/>
-          </a:xfrm>
-          <a:prstGeom prst="rect">
-            <a:avLst/>
-          </a:prstGeom>
-          <a:noFill/>
-          <a:extLst>
-            <a:ext uri="{909E8E84-426E-40DD-AFC4-6F175D3DCCD1}">
-              <a14:hiddenFill xmlns:a14="http://schemas.microsoft.com/office/drawing/2010/main">
-                <a:solidFill>
-                  <a:srgbClr val="FFFFFF"/>
-                </a:solidFill>
-              </a14:hiddenFill>
-            </a:ext>
-          </a:extLst>
-        </p:spPr>
-      </p:pic>
-      <p:sp>
-        <p:nvSpPr>
-          <p:cNvPr id="39" name="矩形 38"/>
-          <p:cNvSpPr/>
-          <p:nvPr/>
-        </p:nvSpPr>
-        <p:spPr>
-          <a:xfrm>
-            <a:off x="7740922" y="1224012"/>
-            <a:ext cx="936104" cy="1296144"/>
-          </a:xfrm>
-          <a:prstGeom prst="rect">
-            <a:avLst/>
-          </a:prstGeom>
-          <a:solidFill>
-            <a:srgbClr val="FFFFFF"/>
-          </a:solidFill>
-          <a:ln>
-            <a:noFill/>
-          </a:ln>
-        </p:spPr>
-        <p:style>
-          <a:lnRef idx="2">
-            <a:schemeClr val="accent1">
-              <a:shade val="50000"/>
-            </a:schemeClr>
-          </a:lnRef>
-          <a:fillRef idx="1">
-            <a:schemeClr val="accent1"/>
-          </a:fillRef>
-          <a:effectRef idx="0">
-            <a:schemeClr val="accent1"/>
-          </a:effectRef>
-          <a:fontRef idx="minor">
-            <a:schemeClr val="lt1"/>
-          </a:fontRef>
-        </p:style>
-        <p:txBody>
-          <a:bodyPr rtlCol="0" anchor="ctr"/>
-          <a:lstStyle/>
-          <a:p>
-            <a:pPr algn="ctr"/>
-            <a:endParaRPr lang="zh-CN" altLang="en-US"/>
-          </a:p>
-        </p:txBody>
-      </p:sp>
-      <p:sp>
-        <p:nvSpPr>
-          <p:cNvPr id="40" name="文本框 24"/>
-          <p:cNvSpPr txBox="1"/>
-          <p:nvPr/>
-        </p:nvSpPr>
-        <p:spPr>
-          <a:xfrm>
-            <a:off x="36066" y="154925"/>
-            <a:ext cx="2673002" cy="276999"/>
-          </a:xfrm>
-          <a:prstGeom prst="rect">
-            <a:avLst/>
-          </a:prstGeom>
-          <a:noFill/>
-        </p:spPr>
-        <p:txBody>
-          <a:bodyPr wrap="square" rtlCol="0">
-            <a:spAutoFit/>
-          </a:bodyPr>
-          <a:lstStyle/>
-          <a:p>
-            <a:pPr algn="ctr"/>
-            <a:r>
-              <a:rPr lang="en-US" altLang="zh-CN" sz="1200" spc="600" dirty="0">
-                <a:solidFill>
-                  <a:srgbClr val="919DCB"/>
-                </a:solidFill>
-                <a:latin typeface="微软雅黑" panose="020B0503020204020204" charset="-122"/>
-                <a:ea typeface="微软雅黑" panose="020B0503020204020204" charset="-122"/>
-              </a:rPr>
-              <a:t>4.</a:t>
-            </a:r>
-            <a:r>
-              <a:rPr lang="zh-CN" altLang="en-US" sz="1200" spc="600" dirty="0">
-                <a:solidFill>
-                  <a:srgbClr val="919DCB"/>
-                </a:solidFill>
-                <a:latin typeface="微软雅黑" panose="020B0503020204020204" charset="-122"/>
-                <a:ea typeface="微软雅黑" panose="020B0503020204020204" charset="-122"/>
-              </a:rPr>
-              <a:t>多线程与大数据排序</a:t>
-            </a:r>
-            <a:endParaRPr lang="zh-CN" altLang="en-US" sz="1200" spc="600" dirty="0">
-              <a:solidFill>
-                <a:srgbClr val="919DCB"/>
-              </a:solidFill>
-              <a:latin typeface="微软雅黑" panose="020B0503020204020204" charset="-122"/>
-              <a:ea typeface="微软雅黑" panose="020B0503020204020204" charset="-122"/>
-            </a:endParaRPr>
-          </a:p>
-        </p:txBody>
-      </p:sp>
-      <p:sp>
-        <p:nvSpPr>
-          <p:cNvPr id="5" name="文本框 24"/>
-          <p:cNvSpPr txBox="1"/>
-          <p:nvPr/>
-        </p:nvSpPr>
-        <p:spPr>
-          <a:xfrm>
-            <a:off x="468501" y="504175"/>
-            <a:ext cx="1872208" cy="275590"/>
-          </a:xfrm>
-          <a:prstGeom prst="rect">
-            <a:avLst/>
-          </a:prstGeom>
-          <a:noFill/>
-        </p:spPr>
-        <p:txBody>
-          <a:bodyPr wrap="square" rtlCol="0">
-            <a:spAutoFit/>
-          </a:bodyPr>
-          <a:p>
-            <a:pPr algn="ctr"/>
-            <a:r>
-              <a:rPr lang="zh-CN" altLang="en-US" sz="1200" spc="600" dirty="0">
-                <a:solidFill>
-                  <a:srgbClr val="919DCB"/>
-                </a:solidFill>
-                <a:latin typeface="微软雅黑" panose="020B0503020204020204" charset="-122"/>
-                <a:ea typeface="微软雅黑" panose="020B0503020204020204" charset="-122"/>
-              </a:rPr>
-              <a:t>以</a:t>
-            </a:r>
-            <a:r>
-              <a:rPr lang="zh-CN" altLang="en-US" sz="1200" spc="600" dirty="0">
-                <a:solidFill>
-                  <a:srgbClr val="919DCB"/>
-                </a:solidFill>
-                <a:latin typeface="微软雅黑" panose="020B0503020204020204" charset="-122"/>
-                <a:ea typeface="微软雅黑" panose="020B0503020204020204" charset="-122"/>
-              </a:rPr>
-              <a:t>归并排序</a:t>
-            </a:r>
-            <a:r>
-              <a:rPr lang="zh-CN" altLang="en-US" sz="1200" spc="600" dirty="0">
-                <a:solidFill>
-                  <a:srgbClr val="919DCB"/>
-                </a:solidFill>
-                <a:latin typeface="微软雅黑" panose="020B0503020204020204" charset="-122"/>
-                <a:ea typeface="微软雅黑" panose="020B0503020204020204" charset="-122"/>
-              </a:rPr>
-              <a:t>为例</a:t>
-            </a:r>
-            <a:endParaRPr lang="zh-CN" altLang="en-US" sz="1200" spc="600" dirty="0">
-              <a:solidFill>
-                <a:srgbClr val="919DCB"/>
-              </a:solidFill>
-              <a:latin typeface="微软雅黑" panose="020B0503020204020204" charset="-122"/>
-              <a:ea typeface="微软雅黑" panose="020B0503020204020204" charset="-122"/>
-            </a:endParaRPr>
+              <a:t>以归并排序为例</a:t>
+            </a:r>
           </a:p>
         </p:txBody>
       </p:sp>
@@ -7128,7 +6079,7 @@
           <p:nvPr/>
         </p:nvPicPr>
         <p:blipFill>
-          <a:blip r:embed="rId3"/>
+          <a:blip r:embed="rId5"/>
           <a:stretch>
             <a:fillRect/>
           </a:stretch>
@@ -7163,6 +6114,7 @@
           <a:bodyPr wrap="square" rtlCol="0">
             <a:noAutofit/>
           </a:bodyPr>
+          <a:lstStyle/>
           <a:p>
             <a:pPr algn="l">
               <a:buClrTx/>
@@ -7177,25 +6129,8 @@
                 <a:latin typeface="微软雅黑" panose="020B0503020204020204" charset="-122"/>
                 <a:ea typeface="微软雅黑" panose="020B0503020204020204" charset="-122"/>
               </a:rPr>
-              <a:t>主体</a:t>
-            </a:r>
-            <a:r>
-              <a:rPr lang="zh-CN" altLang="en-US" sz="1200" spc="600" dirty="0">
-                <a:solidFill>
-                  <a:srgbClr val="919DCB"/>
-                </a:solidFill>
-                <a:latin typeface="微软雅黑" panose="020B0503020204020204" charset="-122"/>
-                <a:ea typeface="微软雅黑" panose="020B0503020204020204" charset="-122"/>
-              </a:rPr>
-              <a:t>函数</a:t>
-            </a:r>
-            <a:endParaRPr lang="zh-CN" altLang="en-US" sz="1200" spc="600" dirty="0">
-              <a:solidFill>
-                <a:srgbClr val="919DCB"/>
-              </a:solidFill>
-              <a:latin typeface="微软雅黑" panose="020B0503020204020204" charset="-122"/>
-              <a:ea typeface="微软雅黑" panose="020B0503020204020204" charset="-122"/>
-            </a:endParaRPr>
+              <a:t>主体函数</a:t>
+            </a:r>
           </a:p>
           <a:p>
             <a:pPr algn="l">
@@ -7245,25 +6180,8 @@
                 <a:latin typeface="微软雅黑" panose="020B0503020204020204" charset="-122"/>
                 <a:ea typeface="微软雅黑" panose="020B0503020204020204" charset="-122"/>
               </a:rPr>
-              <a:t>的随机值大小的</a:t>
-            </a:r>
-            <a:r>
-              <a:rPr lang="zh-CN" altLang="en-US" sz="1200" spc="600" dirty="0">
-                <a:solidFill>
-                  <a:srgbClr val="919DCB"/>
-                </a:solidFill>
-                <a:latin typeface="微软雅黑" panose="020B0503020204020204" charset="-122"/>
-                <a:ea typeface="微软雅黑" panose="020B0503020204020204" charset="-122"/>
-              </a:rPr>
-              <a:t>数组。</a:t>
-            </a:r>
-            <a:endParaRPr lang="zh-CN" altLang="en-US" sz="1200" spc="600" dirty="0">
-              <a:solidFill>
-                <a:srgbClr val="919DCB"/>
-              </a:solidFill>
-              <a:latin typeface="微软雅黑" panose="020B0503020204020204" charset="-122"/>
-              <a:ea typeface="微软雅黑" panose="020B0503020204020204" charset="-122"/>
-            </a:endParaRPr>
+              <a:t>的随机值大小的数组。</a:t>
+            </a:r>
           </a:p>
           <a:p>
             <a:pPr algn="l" fontAlgn="t">
@@ -7293,25 +6211,8 @@
                 <a:latin typeface="微软雅黑" panose="020B0503020204020204" charset="-122"/>
                 <a:ea typeface="微软雅黑" panose="020B0503020204020204" charset="-122"/>
               </a:rPr>
-              <a:t>然后创建线程容器，创建生成随机数的线程，完成</a:t>
-            </a:r>
-            <a:r>
-              <a:rPr lang="zh-CN" altLang="en-US" sz="1200" spc="600" dirty="0">
-                <a:solidFill>
-                  <a:srgbClr val="919DCB"/>
-                </a:solidFill>
-                <a:latin typeface="微软雅黑" panose="020B0503020204020204" charset="-122"/>
-                <a:ea typeface="微软雅黑" panose="020B0503020204020204" charset="-122"/>
-              </a:rPr>
-              <a:t>初始化。</a:t>
-            </a:r>
-            <a:endParaRPr lang="zh-CN" altLang="en-US" sz="1200" spc="600" dirty="0">
-              <a:solidFill>
-                <a:srgbClr val="919DCB"/>
-              </a:solidFill>
-              <a:latin typeface="微软雅黑" panose="020B0503020204020204" charset="-122"/>
-              <a:ea typeface="微软雅黑" panose="020B0503020204020204" charset="-122"/>
-            </a:endParaRPr>
+              <a:t>然后创建线程容器，创建生成随机数的线程，完成初始化。</a:t>
+            </a:r>
           </a:p>
           <a:p>
             <a:pPr algn="l" fontAlgn="t">
@@ -7363,13 +6264,6 @@
               </a:rPr>
               <a:t>函数</a:t>
             </a:r>
-            <a:endParaRPr lang="zh-CN" altLang="en-US" sz="1200" spc="600" dirty="0">
-              <a:solidFill>
-                <a:srgbClr val="919DCB"/>
-              </a:solidFill>
-              <a:latin typeface="微软雅黑" panose="020B0503020204020204" charset="-122"/>
-              <a:ea typeface="微软雅黑" panose="020B0503020204020204" charset="-122"/>
-            </a:endParaRPr>
           </a:p>
           <a:p>
             <a:pPr algn="l" fontAlgn="t">
@@ -7399,25 +6293,8 @@
                 <a:latin typeface="微软雅黑" panose="020B0503020204020204" charset="-122"/>
                 <a:ea typeface="微软雅黑" panose="020B0503020204020204" charset="-122"/>
               </a:rPr>
-              <a:t>最后将排好序的结果写入文件中，完成多线程的</a:t>
-            </a:r>
-            <a:r>
-              <a:rPr lang="zh-CN" altLang="en-US" sz="1200" spc="600" dirty="0">
-                <a:solidFill>
-                  <a:srgbClr val="919DCB"/>
-                </a:solidFill>
-                <a:latin typeface="微软雅黑" panose="020B0503020204020204" charset="-122"/>
-                <a:ea typeface="微软雅黑" panose="020B0503020204020204" charset="-122"/>
-              </a:rPr>
-              <a:t>归并排序</a:t>
-            </a:r>
-            <a:endParaRPr lang="zh-CN" altLang="en-US" sz="1200" spc="600" dirty="0">
-              <a:solidFill>
-                <a:srgbClr val="919DCB"/>
-              </a:solidFill>
-              <a:latin typeface="微软雅黑" panose="020B0503020204020204" charset="-122"/>
-              <a:ea typeface="微软雅黑" panose="020B0503020204020204" charset="-122"/>
-            </a:endParaRPr>
+              <a:t>最后将排好序的结果写入文件中，完成多线程的归并排序</a:t>
+            </a:r>
           </a:p>
         </p:txBody>
       </p:sp>
@@ -7426,13 +6303,13 @@
   <p:clrMapOvr>
     <a:masterClrMapping/>
   </p:clrMapOvr>
-  <mc:AlternateContent xmlns:mc="http://schemas.openxmlformats.org/markup-compatibility/2006">
-    <mc:Choice xmlns:p14="http://schemas.microsoft.com/office/powerpoint/2010/main" Requires="p14">
+  <mc:AlternateContent xmlns:mc="http://schemas.openxmlformats.org/markup-compatibility/2006" xmlns:p14="http://schemas.microsoft.com/office/powerpoint/2010/main">
+    <mc:Choice Requires="p14">
       <p:transition spd="med" p14:dur="700" advTm="2376">
         <p:fade/>
       </p:transition>
     </mc:Choice>
-    <mc:Fallback>
+    <mc:Fallback xmlns="">
       <p:transition spd="med" advTm="2376">
         <p:fade/>
       </p:transition>
@@ -7441,7 +6318,7 @@
 </p:sld>
 </file>
 
-<file path=ppt/slides/slide15.xml><?xml version="1.0" encoding="utf-8"?>
+<file path=ppt/slides/slide13.xml><?xml version="1.0" encoding="utf-8"?>
 <p:sld xmlns:a="http://schemas.openxmlformats.org/drawingml/2006/main" xmlns:r="http://schemas.openxmlformats.org/officeDocument/2006/relationships" xmlns:p="http://schemas.openxmlformats.org/presentationml/2006/main">
   <p:cSld>
     <p:spTree>
@@ -7467,7 +6344,7 @@
           <p:nvPr/>
         </p:nvPicPr>
         <p:blipFill>
-          <a:blip r:embed="rId1">
+          <a:blip r:embed="rId3">
             <a:extLst>
               <a:ext uri="{28A0092B-C50C-407E-A947-70E740481C1C}">
                 <a14:useLocalDpi xmlns:a14="http://schemas.microsoft.com/office/drawing/2010/main" val="0"/>
@@ -7582,13 +6459,13 @@
   <p:clrMapOvr>
     <a:masterClrMapping/>
   </p:clrMapOvr>
-  <mc:AlternateContent xmlns:mc="http://schemas.openxmlformats.org/markup-compatibility/2006">
-    <mc:Choice xmlns:p14="http://schemas.microsoft.com/office/powerpoint/2010/main" Requires="p14">
+  <mc:AlternateContent xmlns:mc="http://schemas.openxmlformats.org/markup-compatibility/2006" xmlns:p14="http://schemas.microsoft.com/office/powerpoint/2010/main">
+    <mc:Choice Requires="p14">
       <p:transition spd="med" p14:dur="700" advTm="2376">
         <p:fade/>
       </p:transition>
     </mc:Choice>
-    <mc:Fallback>
+    <mc:Fallback xmlns="">
       <p:transition spd="med" advTm="2376">
         <p:fade/>
       </p:transition>
@@ -7833,7 +6710,7 @@
           <p:nvPr/>
         </p:nvPicPr>
         <p:blipFill>
-          <a:blip r:embed="rId1">
+          <a:blip r:embed="rId3">
             <a:extLst>
               <a:ext uri="{28A0092B-C50C-407E-A947-70E740481C1C}">
                 <a14:useLocalDpi xmlns:a14="http://schemas.microsoft.com/office/drawing/2010/main" val="0"/>
@@ -7898,13 +6775,6 @@
               </a:rPr>
               <a:t>主要内容</a:t>
             </a:r>
-            <a:endParaRPr lang="zh-CN" altLang="en-US" sz="2400" dirty="0">
-              <a:solidFill>
-                <a:srgbClr val="919DCB"/>
-              </a:solidFill>
-              <a:latin typeface="微软雅黑" panose="020B0503020204020204" charset="-122"/>
-              <a:ea typeface="微软雅黑" panose="020B0503020204020204" charset="-122"/>
-            </a:endParaRPr>
           </a:p>
         </p:txBody>
       </p:sp>
@@ -8045,13 +6915,6 @@
               </a:rPr>
               <a:t>程序实现</a:t>
             </a:r>
-            <a:endParaRPr lang="zh-CN" altLang="en-US" sz="1400" spc="600" dirty="0">
-              <a:solidFill>
-                <a:srgbClr val="919DCB"/>
-              </a:solidFill>
-              <a:latin typeface="微软雅黑" panose="020B0503020204020204" charset="-122"/>
-              <a:ea typeface="微软雅黑" panose="020B0503020204020204" charset="-122"/>
-            </a:endParaRPr>
           </a:p>
         </p:txBody>
       </p:sp>
@@ -8138,15 +7001,8 @@
                 <a:latin typeface="微软雅黑" panose="020B0503020204020204" charset="-122"/>
                 <a:ea typeface="微软雅黑" panose="020B0503020204020204" charset="-122"/>
               </a:rPr>
-              <a:t>运行结果</a:t>
-            </a:r>
-            <a:endParaRPr lang="zh-CN" altLang="en-US" sz="1400" spc="600" dirty="0">
-              <a:solidFill>
-                <a:srgbClr val="919DCB"/>
-              </a:solidFill>
-              <a:latin typeface="微软雅黑" panose="020B0503020204020204" charset="-122"/>
-              <a:ea typeface="微软雅黑" panose="020B0503020204020204" charset="-122"/>
-            </a:endParaRPr>
+              <a:t>性能分析</a:t>
+            </a:r>
           </a:p>
         </p:txBody>
       </p:sp>
@@ -8181,15 +7037,8 @@
                 <a:latin typeface="微软雅黑" panose="020B0503020204020204" charset="-122"/>
                 <a:ea typeface="微软雅黑" panose="020B0503020204020204" charset="-122"/>
               </a:rPr>
-              <a:t>复杂度分析</a:t>
-            </a:r>
-            <a:endParaRPr lang="zh-CN" altLang="en-US" sz="1400" spc="600" dirty="0">
-              <a:solidFill>
-                <a:srgbClr val="919DCB"/>
-              </a:solidFill>
-              <a:latin typeface="微软雅黑" panose="020B0503020204020204" charset="-122"/>
-              <a:ea typeface="微软雅黑" panose="020B0503020204020204" charset="-122"/>
-            </a:endParaRPr>
+              <a:t>多线程排序</a:t>
+            </a:r>
           </a:p>
         </p:txBody>
       </p:sp>
@@ -8198,13 +7047,13 @@
   <p:clrMapOvr>
     <a:masterClrMapping/>
   </p:clrMapOvr>
-  <mc:AlternateContent xmlns:mc="http://schemas.openxmlformats.org/markup-compatibility/2006">
-    <mc:Choice xmlns:p14="http://schemas.microsoft.com/office/powerpoint/2010/main" Requires="p14">
+  <mc:AlternateContent xmlns:mc="http://schemas.openxmlformats.org/markup-compatibility/2006" xmlns:p14="http://schemas.microsoft.com/office/powerpoint/2010/main">
+    <mc:Choice Requires="p14">
       <p:transition spd="med" p14:dur="700" advTm="2376">
         <p:fade/>
       </p:transition>
     </mc:Choice>
-    <mc:Fallback>
+    <mc:Fallback xmlns="">
       <p:transition spd="med" advTm="2376">
         <p:fade/>
       </p:transition>
@@ -8782,7 +7631,7 @@
           <p:nvPr/>
         </p:nvPicPr>
         <p:blipFill>
-          <a:blip r:embed="rId1">
+          <a:blip r:embed="rId3">
             <a:extLst>
               <a:ext uri="{28A0092B-C50C-407E-A947-70E740481C1C}">
                 <a14:useLocalDpi xmlns:a14="http://schemas.microsoft.com/office/drawing/2010/main" val="0"/>
@@ -8958,13 +7807,6 @@
               </a:rPr>
               <a:t>程序实现</a:t>
             </a:r>
-            <a:endParaRPr lang="zh-CN" altLang="en-US" sz="3600" spc="600" dirty="0">
-              <a:solidFill>
-                <a:srgbClr val="919DCB"/>
-              </a:solidFill>
-              <a:latin typeface="微软雅黑" panose="020B0503020204020204" charset="-122"/>
-              <a:ea typeface="微软雅黑" panose="020B0503020204020204" charset="-122"/>
-            </a:endParaRPr>
           </a:p>
         </p:txBody>
       </p:sp>
@@ -8973,13 +7815,13 @@
   <p:clrMapOvr>
     <a:masterClrMapping/>
   </p:clrMapOvr>
-  <mc:AlternateContent xmlns:mc="http://schemas.openxmlformats.org/markup-compatibility/2006">
-    <mc:Choice xmlns:p14="http://schemas.microsoft.com/office/powerpoint/2010/main" Requires="p14">
+  <mc:AlternateContent xmlns:mc="http://schemas.openxmlformats.org/markup-compatibility/2006" xmlns:p14="http://schemas.microsoft.com/office/powerpoint/2010/main">
+    <mc:Choice Requires="p14">
       <p:transition spd="med" p14:dur="700" advTm="2376">
         <p:fade/>
       </p:transition>
     </mc:Choice>
-    <mc:Fallback>
+    <mc:Fallback xmlns="">
       <p:transition spd="med" advTm="2376">
         <p:fade/>
       </p:transition>
@@ -9224,7 +8066,7 @@
           <p:nvPr/>
         </p:nvPicPr>
         <p:blipFill>
-          <a:blip r:embed="rId1" cstate="print">
+          <a:blip r:embed="rId3" cstate="print">
             <a:extLst>
               <a:ext uri="{28A0092B-C50C-407E-A947-70E740481C1C}">
                 <a14:useLocalDpi xmlns:a14="http://schemas.microsoft.com/office/drawing/2010/main" val="0"/>
@@ -9345,13 +8187,6 @@
               </a:rPr>
               <a:t>程序实现</a:t>
             </a:r>
-            <a:endParaRPr lang="zh-CN" altLang="en-US" sz="1200" spc="600" dirty="0">
-              <a:solidFill>
-                <a:srgbClr val="919DCB"/>
-              </a:solidFill>
-              <a:latin typeface="微软雅黑" panose="020B0503020204020204" charset="-122"/>
-              <a:ea typeface="微软雅黑" panose="020B0503020204020204" charset="-122"/>
-            </a:endParaRPr>
           </a:p>
         </p:txBody>
       </p:sp>
@@ -9364,7 +8199,7 @@
           <p:nvPr/>
         </p:nvPicPr>
         <p:blipFill>
-          <a:blip r:embed="rId2"/>
+          <a:blip r:embed="rId4"/>
           <a:stretch>
             <a:fillRect/>
           </a:stretch>
@@ -9388,7 +8223,7 @@
           <p:nvPr/>
         </p:nvPicPr>
         <p:blipFill>
-          <a:blip r:embed="rId3"/>
+          <a:blip r:embed="rId5"/>
           <a:stretch>
             <a:fillRect/>
           </a:stretch>
@@ -9408,13 +8243,13 @@
   <p:clrMapOvr>
     <a:masterClrMapping/>
   </p:clrMapOvr>
-  <mc:AlternateContent xmlns:mc="http://schemas.openxmlformats.org/markup-compatibility/2006">
-    <mc:Choice xmlns:p14="http://schemas.microsoft.com/office/powerpoint/2010/main" Requires="p14">
+  <mc:AlternateContent xmlns:mc="http://schemas.openxmlformats.org/markup-compatibility/2006" xmlns:p14="http://schemas.microsoft.com/office/powerpoint/2010/main">
+    <mc:Choice Requires="p14">
       <p:transition spd="med" p14:dur="700" advTm="2376">
         <p:fade/>
       </p:transition>
     </mc:Choice>
-    <mc:Fallback>
+    <mc:Fallback xmlns="">
       <p:transition spd="med" advTm="2376">
         <p:fade/>
       </p:transition>
@@ -9479,7 +8314,7 @@
           <p:nvPr/>
         </p:nvPicPr>
         <p:blipFill>
-          <a:blip r:embed="rId1" cstate="print">
+          <a:blip r:embed="rId3" cstate="print">
             <a:extLst>
               <a:ext uri="{28A0092B-C50C-407E-A947-70E740481C1C}">
                 <a14:useLocalDpi xmlns:a14="http://schemas.microsoft.com/office/drawing/2010/main" val="0"/>
@@ -9600,13 +8435,6 @@
               </a:rPr>
               <a:t>程序实现</a:t>
             </a:r>
-            <a:endParaRPr lang="zh-CN" altLang="en-US" sz="1200" spc="600" dirty="0">
-              <a:solidFill>
-                <a:srgbClr val="919DCB"/>
-              </a:solidFill>
-              <a:latin typeface="微软雅黑" panose="020B0503020204020204" charset="-122"/>
-              <a:ea typeface="微软雅黑" panose="020B0503020204020204" charset="-122"/>
-            </a:endParaRPr>
           </a:p>
         </p:txBody>
       </p:sp>
@@ -9619,7 +8447,7 @@
           <p:nvPr/>
         </p:nvPicPr>
         <p:blipFill>
-          <a:blip r:embed="rId2"/>
+          <a:blip r:embed="rId4"/>
           <a:stretch>
             <a:fillRect/>
           </a:stretch>
@@ -9639,13 +8467,13 @@
   <p:clrMapOvr>
     <a:masterClrMapping/>
   </p:clrMapOvr>
-  <mc:AlternateContent xmlns:mc="http://schemas.openxmlformats.org/markup-compatibility/2006">
-    <mc:Choice xmlns:p14="http://schemas.microsoft.com/office/powerpoint/2010/main" Requires="p14">
+  <mc:AlternateContent xmlns:mc="http://schemas.openxmlformats.org/markup-compatibility/2006" xmlns:p14="http://schemas.microsoft.com/office/powerpoint/2010/main">
+    <mc:Choice Requires="p14">
       <p:transition spd="med" p14:dur="700" advTm="2376">
         <p:fade/>
       </p:transition>
     </mc:Choice>
-    <mc:Fallback>
+    <mc:Fallback xmlns="">
       <p:transition spd="med" advTm="2376">
         <p:fade/>
       </p:transition>
@@ -9710,7 +8538,7 @@
           <p:nvPr/>
         </p:nvPicPr>
         <p:blipFill>
-          <a:blip r:embed="rId1" cstate="print">
+          <a:blip r:embed="rId3" cstate="print">
             <a:extLst>
               <a:ext uri="{28A0092B-C50C-407E-A947-70E740481C1C}">
                 <a14:useLocalDpi xmlns:a14="http://schemas.microsoft.com/office/drawing/2010/main" val="0"/>
@@ -9831,13 +8659,6 @@
               </a:rPr>
               <a:t>程序实现</a:t>
             </a:r>
-            <a:endParaRPr lang="zh-CN" altLang="en-US" sz="1200" spc="600" dirty="0">
-              <a:solidFill>
-                <a:srgbClr val="919DCB"/>
-              </a:solidFill>
-              <a:latin typeface="微软雅黑" panose="020B0503020204020204" charset="-122"/>
-              <a:ea typeface="微软雅黑" panose="020B0503020204020204" charset="-122"/>
-            </a:endParaRPr>
           </a:p>
         </p:txBody>
       </p:sp>
@@ -9850,7 +8671,7 @@
           <p:nvPr/>
         </p:nvPicPr>
         <p:blipFill>
-          <a:blip r:embed="rId2"/>
+          <a:blip r:embed="rId4"/>
           <a:stretch>
             <a:fillRect/>
           </a:stretch>
@@ -9885,6 +8706,7 @@
           <a:bodyPr wrap="square" rtlCol="0">
             <a:spAutoFit/>
           </a:bodyPr>
+          <a:lstStyle/>
           <a:p>
             <a:pPr algn="ctr"/>
             <a:r>
@@ -9897,13 +8719,6 @@
               </a:rPr>
               <a:t>归并排序</a:t>
             </a:r>
-            <a:endParaRPr lang="zh-CN" sz="1200" spc="600" dirty="0">
-              <a:solidFill>
-                <a:srgbClr val="919DCB"/>
-              </a:solidFill>
-              <a:latin typeface="微软雅黑" panose="020B0503020204020204" charset="-122"/>
-              <a:ea typeface="微软雅黑" panose="020B0503020204020204" charset="-122"/>
-            </a:endParaRPr>
           </a:p>
         </p:txBody>
       </p:sp>
@@ -9916,7 +8731,7 @@
           <p:nvPr/>
         </p:nvPicPr>
         <p:blipFill>
-          <a:blip r:embed="rId3"/>
+          <a:blip r:embed="rId5"/>
           <a:stretch>
             <a:fillRect/>
           </a:stretch>
@@ -9936,13 +8751,13 @@
   <p:clrMapOvr>
     <a:masterClrMapping/>
   </p:clrMapOvr>
-  <mc:AlternateContent xmlns:mc="http://schemas.openxmlformats.org/markup-compatibility/2006">
-    <mc:Choice xmlns:p14="http://schemas.microsoft.com/office/powerpoint/2010/main" Requires="p14">
+  <mc:AlternateContent xmlns:mc="http://schemas.openxmlformats.org/markup-compatibility/2006" xmlns:p14="http://schemas.microsoft.com/office/powerpoint/2010/main">
+    <mc:Choice Requires="p14">
       <p:transition spd="med" p14:dur="700" advTm="2376">
         <p:fade/>
       </p:transition>
     </mc:Choice>
-    <mc:Fallback>
+    <mc:Fallback xmlns="">
       <p:transition spd="med" advTm="2376">
         <p:fade/>
       </p:transition>
@@ -10007,7 +8822,7 @@
           <p:nvPr/>
         </p:nvPicPr>
         <p:blipFill>
-          <a:blip r:embed="rId1" cstate="print">
+          <a:blip r:embed="rId3" cstate="print">
             <a:extLst>
               <a:ext uri="{28A0092B-C50C-407E-A947-70E740481C1C}">
                 <a14:useLocalDpi xmlns:a14="http://schemas.microsoft.com/office/drawing/2010/main" val="0"/>
@@ -10128,13 +8943,6 @@
               </a:rPr>
               <a:t>程序实现</a:t>
             </a:r>
-            <a:endParaRPr lang="zh-CN" altLang="en-US" sz="1200" spc="600" dirty="0">
-              <a:solidFill>
-                <a:srgbClr val="919DCB"/>
-              </a:solidFill>
-              <a:latin typeface="微软雅黑" panose="020B0503020204020204" charset="-122"/>
-              <a:ea typeface="微软雅黑" panose="020B0503020204020204" charset="-122"/>
-            </a:endParaRPr>
           </a:p>
         </p:txBody>
       </p:sp>
@@ -10158,6 +8966,7 @@
           <a:bodyPr wrap="square" rtlCol="0">
             <a:spAutoFit/>
           </a:bodyPr>
+          <a:lstStyle/>
           <a:p>
             <a:pPr algn="ctr"/>
             <a:r>
@@ -10170,13 +8979,6 @@
               </a:rPr>
               <a:t>快速排序</a:t>
             </a:r>
-            <a:endParaRPr lang="zh-CN" sz="1200" spc="600" dirty="0">
-              <a:solidFill>
-                <a:srgbClr val="919DCB"/>
-              </a:solidFill>
-              <a:latin typeface="微软雅黑" panose="020B0503020204020204" charset="-122"/>
-              <a:ea typeface="微软雅黑" panose="020B0503020204020204" charset="-122"/>
-            </a:endParaRPr>
           </a:p>
         </p:txBody>
       </p:sp>
@@ -10189,7 +8991,7 @@
           <p:nvPr/>
         </p:nvPicPr>
         <p:blipFill>
-          <a:blip r:embed="rId2"/>
+          <a:blip r:embed="rId4"/>
           <a:srcRect r="30065"/>
           <a:stretch>
             <a:fillRect/>
@@ -10214,7 +9016,7 @@
           <p:nvPr/>
         </p:nvPicPr>
         <p:blipFill>
-          <a:blip r:embed="rId3"/>
+          <a:blip r:embed="rId5"/>
           <a:srcRect r="29579"/>
           <a:stretch>
             <a:fillRect/>
@@ -10239,7 +9041,7 @@
           <p:nvPr/>
         </p:nvPicPr>
         <p:blipFill>
-          <a:blip r:embed="rId4"/>
+          <a:blip r:embed="rId6"/>
           <a:srcRect r="7501"/>
           <a:stretch>
             <a:fillRect/>
@@ -10260,13 +9062,13 @@
   <p:clrMapOvr>
     <a:masterClrMapping/>
   </p:clrMapOvr>
-  <mc:AlternateContent xmlns:mc="http://schemas.openxmlformats.org/markup-compatibility/2006">
-    <mc:Choice xmlns:p14="http://schemas.microsoft.com/office/powerpoint/2010/main" Requires="p14">
+  <mc:AlternateContent xmlns:mc="http://schemas.openxmlformats.org/markup-compatibility/2006" xmlns:p14="http://schemas.microsoft.com/office/powerpoint/2010/main">
+    <mc:Choice Requires="p14">
       <p:transition spd="med" p14:dur="700" advTm="2376">
         <p:fade/>
       </p:transition>
     </mc:Choice>
-    <mc:Fallback>
+    <mc:Fallback xmlns="">
       <p:transition spd="med" advTm="2376">
         <p:fade/>
       </p:transition>
@@ -10301,7 +9103,7 @@
           <p:nvPr/>
         </p:nvPicPr>
         <p:blipFill>
-          <a:blip r:embed="rId1">
+          <a:blip r:embed="rId3">
             <a:extLst>
               <a:ext uri="{28A0092B-C50C-407E-A947-70E740481C1C}">
                 <a14:useLocalDpi xmlns:a14="http://schemas.microsoft.com/office/drawing/2010/main" val="0"/>
@@ -10437,7 +9239,7 @@
           <a:p>
             <a:pPr algn="ctr"/>
             <a:r>
-              <a:rPr lang="en-US" altLang="zh-CN" sz="5400"/>
+              <a:rPr lang="en-US" altLang="zh-CN" sz="5400" dirty="0"/>
               <a:t>02</a:t>
             </a:r>
             <a:endParaRPr lang="zh-CN" altLang="en-US" sz="5400" dirty="0"/>
@@ -10452,8 +9254,8 @@
         </p:nvSpPr>
         <p:spPr>
           <a:xfrm>
-            <a:off x="2693879" y="2304132"/>
-            <a:ext cx="5695116" cy="646331"/>
+            <a:off x="2700362" y="2304132"/>
+            <a:ext cx="5695116" cy="645160"/>
           </a:xfrm>
           <a:prstGeom prst="rect">
             <a:avLst/>
@@ -10475,15 +9277,8 @@
                 <a:latin typeface="微软雅黑" panose="020B0503020204020204" charset="-122"/>
                 <a:ea typeface="微软雅黑" panose="020B0503020204020204" charset="-122"/>
               </a:rPr>
-              <a:t>运行结果</a:t>
-            </a:r>
-            <a:endParaRPr lang="zh-CN" altLang="en-US" sz="3600" spc="600" dirty="0">
-              <a:solidFill>
-                <a:srgbClr val="919DCB"/>
-              </a:solidFill>
-              <a:latin typeface="微软雅黑" panose="020B0503020204020204" charset="-122"/>
-              <a:ea typeface="微软雅黑" panose="020B0503020204020204" charset="-122"/>
-            </a:endParaRPr>
+              <a:t>性能分析</a:t>
+            </a:r>
           </a:p>
         </p:txBody>
       </p:sp>
@@ -10492,13 +9287,13 @@
   <p:clrMapOvr>
     <a:masterClrMapping/>
   </p:clrMapOvr>
-  <mc:AlternateContent xmlns:mc="http://schemas.openxmlformats.org/markup-compatibility/2006">
-    <mc:Choice xmlns:p14="http://schemas.microsoft.com/office/powerpoint/2010/main" Requires="p14">
+  <mc:AlternateContent xmlns:mc="http://schemas.openxmlformats.org/markup-compatibility/2006" xmlns:p14="http://schemas.microsoft.com/office/powerpoint/2010/main">
+    <mc:Choice Requires="p14">
       <p:transition spd="med" p14:dur="700" advTm="2376">
         <p:fade/>
       </p:transition>
     </mc:Choice>
-    <mc:Fallback>
+    <mc:Fallback xmlns="">
       <p:transition spd="med" advTm="2376">
         <p:fade/>
       </p:transition>
@@ -10706,7 +9501,7 @@
       </p:grpSpPr>
       <p:cxnSp>
         <p:nvCxnSpPr>
-          <p:cNvPr id="23" name="直接连接符 22"/>
+          <p:cNvPr id="25" name="直接连接符 24"/>
           <p:cNvCxnSpPr/>
           <p:nvPr/>
         </p:nvCxnSpPr>
@@ -10736,14 +9531,14 @@
       </p:cxnSp>
       <p:pic>
         <p:nvPicPr>
-          <p:cNvPr id="24" name="Picture 2" descr="C:\Documents and Settings\Administrator\桌面\新建文件夹 (2)\5.15封面参考\复件 (27) 新建文件夹\0f1ac98d7ad0e38211.jpg"/>
+          <p:cNvPr id="26" name="Picture 2" descr="C:\Documents and Settings\Administrator\桌面\新建文件夹 (2)\5.15封面参考\复件 (27) 新建文件夹\0f1ac98d7ad0e38211.jpg"/>
           <p:cNvPicPr>
             <a:picLocks noChangeAspect="1" noChangeArrowheads="1"/>
           </p:cNvPicPr>
           <p:nvPr/>
         </p:nvPicPr>
         <p:blipFill>
-          <a:blip r:embed="rId1" cstate="print">
+          <a:blip r:embed="rId3" cstate="print">
             <a:extLst>
               <a:ext uri="{28A0092B-C50C-407E-A947-70E740481C1C}">
                 <a14:useLocalDpi xmlns:a14="http://schemas.microsoft.com/office/drawing/2010/main" val="0"/>
@@ -10777,60 +9572,14 @@
       </p:pic>
       <p:sp>
         <p:nvSpPr>
-          <p:cNvPr id="25" name="矩形 24"/>
-          <p:cNvSpPr/>
-          <p:nvPr/>
-        </p:nvSpPr>
-        <p:spPr>
-          <a:xfrm>
-            <a:off x="7740922" y="1224012"/>
-            <a:ext cx="936104" cy="1296144"/>
-          </a:xfrm>
-          <a:prstGeom prst="rect">
-            <a:avLst/>
-          </a:prstGeom>
-          <a:solidFill>
-            <a:srgbClr val="FFFFFF"/>
-          </a:solidFill>
-          <a:ln>
-            <a:noFill/>
-          </a:ln>
-        </p:spPr>
-        <p:style>
-          <a:lnRef idx="2">
-            <a:schemeClr val="accent1">
-              <a:shade val="50000"/>
-            </a:schemeClr>
-          </a:lnRef>
-          <a:fillRef idx="1">
-            <a:schemeClr val="accent1"/>
-          </a:fillRef>
-          <a:effectRef idx="0">
-            <a:schemeClr val="accent1"/>
-          </a:effectRef>
-          <a:fontRef idx="minor">
-            <a:schemeClr val="lt1"/>
-          </a:fontRef>
-        </p:style>
-        <p:txBody>
-          <a:bodyPr rtlCol="0" anchor="ctr"/>
-          <a:lstStyle/>
-          <a:p>
-            <a:pPr algn="ctr"/>
-            <a:endParaRPr lang="zh-CN" altLang="en-US"/>
-          </a:p>
-        </p:txBody>
-      </p:sp>
-      <p:sp>
-        <p:nvSpPr>
-          <p:cNvPr id="26" name="文本框 24"/>
+          <p:cNvPr id="28" name="文本框 24"/>
           <p:cNvSpPr txBox="1"/>
           <p:nvPr/>
         </p:nvSpPr>
         <p:spPr>
           <a:xfrm>
             <a:off x="36066" y="154925"/>
-            <a:ext cx="1872208" cy="276999"/>
+            <a:ext cx="1872208" cy="275590"/>
           </a:xfrm>
           <a:prstGeom prst="rect">
             <a:avLst/>
@@ -10862,8 +9611,55 @@
                 <a:latin typeface="微软雅黑" panose="020B0503020204020204" charset="-122"/>
                 <a:ea typeface="微软雅黑" panose="020B0503020204020204" charset="-122"/>
               </a:rPr>
-              <a:t>运行结果</a:t>
-            </a:r>
+              <a:t>性能分析</a:t>
+            </a:r>
+          </a:p>
+        </p:txBody>
+      </p:sp>
+      <p:sp>
+        <p:nvSpPr>
+          <p:cNvPr id="8" name="文本框 7"/>
+          <p:cNvSpPr txBox="1"/>
+          <p:nvPr/>
+        </p:nvSpPr>
+        <p:spPr>
+          <a:xfrm>
+            <a:off x="4356735" y="791845"/>
+            <a:ext cx="4052570" cy="3589655"/>
+          </a:xfrm>
+          <a:prstGeom prst="rect">
+            <a:avLst/>
+          </a:prstGeom>
+          <a:noFill/>
+        </p:spPr>
+        <p:txBody>
+          <a:bodyPr wrap="square" rtlCol="0">
+            <a:noAutofit/>
+          </a:bodyPr>
+          <a:lstStyle/>
+          <a:p>
+            <a:pPr algn="l">
+              <a:buClrTx/>
+              <a:buSzTx/>
+              <a:buFontTx/>
+            </a:pPr>
+            <a:r>
+              <a:rPr lang="zh-CN" altLang="en-US" sz="1200" spc="600" dirty="0">
+                <a:solidFill>
+                  <a:srgbClr val="919DCB"/>
+                </a:solidFill>
+                <a:latin typeface="微软雅黑" panose="020B0503020204020204" charset="-122"/>
+                <a:ea typeface="微软雅黑" panose="020B0503020204020204" charset="-122"/>
+              </a:rPr>
+              <a:t>性能分析</a:t>
+            </a:r>
+          </a:p>
+          <a:p>
+            <a:pPr algn="l">
+              <a:buClrTx/>
+              <a:buSzTx/>
+              <a:buFontTx/>
+            </a:pPr>
             <a:endParaRPr lang="zh-CN" altLang="en-US" sz="1200" spc="600" dirty="0">
               <a:solidFill>
                 <a:srgbClr val="919DCB"/>
@@ -10872,71 +9668,115 @@
               <a:ea typeface="微软雅黑" panose="020B0503020204020204" charset="-122"/>
             </a:endParaRPr>
           </a:p>
-        </p:txBody>
-      </p:sp>
-      <p:graphicFrame>
-        <p:nvGraphicFramePr>
-          <p:cNvPr id="2" name="对象 1"/>
-          <p:cNvGraphicFramePr>
-            <a:graphicFrameLocks noChangeAspect="1"/>
-          </p:cNvGraphicFramePr>
+          <a:p>
+            <a:pPr algn="l">
+              <a:buClrTx/>
+              <a:buSzTx/>
+              <a:buFontTx/>
+            </a:pPr>
+            <a:endParaRPr lang="zh-CN" altLang="en-US" sz="1200" spc="600" dirty="0">
+              <a:solidFill>
+                <a:srgbClr val="919DCB"/>
+              </a:solidFill>
+              <a:latin typeface="微软雅黑" panose="020B0503020204020204" charset="-122"/>
+              <a:ea typeface="微软雅黑" panose="020B0503020204020204" charset="-122"/>
+            </a:endParaRPr>
+          </a:p>
+          <a:p>
+            <a:pPr algn="l" fontAlgn="t">
+              <a:buClrTx/>
+              <a:buSzTx/>
+              <a:buFontTx/>
+            </a:pPr>
+            <a:r>
+              <a:rPr lang="zh-CN" altLang="en-US" sz="1200" spc="600" dirty="0">
+                <a:solidFill>
+                  <a:srgbClr val="919DCB"/>
+                </a:solidFill>
+                <a:latin typeface="微软雅黑" panose="020B0503020204020204" charset="-122"/>
+                <a:ea typeface="微软雅黑" panose="020B0503020204020204" charset="-122"/>
+              </a:rPr>
+              <a:t>常规单线程运行归并排序，跑</a:t>
+            </a:r>
+            <a:r>
+              <a:rPr lang="en-US" altLang="zh-CN" sz="1200" spc="600" dirty="0">
+                <a:solidFill>
+                  <a:srgbClr val="919DCB"/>
+                </a:solidFill>
+                <a:latin typeface="微软雅黑" panose="020B0503020204020204" charset="-122"/>
+                <a:ea typeface="微软雅黑" panose="020B0503020204020204" charset="-122"/>
+              </a:rPr>
+              <a:t>10000000</a:t>
+            </a:r>
+            <a:r>
+              <a:rPr lang="zh-CN" altLang="en-US" sz="1200" spc="600" dirty="0">
+                <a:solidFill>
+                  <a:srgbClr val="919DCB"/>
+                </a:solidFill>
+                <a:latin typeface="微软雅黑" panose="020B0503020204020204" charset="-122"/>
+                <a:ea typeface="微软雅黑" panose="020B0503020204020204" charset="-122"/>
+              </a:rPr>
+              <a:t>个数的排序会导致长时间卡顿，会造成未响应，在使用多线程进行排序的时候可以正常跑完并输出结果，用时在</a:t>
+            </a:r>
+            <a:r>
+              <a:rPr lang="en-US" altLang="zh-CN" sz="1200" spc="600" dirty="0">
+                <a:solidFill>
+                  <a:srgbClr val="919DCB"/>
+                </a:solidFill>
+                <a:latin typeface="微软雅黑" panose="020B0503020204020204" charset="-122"/>
+                <a:ea typeface="微软雅黑" panose="020B0503020204020204" charset="-122"/>
+              </a:rPr>
+              <a:t>5s</a:t>
+            </a:r>
+            <a:r>
+              <a:rPr lang="zh-CN" altLang="en-US" sz="1200" spc="600" dirty="0">
+                <a:solidFill>
+                  <a:srgbClr val="919DCB"/>
+                </a:solidFill>
+                <a:latin typeface="微软雅黑" panose="020B0503020204020204" charset="-122"/>
+                <a:ea typeface="微软雅黑" panose="020B0503020204020204" charset="-122"/>
+              </a:rPr>
+              <a:t>内，可见多线程并行可以加速排序。</a:t>
+            </a:r>
+          </a:p>
+        </p:txBody>
+      </p:sp>
+      <p:pic>
+        <p:nvPicPr>
+          <p:cNvPr id="4" name="图片 3"/>
+          <p:cNvPicPr>
+            <a:picLocks noChangeAspect="1"/>
+          </p:cNvPicPr>
           <p:nvPr/>
-        </p:nvGraphicFramePr>
-        <p:xfrm>
-          <a:off x="243974" y="900420"/>
-          <a:ext cx="1456392" cy="938014"/>
-        </p:xfrm>
-        <a:graphic>
-          <a:graphicData uri="http://schemas.openxmlformats.org/presentationml/2006/ole">
-            <mc:AlternateContent xmlns:mc="http://schemas.openxmlformats.org/markup-compatibility/2006">
-              <mc:Choice xmlns:v="urn:schemas-microsoft-com:vml" Requires="v">
-                <p:oleObj spid="_x0000_s3" name="包装程序外壳对象" showAsIcon="1" r:id="rId2" imgW="819150" imgH="523875" progId="Package">
-                  <p:embed/>
-                </p:oleObj>
-              </mc:Choice>
-              <mc:Fallback>
-                <p:oleObj name="包装程序外壳对象" showAsIcon="1" r:id="rId2" imgW="819150" imgH="523875" progId="Package">
-                  <p:embed/>
-                  <p:pic>
-                    <p:nvPicPr>
-                      <p:cNvPr id="0" name="图片 2"/>
-                      <p:cNvPicPr/>
-                      <p:nvPr/>
-                    </p:nvPicPr>
-                    <p:blipFill>
-                      <a:blip r:embed="rId3"/>
-                      <a:stretch>
-                        <a:fillRect/>
-                      </a:stretch>
-                    </p:blipFill>
-                    <p:spPr>
-                      <a:xfrm>
-                        <a:off x="243974" y="900420"/>
-                        <a:ext cx="1456392" cy="938014"/>
-                      </a:xfrm>
-                      <a:prstGeom prst="rect">
-                        <a:avLst/>
-                      </a:prstGeom>
-                    </p:spPr>
-                  </p:pic>
-                </p:oleObj>
-              </mc:Fallback>
-            </mc:AlternateContent>
-          </a:graphicData>
-        </a:graphic>
-      </p:graphicFrame>
+        </p:nvPicPr>
+        <p:blipFill>
+          <a:blip r:embed="rId4"/>
+          <a:stretch>
+            <a:fillRect/>
+          </a:stretch>
+        </p:blipFill>
+        <p:spPr>
+          <a:xfrm>
+            <a:off x="252095" y="647700"/>
+            <a:ext cx="3516630" cy="4046855"/>
+          </a:xfrm>
+          <a:prstGeom prst="rect">
+            <a:avLst/>
+          </a:prstGeom>
+        </p:spPr>
+      </p:pic>
     </p:spTree>
   </p:cSld>
   <p:clrMapOvr>
     <a:masterClrMapping/>
   </p:clrMapOvr>
-  <mc:AlternateContent xmlns:mc="http://schemas.openxmlformats.org/markup-compatibility/2006">
-    <mc:Choice xmlns:p14="http://schemas.microsoft.com/office/powerpoint/2010/main" Requires="p14">
+  <mc:AlternateContent xmlns:mc="http://schemas.openxmlformats.org/markup-compatibility/2006" xmlns:p14="http://schemas.microsoft.com/office/powerpoint/2010/main">
+    <mc:Choice Requires="p14">
       <p:transition spd="med" p14:dur="700" advTm="2376">
         <p:fade/>
       </p:transition>
     </mc:Choice>
-    <mc:Fallback>
+    <mc:Fallback xmlns="">
       <p:transition spd="med" advTm="2376">
         <p:fade/>
       </p:transition>
@@ -10946,22 +9786,22 @@
 </file>
 
 <file path=ppt/tags/tag1.xml><?xml version="1.0" encoding="utf-8"?>
-<p:tagLst xmlns:p="http://schemas.openxmlformats.org/presentationml/2006/main">
-  <p:tag name="KSO_WM_UNIT_PLACING_PICTURE_USER_VIEWPORT" val="{&quot;height&quot;:2237.988976377953,&quot;width&quot;:3978.647244094488}"/>
+<p:tagLst xmlns:a="http://schemas.openxmlformats.org/drawingml/2006/main" xmlns:r="http://schemas.openxmlformats.org/officeDocument/2006/relationships" xmlns:p="http://schemas.openxmlformats.org/presentationml/2006/main">
+  <p:tag name="ISPRING_PRESENTATION_TITLE" val="10"/>
+  <p:tag name="KSO_WPP_MARK_KEY" val="e0726794-63bf-4e57-b1e8-a2054641c780"/>
+  <p:tag name="COMMONDATA" val="eyJoZGlkIjoiNjIwZTcyODFhNzdlZTAzZTUzYTk0N2VhMTFmODhiMzIifQ=="/>
 </p:tagLst>
 </file>
 
 <file path=ppt/tags/tag2.xml><?xml version="1.0" encoding="utf-8"?>
-<p:tagLst xmlns:p="http://schemas.openxmlformats.org/presentationml/2006/main">
+<p:tagLst xmlns:a="http://schemas.openxmlformats.org/drawingml/2006/main" xmlns:r="http://schemas.openxmlformats.org/officeDocument/2006/relationships" xmlns:p="http://schemas.openxmlformats.org/presentationml/2006/main">
   <p:tag name="KSO_WM_UNIT_PLACING_PICTURE_USER_VIEWPORT" val="{&quot;height&quot;:2237.988976377953,&quot;width&quot;:3978.647244094488}"/>
 </p:tagLst>
 </file>
 
 <file path=ppt/tags/tag3.xml><?xml version="1.0" encoding="utf-8"?>
-<p:tagLst xmlns:p="http://schemas.openxmlformats.org/presentationml/2006/main">
-  <p:tag name="ISPRING_PRESENTATION_TITLE" val="10"/>
-  <p:tag name="KSO_WPP_MARK_KEY" val="e0726794-63bf-4e57-b1e8-a2054641c780"/>
-  <p:tag name="COMMONDATA" val="eyJoZGlkIjoiNjIwZTcyODFhNzdlZTAzZTUzYTk0N2VhMTFmODhiMzIifQ=="/>
+<p:tagLst xmlns:a="http://schemas.openxmlformats.org/drawingml/2006/main" xmlns:r="http://schemas.openxmlformats.org/officeDocument/2006/relationships" xmlns:p="http://schemas.openxmlformats.org/presentationml/2006/main">
+  <p:tag name="KSO_WM_UNIT_PLACING_PICTURE_USER_VIEWPORT" val="{&quot;height&quot;:2237.988976377953,&quot;width&quot;:3978.647244094488}"/>
 </p:tagLst>
 </file>
 
@@ -11243,6 +10083,8 @@
       </a:bgFillStyleLst>
     </a:fmtScheme>
   </a:themeElements>
+  <a:objectDefaults/>
+  <a:extraClrSchemeLst/>
   <a:extLst>
     <a:ext uri="{05A4C25C-085E-4340-85A3-A5531E510DB2}">
       <thm15:themeFamily xmlns:thm15="http://schemas.microsoft.com/office/thememl/2012/main" name="Office Theme" id="{62F939B6-93AF-4DB8-9C6B-D6C7DFDC589F}" vid="{4A3C46E8-61CC-4603-A589-7422A47A8E4A}"/>
@@ -11502,6 +10344,8 @@
       </a:bgFillStyleLst>
     </a:fmtScheme>
   </a:themeElements>
+  <a:objectDefaults/>
+  <a:extraClrSchemeLst/>
   <a:extLst>
     <a:ext uri="{05A4C25C-085E-4340-85A3-A5531E510DB2}">
       <thm15:themeFamily xmlns:thm15="http://schemas.microsoft.com/office/thememl/2012/main" name="Office Theme" id="{62F939B6-93AF-4DB8-9C6B-D6C7DFDC589F}" vid="{4A3C46E8-61CC-4603-A589-7422A47A8E4A}"/>
